--- a/drug_rating_prediction/GNN_graph_explain.pptx
+++ b/drug_rating_prediction/GNN_graph_explain.pptx
@@ -1,26 +1,26 @@
 
 <file path=ppt/presentation.xml><?xml version="1.0" encoding="utf-8"?>
-<p:presentation xmlns:a="http://schemas.openxmlformats.org/drawingml/2006/main" xmlns:r="http://schemas.openxmlformats.org/officeDocument/2006/relationships" xmlns:mc="http://schemas.openxmlformats.org/markup-compatibility/2006" xmlns:mv="urn:schemas-microsoft-com:mac:vml" xmlns:p="http://schemas.openxmlformats.org/presentationml/2006/main" xmlns:c="http://schemas.openxmlformats.org/drawingml/2006/chart" xmlns:dgm="http://schemas.openxmlformats.org/drawingml/2006/diagram" xmlns:o="urn:schemas-microsoft-com:office:office" xmlns:v="urn:schemas-microsoft-com:vml" xmlns:pvml="urn:schemas-microsoft-com:office:powerpoint" xmlns:com="http://schemas.openxmlformats.org/drawingml/2006/compatibility" xmlns:p14="http://schemas.microsoft.com/office/powerpoint/2010/main" xmlns:p15="http://schemas.microsoft.com/office/powerpoint/2012/main" xmlns:ahyp="http://schemas.microsoft.com/office/drawing/2018/hyperlinkcolor" autoCompressPictures="0" strictFirstAndLastChars="0" saveSubsetFonts="1">
+<p:presentation xmlns:a="http://schemas.openxmlformats.org/drawingml/2006/main" xmlns:r="http://schemas.openxmlformats.org/officeDocument/2006/relationships" xmlns:p="http://schemas.openxmlformats.org/presentationml/2006/main" strictFirstAndLastChars="0" saveSubsetFonts="1" autoCompressPictures="0">
   <p:sldMasterIdLst>
-    <p:sldMasterId id="2147483659" r:id="rId5"/>
+    <p:sldMasterId id="2147483659" r:id="rId1"/>
   </p:sldMasterIdLst>
   <p:notesMasterIdLst>
-    <p:notesMasterId r:id="rId6"/>
+    <p:notesMasterId r:id="rId10"/>
   </p:notesMasterIdLst>
   <p:sldIdLst>
-    <p:sldId id="256" r:id="rId7"/>
-    <p:sldId id="257" r:id="rId8"/>
-    <p:sldId id="258" r:id="rId9"/>
-    <p:sldId id="259" r:id="rId10"/>
-    <p:sldId id="260" r:id="rId11"/>
-    <p:sldId id="261" r:id="rId12"/>
-    <p:sldId id="262" r:id="rId13"/>
-    <p:sldId id="263" r:id="rId14"/>
+    <p:sldId id="256" r:id="rId2"/>
+    <p:sldId id="257" r:id="rId3"/>
+    <p:sldId id="258" r:id="rId4"/>
+    <p:sldId id="259" r:id="rId5"/>
+    <p:sldId id="260" r:id="rId6"/>
+    <p:sldId id="261" r:id="rId7"/>
+    <p:sldId id="262" r:id="rId8"/>
+    <p:sldId id="263" r:id="rId9"/>
   </p:sldIdLst>
-  <p:sldSz cy="5143500" cx="9144000"/>
+  <p:sldSz cx="9144000" cy="5143500" type="screen16x9"/>
   <p:notesSz cx="6858000" cy="9144000"/>
   <p:defaultTextStyle>
-    <a:defPPr lvl="0" marR="0" rtl="0" algn="l">
+    <a:defPPr marR="0" lvl="0" algn="l" rtl="0">
       <a:lnSpc>
         <a:spcPct val="100000"/>
       </a:lnSpc>
@@ -31,7 +31,7 @@
         <a:spcPts val="0"/>
       </a:spcAft>
     </a:defPPr>
-    <a:lvl1pPr lvl="0" marR="0" rtl="0" algn="l">
+    <a:lvl1pPr marR="0" lvl="0" algn="l" rtl="0">
       <a:lnSpc>
         <a:spcPct val="100000"/>
       </a:lnSpc>
@@ -45,7 +45,7 @@
         <a:srgbClr val="000000"/>
       </a:buClr>
       <a:buFont typeface="Arial"/>
-      <a:defRPr b="0" i="0" sz="1400" u="none" cap="none" strike="noStrike">
+      <a:defRPr sz="1400" b="0" i="0" u="none" strike="noStrike" cap="none">
         <a:solidFill>
           <a:srgbClr val="000000"/>
         </a:solidFill>
@@ -55,7 +55,7 @@
         <a:sym typeface="Arial"/>
       </a:defRPr>
     </a:lvl1pPr>
-    <a:lvl2pPr lvl="1" marR="0" rtl="0" algn="l">
+    <a:lvl2pPr marR="0" lvl="1" algn="l" rtl="0">
       <a:lnSpc>
         <a:spcPct val="100000"/>
       </a:lnSpc>
@@ -69,7 +69,7 @@
         <a:srgbClr val="000000"/>
       </a:buClr>
       <a:buFont typeface="Arial"/>
-      <a:defRPr b="0" i="0" sz="1400" u="none" cap="none" strike="noStrike">
+      <a:defRPr sz="1400" b="0" i="0" u="none" strike="noStrike" cap="none">
         <a:solidFill>
           <a:srgbClr val="000000"/>
         </a:solidFill>
@@ -79,7 +79,7 @@
         <a:sym typeface="Arial"/>
       </a:defRPr>
     </a:lvl2pPr>
-    <a:lvl3pPr lvl="2" marR="0" rtl="0" algn="l">
+    <a:lvl3pPr marR="0" lvl="2" algn="l" rtl="0">
       <a:lnSpc>
         <a:spcPct val="100000"/>
       </a:lnSpc>
@@ -93,7 +93,7 @@
         <a:srgbClr val="000000"/>
       </a:buClr>
       <a:buFont typeface="Arial"/>
-      <a:defRPr b="0" i="0" sz="1400" u="none" cap="none" strike="noStrike">
+      <a:defRPr sz="1400" b="0" i="0" u="none" strike="noStrike" cap="none">
         <a:solidFill>
           <a:srgbClr val="000000"/>
         </a:solidFill>
@@ -103,7 +103,7 @@
         <a:sym typeface="Arial"/>
       </a:defRPr>
     </a:lvl3pPr>
-    <a:lvl4pPr lvl="3" marR="0" rtl="0" algn="l">
+    <a:lvl4pPr marR="0" lvl="3" algn="l" rtl="0">
       <a:lnSpc>
         <a:spcPct val="100000"/>
       </a:lnSpc>
@@ -117,7 +117,7 @@
         <a:srgbClr val="000000"/>
       </a:buClr>
       <a:buFont typeface="Arial"/>
-      <a:defRPr b="0" i="0" sz="1400" u="none" cap="none" strike="noStrike">
+      <a:defRPr sz="1400" b="0" i="0" u="none" strike="noStrike" cap="none">
         <a:solidFill>
           <a:srgbClr val="000000"/>
         </a:solidFill>
@@ -127,7 +127,7 @@
         <a:sym typeface="Arial"/>
       </a:defRPr>
     </a:lvl4pPr>
-    <a:lvl5pPr lvl="4" marR="0" rtl="0" algn="l">
+    <a:lvl5pPr marR="0" lvl="4" algn="l" rtl="0">
       <a:lnSpc>
         <a:spcPct val="100000"/>
       </a:lnSpc>
@@ -141,7 +141,7 @@
         <a:srgbClr val="000000"/>
       </a:buClr>
       <a:buFont typeface="Arial"/>
-      <a:defRPr b="0" i="0" sz="1400" u="none" cap="none" strike="noStrike">
+      <a:defRPr sz="1400" b="0" i="0" u="none" strike="noStrike" cap="none">
         <a:solidFill>
           <a:srgbClr val="000000"/>
         </a:solidFill>
@@ -151,7 +151,7 @@
         <a:sym typeface="Arial"/>
       </a:defRPr>
     </a:lvl5pPr>
-    <a:lvl6pPr lvl="5" marR="0" rtl="0" algn="l">
+    <a:lvl6pPr marR="0" lvl="5" algn="l" rtl="0">
       <a:lnSpc>
         <a:spcPct val="100000"/>
       </a:lnSpc>
@@ -165,7 +165,7 @@
         <a:srgbClr val="000000"/>
       </a:buClr>
       <a:buFont typeface="Arial"/>
-      <a:defRPr b="0" i="0" sz="1400" u="none" cap="none" strike="noStrike">
+      <a:defRPr sz="1400" b="0" i="0" u="none" strike="noStrike" cap="none">
         <a:solidFill>
           <a:srgbClr val="000000"/>
         </a:solidFill>
@@ -175,7 +175,7 @@
         <a:sym typeface="Arial"/>
       </a:defRPr>
     </a:lvl6pPr>
-    <a:lvl7pPr lvl="6" marR="0" rtl="0" algn="l">
+    <a:lvl7pPr marR="0" lvl="6" algn="l" rtl="0">
       <a:lnSpc>
         <a:spcPct val="100000"/>
       </a:lnSpc>
@@ -189,7 +189,7 @@
         <a:srgbClr val="000000"/>
       </a:buClr>
       <a:buFont typeface="Arial"/>
-      <a:defRPr b="0" i="0" sz="1400" u="none" cap="none" strike="noStrike">
+      <a:defRPr sz="1400" b="0" i="0" u="none" strike="noStrike" cap="none">
         <a:solidFill>
           <a:srgbClr val="000000"/>
         </a:solidFill>
@@ -199,7 +199,7 @@
         <a:sym typeface="Arial"/>
       </a:defRPr>
     </a:lvl7pPr>
-    <a:lvl8pPr lvl="7" marR="0" rtl="0" algn="l">
+    <a:lvl8pPr marR="0" lvl="7" algn="l" rtl="0">
       <a:lnSpc>
         <a:spcPct val="100000"/>
       </a:lnSpc>
@@ -213,7 +213,7 @@
         <a:srgbClr val="000000"/>
       </a:buClr>
       <a:buFont typeface="Arial"/>
-      <a:defRPr b="0" i="0" sz="1400" u="none" cap="none" strike="noStrike">
+      <a:defRPr sz="1400" b="0" i="0" u="none" strike="noStrike" cap="none">
         <a:solidFill>
           <a:srgbClr val="000000"/>
         </a:solidFill>
@@ -223,7 +223,7 @@
         <a:sym typeface="Arial"/>
       </a:defRPr>
     </a:lvl8pPr>
-    <a:lvl9pPr lvl="8" marR="0" rtl="0" algn="l">
+    <a:lvl9pPr marR="0" lvl="8" algn="l" rtl="0">
       <a:lnSpc>
         <a:spcPct val="100000"/>
       </a:lnSpc>
@@ -237,7 +237,7 @@
         <a:srgbClr val="000000"/>
       </a:buClr>
       <a:buFont typeface="Arial"/>
-      <a:defRPr b="0" i="0" sz="1400" u="none" cap="none" strike="noStrike">
+      <a:defRPr sz="1400" b="0" i="0" u="none" strike="noStrike" cap="none">
         <a:solidFill>
           <a:srgbClr val="000000"/>
         </a:solidFill>
@@ -250,7 +250,7 @@
   </p:defaultTextStyle>
   <p:extLst>
     <p:ext uri="{EFAFB233-063F-42B5-8137-9DF3F51BA10A}">
-      <p15:sldGuideLst>
+      <p15:sldGuideLst xmlns:p15="http://schemas.microsoft.com/office/powerpoint/2012/main">
         <p15:guide id="1" orient="horz" pos="1620">
           <p15:clr>
             <a:srgbClr val="A4A3A4"/>
@@ -268,11 +268,16 @@
 </file>
 
 <file path=ppt/notesMasters/notesMaster1.xml><?xml version="1.0" encoding="utf-8"?>
-<p:notesMaster xmlns:a="http://schemas.openxmlformats.org/drawingml/2006/main" xmlns:r="http://schemas.openxmlformats.org/officeDocument/2006/relationships" xmlns:mc="http://schemas.openxmlformats.org/markup-compatibility/2006" xmlns:mv="urn:schemas-microsoft-com:mac:vml" xmlns:p="http://schemas.openxmlformats.org/presentationml/2006/main" xmlns:c="http://schemas.openxmlformats.org/drawingml/2006/chart" xmlns:dgm="http://schemas.openxmlformats.org/drawingml/2006/diagram" xmlns:o="urn:schemas-microsoft-com:office:office" xmlns:v="urn:schemas-microsoft-com:vml" xmlns:pvml="urn:schemas-microsoft-com:office:powerpoint" xmlns:com="http://schemas.openxmlformats.org/drawingml/2006/compatibility" xmlns:p14="http://schemas.microsoft.com/office/powerpoint/2010/main" xmlns:p15="http://schemas.microsoft.com/office/powerpoint/2012/main" xmlns:ahyp="http://schemas.microsoft.com/office/drawing/2018/hyperlinkcolor">
+<p:notesMaster xmlns:a="http://schemas.openxmlformats.org/drawingml/2006/main" xmlns:r="http://schemas.openxmlformats.org/officeDocument/2006/relationships" xmlns:p="http://schemas.openxmlformats.org/presentationml/2006/main">
   <p:cSld>
+    <p:bg>
+      <p:bgRef idx="1001">
+        <a:schemeClr val="bg1"/>
+      </p:bgRef>
+    </p:bg>
     <p:spTree>
       <p:nvGrpSpPr>
-        <p:cNvPr id="2" name="Shape 2"/>
+        <p:cNvPr id="1" name="Shape 2"/>
         <p:cNvGrpSpPr/>
         <p:nvPr/>
       </p:nvGrpSpPr>
@@ -287,9 +292,11 @@
       <p:sp>
         <p:nvSpPr>
           <p:cNvPr id="3" name="Google Shape;3;n"/>
-          <p:cNvSpPr/>
+          <p:cNvSpPr>
+            <a:spLocks noGrp="1" noRot="1" noChangeAspect="1"/>
+          </p:cNvSpPr>
           <p:nvPr>
-            <p:ph idx="2" type="sldImg"/>
+            <p:ph type="sldImg" idx="2"/>
           </p:nvPr>
         </p:nvSpPr>
         <p:spPr>
@@ -298,9 +305,13 @@
             <a:ext cx="6096075" cy="3429000"/>
           </a:xfrm>
           <a:custGeom>
-            <a:rect b="b" l="l" r="r" t="t"/>
+            <a:avLst/>
+            <a:gdLst/>
+            <a:ahLst/>
+            <a:cxnLst/>
+            <a:rect l="l" t="t" r="r" b="b"/>
             <a:pathLst>
-              <a:path extrusionOk="0" h="120000" w="120000">
+              <a:path w="120000" h="120000" extrusionOk="0">
                 <a:moveTo>
                   <a:pt x="0" y="0"/>
                 </a:moveTo>
@@ -318,23 +329,25 @@
             </a:pathLst>
           </a:custGeom>
           <a:noFill/>
-          <a:ln cap="flat" cmpd="sng" w="9525">
+          <a:ln w="9525" cap="flat" cmpd="sng">
             <a:solidFill>
               <a:srgbClr val="000000"/>
             </a:solidFill>
             <a:prstDash val="solid"/>
             <a:round/>
-            <a:headEnd len="sm" w="sm" type="none"/>
-            <a:tailEnd len="sm" w="sm" type="none"/>
+            <a:headEnd type="none" w="sm" len="sm"/>
+            <a:tailEnd type="none" w="sm" len="sm"/>
           </a:ln>
         </p:spPr>
       </p:sp>
       <p:sp>
         <p:nvSpPr>
           <p:cNvPr id="4" name="Google Shape;4;n"/>
-          <p:cNvSpPr txBox="1"/>
+          <p:cNvSpPr txBox="1">
+            <a:spLocks noGrp="1"/>
+          </p:cNvSpPr>
           <p:nvPr>
-            <p:ph idx="1" type="body"/>
+            <p:ph type="body" idx="1"/>
           </p:nvPr>
         </p:nvSpPr>
         <p:spPr>
@@ -351,11 +364,11 @@
           </a:ln>
         </p:spPr>
         <p:txBody>
-          <a:bodyPr anchorCtr="0" anchor="t" bIns="91425" lIns="91425" spcFirstLastPara="1" rIns="91425" wrap="square" tIns="91425">
+          <a:bodyPr spcFirstLastPara="1" wrap="square" lIns="91425" tIns="91425" rIns="91425" bIns="91425" anchor="t" anchorCtr="0">
             <a:noAutofit/>
           </a:bodyPr>
           <a:lstStyle>
-            <a:lvl1pPr indent="-298450" lvl="0" marL="457200">
+            <a:lvl1pPr marL="457200" lvl="0" indent="-298450">
               <a:spcBef>
                 <a:spcPts val="0"/>
               </a:spcBef>
@@ -366,7 +379,7 @@
               <a:buChar char="●"/>
               <a:defRPr sz="1100"/>
             </a:lvl1pPr>
-            <a:lvl2pPr indent="-298450" lvl="1" marL="914400">
+            <a:lvl2pPr marL="914400" lvl="1" indent="-298450">
               <a:spcBef>
                 <a:spcPts val="0"/>
               </a:spcBef>
@@ -377,7 +390,7 @@
               <a:buChar char="○"/>
               <a:defRPr sz="1100"/>
             </a:lvl2pPr>
-            <a:lvl3pPr indent="-298450" lvl="2" marL="1371600">
+            <a:lvl3pPr marL="1371600" lvl="2" indent="-298450">
               <a:spcBef>
                 <a:spcPts val="0"/>
               </a:spcBef>
@@ -388,7 +401,7 @@
               <a:buChar char="■"/>
               <a:defRPr sz="1100"/>
             </a:lvl3pPr>
-            <a:lvl4pPr indent="-298450" lvl="3" marL="1828800">
+            <a:lvl4pPr marL="1828800" lvl="3" indent="-298450">
               <a:spcBef>
                 <a:spcPts val="0"/>
               </a:spcBef>
@@ -399,7 +412,7 @@
               <a:buChar char="●"/>
               <a:defRPr sz="1100"/>
             </a:lvl4pPr>
-            <a:lvl5pPr indent="-298450" lvl="4" marL="2286000">
+            <a:lvl5pPr marL="2286000" lvl="4" indent="-298450">
               <a:spcBef>
                 <a:spcPts val="0"/>
               </a:spcBef>
@@ -410,7 +423,7 @@
               <a:buChar char="○"/>
               <a:defRPr sz="1100"/>
             </a:lvl5pPr>
-            <a:lvl6pPr indent="-298450" lvl="5" marL="2743200">
+            <a:lvl6pPr marL="2743200" lvl="5" indent="-298450">
               <a:spcBef>
                 <a:spcPts val="0"/>
               </a:spcBef>
@@ -421,7 +434,7 @@
               <a:buChar char="■"/>
               <a:defRPr sz="1100"/>
             </a:lvl6pPr>
-            <a:lvl7pPr indent="-298450" lvl="6" marL="3200400">
+            <a:lvl7pPr marL="3200400" lvl="6" indent="-298450">
               <a:spcBef>
                 <a:spcPts val="0"/>
               </a:spcBef>
@@ -432,7 +445,7 @@
               <a:buChar char="●"/>
               <a:defRPr sz="1100"/>
             </a:lvl7pPr>
-            <a:lvl8pPr indent="-298450" lvl="7" marL="3657600">
+            <a:lvl8pPr marL="3657600" lvl="7" indent="-298450">
               <a:spcBef>
                 <a:spcPts val="0"/>
               </a:spcBef>
@@ -443,7 +456,7 @@
               <a:buChar char="○"/>
               <a:defRPr sz="1100"/>
             </a:lvl8pPr>
-            <a:lvl9pPr indent="-298450" lvl="8" marL="4114800">
+            <a:lvl9pPr marL="4114800" lvl="8" indent="-298450">
               <a:spcBef>
                 <a:spcPts val="0"/>
               </a:spcBef>
@@ -455,14 +468,16 @@
               <a:defRPr sz="1100"/>
             </a:lvl9pPr>
           </a:lstStyle>
-          <a:p/>
+          <a:p>
+            <a:endParaRPr/>
+          </a:p>
         </p:txBody>
       </p:sp>
     </p:spTree>
   </p:cSld>
-  <p:clrMap accent1="accent1" accent2="accent2" accent3="accent3" accent4="accent4" accent5="accent5" accent6="accent6" bg1="lt1" bg2="dk2" tx1="dk1" tx2="lt2" folHlink="folHlink" hlink="hlink"/>
+  <p:clrMap bg1="lt1" tx1="dk1" bg2="dk2" tx2="lt2" accent1="accent1" accent2="accent2" accent3="accent3" accent4="accent4" accent5="accent5" accent6="accent6" hlink="hlink" folHlink="folHlink"/>
   <p:notesStyle>
-    <a:defPPr lvl="0" marR="0" rtl="0" algn="l">
+    <a:defPPr marR="0" lvl="0" algn="l" rtl="0">
       <a:lnSpc>
         <a:spcPct val="100000"/>
       </a:lnSpc>
@@ -473,7 +488,7 @@
         <a:spcPts val="0"/>
       </a:spcAft>
     </a:defPPr>
-    <a:lvl1pPr lvl="0" marR="0" rtl="0" algn="l">
+    <a:lvl1pPr marR="0" lvl="0" algn="l" rtl="0">
       <a:lnSpc>
         <a:spcPct val="100000"/>
       </a:lnSpc>
@@ -487,7 +502,7 @@
         <a:srgbClr val="000000"/>
       </a:buClr>
       <a:buFont typeface="Arial"/>
-      <a:defRPr b="0" i="0" sz="1400" u="none" cap="none" strike="noStrike">
+      <a:defRPr sz="1400" b="0" i="0" u="none" strike="noStrike" cap="none">
         <a:solidFill>
           <a:srgbClr val="000000"/>
         </a:solidFill>
@@ -497,7 +512,7 @@
         <a:sym typeface="Arial"/>
       </a:defRPr>
     </a:lvl1pPr>
-    <a:lvl2pPr lvl="1" marR="0" rtl="0" algn="l">
+    <a:lvl2pPr marR="0" lvl="1" algn="l" rtl="0">
       <a:lnSpc>
         <a:spcPct val="100000"/>
       </a:lnSpc>
@@ -511,7 +526,7 @@
         <a:srgbClr val="000000"/>
       </a:buClr>
       <a:buFont typeface="Arial"/>
-      <a:defRPr b="0" i="0" sz="1400" u="none" cap="none" strike="noStrike">
+      <a:defRPr sz="1400" b="0" i="0" u="none" strike="noStrike" cap="none">
         <a:solidFill>
           <a:srgbClr val="000000"/>
         </a:solidFill>
@@ -521,7 +536,7 @@
         <a:sym typeface="Arial"/>
       </a:defRPr>
     </a:lvl2pPr>
-    <a:lvl3pPr lvl="2" marR="0" rtl="0" algn="l">
+    <a:lvl3pPr marR="0" lvl="2" algn="l" rtl="0">
       <a:lnSpc>
         <a:spcPct val="100000"/>
       </a:lnSpc>
@@ -535,7 +550,7 @@
         <a:srgbClr val="000000"/>
       </a:buClr>
       <a:buFont typeface="Arial"/>
-      <a:defRPr b="0" i="0" sz="1400" u="none" cap="none" strike="noStrike">
+      <a:defRPr sz="1400" b="0" i="0" u="none" strike="noStrike" cap="none">
         <a:solidFill>
           <a:srgbClr val="000000"/>
         </a:solidFill>
@@ -545,7 +560,7 @@
         <a:sym typeface="Arial"/>
       </a:defRPr>
     </a:lvl3pPr>
-    <a:lvl4pPr lvl="3" marR="0" rtl="0" algn="l">
+    <a:lvl4pPr marR="0" lvl="3" algn="l" rtl="0">
       <a:lnSpc>
         <a:spcPct val="100000"/>
       </a:lnSpc>
@@ -559,7 +574,7 @@
         <a:srgbClr val="000000"/>
       </a:buClr>
       <a:buFont typeface="Arial"/>
-      <a:defRPr b="0" i="0" sz="1400" u="none" cap="none" strike="noStrike">
+      <a:defRPr sz="1400" b="0" i="0" u="none" strike="noStrike" cap="none">
         <a:solidFill>
           <a:srgbClr val="000000"/>
         </a:solidFill>
@@ -569,7 +584,7 @@
         <a:sym typeface="Arial"/>
       </a:defRPr>
     </a:lvl4pPr>
-    <a:lvl5pPr lvl="4" marR="0" rtl="0" algn="l">
+    <a:lvl5pPr marR="0" lvl="4" algn="l" rtl="0">
       <a:lnSpc>
         <a:spcPct val="100000"/>
       </a:lnSpc>
@@ -583,7 +598,7 @@
         <a:srgbClr val="000000"/>
       </a:buClr>
       <a:buFont typeface="Arial"/>
-      <a:defRPr b="0" i="0" sz="1400" u="none" cap="none" strike="noStrike">
+      <a:defRPr sz="1400" b="0" i="0" u="none" strike="noStrike" cap="none">
         <a:solidFill>
           <a:srgbClr val="000000"/>
         </a:solidFill>
@@ -593,7 +608,7 @@
         <a:sym typeface="Arial"/>
       </a:defRPr>
     </a:lvl5pPr>
-    <a:lvl6pPr lvl="5" marR="0" rtl="0" algn="l">
+    <a:lvl6pPr marR="0" lvl="5" algn="l" rtl="0">
       <a:lnSpc>
         <a:spcPct val="100000"/>
       </a:lnSpc>
@@ -607,7 +622,7 @@
         <a:srgbClr val="000000"/>
       </a:buClr>
       <a:buFont typeface="Arial"/>
-      <a:defRPr b="0" i="0" sz="1400" u="none" cap="none" strike="noStrike">
+      <a:defRPr sz="1400" b="0" i="0" u="none" strike="noStrike" cap="none">
         <a:solidFill>
           <a:srgbClr val="000000"/>
         </a:solidFill>
@@ -617,7 +632,7 @@
         <a:sym typeface="Arial"/>
       </a:defRPr>
     </a:lvl6pPr>
-    <a:lvl7pPr lvl="6" marR="0" rtl="0" algn="l">
+    <a:lvl7pPr marR="0" lvl="6" algn="l" rtl="0">
       <a:lnSpc>
         <a:spcPct val="100000"/>
       </a:lnSpc>
@@ -631,7 +646,7 @@
         <a:srgbClr val="000000"/>
       </a:buClr>
       <a:buFont typeface="Arial"/>
-      <a:defRPr b="0" i="0" sz="1400" u="none" cap="none" strike="noStrike">
+      <a:defRPr sz="1400" b="0" i="0" u="none" strike="noStrike" cap="none">
         <a:solidFill>
           <a:srgbClr val="000000"/>
         </a:solidFill>
@@ -641,7 +656,7 @@
         <a:sym typeface="Arial"/>
       </a:defRPr>
     </a:lvl7pPr>
-    <a:lvl8pPr lvl="7" marR="0" rtl="0" algn="l">
+    <a:lvl8pPr marR="0" lvl="7" algn="l" rtl="0">
       <a:lnSpc>
         <a:spcPct val="100000"/>
       </a:lnSpc>
@@ -655,7 +670,7 @@
         <a:srgbClr val="000000"/>
       </a:buClr>
       <a:buFont typeface="Arial"/>
-      <a:defRPr b="0" i="0" sz="1400" u="none" cap="none" strike="noStrike">
+      <a:defRPr sz="1400" b="0" i="0" u="none" strike="noStrike" cap="none">
         <a:solidFill>
           <a:srgbClr val="000000"/>
         </a:solidFill>
@@ -665,7 +680,7 @@
         <a:sym typeface="Arial"/>
       </a:defRPr>
     </a:lvl8pPr>
-    <a:lvl9pPr lvl="8" marR="0" rtl="0" algn="l">
+    <a:lvl9pPr marR="0" lvl="8" algn="l" rtl="0">
       <a:lnSpc>
         <a:spcPct val="100000"/>
       </a:lnSpc>
@@ -679,7 +694,7 @@
         <a:srgbClr val="000000"/>
       </a:buClr>
       <a:buFont typeface="Arial"/>
-      <a:defRPr b="0" i="0" sz="1400" u="none" cap="none" strike="noStrike">
+      <a:defRPr sz="1400" b="0" i="0" u="none" strike="noStrike" cap="none">
         <a:solidFill>
           <a:srgbClr val="000000"/>
         </a:solidFill>
@@ -694,11 +709,11 @@
 </file>
 
 <file path=ppt/notesSlides/notesSlide1.xml><?xml version="1.0" encoding="utf-8"?>
-<p:notes xmlns:a="http://schemas.openxmlformats.org/drawingml/2006/main" xmlns:r="http://schemas.openxmlformats.org/officeDocument/2006/relationships" xmlns:mc="http://schemas.openxmlformats.org/markup-compatibility/2006" xmlns:mv="urn:schemas-microsoft-com:mac:vml" xmlns:p="http://schemas.openxmlformats.org/presentationml/2006/main" xmlns:c="http://schemas.openxmlformats.org/drawingml/2006/chart" xmlns:dgm="http://schemas.openxmlformats.org/drawingml/2006/diagram" xmlns:o="urn:schemas-microsoft-com:office:office" xmlns:v="urn:schemas-microsoft-com:vml" xmlns:pvml="urn:schemas-microsoft-com:office:powerpoint" xmlns:com="http://schemas.openxmlformats.org/drawingml/2006/compatibility" xmlns:p14="http://schemas.microsoft.com/office/powerpoint/2010/main" xmlns:p15="http://schemas.microsoft.com/office/powerpoint/2012/main" xmlns:ahyp="http://schemas.microsoft.com/office/drawing/2018/hyperlinkcolor" showMasterPhAnim="0" showMasterSp="0">
+<p:notes xmlns:a="http://schemas.openxmlformats.org/drawingml/2006/main" xmlns:r="http://schemas.openxmlformats.org/officeDocument/2006/relationships" xmlns:p="http://schemas.openxmlformats.org/presentationml/2006/main" showMasterSp="0" showMasterPhAnim="0">
   <p:cSld>
     <p:spTree>
       <p:nvGrpSpPr>
-        <p:cNvPr id="50" name="Shape 50"/>
+        <p:cNvPr id="1" name="Shape 50"/>
         <p:cNvGrpSpPr/>
         <p:nvPr/>
       </p:nvGrpSpPr>
@@ -713,9 +728,11 @@
       <p:sp>
         <p:nvSpPr>
           <p:cNvPr id="51" name="Google Shape;51;p:notes"/>
-          <p:cNvSpPr/>
+          <p:cNvSpPr>
+            <a:spLocks noGrp="1" noRot="1" noChangeAspect="1"/>
+          </p:cNvSpPr>
           <p:nvPr>
-            <p:ph idx="2" type="sldImg"/>
+            <p:ph type="sldImg" idx="2"/>
           </p:nvPr>
         </p:nvSpPr>
         <p:spPr>
@@ -724,9 +741,13 @@
             <a:ext cx="6096075" cy="3429000"/>
           </a:xfrm>
           <a:custGeom>
-            <a:rect b="b" l="l" r="r" t="t"/>
+            <a:avLst/>
+            <a:gdLst/>
+            <a:ahLst/>
+            <a:cxnLst/>
+            <a:rect l="l" t="t" r="r" b="b"/>
             <a:pathLst>
-              <a:path extrusionOk="0" h="120000" w="120000">
+              <a:path w="120000" h="120000" extrusionOk="0">
                 <a:moveTo>
                   <a:pt x="0" y="0"/>
                 </a:moveTo>
@@ -748,9 +769,11 @@
       <p:sp>
         <p:nvSpPr>
           <p:cNvPr id="52" name="Google Shape;52;p:notes"/>
-          <p:cNvSpPr txBox="1"/>
+          <p:cNvSpPr txBox="1">
+            <a:spLocks noGrp="1"/>
+          </p:cNvSpPr>
           <p:nvPr>
-            <p:ph idx="1" type="body"/>
+            <p:ph type="body" idx="1"/>
           </p:nvPr>
         </p:nvSpPr>
         <p:spPr>
@@ -763,12 +786,12 @@
           </a:prstGeom>
         </p:spPr>
         <p:txBody>
-          <a:bodyPr anchorCtr="0" anchor="t" bIns="91425" lIns="91425" spcFirstLastPara="1" rIns="91425" wrap="square" tIns="91425">
+          <a:bodyPr spcFirstLastPara="1" wrap="square" lIns="91425" tIns="91425" rIns="91425" bIns="91425" anchor="t" anchorCtr="0">
             <a:noAutofit/>
           </a:bodyPr>
           <a:lstStyle/>
           <a:p>
-            <a:pPr indent="0" lvl="0" marL="0" rtl="0" algn="l">
+            <a:pPr marL="0" lvl="0" indent="0" algn="l" rtl="0">
               <a:spcBef>
                 <a:spcPts val="0"/>
               </a:spcBef>
@@ -777,9 +800,6 @@
               </a:spcAft>
               <a:buNone/>
             </a:pPr>
-            <a:r>
-              <a:t/>
-            </a:r>
             <a:endParaRPr/>
           </a:p>
         </p:txBody>
@@ -793,11 +813,11 @@
 </file>
 
 <file path=ppt/notesSlides/notesSlide2.xml><?xml version="1.0" encoding="utf-8"?>
-<p:notes xmlns:a="http://schemas.openxmlformats.org/drawingml/2006/main" xmlns:r="http://schemas.openxmlformats.org/officeDocument/2006/relationships" xmlns:mc="http://schemas.openxmlformats.org/markup-compatibility/2006" xmlns:mv="urn:schemas-microsoft-com:mac:vml" xmlns:p="http://schemas.openxmlformats.org/presentationml/2006/main" xmlns:c="http://schemas.openxmlformats.org/drawingml/2006/chart" xmlns:dgm="http://schemas.openxmlformats.org/drawingml/2006/diagram" xmlns:o="urn:schemas-microsoft-com:office:office" xmlns:v="urn:schemas-microsoft-com:vml" xmlns:pvml="urn:schemas-microsoft-com:office:powerpoint" xmlns:com="http://schemas.openxmlformats.org/drawingml/2006/compatibility" xmlns:p14="http://schemas.microsoft.com/office/powerpoint/2010/main" xmlns:p15="http://schemas.microsoft.com/office/powerpoint/2012/main" xmlns:ahyp="http://schemas.microsoft.com/office/drawing/2018/hyperlinkcolor" showMasterPhAnim="0" showMasterSp="0">
+<p:notes xmlns:a="http://schemas.openxmlformats.org/drawingml/2006/main" xmlns:r="http://schemas.openxmlformats.org/officeDocument/2006/relationships" xmlns:p="http://schemas.openxmlformats.org/presentationml/2006/main" showMasterSp="0" showMasterPhAnim="0">
   <p:cSld>
     <p:spTree>
       <p:nvGrpSpPr>
-        <p:cNvPr id="73" name="Shape 73"/>
+        <p:cNvPr id="1" name="Shape 73"/>
         <p:cNvGrpSpPr/>
         <p:nvPr/>
       </p:nvGrpSpPr>
@@ -812,9 +832,11 @@
       <p:sp>
         <p:nvSpPr>
           <p:cNvPr id="74" name="Google Shape;74;g115441550cf_0_27:notes"/>
-          <p:cNvSpPr/>
+          <p:cNvSpPr>
+            <a:spLocks noGrp="1" noRot="1" noChangeAspect="1"/>
+          </p:cNvSpPr>
           <p:nvPr>
-            <p:ph idx="2" type="sldImg"/>
+            <p:ph type="sldImg" idx="2"/>
           </p:nvPr>
         </p:nvSpPr>
         <p:spPr>
@@ -823,9 +845,13 @@
             <a:ext cx="6096000" cy="3429000"/>
           </a:xfrm>
           <a:custGeom>
-            <a:rect b="b" l="l" r="r" t="t"/>
+            <a:avLst/>
+            <a:gdLst/>
+            <a:ahLst/>
+            <a:cxnLst/>
+            <a:rect l="l" t="t" r="r" b="b"/>
             <a:pathLst>
-              <a:path extrusionOk="0" h="120000" w="120000">
+              <a:path w="120000" h="120000" extrusionOk="0">
                 <a:moveTo>
                   <a:pt x="0" y="0"/>
                 </a:moveTo>
@@ -847,9 +873,11 @@
       <p:sp>
         <p:nvSpPr>
           <p:cNvPr id="75" name="Google Shape;75;g115441550cf_0_27:notes"/>
-          <p:cNvSpPr txBox="1"/>
+          <p:cNvSpPr txBox="1">
+            <a:spLocks noGrp="1"/>
+          </p:cNvSpPr>
           <p:nvPr>
-            <p:ph idx="1" type="body"/>
+            <p:ph type="body" idx="1"/>
           </p:nvPr>
         </p:nvSpPr>
         <p:spPr>
@@ -862,12 +890,12 @@
           </a:prstGeom>
         </p:spPr>
         <p:txBody>
-          <a:bodyPr anchorCtr="0" anchor="t" bIns="91425" lIns="91425" spcFirstLastPara="1" rIns="91425" wrap="square" tIns="91425">
+          <a:bodyPr spcFirstLastPara="1" wrap="square" lIns="91425" tIns="91425" rIns="91425" bIns="91425" anchor="t" anchorCtr="0">
             <a:noAutofit/>
           </a:bodyPr>
           <a:lstStyle/>
           <a:p>
-            <a:pPr indent="0" lvl="0" marL="0" rtl="0" algn="l">
+            <a:pPr marL="0" lvl="0" indent="0" algn="l" rtl="0">
               <a:spcBef>
                 <a:spcPts val="0"/>
               </a:spcBef>
@@ -876,9 +904,6 @@
               </a:spcAft>
               <a:buNone/>
             </a:pPr>
-            <a:r>
-              <a:t/>
-            </a:r>
             <a:endParaRPr/>
           </a:p>
         </p:txBody>
@@ -892,11 +917,11 @@
 </file>
 
 <file path=ppt/notesSlides/notesSlide3.xml><?xml version="1.0" encoding="utf-8"?>
-<p:notes xmlns:a="http://schemas.openxmlformats.org/drawingml/2006/main" xmlns:r="http://schemas.openxmlformats.org/officeDocument/2006/relationships" xmlns:mc="http://schemas.openxmlformats.org/markup-compatibility/2006" xmlns:mv="urn:schemas-microsoft-com:mac:vml" xmlns:p="http://schemas.openxmlformats.org/presentationml/2006/main" xmlns:c="http://schemas.openxmlformats.org/drawingml/2006/chart" xmlns:dgm="http://schemas.openxmlformats.org/drawingml/2006/diagram" xmlns:o="urn:schemas-microsoft-com:office:office" xmlns:v="urn:schemas-microsoft-com:vml" xmlns:pvml="urn:schemas-microsoft-com:office:powerpoint" xmlns:com="http://schemas.openxmlformats.org/drawingml/2006/compatibility" xmlns:p14="http://schemas.microsoft.com/office/powerpoint/2010/main" xmlns:p15="http://schemas.microsoft.com/office/powerpoint/2012/main" xmlns:ahyp="http://schemas.microsoft.com/office/drawing/2018/hyperlinkcolor" showMasterPhAnim="0" showMasterSp="0">
+<p:notes xmlns:a="http://schemas.openxmlformats.org/drawingml/2006/main" xmlns:r="http://schemas.openxmlformats.org/officeDocument/2006/relationships" xmlns:p="http://schemas.openxmlformats.org/presentationml/2006/main" showMasterSp="0" showMasterPhAnim="0">
   <p:cSld>
     <p:spTree>
       <p:nvGrpSpPr>
-        <p:cNvPr id="96" name="Shape 96"/>
+        <p:cNvPr id="1" name="Shape 96"/>
         <p:cNvGrpSpPr/>
         <p:nvPr/>
       </p:nvGrpSpPr>
@@ -911,9 +936,11 @@
       <p:sp>
         <p:nvSpPr>
           <p:cNvPr id="97" name="Google Shape;97;g115441550cf_0_49:notes"/>
-          <p:cNvSpPr/>
+          <p:cNvSpPr>
+            <a:spLocks noGrp="1" noRot="1" noChangeAspect="1"/>
+          </p:cNvSpPr>
           <p:nvPr>
-            <p:ph idx="2" type="sldImg"/>
+            <p:ph type="sldImg" idx="2"/>
           </p:nvPr>
         </p:nvSpPr>
         <p:spPr>
@@ -922,9 +949,13 @@
             <a:ext cx="6096000" cy="3429000"/>
           </a:xfrm>
           <a:custGeom>
-            <a:rect b="b" l="l" r="r" t="t"/>
+            <a:avLst/>
+            <a:gdLst/>
+            <a:ahLst/>
+            <a:cxnLst/>
+            <a:rect l="l" t="t" r="r" b="b"/>
             <a:pathLst>
-              <a:path extrusionOk="0" h="120000" w="120000">
+              <a:path w="120000" h="120000" extrusionOk="0">
                 <a:moveTo>
                   <a:pt x="0" y="0"/>
                 </a:moveTo>
@@ -946,9 +977,11 @@
       <p:sp>
         <p:nvSpPr>
           <p:cNvPr id="98" name="Google Shape;98;g115441550cf_0_49:notes"/>
-          <p:cNvSpPr txBox="1"/>
+          <p:cNvSpPr txBox="1">
+            <a:spLocks noGrp="1"/>
+          </p:cNvSpPr>
           <p:nvPr>
-            <p:ph idx="1" type="body"/>
+            <p:ph type="body" idx="1"/>
           </p:nvPr>
         </p:nvSpPr>
         <p:spPr>
@@ -961,12 +994,12 @@
           </a:prstGeom>
         </p:spPr>
         <p:txBody>
-          <a:bodyPr anchorCtr="0" anchor="t" bIns="91425" lIns="91425" spcFirstLastPara="1" rIns="91425" wrap="square" tIns="91425">
+          <a:bodyPr spcFirstLastPara="1" wrap="square" lIns="91425" tIns="91425" rIns="91425" bIns="91425" anchor="t" anchorCtr="0">
             <a:noAutofit/>
           </a:bodyPr>
           <a:lstStyle/>
           <a:p>
-            <a:pPr indent="0" lvl="0" marL="0" rtl="0" algn="l">
+            <a:pPr marL="0" lvl="0" indent="0" algn="l" rtl="0">
               <a:spcBef>
                 <a:spcPts val="0"/>
               </a:spcBef>
@@ -975,9 +1008,6 @@
               </a:spcAft>
               <a:buNone/>
             </a:pPr>
-            <a:r>
-              <a:t/>
-            </a:r>
             <a:endParaRPr/>
           </a:p>
         </p:txBody>
@@ -991,11 +1021,11 @@
 </file>
 
 <file path=ppt/notesSlides/notesSlide4.xml><?xml version="1.0" encoding="utf-8"?>
-<p:notes xmlns:a="http://schemas.openxmlformats.org/drawingml/2006/main" xmlns:r="http://schemas.openxmlformats.org/officeDocument/2006/relationships" xmlns:mc="http://schemas.openxmlformats.org/markup-compatibility/2006" xmlns:mv="urn:schemas-microsoft-com:mac:vml" xmlns:p="http://schemas.openxmlformats.org/presentationml/2006/main" xmlns:c="http://schemas.openxmlformats.org/drawingml/2006/chart" xmlns:dgm="http://schemas.openxmlformats.org/drawingml/2006/diagram" xmlns:o="urn:schemas-microsoft-com:office:office" xmlns:v="urn:schemas-microsoft-com:vml" xmlns:pvml="urn:schemas-microsoft-com:office:powerpoint" xmlns:com="http://schemas.openxmlformats.org/drawingml/2006/compatibility" xmlns:p14="http://schemas.microsoft.com/office/powerpoint/2010/main" xmlns:p15="http://schemas.microsoft.com/office/powerpoint/2012/main" xmlns:ahyp="http://schemas.microsoft.com/office/drawing/2018/hyperlinkcolor" showMasterPhAnim="0" showMasterSp="0">
+<p:notes xmlns:a="http://schemas.openxmlformats.org/drawingml/2006/main" xmlns:r="http://schemas.openxmlformats.org/officeDocument/2006/relationships" xmlns:p="http://schemas.openxmlformats.org/presentationml/2006/main" showMasterSp="0" showMasterPhAnim="0">
   <p:cSld>
     <p:spTree>
       <p:nvGrpSpPr>
-        <p:cNvPr id="113" name="Shape 113"/>
+        <p:cNvPr id="1" name="Shape 113"/>
         <p:cNvGrpSpPr/>
         <p:nvPr/>
       </p:nvGrpSpPr>
@@ -1010,9 +1040,11 @@
       <p:sp>
         <p:nvSpPr>
           <p:cNvPr id="114" name="Google Shape;114;g115441550cf_0_22:notes"/>
-          <p:cNvSpPr/>
+          <p:cNvSpPr>
+            <a:spLocks noGrp="1" noRot="1" noChangeAspect="1"/>
+          </p:cNvSpPr>
           <p:nvPr>
-            <p:ph idx="2" type="sldImg"/>
+            <p:ph type="sldImg" idx="2"/>
           </p:nvPr>
         </p:nvSpPr>
         <p:spPr>
@@ -1021,9 +1053,13 @@
             <a:ext cx="6096000" cy="3429000"/>
           </a:xfrm>
           <a:custGeom>
-            <a:rect b="b" l="l" r="r" t="t"/>
+            <a:avLst/>
+            <a:gdLst/>
+            <a:ahLst/>
+            <a:cxnLst/>
+            <a:rect l="l" t="t" r="r" b="b"/>
             <a:pathLst>
-              <a:path extrusionOk="0" h="120000" w="120000">
+              <a:path w="120000" h="120000" extrusionOk="0">
                 <a:moveTo>
                   <a:pt x="0" y="0"/>
                 </a:moveTo>
@@ -1045,9 +1081,11 @@
       <p:sp>
         <p:nvSpPr>
           <p:cNvPr id="115" name="Google Shape;115;g115441550cf_0_22:notes"/>
-          <p:cNvSpPr txBox="1"/>
+          <p:cNvSpPr txBox="1">
+            <a:spLocks noGrp="1"/>
+          </p:cNvSpPr>
           <p:nvPr>
-            <p:ph idx="1" type="body"/>
+            <p:ph type="body" idx="1"/>
           </p:nvPr>
         </p:nvSpPr>
         <p:spPr>
@@ -1060,12 +1098,12 @@
           </a:prstGeom>
         </p:spPr>
         <p:txBody>
-          <a:bodyPr anchorCtr="0" anchor="t" bIns="91425" lIns="91425" spcFirstLastPara="1" rIns="91425" wrap="square" tIns="91425">
+          <a:bodyPr spcFirstLastPara="1" wrap="square" lIns="91425" tIns="91425" rIns="91425" bIns="91425" anchor="t" anchorCtr="0">
             <a:noAutofit/>
           </a:bodyPr>
           <a:lstStyle/>
           <a:p>
-            <a:pPr indent="0" lvl="0" marL="0" rtl="0" algn="l">
+            <a:pPr marL="0" lvl="0" indent="0" algn="l" rtl="0">
               <a:spcBef>
                 <a:spcPts val="0"/>
               </a:spcBef>
@@ -1074,9 +1112,6 @@
               </a:spcAft>
               <a:buNone/>
             </a:pPr>
-            <a:r>
-              <a:t/>
-            </a:r>
             <a:endParaRPr/>
           </a:p>
         </p:txBody>
@@ -1090,11 +1125,11 @@
 </file>
 
 <file path=ppt/notesSlides/notesSlide5.xml><?xml version="1.0" encoding="utf-8"?>
-<p:notes xmlns:a="http://schemas.openxmlformats.org/drawingml/2006/main" xmlns:r="http://schemas.openxmlformats.org/officeDocument/2006/relationships" xmlns:mc="http://schemas.openxmlformats.org/markup-compatibility/2006" xmlns:mv="urn:schemas-microsoft-com:mac:vml" xmlns:p="http://schemas.openxmlformats.org/presentationml/2006/main" xmlns:c="http://schemas.openxmlformats.org/drawingml/2006/chart" xmlns:dgm="http://schemas.openxmlformats.org/drawingml/2006/diagram" xmlns:o="urn:schemas-microsoft-com:office:office" xmlns:v="urn:schemas-microsoft-com:vml" xmlns:pvml="urn:schemas-microsoft-com:office:powerpoint" xmlns:com="http://schemas.openxmlformats.org/drawingml/2006/compatibility" xmlns:p14="http://schemas.microsoft.com/office/powerpoint/2010/main" xmlns:p15="http://schemas.microsoft.com/office/powerpoint/2012/main" xmlns:ahyp="http://schemas.microsoft.com/office/drawing/2018/hyperlinkcolor" showMasterPhAnim="0" showMasterSp="0">
+<p:notes xmlns:a="http://schemas.openxmlformats.org/drawingml/2006/main" xmlns:r="http://schemas.openxmlformats.org/officeDocument/2006/relationships" xmlns:p="http://schemas.openxmlformats.org/presentationml/2006/main" showMasterSp="0" showMasterPhAnim="0">
   <p:cSld>
     <p:spTree>
       <p:nvGrpSpPr>
-        <p:cNvPr id="129" name="Shape 129"/>
+        <p:cNvPr id="1" name="Shape 129"/>
         <p:cNvGrpSpPr/>
         <p:nvPr/>
       </p:nvGrpSpPr>
@@ -1109,9 +1144,11 @@
       <p:sp>
         <p:nvSpPr>
           <p:cNvPr id="130" name="Google Shape;130;g115441550cf_0_84:notes"/>
-          <p:cNvSpPr/>
+          <p:cNvSpPr>
+            <a:spLocks noGrp="1" noRot="1" noChangeAspect="1"/>
+          </p:cNvSpPr>
           <p:nvPr>
-            <p:ph idx="2" type="sldImg"/>
+            <p:ph type="sldImg" idx="2"/>
           </p:nvPr>
         </p:nvSpPr>
         <p:spPr>
@@ -1120,9 +1157,13 @@
             <a:ext cx="6096000" cy="3429000"/>
           </a:xfrm>
           <a:custGeom>
-            <a:rect b="b" l="l" r="r" t="t"/>
+            <a:avLst/>
+            <a:gdLst/>
+            <a:ahLst/>
+            <a:cxnLst/>
+            <a:rect l="l" t="t" r="r" b="b"/>
             <a:pathLst>
-              <a:path extrusionOk="0" h="120000" w="120000">
+              <a:path w="120000" h="120000" extrusionOk="0">
                 <a:moveTo>
                   <a:pt x="0" y="0"/>
                 </a:moveTo>
@@ -1144,9 +1185,11 @@
       <p:sp>
         <p:nvSpPr>
           <p:cNvPr id="131" name="Google Shape;131;g115441550cf_0_84:notes"/>
-          <p:cNvSpPr txBox="1"/>
+          <p:cNvSpPr txBox="1">
+            <a:spLocks noGrp="1"/>
+          </p:cNvSpPr>
           <p:nvPr>
-            <p:ph idx="1" type="body"/>
+            <p:ph type="body" idx="1"/>
           </p:nvPr>
         </p:nvSpPr>
         <p:spPr>
@@ -1159,12 +1202,12 @@
           </a:prstGeom>
         </p:spPr>
         <p:txBody>
-          <a:bodyPr anchorCtr="0" anchor="t" bIns="91425" lIns="91425" spcFirstLastPara="1" rIns="91425" wrap="square" tIns="91425">
+          <a:bodyPr spcFirstLastPara="1" wrap="square" lIns="91425" tIns="91425" rIns="91425" bIns="91425" anchor="t" anchorCtr="0">
             <a:noAutofit/>
           </a:bodyPr>
           <a:lstStyle/>
           <a:p>
-            <a:pPr indent="0" lvl="0" marL="0" rtl="0" algn="l">
+            <a:pPr marL="0" lvl="0" indent="0" algn="l" rtl="0">
               <a:spcBef>
                 <a:spcPts val="0"/>
               </a:spcBef>
@@ -1173,9 +1216,6 @@
               </a:spcAft>
               <a:buNone/>
             </a:pPr>
-            <a:r>
-              <a:t/>
-            </a:r>
             <a:endParaRPr/>
           </a:p>
         </p:txBody>
@@ -1189,11 +1229,11 @@
 </file>
 
 <file path=ppt/notesSlides/notesSlide6.xml><?xml version="1.0" encoding="utf-8"?>
-<p:notes xmlns:a="http://schemas.openxmlformats.org/drawingml/2006/main" xmlns:r="http://schemas.openxmlformats.org/officeDocument/2006/relationships" xmlns:mc="http://schemas.openxmlformats.org/markup-compatibility/2006" xmlns:mv="urn:schemas-microsoft-com:mac:vml" xmlns:p="http://schemas.openxmlformats.org/presentationml/2006/main" xmlns:c="http://schemas.openxmlformats.org/drawingml/2006/chart" xmlns:dgm="http://schemas.openxmlformats.org/drawingml/2006/diagram" xmlns:o="urn:schemas-microsoft-com:office:office" xmlns:v="urn:schemas-microsoft-com:vml" xmlns:pvml="urn:schemas-microsoft-com:office:powerpoint" xmlns:com="http://schemas.openxmlformats.org/drawingml/2006/compatibility" xmlns:p14="http://schemas.microsoft.com/office/powerpoint/2010/main" xmlns:p15="http://schemas.microsoft.com/office/powerpoint/2012/main" xmlns:ahyp="http://schemas.microsoft.com/office/drawing/2018/hyperlinkcolor" showMasterPhAnim="0" showMasterSp="0">
+<p:notes xmlns:a="http://schemas.openxmlformats.org/drawingml/2006/main" xmlns:r="http://schemas.openxmlformats.org/officeDocument/2006/relationships" xmlns:p="http://schemas.openxmlformats.org/presentationml/2006/main" showMasterSp="0" showMasterPhAnim="0">
   <p:cSld>
     <p:spTree>
       <p:nvGrpSpPr>
-        <p:cNvPr id="147" name="Shape 147"/>
+        <p:cNvPr id="1" name="Shape 147"/>
         <p:cNvGrpSpPr/>
         <p:nvPr/>
       </p:nvGrpSpPr>
@@ -1208,9 +1248,11 @@
       <p:sp>
         <p:nvSpPr>
           <p:cNvPr id="148" name="Google Shape;148;g115441550cf_0_124:notes"/>
-          <p:cNvSpPr/>
+          <p:cNvSpPr>
+            <a:spLocks noGrp="1" noRot="1" noChangeAspect="1"/>
+          </p:cNvSpPr>
           <p:nvPr>
-            <p:ph idx="2" type="sldImg"/>
+            <p:ph type="sldImg" idx="2"/>
           </p:nvPr>
         </p:nvSpPr>
         <p:spPr>
@@ -1219,9 +1261,13 @@
             <a:ext cx="6096000" cy="3429000"/>
           </a:xfrm>
           <a:custGeom>
-            <a:rect b="b" l="l" r="r" t="t"/>
+            <a:avLst/>
+            <a:gdLst/>
+            <a:ahLst/>
+            <a:cxnLst/>
+            <a:rect l="l" t="t" r="r" b="b"/>
             <a:pathLst>
-              <a:path extrusionOk="0" h="120000" w="120000">
+              <a:path w="120000" h="120000" extrusionOk="0">
                 <a:moveTo>
                   <a:pt x="0" y="0"/>
                 </a:moveTo>
@@ -1243,9 +1289,11 @@
       <p:sp>
         <p:nvSpPr>
           <p:cNvPr id="149" name="Google Shape;149;g115441550cf_0_124:notes"/>
-          <p:cNvSpPr txBox="1"/>
+          <p:cNvSpPr txBox="1">
+            <a:spLocks noGrp="1"/>
+          </p:cNvSpPr>
           <p:nvPr>
-            <p:ph idx="1" type="body"/>
+            <p:ph type="body" idx="1"/>
           </p:nvPr>
         </p:nvSpPr>
         <p:spPr>
@@ -1258,12 +1306,12 @@
           </a:prstGeom>
         </p:spPr>
         <p:txBody>
-          <a:bodyPr anchorCtr="0" anchor="t" bIns="91425" lIns="91425" spcFirstLastPara="1" rIns="91425" wrap="square" tIns="91425">
+          <a:bodyPr spcFirstLastPara="1" wrap="square" lIns="91425" tIns="91425" rIns="91425" bIns="91425" anchor="t" anchorCtr="0">
             <a:noAutofit/>
           </a:bodyPr>
           <a:lstStyle/>
           <a:p>
-            <a:pPr indent="0" lvl="0" marL="0" rtl="0" algn="l">
+            <a:pPr marL="0" lvl="0" indent="0" algn="l" rtl="0">
               <a:spcBef>
                 <a:spcPts val="0"/>
               </a:spcBef>
@@ -1272,9 +1320,6 @@
               </a:spcAft>
               <a:buNone/>
             </a:pPr>
-            <a:r>
-              <a:t/>
-            </a:r>
             <a:endParaRPr/>
           </a:p>
         </p:txBody>
@@ -1288,11 +1333,11 @@
 </file>
 
 <file path=ppt/notesSlides/notesSlide7.xml><?xml version="1.0" encoding="utf-8"?>
-<p:notes xmlns:a="http://schemas.openxmlformats.org/drawingml/2006/main" xmlns:r="http://schemas.openxmlformats.org/officeDocument/2006/relationships" xmlns:mc="http://schemas.openxmlformats.org/markup-compatibility/2006" xmlns:mv="urn:schemas-microsoft-com:mac:vml" xmlns:p="http://schemas.openxmlformats.org/presentationml/2006/main" xmlns:c="http://schemas.openxmlformats.org/drawingml/2006/chart" xmlns:dgm="http://schemas.openxmlformats.org/drawingml/2006/diagram" xmlns:o="urn:schemas-microsoft-com:office:office" xmlns:v="urn:schemas-microsoft-com:vml" xmlns:pvml="urn:schemas-microsoft-com:office:powerpoint" xmlns:com="http://schemas.openxmlformats.org/drawingml/2006/compatibility" xmlns:p14="http://schemas.microsoft.com/office/powerpoint/2010/main" xmlns:p15="http://schemas.microsoft.com/office/powerpoint/2012/main" xmlns:ahyp="http://schemas.microsoft.com/office/drawing/2018/hyperlinkcolor" showMasterPhAnim="0" showMasterSp="0">
+<p:notes xmlns:a="http://schemas.openxmlformats.org/drawingml/2006/main" xmlns:r="http://schemas.openxmlformats.org/officeDocument/2006/relationships" xmlns:p="http://schemas.openxmlformats.org/presentationml/2006/main" showMasterSp="0" showMasterPhAnim="0">
   <p:cSld>
     <p:spTree>
       <p:nvGrpSpPr>
-        <p:cNvPr id="163" name="Shape 163"/>
+        <p:cNvPr id="1" name="Shape 163"/>
         <p:cNvGrpSpPr/>
         <p:nvPr/>
       </p:nvGrpSpPr>
@@ -1307,9 +1352,11 @@
       <p:sp>
         <p:nvSpPr>
           <p:cNvPr id="164" name="Google Shape;164;g115441550cf_0_99:notes"/>
-          <p:cNvSpPr/>
+          <p:cNvSpPr>
+            <a:spLocks noGrp="1" noRot="1" noChangeAspect="1"/>
+          </p:cNvSpPr>
           <p:nvPr>
-            <p:ph idx="2" type="sldImg"/>
+            <p:ph type="sldImg" idx="2"/>
           </p:nvPr>
         </p:nvSpPr>
         <p:spPr>
@@ -1318,9 +1365,13 @@
             <a:ext cx="6096000" cy="3429000"/>
           </a:xfrm>
           <a:custGeom>
-            <a:rect b="b" l="l" r="r" t="t"/>
+            <a:avLst/>
+            <a:gdLst/>
+            <a:ahLst/>
+            <a:cxnLst/>
+            <a:rect l="l" t="t" r="r" b="b"/>
             <a:pathLst>
-              <a:path extrusionOk="0" h="120000" w="120000">
+              <a:path w="120000" h="120000" extrusionOk="0">
                 <a:moveTo>
                   <a:pt x="0" y="0"/>
                 </a:moveTo>
@@ -1342,9 +1393,11 @@
       <p:sp>
         <p:nvSpPr>
           <p:cNvPr id="165" name="Google Shape;165;g115441550cf_0_99:notes"/>
-          <p:cNvSpPr txBox="1"/>
+          <p:cNvSpPr txBox="1">
+            <a:spLocks noGrp="1"/>
+          </p:cNvSpPr>
           <p:nvPr>
-            <p:ph idx="1" type="body"/>
+            <p:ph type="body" idx="1"/>
           </p:nvPr>
         </p:nvSpPr>
         <p:spPr>
@@ -1357,12 +1410,12 @@
           </a:prstGeom>
         </p:spPr>
         <p:txBody>
-          <a:bodyPr anchorCtr="0" anchor="t" bIns="91425" lIns="91425" spcFirstLastPara="1" rIns="91425" wrap="square" tIns="91425">
+          <a:bodyPr spcFirstLastPara="1" wrap="square" lIns="91425" tIns="91425" rIns="91425" bIns="91425" anchor="t" anchorCtr="0">
             <a:noAutofit/>
           </a:bodyPr>
           <a:lstStyle/>
           <a:p>
-            <a:pPr indent="0" lvl="0" marL="0" rtl="0" algn="l">
+            <a:pPr marL="0" lvl="0" indent="0" algn="l" rtl="0">
               <a:spcBef>
                 <a:spcPts val="0"/>
               </a:spcBef>
@@ -1371,9 +1424,6 @@
               </a:spcAft>
               <a:buNone/>
             </a:pPr>
-            <a:r>
-              <a:t/>
-            </a:r>
             <a:endParaRPr/>
           </a:p>
         </p:txBody>
@@ -1387,11 +1437,11 @@
 </file>
 
 <file path=ppt/notesSlides/notesSlide8.xml><?xml version="1.0" encoding="utf-8"?>
-<p:notes xmlns:a="http://schemas.openxmlformats.org/drawingml/2006/main" xmlns:r="http://schemas.openxmlformats.org/officeDocument/2006/relationships" xmlns:mc="http://schemas.openxmlformats.org/markup-compatibility/2006" xmlns:mv="urn:schemas-microsoft-com:mac:vml" xmlns:p="http://schemas.openxmlformats.org/presentationml/2006/main" xmlns:c="http://schemas.openxmlformats.org/drawingml/2006/chart" xmlns:dgm="http://schemas.openxmlformats.org/drawingml/2006/diagram" xmlns:o="urn:schemas-microsoft-com:office:office" xmlns:v="urn:schemas-microsoft-com:vml" xmlns:pvml="urn:schemas-microsoft-com:office:powerpoint" xmlns:com="http://schemas.openxmlformats.org/drawingml/2006/compatibility" xmlns:p14="http://schemas.microsoft.com/office/powerpoint/2010/main" xmlns:p15="http://schemas.microsoft.com/office/powerpoint/2012/main" xmlns:ahyp="http://schemas.microsoft.com/office/drawing/2018/hyperlinkcolor" showMasterPhAnim="0" showMasterSp="0">
+<p:notes xmlns:a="http://schemas.openxmlformats.org/drawingml/2006/main" xmlns:r="http://schemas.openxmlformats.org/officeDocument/2006/relationships" xmlns:p="http://schemas.openxmlformats.org/presentationml/2006/main" showMasterSp="0" showMasterPhAnim="0">
   <p:cSld>
     <p:spTree>
       <p:nvGrpSpPr>
-        <p:cNvPr id="180" name="Shape 180"/>
+        <p:cNvPr id="1" name="Shape 180"/>
         <p:cNvGrpSpPr/>
         <p:nvPr/>
       </p:nvGrpSpPr>
@@ -1406,20 +1456,26 @@
       <p:sp>
         <p:nvSpPr>
           <p:cNvPr id="181" name="Google Shape;181;g115441550cf_0_146:notes"/>
-          <p:cNvSpPr/>
+          <p:cNvSpPr>
+            <a:spLocks noGrp="1" noRot="1" noChangeAspect="1"/>
+          </p:cNvSpPr>
           <p:nvPr>
-            <p:ph idx="2" type="sldImg"/>
+            <p:ph type="sldImg" idx="2"/>
           </p:nvPr>
         </p:nvSpPr>
         <p:spPr>
           <a:xfrm>
-            <a:off x="381300" y="685800"/>
+            <a:off x="381000" y="685800"/>
             <a:ext cx="6096000" cy="3429000"/>
           </a:xfrm>
           <a:custGeom>
-            <a:rect b="b" l="l" r="r" t="t"/>
+            <a:avLst/>
+            <a:gdLst/>
+            <a:ahLst/>
+            <a:cxnLst/>
+            <a:rect l="l" t="t" r="r" b="b"/>
             <a:pathLst>
-              <a:path extrusionOk="0" h="120000" w="120000">
+              <a:path w="120000" h="120000" extrusionOk="0">
                 <a:moveTo>
                   <a:pt x="0" y="0"/>
                 </a:moveTo>
@@ -1441,9 +1497,11 @@
       <p:sp>
         <p:nvSpPr>
           <p:cNvPr id="182" name="Google Shape;182;g115441550cf_0_146:notes"/>
-          <p:cNvSpPr txBox="1"/>
+          <p:cNvSpPr txBox="1">
+            <a:spLocks noGrp="1"/>
+          </p:cNvSpPr>
           <p:nvPr>
-            <p:ph idx="1" type="body"/>
+            <p:ph type="body" idx="1"/>
           </p:nvPr>
         </p:nvSpPr>
         <p:spPr>
@@ -1456,12 +1514,12 @@
           </a:prstGeom>
         </p:spPr>
         <p:txBody>
-          <a:bodyPr anchorCtr="0" anchor="t" bIns="91425" lIns="91425" spcFirstLastPara="1" rIns="91425" wrap="square" tIns="91425">
+          <a:bodyPr spcFirstLastPara="1" wrap="square" lIns="91425" tIns="91425" rIns="91425" bIns="91425" anchor="t" anchorCtr="0">
             <a:noAutofit/>
           </a:bodyPr>
           <a:lstStyle/>
           <a:p>
-            <a:pPr indent="0" lvl="0" marL="0" rtl="0" algn="l">
+            <a:pPr marL="0" lvl="0" indent="0" algn="l" rtl="0">
               <a:spcBef>
                 <a:spcPts val="0"/>
               </a:spcBef>
@@ -1470,9 +1528,6 @@
               </a:spcAft>
               <a:buNone/>
             </a:pPr>
-            <a:r>
-              <a:t/>
-            </a:r>
             <a:endParaRPr/>
           </a:p>
         </p:txBody>
@@ -1486,11 +1541,11 @@
 </file>
 
 <file path=ppt/slideLayouts/slideLayout1.xml><?xml version="1.0" encoding="utf-8"?>
-<p:sldLayout xmlns:a="http://schemas.openxmlformats.org/drawingml/2006/main" xmlns:r="http://schemas.openxmlformats.org/officeDocument/2006/relationships" xmlns:mc="http://schemas.openxmlformats.org/markup-compatibility/2006" xmlns:mv="urn:schemas-microsoft-com:mac:vml" xmlns:p="http://schemas.openxmlformats.org/presentationml/2006/main" xmlns:c="http://schemas.openxmlformats.org/drawingml/2006/chart" xmlns:dgm="http://schemas.openxmlformats.org/drawingml/2006/diagram" xmlns:o="urn:schemas-microsoft-com:office:office" xmlns:v="urn:schemas-microsoft-com:vml" xmlns:pvml="urn:schemas-microsoft-com:office:powerpoint" xmlns:com="http://schemas.openxmlformats.org/drawingml/2006/compatibility" xmlns:p14="http://schemas.microsoft.com/office/powerpoint/2010/main" xmlns:p15="http://schemas.microsoft.com/office/powerpoint/2012/main" xmlns:ahyp="http://schemas.microsoft.com/office/drawing/2018/hyperlinkcolor" matchingName="Title slide" type="title">
+<p:sldLayout xmlns:a="http://schemas.openxmlformats.org/drawingml/2006/main" xmlns:r="http://schemas.openxmlformats.org/officeDocument/2006/relationships" xmlns:p="http://schemas.openxmlformats.org/presentationml/2006/main" matchingName="Title slide" type="title">
   <p:cSld name="TITLE">
     <p:spTree>
       <p:nvGrpSpPr>
-        <p:cNvPr id="9" name="Shape 9"/>
+        <p:cNvPr id="1" name="Shape 9"/>
         <p:cNvGrpSpPr/>
         <p:nvPr/>
       </p:nvGrpSpPr>
@@ -1505,7 +1560,9 @@
       <p:sp>
         <p:nvSpPr>
           <p:cNvPr id="10" name="Google Shape;10;p2"/>
-          <p:cNvSpPr txBox="1"/>
+          <p:cNvSpPr txBox="1">
+            <a:spLocks noGrp="1"/>
+          </p:cNvSpPr>
           <p:nvPr>
             <p:ph type="ctrTitle"/>
           </p:nvPr>
@@ -1520,7 +1577,7 @@
           </a:prstGeom>
         </p:spPr>
         <p:txBody>
-          <a:bodyPr anchorCtr="0" anchor="b" bIns="91425" lIns="91425" spcFirstLastPara="1" rIns="91425" wrap="square" tIns="91425">
+          <a:bodyPr spcFirstLastPara="1" wrap="square" lIns="91425" tIns="91425" rIns="91425" bIns="91425" anchor="b" anchorCtr="0">
             <a:normAutofit/>
           </a:bodyPr>
           <a:lstStyle>
@@ -1624,15 +1681,19 @@
               <a:defRPr sz="5200"/>
             </a:lvl9pPr>
           </a:lstStyle>
-          <a:p/>
+          <a:p>
+            <a:endParaRPr/>
+          </a:p>
         </p:txBody>
       </p:sp>
       <p:sp>
         <p:nvSpPr>
           <p:cNvPr id="11" name="Google Shape;11;p2"/>
-          <p:cNvSpPr txBox="1"/>
+          <p:cNvSpPr txBox="1">
+            <a:spLocks noGrp="1"/>
+          </p:cNvSpPr>
           <p:nvPr>
-            <p:ph idx="1" type="subTitle"/>
+            <p:ph type="subTitle" idx="1"/>
           </p:nvPr>
         </p:nvSpPr>
         <p:spPr>
@@ -1645,7 +1706,7 @@
           </a:prstGeom>
         </p:spPr>
         <p:txBody>
-          <a:bodyPr anchorCtr="0" anchor="t" bIns="91425" lIns="91425" spcFirstLastPara="1" rIns="91425" wrap="square" tIns="91425">
+          <a:bodyPr spcFirstLastPara="1" wrap="square" lIns="91425" tIns="91425" rIns="91425" bIns="91425" anchor="t" anchorCtr="0">
             <a:normAutofit/>
           </a:bodyPr>
           <a:lstStyle>
@@ -1776,15 +1837,19 @@
               <a:defRPr sz="2800"/>
             </a:lvl9pPr>
           </a:lstStyle>
-          <a:p/>
+          <a:p>
+            <a:endParaRPr/>
+          </a:p>
         </p:txBody>
       </p:sp>
       <p:sp>
         <p:nvSpPr>
           <p:cNvPr id="12" name="Google Shape;12;p2"/>
-          <p:cNvSpPr txBox="1"/>
+          <p:cNvSpPr txBox="1">
+            <a:spLocks noGrp="1"/>
+          </p:cNvSpPr>
           <p:nvPr>
-            <p:ph idx="12" type="sldNum"/>
+            <p:ph type="sldNum" idx="12"/>
           </p:nvPr>
         </p:nvSpPr>
         <p:spPr>
@@ -1797,7 +1862,7 @@
           </a:prstGeom>
         </p:spPr>
         <p:txBody>
-          <a:bodyPr anchorCtr="0" anchor="ctr" bIns="91425" lIns="91425" spcFirstLastPara="1" rIns="91425" wrap="square" tIns="91425">
+          <a:bodyPr spcFirstLastPara="1" wrap="square" lIns="91425" tIns="91425" rIns="91425" bIns="91425" anchor="ctr" anchorCtr="0">
             <a:normAutofit/>
           </a:bodyPr>
           <a:lstStyle>
@@ -1839,7 +1904,7 @@
             </a:lvl9pPr>
           </a:lstStyle>
           <a:p>
-            <a:pPr indent="0" lvl="0" marL="0" rtl="0" algn="r">
+            <a:pPr marL="0" lvl="0" indent="0" algn="r" rtl="0">
               <a:spcBef>
                 <a:spcPts val="0"/>
               </a:spcBef>
@@ -1865,11 +1930,11 @@
 </file>
 
 <file path=ppt/slideLayouts/slideLayout10.xml><?xml version="1.0" encoding="utf-8"?>
-<p:sldLayout xmlns:a="http://schemas.openxmlformats.org/drawingml/2006/main" xmlns:r="http://schemas.openxmlformats.org/officeDocument/2006/relationships" xmlns:mc="http://schemas.openxmlformats.org/markup-compatibility/2006" xmlns:mv="urn:schemas-microsoft-com:mac:vml" xmlns:p="http://schemas.openxmlformats.org/presentationml/2006/main" xmlns:c="http://schemas.openxmlformats.org/drawingml/2006/chart" xmlns:dgm="http://schemas.openxmlformats.org/drawingml/2006/diagram" xmlns:o="urn:schemas-microsoft-com:office:office" xmlns:v="urn:schemas-microsoft-com:vml" xmlns:pvml="urn:schemas-microsoft-com:office:powerpoint" xmlns:com="http://schemas.openxmlformats.org/drawingml/2006/compatibility" xmlns:p14="http://schemas.microsoft.com/office/powerpoint/2010/main" xmlns:p15="http://schemas.microsoft.com/office/powerpoint/2012/main" xmlns:ahyp="http://schemas.microsoft.com/office/drawing/2018/hyperlinkcolor" matchingName="Big number">
+<p:sldLayout xmlns:a="http://schemas.openxmlformats.org/drawingml/2006/main" xmlns:r="http://schemas.openxmlformats.org/officeDocument/2006/relationships" xmlns:p="http://schemas.openxmlformats.org/presentationml/2006/main" matchingName="Big number">
   <p:cSld name="BIG_NUMBER">
     <p:spTree>
       <p:nvGrpSpPr>
-        <p:cNvPr id="44" name="Shape 44"/>
+        <p:cNvPr id="1" name="Shape 44"/>
         <p:cNvGrpSpPr/>
         <p:nvPr/>
       </p:nvGrpSpPr>
@@ -1884,9 +1949,11 @@
       <p:sp>
         <p:nvSpPr>
           <p:cNvPr id="45" name="Google Shape;45;p11"/>
-          <p:cNvSpPr txBox="1"/>
+          <p:cNvSpPr txBox="1">
+            <a:spLocks noGrp="1"/>
+          </p:cNvSpPr>
           <p:nvPr>
-            <p:ph hasCustomPrompt="1" type="title"/>
+            <p:ph type="title" hasCustomPrompt="1"/>
           </p:nvPr>
         </p:nvSpPr>
         <p:spPr>
@@ -1899,7 +1966,7 @@
           </a:prstGeom>
         </p:spPr>
         <p:txBody>
-          <a:bodyPr anchorCtr="0" anchor="b" bIns="91425" lIns="91425" spcFirstLastPara="1" rIns="91425" wrap="square" tIns="91425">
+          <a:bodyPr spcFirstLastPara="1" wrap="square" lIns="91425" tIns="91425" rIns="91425" bIns="91425" anchor="b" anchorCtr="0">
             <a:normAutofit/>
           </a:bodyPr>
           <a:lstStyle>
@@ -2013,9 +2080,11 @@
       <p:sp>
         <p:nvSpPr>
           <p:cNvPr id="46" name="Google Shape;46;p11"/>
-          <p:cNvSpPr txBox="1"/>
+          <p:cNvSpPr txBox="1">
+            <a:spLocks noGrp="1"/>
+          </p:cNvSpPr>
           <p:nvPr>
-            <p:ph idx="1" type="body"/>
+            <p:ph type="body" idx="1"/>
           </p:nvPr>
         </p:nvSpPr>
         <p:spPr>
@@ -2028,11 +2097,11 @@
           </a:prstGeom>
         </p:spPr>
         <p:txBody>
-          <a:bodyPr anchorCtr="0" anchor="t" bIns="91425" lIns="91425" spcFirstLastPara="1" rIns="91425" wrap="square" tIns="91425">
+          <a:bodyPr spcFirstLastPara="1" wrap="square" lIns="91425" tIns="91425" rIns="91425" bIns="91425" anchor="t" anchorCtr="0">
             <a:normAutofit/>
           </a:bodyPr>
           <a:lstStyle>
-            <a:lvl1pPr indent="-342900" lvl="0" marL="457200" algn="ctr">
+            <a:lvl1pPr marL="457200" lvl="0" indent="-342900" algn="ctr">
               <a:spcBef>
                 <a:spcPts val="0"/>
               </a:spcBef>
@@ -2043,7 +2112,7 @@
               <a:buChar char="●"/>
               <a:defRPr/>
             </a:lvl1pPr>
-            <a:lvl2pPr indent="-317500" lvl="1" marL="914400" algn="ctr">
+            <a:lvl2pPr marL="914400" lvl="1" indent="-317500" algn="ctr">
               <a:spcBef>
                 <a:spcPts val="0"/>
               </a:spcBef>
@@ -2054,7 +2123,7 @@
               <a:buChar char="○"/>
               <a:defRPr/>
             </a:lvl2pPr>
-            <a:lvl3pPr indent="-317500" lvl="2" marL="1371600" algn="ctr">
+            <a:lvl3pPr marL="1371600" lvl="2" indent="-317500" algn="ctr">
               <a:spcBef>
                 <a:spcPts val="0"/>
               </a:spcBef>
@@ -2065,7 +2134,7 @@
               <a:buChar char="■"/>
               <a:defRPr/>
             </a:lvl3pPr>
-            <a:lvl4pPr indent="-317500" lvl="3" marL="1828800" algn="ctr">
+            <a:lvl4pPr marL="1828800" lvl="3" indent="-317500" algn="ctr">
               <a:spcBef>
                 <a:spcPts val="0"/>
               </a:spcBef>
@@ -2076,7 +2145,7 @@
               <a:buChar char="●"/>
               <a:defRPr/>
             </a:lvl4pPr>
-            <a:lvl5pPr indent="-317500" lvl="4" marL="2286000" algn="ctr">
+            <a:lvl5pPr marL="2286000" lvl="4" indent="-317500" algn="ctr">
               <a:spcBef>
                 <a:spcPts val="0"/>
               </a:spcBef>
@@ -2087,7 +2156,7 @@
               <a:buChar char="○"/>
               <a:defRPr/>
             </a:lvl5pPr>
-            <a:lvl6pPr indent="-317500" lvl="5" marL="2743200" algn="ctr">
+            <a:lvl6pPr marL="2743200" lvl="5" indent="-317500" algn="ctr">
               <a:spcBef>
                 <a:spcPts val="0"/>
               </a:spcBef>
@@ -2098,7 +2167,7 @@
               <a:buChar char="■"/>
               <a:defRPr/>
             </a:lvl6pPr>
-            <a:lvl7pPr indent="-317500" lvl="6" marL="3200400" algn="ctr">
+            <a:lvl7pPr marL="3200400" lvl="6" indent="-317500" algn="ctr">
               <a:spcBef>
                 <a:spcPts val="0"/>
               </a:spcBef>
@@ -2109,7 +2178,7 @@
               <a:buChar char="●"/>
               <a:defRPr/>
             </a:lvl7pPr>
-            <a:lvl8pPr indent="-317500" lvl="7" marL="3657600" algn="ctr">
+            <a:lvl8pPr marL="3657600" lvl="7" indent="-317500" algn="ctr">
               <a:spcBef>
                 <a:spcPts val="0"/>
               </a:spcBef>
@@ -2120,7 +2189,7 @@
               <a:buChar char="○"/>
               <a:defRPr/>
             </a:lvl8pPr>
-            <a:lvl9pPr indent="-317500" lvl="8" marL="4114800" algn="ctr">
+            <a:lvl9pPr marL="4114800" lvl="8" indent="-317500" algn="ctr">
               <a:spcBef>
                 <a:spcPts val="0"/>
               </a:spcBef>
@@ -2132,15 +2201,19 @@
               <a:defRPr/>
             </a:lvl9pPr>
           </a:lstStyle>
-          <a:p/>
+          <a:p>
+            <a:endParaRPr/>
+          </a:p>
         </p:txBody>
       </p:sp>
       <p:sp>
         <p:nvSpPr>
           <p:cNvPr id="47" name="Google Shape;47;p11"/>
-          <p:cNvSpPr txBox="1"/>
+          <p:cNvSpPr txBox="1">
+            <a:spLocks noGrp="1"/>
+          </p:cNvSpPr>
           <p:nvPr>
-            <p:ph idx="12" type="sldNum"/>
+            <p:ph type="sldNum" idx="12"/>
           </p:nvPr>
         </p:nvSpPr>
         <p:spPr>
@@ -2153,7 +2226,7 @@
           </a:prstGeom>
         </p:spPr>
         <p:txBody>
-          <a:bodyPr anchorCtr="0" anchor="ctr" bIns="91425" lIns="91425" spcFirstLastPara="1" rIns="91425" wrap="square" tIns="91425">
+          <a:bodyPr spcFirstLastPara="1" wrap="square" lIns="91425" tIns="91425" rIns="91425" bIns="91425" anchor="ctr" anchorCtr="0">
             <a:normAutofit/>
           </a:bodyPr>
           <a:lstStyle>
@@ -2195,7 +2268,7 @@
             </a:lvl9pPr>
           </a:lstStyle>
           <a:p>
-            <a:pPr indent="0" lvl="0" marL="0" rtl="0" algn="r">
+            <a:pPr marL="0" lvl="0" indent="0" algn="r" rtl="0">
               <a:spcBef>
                 <a:spcPts val="0"/>
               </a:spcBef>
@@ -2221,11 +2294,11 @@
 </file>
 
 <file path=ppt/slideLayouts/slideLayout11.xml><?xml version="1.0" encoding="utf-8"?>
-<p:sldLayout xmlns:a="http://schemas.openxmlformats.org/drawingml/2006/main" xmlns:r="http://schemas.openxmlformats.org/officeDocument/2006/relationships" xmlns:mc="http://schemas.openxmlformats.org/markup-compatibility/2006" xmlns:mv="urn:schemas-microsoft-com:mac:vml" xmlns:p="http://schemas.openxmlformats.org/presentationml/2006/main" xmlns:c="http://schemas.openxmlformats.org/drawingml/2006/chart" xmlns:dgm="http://schemas.openxmlformats.org/drawingml/2006/diagram" xmlns:o="urn:schemas-microsoft-com:office:office" xmlns:v="urn:schemas-microsoft-com:vml" xmlns:pvml="urn:schemas-microsoft-com:office:powerpoint" xmlns:com="http://schemas.openxmlformats.org/drawingml/2006/compatibility" xmlns:p14="http://schemas.microsoft.com/office/powerpoint/2010/main" xmlns:p15="http://schemas.microsoft.com/office/powerpoint/2012/main" xmlns:ahyp="http://schemas.microsoft.com/office/drawing/2018/hyperlinkcolor" matchingName="Blank" type="blank">
+<p:sldLayout xmlns:a="http://schemas.openxmlformats.org/drawingml/2006/main" xmlns:r="http://schemas.openxmlformats.org/officeDocument/2006/relationships" xmlns:p="http://schemas.openxmlformats.org/presentationml/2006/main" matchingName="Blank" type="blank">
   <p:cSld name="BLANK">
     <p:spTree>
       <p:nvGrpSpPr>
-        <p:cNvPr id="48" name="Shape 48"/>
+        <p:cNvPr id="1" name="Shape 48"/>
         <p:cNvGrpSpPr/>
         <p:nvPr/>
       </p:nvGrpSpPr>
@@ -2240,9 +2313,11 @@
       <p:sp>
         <p:nvSpPr>
           <p:cNvPr id="49" name="Google Shape;49;p12"/>
-          <p:cNvSpPr txBox="1"/>
+          <p:cNvSpPr txBox="1">
+            <a:spLocks noGrp="1"/>
+          </p:cNvSpPr>
           <p:nvPr>
-            <p:ph idx="12" type="sldNum"/>
+            <p:ph type="sldNum" idx="12"/>
           </p:nvPr>
         </p:nvSpPr>
         <p:spPr>
@@ -2255,7 +2330,7 @@
           </a:prstGeom>
         </p:spPr>
         <p:txBody>
-          <a:bodyPr anchorCtr="0" anchor="ctr" bIns="91425" lIns="91425" spcFirstLastPara="1" rIns="91425" wrap="square" tIns="91425">
+          <a:bodyPr spcFirstLastPara="1" wrap="square" lIns="91425" tIns="91425" rIns="91425" bIns="91425" anchor="ctr" anchorCtr="0">
             <a:normAutofit/>
           </a:bodyPr>
           <a:lstStyle>
@@ -2297,7 +2372,7 @@
             </a:lvl9pPr>
           </a:lstStyle>
           <a:p>
-            <a:pPr indent="0" lvl="0" marL="0" rtl="0" algn="r">
+            <a:pPr marL="0" lvl="0" indent="0" algn="r" rtl="0">
               <a:spcBef>
                 <a:spcPts val="0"/>
               </a:spcBef>
@@ -2323,11 +2398,11 @@
 </file>
 
 <file path=ppt/slideLayouts/slideLayout2.xml><?xml version="1.0" encoding="utf-8"?>
-<p:sldLayout xmlns:a="http://schemas.openxmlformats.org/drawingml/2006/main" xmlns:r="http://schemas.openxmlformats.org/officeDocument/2006/relationships" xmlns:mc="http://schemas.openxmlformats.org/markup-compatibility/2006" xmlns:mv="urn:schemas-microsoft-com:mac:vml" xmlns:p="http://schemas.openxmlformats.org/presentationml/2006/main" xmlns:c="http://schemas.openxmlformats.org/drawingml/2006/chart" xmlns:dgm="http://schemas.openxmlformats.org/drawingml/2006/diagram" xmlns:o="urn:schemas-microsoft-com:office:office" xmlns:v="urn:schemas-microsoft-com:vml" xmlns:pvml="urn:schemas-microsoft-com:office:powerpoint" xmlns:com="http://schemas.openxmlformats.org/drawingml/2006/compatibility" xmlns:p14="http://schemas.microsoft.com/office/powerpoint/2010/main" xmlns:p15="http://schemas.microsoft.com/office/powerpoint/2012/main" xmlns:ahyp="http://schemas.microsoft.com/office/drawing/2018/hyperlinkcolor" matchingName="Section header" type="secHead">
+<p:sldLayout xmlns:a="http://schemas.openxmlformats.org/drawingml/2006/main" xmlns:r="http://schemas.openxmlformats.org/officeDocument/2006/relationships" xmlns:p="http://schemas.openxmlformats.org/presentationml/2006/main" matchingName="Section header" type="secHead">
   <p:cSld name="SECTION_HEADER">
     <p:spTree>
       <p:nvGrpSpPr>
-        <p:cNvPr id="13" name="Shape 13"/>
+        <p:cNvPr id="1" name="Shape 13"/>
         <p:cNvGrpSpPr/>
         <p:nvPr/>
       </p:nvGrpSpPr>
@@ -2342,7 +2417,9 @@
       <p:sp>
         <p:nvSpPr>
           <p:cNvPr id="14" name="Google Shape;14;p3"/>
-          <p:cNvSpPr txBox="1"/>
+          <p:cNvSpPr txBox="1">
+            <a:spLocks noGrp="1"/>
+          </p:cNvSpPr>
           <p:nvPr>
             <p:ph type="title"/>
           </p:nvPr>
@@ -2357,7 +2434,7 @@
           </a:prstGeom>
         </p:spPr>
         <p:txBody>
-          <a:bodyPr anchorCtr="0" anchor="ctr" bIns="91425" lIns="91425" spcFirstLastPara="1" rIns="91425" wrap="square" tIns="91425">
+          <a:bodyPr spcFirstLastPara="1" wrap="square" lIns="91425" tIns="91425" rIns="91425" bIns="91425" anchor="ctr" anchorCtr="0">
             <a:normAutofit/>
           </a:bodyPr>
           <a:lstStyle>
@@ -2461,15 +2538,19 @@
               <a:defRPr sz="3600"/>
             </a:lvl9pPr>
           </a:lstStyle>
-          <a:p/>
+          <a:p>
+            <a:endParaRPr/>
+          </a:p>
         </p:txBody>
       </p:sp>
       <p:sp>
         <p:nvSpPr>
           <p:cNvPr id="15" name="Google Shape;15;p3"/>
-          <p:cNvSpPr txBox="1"/>
+          <p:cNvSpPr txBox="1">
+            <a:spLocks noGrp="1"/>
+          </p:cNvSpPr>
           <p:nvPr>
-            <p:ph idx="12" type="sldNum"/>
+            <p:ph type="sldNum" idx="12"/>
           </p:nvPr>
         </p:nvSpPr>
         <p:spPr>
@@ -2482,7 +2563,7 @@
           </a:prstGeom>
         </p:spPr>
         <p:txBody>
-          <a:bodyPr anchorCtr="0" anchor="ctr" bIns="91425" lIns="91425" spcFirstLastPara="1" rIns="91425" wrap="square" tIns="91425">
+          <a:bodyPr spcFirstLastPara="1" wrap="square" lIns="91425" tIns="91425" rIns="91425" bIns="91425" anchor="ctr" anchorCtr="0">
             <a:normAutofit/>
           </a:bodyPr>
           <a:lstStyle>
@@ -2524,7 +2605,7 @@
             </a:lvl9pPr>
           </a:lstStyle>
           <a:p>
-            <a:pPr indent="0" lvl="0" marL="0" rtl="0" algn="r">
+            <a:pPr marL="0" lvl="0" indent="0" algn="r" rtl="0">
               <a:spcBef>
                 <a:spcPts val="0"/>
               </a:spcBef>
@@ -2550,11 +2631,11 @@
 </file>
 
 <file path=ppt/slideLayouts/slideLayout3.xml><?xml version="1.0" encoding="utf-8"?>
-<p:sldLayout xmlns:a="http://schemas.openxmlformats.org/drawingml/2006/main" xmlns:r="http://schemas.openxmlformats.org/officeDocument/2006/relationships" xmlns:mc="http://schemas.openxmlformats.org/markup-compatibility/2006" xmlns:mv="urn:schemas-microsoft-com:mac:vml" xmlns:p="http://schemas.openxmlformats.org/presentationml/2006/main" xmlns:c="http://schemas.openxmlformats.org/drawingml/2006/chart" xmlns:dgm="http://schemas.openxmlformats.org/drawingml/2006/diagram" xmlns:o="urn:schemas-microsoft-com:office:office" xmlns:v="urn:schemas-microsoft-com:vml" xmlns:pvml="urn:schemas-microsoft-com:office:powerpoint" xmlns:com="http://schemas.openxmlformats.org/drawingml/2006/compatibility" xmlns:p14="http://schemas.microsoft.com/office/powerpoint/2010/main" xmlns:p15="http://schemas.microsoft.com/office/powerpoint/2012/main" xmlns:ahyp="http://schemas.microsoft.com/office/drawing/2018/hyperlinkcolor" matchingName="Title and body" type="tx">
+<p:sldLayout xmlns:a="http://schemas.openxmlformats.org/drawingml/2006/main" xmlns:r="http://schemas.openxmlformats.org/officeDocument/2006/relationships" xmlns:p="http://schemas.openxmlformats.org/presentationml/2006/main" matchingName="Title and body" type="tx">
   <p:cSld name="TITLE_AND_BODY">
     <p:spTree>
       <p:nvGrpSpPr>
-        <p:cNvPr id="16" name="Shape 16"/>
+        <p:cNvPr id="1" name="Shape 16"/>
         <p:cNvGrpSpPr/>
         <p:nvPr/>
       </p:nvGrpSpPr>
@@ -2569,7 +2650,9 @@
       <p:sp>
         <p:nvSpPr>
           <p:cNvPr id="17" name="Google Shape;17;p4"/>
-          <p:cNvSpPr txBox="1"/>
+          <p:cNvSpPr txBox="1">
+            <a:spLocks noGrp="1"/>
+          </p:cNvSpPr>
           <p:nvPr>
             <p:ph type="title"/>
           </p:nvPr>
@@ -2584,7 +2667,7 @@
           </a:prstGeom>
         </p:spPr>
         <p:txBody>
-          <a:bodyPr anchorCtr="0" anchor="t" bIns="91425" lIns="91425" spcFirstLastPara="1" rIns="91425" wrap="square" tIns="91425">
+          <a:bodyPr spcFirstLastPara="1" wrap="square" lIns="91425" tIns="91425" rIns="91425" bIns="91425" anchor="t" anchorCtr="0">
             <a:normAutofit/>
           </a:bodyPr>
           <a:lstStyle>
@@ -2688,15 +2771,19 @@
               <a:defRPr/>
             </a:lvl9pPr>
           </a:lstStyle>
-          <a:p/>
+          <a:p>
+            <a:endParaRPr/>
+          </a:p>
         </p:txBody>
       </p:sp>
       <p:sp>
         <p:nvSpPr>
           <p:cNvPr id="18" name="Google Shape;18;p4"/>
-          <p:cNvSpPr txBox="1"/>
+          <p:cNvSpPr txBox="1">
+            <a:spLocks noGrp="1"/>
+          </p:cNvSpPr>
           <p:nvPr>
-            <p:ph idx="1" type="body"/>
+            <p:ph type="body" idx="1"/>
           </p:nvPr>
         </p:nvSpPr>
         <p:spPr>
@@ -2709,11 +2796,11 @@
           </a:prstGeom>
         </p:spPr>
         <p:txBody>
-          <a:bodyPr anchorCtr="0" anchor="t" bIns="91425" lIns="91425" spcFirstLastPara="1" rIns="91425" wrap="square" tIns="91425">
+          <a:bodyPr spcFirstLastPara="1" wrap="square" lIns="91425" tIns="91425" rIns="91425" bIns="91425" anchor="t" anchorCtr="0">
             <a:normAutofit/>
           </a:bodyPr>
           <a:lstStyle>
-            <a:lvl1pPr indent="-342900" lvl="0" marL="457200">
+            <a:lvl1pPr marL="457200" lvl="0" indent="-342900">
               <a:spcBef>
                 <a:spcPts val="0"/>
               </a:spcBef>
@@ -2724,7 +2811,7 @@
               <a:buChar char="●"/>
               <a:defRPr/>
             </a:lvl1pPr>
-            <a:lvl2pPr indent="-317500" lvl="1" marL="914400">
+            <a:lvl2pPr marL="914400" lvl="1" indent="-317500">
               <a:spcBef>
                 <a:spcPts val="0"/>
               </a:spcBef>
@@ -2735,7 +2822,7 @@
               <a:buChar char="○"/>
               <a:defRPr/>
             </a:lvl2pPr>
-            <a:lvl3pPr indent="-317500" lvl="2" marL="1371600">
+            <a:lvl3pPr marL="1371600" lvl="2" indent="-317500">
               <a:spcBef>
                 <a:spcPts val="0"/>
               </a:spcBef>
@@ -2746,7 +2833,7 @@
               <a:buChar char="■"/>
               <a:defRPr/>
             </a:lvl3pPr>
-            <a:lvl4pPr indent="-317500" lvl="3" marL="1828800">
+            <a:lvl4pPr marL="1828800" lvl="3" indent="-317500">
               <a:spcBef>
                 <a:spcPts val="0"/>
               </a:spcBef>
@@ -2757,7 +2844,7 @@
               <a:buChar char="●"/>
               <a:defRPr/>
             </a:lvl4pPr>
-            <a:lvl5pPr indent="-317500" lvl="4" marL="2286000">
+            <a:lvl5pPr marL="2286000" lvl="4" indent="-317500">
               <a:spcBef>
                 <a:spcPts val="0"/>
               </a:spcBef>
@@ -2768,7 +2855,7 @@
               <a:buChar char="○"/>
               <a:defRPr/>
             </a:lvl5pPr>
-            <a:lvl6pPr indent="-317500" lvl="5" marL="2743200">
+            <a:lvl6pPr marL="2743200" lvl="5" indent="-317500">
               <a:spcBef>
                 <a:spcPts val="0"/>
               </a:spcBef>
@@ -2779,7 +2866,7 @@
               <a:buChar char="■"/>
               <a:defRPr/>
             </a:lvl6pPr>
-            <a:lvl7pPr indent="-317500" lvl="6" marL="3200400">
+            <a:lvl7pPr marL="3200400" lvl="6" indent="-317500">
               <a:spcBef>
                 <a:spcPts val="0"/>
               </a:spcBef>
@@ -2790,7 +2877,7 @@
               <a:buChar char="●"/>
               <a:defRPr/>
             </a:lvl7pPr>
-            <a:lvl8pPr indent="-317500" lvl="7" marL="3657600">
+            <a:lvl8pPr marL="3657600" lvl="7" indent="-317500">
               <a:spcBef>
                 <a:spcPts val="0"/>
               </a:spcBef>
@@ -2801,7 +2888,7 @@
               <a:buChar char="○"/>
               <a:defRPr/>
             </a:lvl8pPr>
-            <a:lvl9pPr indent="-317500" lvl="8" marL="4114800">
+            <a:lvl9pPr marL="4114800" lvl="8" indent="-317500">
               <a:spcBef>
                 <a:spcPts val="0"/>
               </a:spcBef>
@@ -2813,15 +2900,19 @@
               <a:defRPr/>
             </a:lvl9pPr>
           </a:lstStyle>
-          <a:p/>
+          <a:p>
+            <a:endParaRPr/>
+          </a:p>
         </p:txBody>
       </p:sp>
       <p:sp>
         <p:nvSpPr>
           <p:cNvPr id="19" name="Google Shape;19;p4"/>
-          <p:cNvSpPr txBox="1"/>
+          <p:cNvSpPr txBox="1">
+            <a:spLocks noGrp="1"/>
+          </p:cNvSpPr>
           <p:nvPr>
-            <p:ph idx="12" type="sldNum"/>
+            <p:ph type="sldNum" idx="12"/>
           </p:nvPr>
         </p:nvSpPr>
         <p:spPr>
@@ -2834,7 +2925,7 @@
           </a:prstGeom>
         </p:spPr>
         <p:txBody>
-          <a:bodyPr anchorCtr="0" anchor="ctr" bIns="91425" lIns="91425" spcFirstLastPara="1" rIns="91425" wrap="square" tIns="91425">
+          <a:bodyPr spcFirstLastPara="1" wrap="square" lIns="91425" tIns="91425" rIns="91425" bIns="91425" anchor="ctr" anchorCtr="0">
             <a:normAutofit/>
           </a:bodyPr>
           <a:lstStyle>
@@ -2876,7 +2967,7 @@
             </a:lvl9pPr>
           </a:lstStyle>
           <a:p>
-            <a:pPr indent="0" lvl="0" marL="0" rtl="0" algn="r">
+            <a:pPr marL="0" lvl="0" indent="0" algn="r" rtl="0">
               <a:spcBef>
                 <a:spcPts val="0"/>
               </a:spcBef>
@@ -2902,11 +2993,11 @@
 </file>
 
 <file path=ppt/slideLayouts/slideLayout4.xml><?xml version="1.0" encoding="utf-8"?>
-<p:sldLayout xmlns:a="http://schemas.openxmlformats.org/drawingml/2006/main" xmlns:r="http://schemas.openxmlformats.org/officeDocument/2006/relationships" xmlns:mc="http://schemas.openxmlformats.org/markup-compatibility/2006" xmlns:mv="urn:schemas-microsoft-com:mac:vml" xmlns:p="http://schemas.openxmlformats.org/presentationml/2006/main" xmlns:c="http://schemas.openxmlformats.org/drawingml/2006/chart" xmlns:dgm="http://schemas.openxmlformats.org/drawingml/2006/diagram" xmlns:o="urn:schemas-microsoft-com:office:office" xmlns:v="urn:schemas-microsoft-com:vml" xmlns:pvml="urn:schemas-microsoft-com:office:powerpoint" xmlns:com="http://schemas.openxmlformats.org/drawingml/2006/compatibility" xmlns:p14="http://schemas.microsoft.com/office/powerpoint/2010/main" xmlns:p15="http://schemas.microsoft.com/office/powerpoint/2012/main" xmlns:ahyp="http://schemas.microsoft.com/office/drawing/2018/hyperlinkcolor" matchingName="Title and two columns" type="twoColTx">
+<p:sldLayout xmlns:a="http://schemas.openxmlformats.org/drawingml/2006/main" xmlns:r="http://schemas.openxmlformats.org/officeDocument/2006/relationships" xmlns:p="http://schemas.openxmlformats.org/presentationml/2006/main" matchingName="Title and two columns" type="twoColTx">
   <p:cSld name="TITLE_AND_TWO_COLUMNS">
     <p:spTree>
       <p:nvGrpSpPr>
-        <p:cNvPr id="20" name="Shape 20"/>
+        <p:cNvPr id="1" name="Shape 20"/>
         <p:cNvGrpSpPr/>
         <p:nvPr/>
       </p:nvGrpSpPr>
@@ -2921,7 +3012,9 @@
       <p:sp>
         <p:nvSpPr>
           <p:cNvPr id="21" name="Google Shape;21;p5"/>
-          <p:cNvSpPr txBox="1"/>
+          <p:cNvSpPr txBox="1">
+            <a:spLocks noGrp="1"/>
+          </p:cNvSpPr>
           <p:nvPr>
             <p:ph type="title"/>
           </p:nvPr>
@@ -2936,7 +3029,7 @@
           </a:prstGeom>
         </p:spPr>
         <p:txBody>
-          <a:bodyPr anchorCtr="0" anchor="t" bIns="91425" lIns="91425" spcFirstLastPara="1" rIns="91425" wrap="square" tIns="91425">
+          <a:bodyPr spcFirstLastPara="1" wrap="square" lIns="91425" tIns="91425" rIns="91425" bIns="91425" anchor="t" anchorCtr="0">
             <a:normAutofit/>
           </a:bodyPr>
           <a:lstStyle>
@@ -3040,15 +3133,19 @@
               <a:defRPr/>
             </a:lvl9pPr>
           </a:lstStyle>
-          <a:p/>
+          <a:p>
+            <a:endParaRPr/>
+          </a:p>
         </p:txBody>
       </p:sp>
       <p:sp>
         <p:nvSpPr>
           <p:cNvPr id="22" name="Google Shape;22;p5"/>
-          <p:cNvSpPr txBox="1"/>
+          <p:cNvSpPr txBox="1">
+            <a:spLocks noGrp="1"/>
+          </p:cNvSpPr>
           <p:nvPr>
-            <p:ph idx="1" type="body"/>
+            <p:ph type="body" idx="1"/>
           </p:nvPr>
         </p:nvSpPr>
         <p:spPr>
@@ -3061,11 +3158,11 @@
           </a:prstGeom>
         </p:spPr>
         <p:txBody>
-          <a:bodyPr anchorCtr="0" anchor="t" bIns="91425" lIns="91425" spcFirstLastPara="1" rIns="91425" wrap="square" tIns="91425">
+          <a:bodyPr spcFirstLastPara="1" wrap="square" lIns="91425" tIns="91425" rIns="91425" bIns="91425" anchor="t" anchorCtr="0">
             <a:normAutofit/>
           </a:bodyPr>
           <a:lstStyle>
-            <a:lvl1pPr indent="-317500" lvl="0" marL="457200">
+            <a:lvl1pPr marL="457200" lvl="0" indent="-317500">
               <a:spcBef>
                 <a:spcPts val="0"/>
               </a:spcBef>
@@ -3076,7 +3173,7 @@
               <a:buChar char="●"/>
               <a:defRPr sz="1400"/>
             </a:lvl1pPr>
-            <a:lvl2pPr indent="-304800" lvl="1" marL="914400">
+            <a:lvl2pPr marL="914400" lvl="1" indent="-304800">
               <a:spcBef>
                 <a:spcPts val="0"/>
               </a:spcBef>
@@ -3087,7 +3184,7 @@
               <a:buChar char="○"/>
               <a:defRPr sz="1200"/>
             </a:lvl2pPr>
-            <a:lvl3pPr indent="-304800" lvl="2" marL="1371600">
+            <a:lvl3pPr marL="1371600" lvl="2" indent="-304800">
               <a:spcBef>
                 <a:spcPts val="0"/>
               </a:spcBef>
@@ -3098,7 +3195,7 @@
               <a:buChar char="■"/>
               <a:defRPr sz="1200"/>
             </a:lvl3pPr>
-            <a:lvl4pPr indent="-304800" lvl="3" marL="1828800">
+            <a:lvl4pPr marL="1828800" lvl="3" indent="-304800">
               <a:spcBef>
                 <a:spcPts val="0"/>
               </a:spcBef>
@@ -3109,7 +3206,7 @@
               <a:buChar char="●"/>
               <a:defRPr sz="1200"/>
             </a:lvl4pPr>
-            <a:lvl5pPr indent="-304800" lvl="4" marL="2286000">
+            <a:lvl5pPr marL="2286000" lvl="4" indent="-304800">
               <a:spcBef>
                 <a:spcPts val="0"/>
               </a:spcBef>
@@ -3120,7 +3217,7 @@
               <a:buChar char="○"/>
               <a:defRPr sz="1200"/>
             </a:lvl5pPr>
-            <a:lvl6pPr indent="-304800" lvl="5" marL="2743200">
+            <a:lvl6pPr marL="2743200" lvl="5" indent="-304800">
               <a:spcBef>
                 <a:spcPts val="0"/>
               </a:spcBef>
@@ -3131,7 +3228,7 @@
               <a:buChar char="■"/>
               <a:defRPr sz="1200"/>
             </a:lvl6pPr>
-            <a:lvl7pPr indent="-304800" lvl="6" marL="3200400">
+            <a:lvl7pPr marL="3200400" lvl="6" indent="-304800">
               <a:spcBef>
                 <a:spcPts val="0"/>
               </a:spcBef>
@@ -3142,7 +3239,7 @@
               <a:buChar char="●"/>
               <a:defRPr sz="1200"/>
             </a:lvl7pPr>
-            <a:lvl8pPr indent="-304800" lvl="7" marL="3657600">
+            <a:lvl8pPr marL="3657600" lvl="7" indent="-304800">
               <a:spcBef>
                 <a:spcPts val="0"/>
               </a:spcBef>
@@ -3153,7 +3250,7 @@
               <a:buChar char="○"/>
               <a:defRPr sz="1200"/>
             </a:lvl8pPr>
-            <a:lvl9pPr indent="-304800" lvl="8" marL="4114800">
+            <a:lvl9pPr marL="4114800" lvl="8" indent="-304800">
               <a:spcBef>
                 <a:spcPts val="0"/>
               </a:spcBef>
@@ -3165,15 +3262,19 @@
               <a:defRPr sz="1200"/>
             </a:lvl9pPr>
           </a:lstStyle>
-          <a:p/>
+          <a:p>
+            <a:endParaRPr/>
+          </a:p>
         </p:txBody>
       </p:sp>
       <p:sp>
         <p:nvSpPr>
           <p:cNvPr id="23" name="Google Shape;23;p5"/>
-          <p:cNvSpPr txBox="1"/>
+          <p:cNvSpPr txBox="1">
+            <a:spLocks noGrp="1"/>
+          </p:cNvSpPr>
           <p:nvPr>
-            <p:ph idx="2" type="body"/>
+            <p:ph type="body" idx="2"/>
           </p:nvPr>
         </p:nvSpPr>
         <p:spPr>
@@ -3186,11 +3287,11 @@
           </a:prstGeom>
         </p:spPr>
         <p:txBody>
-          <a:bodyPr anchorCtr="0" anchor="t" bIns="91425" lIns="91425" spcFirstLastPara="1" rIns="91425" wrap="square" tIns="91425">
+          <a:bodyPr spcFirstLastPara="1" wrap="square" lIns="91425" tIns="91425" rIns="91425" bIns="91425" anchor="t" anchorCtr="0">
             <a:normAutofit/>
           </a:bodyPr>
           <a:lstStyle>
-            <a:lvl1pPr indent="-317500" lvl="0" marL="457200">
+            <a:lvl1pPr marL="457200" lvl="0" indent="-317500">
               <a:spcBef>
                 <a:spcPts val="0"/>
               </a:spcBef>
@@ -3201,7 +3302,7 @@
               <a:buChar char="●"/>
               <a:defRPr sz="1400"/>
             </a:lvl1pPr>
-            <a:lvl2pPr indent="-304800" lvl="1" marL="914400">
+            <a:lvl2pPr marL="914400" lvl="1" indent="-304800">
               <a:spcBef>
                 <a:spcPts val="0"/>
               </a:spcBef>
@@ -3212,7 +3313,7 @@
               <a:buChar char="○"/>
               <a:defRPr sz="1200"/>
             </a:lvl2pPr>
-            <a:lvl3pPr indent="-304800" lvl="2" marL="1371600">
+            <a:lvl3pPr marL="1371600" lvl="2" indent="-304800">
               <a:spcBef>
                 <a:spcPts val="0"/>
               </a:spcBef>
@@ -3223,7 +3324,7 @@
               <a:buChar char="■"/>
               <a:defRPr sz="1200"/>
             </a:lvl3pPr>
-            <a:lvl4pPr indent="-304800" lvl="3" marL="1828800">
+            <a:lvl4pPr marL="1828800" lvl="3" indent="-304800">
               <a:spcBef>
                 <a:spcPts val="0"/>
               </a:spcBef>
@@ -3234,7 +3335,7 @@
               <a:buChar char="●"/>
               <a:defRPr sz="1200"/>
             </a:lvl4pPr>
-            <a:lvl5pPr indent="-304800" lvl="4" marL="2286000">
+            <a:lvl5pPr marL="2286000" lvl="4" indent="-304800">
               <a:spcBef>
                 <a:spcPts val="0"/>
               </a:spcBef>
@@ -3245,7 +3346,7 @@
               <a:buChar char="○"/>
               <a:defRPr sz="1200"/>
             </a:lvl5pPr>
-            <a:lvl6pPr indent="-304800" lvl="5" marL="2743200">
+            <a:lvl6pPr marL="2743200" lvl="5" indent="-304800">
               <a:spcBef>
                 <a:spcPts val="0"/>
               </a:spcBef>
@@ -3256,7 +3357,7 @@
               <a:buChar char="■"/>
               <a:defRPr sz="1200"/>
             </a:lvl6pPr>
-            <a:lvl7pPr indent="-304800" lvl="6" marL="3200400">
+            <a:lvl7pPr marL="3200400" lvl="6" indent="-304800">
               <a:spcBef>
                 <a:spcPts val="0"/>
               </a:spcBef>
@@ -3267,7 +3368,7 @@
               <a:buChar char="●"/>
               <a:defRPr sz="1200"/>
             </a:lvl7pPr>
-            <a:lvl8pPr indent="-304800" lvl="7" marL="3657600">
+            <a:lvl8pPr marL="3657600" lvl="7" indent="-304800">
               <a:spcBef>
                 <a:spcPts val="0"/>
               </a:spcBef>
@@ -3278,7 +3379,7 @@
               <a:buChar char="○"/>
               <a:defRPr sz="1200"/>
             </a:lvl8pPr>
-            <a:lvl9pPr indent="-304800" lvl="8" marL="4114800">
+            <a:lvl9pPr marL="4114800" lvl="8" indent="-304800">
               <a:spcBef>
                 <a:spcPts val="0"/>
               </a:spcBef>
@@ -3290,15 +3391,19 @@
               <a:defRPr sz="1200"/>
             </a:lvl9pPr>
           </a:lstStyle>
-          <a:p/>
+          <a:p>
+            <a:endParaRPr/>
+          </a:p>
         </p:txBody>
       </p:sp>
       <p:sp>
         <p:nvSpPr>
           <p:cNvPr id="24" name="Google Shape;24;p5"/>
-          <p:cNvSpPr txBox="1"/>
+          <p:cNvSpPr txBox="1">
+            <a:spLocks noGrp="1"/>
+          </p:cNvSpPr>
           <p:nvPr>
-            <p:ph idx="12" type="sldNum"/>
+            <p:ph type="sldNum" idx="12"/>
           </p:nvPr>
         </p:nvSpPr>
         <p:spPr>
@@ -3311,7 +3416,7 @@
           </a:prstGeom>
         </p:spPr>
         <p:txBody>
-          <a:bodyPr anchorCtr="0" anchor="ctr" bIns="91425" lIns="91425" spcFirstLastPara="1" rIns="91425" wrap="square" tIns="91425">
+          <a:bodyPr spcFirstLastPara="1" wrap="square" lIns="91425" tIns="91425" rIns="91425" bIns="91425" anchor="ctr" anchorCtr="0">
             <a:normAutofit/>
           </a:bodyPr>
           <a:lstStyle>
@@ -3353,7 +3458,7 @@
             </a:lvl9pPr>
           </a:lstStyle>
           <a:p>
-            <a:pPr indent="0" lvl="0" marL="0" rtl="0" algn="r">
+            <a:pPr marL="0" lvl="0" indent="0" algn="r" rtl="0">
               <a:spcBef>
                 <a:spcPts val="0"/>
               </a:spcBef>
@@ -3379,11 +3484,11 @@
 </file>
 
 <file path=ppt/slideLayouts/slideLayout5.xml><?xml version="1.0" encoding="utf-8"?>
-<p:sldLayout xmlns:a="http://schemas.openxmlformats.org/drawingml/2006/main" xmlns:r="http://schemas.openxmlformats.org/officeDocument/2006/relationships" xmlns:mc="http://schemas.openxmlformats.org/markup-compatibility/2006" xmlns:mv="urn:schemas-microsoft-com:mac:vml" xmlns:p="http://schemas.openxmlformats.org/presentationml/2006/main" xmlns:c="http://schemas.openxmlformats.org/drawingml/2006/chart" xmlns:dgm="http://schemas.openxmlformats.org/drawingml/2006/diagram" xmlns:o="urn:schemas-microsoft-com:office:office" xmlns:v="urn:schemas-microsoft-com:vml" xmlns:pvml="urn:schemas-microsoft-com:office:powerpoint" xmlns:com="http://schemas.openxmlformats.org/drawingml/2006/compatibility" xmlns:p14="http://schemas.microsoft.com/office/powerpoint/2010/main" xmlns:p15="http://schemas.microsoft.com/office/powerpoint/2012/main" xmlns:ahyp="http://schemas.microsoft.com/office/drawing/2018/hyperlinkcolor" matchingName="Title only" type="titleOnly">
+<p:sldLayout xmlns:a="http://schemas.openxmlformats.org/drawingml/2006/main" xmlns:r="http://schemas.openxmlformats.org/officeDocument/2006/relationships" xmlns:p="http://schemas.openxmlformats.org/presentationml/2006/main" matchingName="Title only" type="titleOnly">
   <p:cSld name="TITLE_ONLY">
     <p:spTree>
       <p:nvGrpSpPr>
-        <p:cNvPr id="25" name="Shape 25"/>
+        <p:cNvPr id="1" name="Shape 25"/>
         <p:cNvGrpSpPr/>
         <p:nvPr/>
       </p:nvGrpSpPr>
@@ -3398,7 +3503,9 @@
       <p:sp>
         <p:nvSpPr>
           <p:cNvPr id="26" name="Google Shape;26;p6"/>
-          <p:cNvSpPr txBox="1"/>
+          <p:cNvSpPr txBox="1">
+            <a:spLocks noGrp="1"/>
+          </p:cNvSpPr>
           <p:nvPr>
             <p:ph type="title"/>
           </p:nvPr>
@@ -3413,7 +3520,7 @@
           </a:prstGeom>
         </p:spPr>
         <p:txBody>
-          <a:bodyPr anchorCtr="0" anchor="t" bIns="91425" lIns="91425" spcFirstLastPara="1" rIns="91425" wrap="square" tIns="91425">
+          <a:bodyPr spcFirstLastPara="1" wrap="square" lIns="91425" tIns="91425" rIns="91425" bIns="91425" anchor="t" anchorCtr="0">
             <a:normAutofit/>
           </a:bodyPr>
           <a:lstStyle>
@@ -3517,15 +3624,19 @@
               <a:defRPr/>
             </a:lvl9pPr>
           </a:lstStyle>
-          <a:p/>
+          <a:p>
+            <a:endParaRPr/>
+          </a:p>
         </p:txBody>
       </p:sp>
       <p:sp>
         <p:nvSpPr>
           <p:cNvPr id="27" name="Google Shape;27;p6"/>
-          <p:cNvSpPr txBox="1"/>
+          <p:cNvSpPr txBox="1">
+            <a:spLocks noGrp="1"/>
+          </p:cNvSpPr>
           <p:nvPr>
-            <p:ph idx="12" type="sldNum"/>
+            <p:ph type="sldNum" idx="12"/>
           </p:nvPr>
         </p:nvSpPr>
         <p:spPr>
@@ -3538,7 +3649,7 @@
           </a:prstGeom>
         </p:spPr>
         <p:txBody>
-          <a:bodyPr anchorCtr="0" anchor="ctr" bIns="91425" lIns="91425" spcFirstLastPara="1" rIns="91425" wrap="square" tIns="91425">
+          <a:bodyPr spcFirstLastPara="1" wrap="square" lIns="91425" tIns="91425" rIns="91425" bIns="91425" anchor="ctr" anchorCtr="0">
             <a:normAutofit/>
           </a:bodyPr>
           <a:lstStyle>
@@ -3580,7 +3691,7 @@
             </a:lvl9pPr>
           </a:lstStyle>
           <a:p>
-            <a:pPr indent="0" lvl="0" marL="0" rtl="0" algn="r">
+            <a:pPr marL="0" lvl="0" indent="0" algn="r" rtl="0">
               <a:spcBef>
                 <a:spcPts val="0"/>
               </a:spcBef>
@@ -3606,11 +3717,11 @@
 </file>
 
 <file path=ppt/slideLayouts/slideLayout6.xml><?xml version="1.0" encoding="utf-8"?>
-<p:sldLayout xmlns:a="http://schemas.openxmlformats.org/drawingml/2006/main" xmlns:r="http://schemas.openxmlformats.org/officeDocument/2006/relationships" xmlns:mc="http://schemas.openxmlformats.org/markup-compatibility/2006" xmlns:mv="urn:schemas-microsoft-com:mac:vml" xmlns:p="http://schemas.openxmlformats.org/presentationml/2006/main" xmlns:c="http://schemas.openxmlformats.org/drawingml/2006/chart" xmlns:dgm="http://schemas.openxmlformats.org/drawingml/2006/diagram" xmlns:o="urn:schemas-microsoft-com:office:office" xmlns:v="urn:schemas-microsoft-com:vml" xmlns:pvml="urn:schemas-microsoft-com:office:powerpoint" xmlns:com="http://schemas.openxmlformats.org/drawingml/2006/compatibility" xmlns:p14="http://schemas.microsoft.com/office/powerpoint/2010/main" xmlns:p15="http://schemas.microsoft.com/office/powerpoint/2012/main" xmlns:ahyp="http://schemas.microsoft.com/office/drawing/2018/hyperlinkcolor" matchingName="One column text">
+<p:sldLayout xmlns:a="http://schemas.openxmlformats.org/drawingml/2006/main" xmlns:r="http://schemas.openxmlformats.org/officeDocument/2006/relationships" xmlns:p="http://schemas.openxmlformats.org/presentationml/2006/main" matchingName="One column text">
   <p:cSld name="ONE_COLUMN_TEXT">
     <p:spTree>
       <p:nvGrpSpPr>
-        <p:cNvPr id="28" name="Shape 28"/>
+        <p:cNvPr id="1" name="Shape 28"/>
         <p:cNvGrpSpPr/>
         <p:nvPr/>
       </p:nvGrpSpPr>
@@ -3625,7 +3736,9 @@
       <p:sp>
         <p:nvSpPr>
           <p:cNvPr id="29" name="Google Shape;29;p7"/>
-          <p:cNvSpPr txBox="1"/>
+          <p:cNvSpPr txBox="1">
+            <a:spLocks noGrp="1"/>
+          </p:cNvSpPr>
           <p:nvPr>
             <p:ph type="title"/>
           </p:nvPr>
@@ -3640,7 +3753,7 @@
           </a:prstGeom>
         </p:spPr>
         <p:txBody>
-          <a:bodyPr anchorCtr="0" anchor="b" bIns="91425" lIns="91425" spcFirstLastPara="1" rIns="91425" wrap="square" tIns="91425">
+          <a:bodyPr spcFirstLastPara="1" wrap="square" lIns="91425" tIns="91425" rIns="91425" bIns="91425" anchor="b" anchorCtr="0">
             <a:normAutofit/>
           </a:bodyPr>
           <a:lstStyle>
@@ -3744,15 +3857,19 @@
               <a:defRPr sz="2400"/>
             </a:lvl9pPr>
           </a:lstStyle>
-          <a:p/>
+          <a:p>
+            <a:endParaRPr/>
+          </a:p>
         </p:txBody>
       </p:sp>
       <p:sp>
         <p:nvSpPr>
           <p:cNvPr id="30" name="Google Shape;30;p7"/>
-          <p:cNvSpPr txBox="1"/>
+          <p:cNvSpPr txBox="1">
+            <a:spLocks noGrp="1"/>
+          </p:cNvSpPr>
           <p:nvPr>
-            <p:ph idx="1" type="body"/>
+            <p:ph type="body" idx="1"/>
           </p:nvPr>
         </p:nvSpPr>
         <p:spPr>
@@ -3765,11 +3882,11 @@
           </a:prstGeom>
         </p:spPr>
         <p:txBody>
-          <a:bodyPr anchorCtr="0" anchor="t" bIns="91425" lIns="91425" spcFirstLastPara="1" rIns="91425" wrap="square" tIns="91425">
+          <a:bodyPr spcFirstLastPara="1" wrap="square" lIns="91425" tIns="91425" rIns="91425" bIns="91425" anchor="t" anchorCtr="0">
             <a:normAutofit/>
           </a:bodyPr>
           <a:lstStyle>
-            <a:lvl1pPr indent="-304800" lvl="0" marL="457200">
+            <a:lvl1pPr marL="457200" lvl="0" indent="-304800">
               <a:spcBef>
                 <a:spcPts val="0"/>
               </a:spcBef>
@@ -3780,7 +3897,7 @@
               <a:buChar char="●"/>
               <a:defRPr sz="1200"/>
             </a:lvl1pPr>
-            <a:lvl2pPr indent="-304800" lvl="1" marL="914400">
+            <a:lvl2pPr marL="914400" lvl="1" indent="-304800">
               <a:spcBef>
                 <a:spcPts val="0"/>
               </a:spcBef>
@@ -3791,7 +3908,7 @@
               <a:buChar char="○"/>
               <a:defRPr sz="1200"/>
             </a:lvl2pPr>
-            <a:lvl3pPr indent="-304800" lvl="2" marL="1371600">
+            <a:lvl3pPr marL="1371600" lvl="2" indent="-304800">
               <a:spcBef>
                 <a:spcPts val="0"/>
               </a:spcBef>
@@ -3802,7 +3919,7 @@
               <a:buChar char="■"/>
               <a:defRPr sz="1200"/>
             </a:lvl3pPr>
-            <a:lvl4pPr indent="-304800" lvl="3" marL="1828800">
+            <a:lvl4pPr marL="1828800" lvl="3" indent="-304800">
               <a:spcBef>
                 <a:spcPts val="0"/>
               </a:spcBef>
@@ -3813,7 +3930,7 @@
               <a:buChar char="●"/>
               <a:defRPr sz="1200"/>
             </a:lvl4pPr>
-            <a:lvl5pPr indent="-304800" lvl="4" marL="2286000">
+            <a:lvl5pPr marL="2286000" lvl="4" indent="-304800">
               <a:spcBef>
                 <a:spcPts val="0"/>
               </a:spcBef>
@@ -3824,7 +3941,7 @@
               <a:buChar char="○"/>
               <a:defRPr sz="1200"/>
             </a:lvl5pPr>
-            <a:lvl6pPr indent="-304800" lvl="5" marL="2743200">
+            <a:lvl6pPr marL="2743200" lvl="5" indent="-304800">
               <a:spcBef>
                 <a:spcPts val="0"/>
               </a:spcBef>
@@ -3835,7 +3952,7 @@
               <a:buChar char="■"/>
               <a:defRPr sz="1200"/>
             </a:lvl6pPr>
-            <a:lvl7pPr indent="-304800" lvl="6" marL="3200400">
+            <a:lvl7pPr marL="3200400" lvl="6" indent="-304800">
               <a:spcBef>
                 <a:spcPts val="0"/>
               </a:spcBef>
@@ -3846,7 +3963,7 @@
               <a:buChar char="●"/>
               <a:defRPr sz="1200"/>
             </a:lvl7pPr>
-            <a:lvl8pPr indent="-304800" lvl="7" marL="3657600">
+            <a:lvl8pPr marL="3657600" lvl="7" indent="-304800">
               <a:spcBef>
                 <a:spcPts val="0"/>
               </a:spcBef>
@@ -3857,7 +3974,7 @@
               <a:buChar char="○"/>
               <a:defRPr sz="1200"/>
             </a:lvl8pPr>
-            <a:lvl9pPr indent="-304800" lvl="8" marL="4114800">
+            <a:lvl9pPr marL="4114800" lvl="8" indent="-304800">
               <a:spcBef>
                 <a:spcPts val="0"/>
               </a:spcBef>
@@ -3869,15 +3986,19 @@
               <a:defRPr sz="1200"/>
             </a:lvl9pPr>
           </a:lstStyle>
-          <a:p/>
+          <a:p>
+            <a:endParaRPr/>
+          </a:p>
         </p:txBody>
       </p:sp>
       <p:sp>
         <p:nvSpPr>
           <p:cNvPr id="31" name="Google Shape;31;p7"/>
-          <p:cNvSpPr txBox="1"/>
+          <p:cNvSpPr txBox="1">
+            <a:spLocks noGrp="1"/>
+          </p:cNvSpPr>
           <p:nvPr>
-            <p:ph idx="12" type="sldNum"/>
+            <p:ph type="sldNum" idx="12"/>
           </p:nvPr>
         </p:nvSpPr>
         <p:spPr>
@@ -3890,7 +4011,7 @@
           </a:prstGeom>
         </p:spPr>
         <p:txBody>
-          <a:bodyPr anchorCtr="0" anchor="ctr" bIns="91425" lIns="91425" spcFirstLastPara="1" rIns="91425" wrap="square" tIns="91425">
+          <a:bodyPr spcFirstLastPara="1" wrap="square" lIns="91425" tIns="91425" rIns="91425" bIns="91425" anchor="ctr" anchorCtr="0">
             <a:normAutofit/>
           </a:bodyPr>
           <a:lstStyle>
@@ -3932,7 +4053,7 @@
             </a:lvl9pPr>
           </a:lstStyle>
           <a:p>
-            <a:pPr indent="0" lvl="0" marL="0" rtl="0" algn="r">
+            <a:pPr marL="0" lvl="0" indent="0" algn="r" rtl="0">
               <a:spcBef>
                 <a:spcPts val="0"/>
               </a:spcBef>
@@ -3958,11 +4079,11 @@
 </file>
 
 <file path=ppt/slideLayouts/slideLayout7.xml><?xml version="1.0" encoding="utf-8"?>
-<p:sldLayout xmlns:a="http://schemas.openxmlformats.org/drawingml/2006/main" xmlns:r="http://schemas.openxmlformats.org/officeDocument/2006/relationships" xmlns:mc="http://schemas.openxmlformats.org/markup-compatibility/2006" xmlns:mv="urn:schemas-microsoft-com:mac:vml" xmlns:p="http://schemas.openxmlformats.org/presentationml/2006/main" xmlns:c="http://schemas.openxmlformats.org/drawingml/2006/chart" xmlns:dgm="http://schemas.openxmlformats.org/drawingml/2006/diagram" xmlns:o="urn:schemas-microsoft-com:office:office" xmlns:v="urn:schemas-microsoft-com:vml" xmlns:pvml="urn:schemas-microsoft-com:office:powerpoint" xmlns:com="http://schemas.openxmlformats.org/drawingml/2006/compatibility" xmlns:p14="http://schemas.microsoft.com/office/powerpoint/2010/main" xmlns:p15="http://schemas.microsoft.com/office/powerpoint/2012/main" xmlns:ahyp="http://schemas.microsoft.com/office/drawing/2018/hyperlinkcolor" matchingName="Main point">
+<p:sldLayout xmlns:a="http://schemas.openxmlformats.org/drawingml/2006/main" xmlns:r="http://schemas.openxmlformats.org/officeDocument/2006/relationships" xmlns:p="http://schemas.openxmlformats.org/presentationml/2006/main" matchingName="Main point">
   <p:cSld name="MAIN_POINT">
     <p:spTree>
       <p:nvGrpSpPr>
-        <p:cNvPr id="32" name="Shape 32"/>
+        <p:cNvPr id="1" name="Shape 32"/>
         <p:cNvGrpSpPr/>
         <p:nvPr/>
       </p:nvGrpSpPr>
@@ -3977,7 +4098,9 @@
       <p:sp>
         <p:nvSpPr>
           <p:cNvPr id="33" name="Google Shape;33;p8"/>
-          <p:cNvSpPr txBox="1"/>
+          <p:cNvSpPr txBox="1">
+            <a:spLocks noGrp="1"/>
+          </p:cNvSpPr>
           <p:nvPr>
             <p:ph type="title"/>
           </p:nvPr>
@@ -3992,7 +4115,7 @@
           </a:prstGeom>
         </p:spPr>
         <p:txBody>
-          <a:bodyPr anchorCtr="0" anchor="ctr" bIns="91425" lIns="91425" spcFirstLastPara="1" rIns="91425" wrap="square" tIns="91425">
+          <a:bodyPr spcFirstLastPara="1" wrap="square" lIns="91425" tIns="91425" rIns="91425" bIns="91425" anchor="ctr" anchorCtr="0">
             <a:normAutofit/>
           </a:bodyPr>
           <a:lstStyle>
@@ -4096,15 +4219,19 @@
               <a:defRPr sz="4800"/>
             </a:lvl9pPr>
           </a:lstStyle>
-          <a:p/>
+          <a:p>
+            <a:endParaRPr/>
+          </a:p>
         </p:txBody>
       </p:sp>
       <p:sp>
         <p:nvSpPr>
           <p:cNvPr id="34" name="Google Shape;34;p8"/>
-          <p:cNvSpPr txBox="1"/>
+          <p:cNvSpPr txBox="1">
+            <a:spLocks noGrp="1"/>
+          </p:cNvSpPr>
           <p:nvPr>
-            <p:ph idx="12" type="sldNum"/>
+            <p:ph type="sldNum" idx="12"/>
           </p:nvPr>
         </p:nvSpPr>
         <p:spPr>
@@ -4117,7 +4244,7 @@
           </a:prstGeom>
         </p:spPr>
         <p:txBody>
-          <a:bodyPr anchorCtr="0" anchor="ctr" bIns="91425" lIns="91425" spcFirstLastPara="1" rIns="91425" wrap="square" tIns="91425">
+          <a:bodyPr spcFirstLastPara="1" wrap="square" lIns="91425" tIns="91425" rIns="91425" bIns="91425" anchor="ctr" anchorCtr="0">
             <a:normAutofit/>
           </a:bodyPr>
           <a:lstStyle>
@@ -4159,7 +4286,7 @@
             </a:lvl9pPr>
           </a:lstStyle>
           <a:p>
-            <a:pPr indent="0" lvl="0" marL="0" rtl="0" algn="r">
+            <a:pPr marL="0" lvl="0" indent="0" algn="r" rtl="0">
               <a:spcBef>
                 <a:spcPts val="0"/>
               </a:spcBef>
@@ -4185,11 +4312,11 @@
 </file>
 
 <file path=ppt/slideLayouts/slideLayout8.xml><?xml version="1.0" encoding="utf-8"?>
-<p:sldLayout xmlns:a="http://schemas.openxmlformats.org/drawingml/2006/main" xmlns:r="http://schemas.openxmlformats.org/officeDocument/2006/relationships" xmlns:mc="http://schemas.openxmlformats.org/markup-compatibility/2006" xmlns:mv="urn:schemas-microsoft-com:mac:vml" xmlns:p="http://schemas.openxmlformats.org/presentationml/2006/main" xmlns:c="http://schemas.openxmlformats.org/drawingml/2006/chart" xmlns:dgm="http://schemas.openxmlformats.org/drawingml/2006/diagram" xmlns:o="urn:schemas-microsoft-com:office:office" xmlns:v="urn:schemas-microsoft-com:vml" xmlns:pvml="urn:schemas-microsoft-com:office:powerpoint" xmlns:com="http://schemas.openxmlformats.org/drawingml/2006/compatibility" xmlns:p14="http://schemas.microsoft.com/office/powerpoint/2010/main" xmlns:p15="http://schemas.microsoft.com/office/powerpoint/2012/main" xmlns:ahyp="http://schemas.microsoft.com/office/drawing/2018/hyperlinkcolor" matchingName="Section title and description">
+<p:sldLayout xmlns:a="http://schemas.openxmlformats.org/drawingml/2006/main" xmlns:r="http://schemas.openxmlformats.org/officeDocument/2006/relationships" xmlns:p="http://schemas.openxmlformats.org/presentationml/2006/main" matchingName="Section title and description">
   <p:cSld name="SECTION_TITLE_AND_DESCRIPTION">
     <p:spTree>
       <p:nvGrpSpPr>
-        <p:cNvPr id="35" name="Shape 35"/>
+        <p:cNvPr id="1" name="Shape 35"/>
         <p:cNvGrpSpPr/>
         <p:nvPr/>
       </p:nvGrpSpPr>
@@ -4223,12 +4350,12 @@
           </a:ln>
         </p:spPr>
         <p:txBody>
-          <a:bodyPr anchorCtr="0" anchor="ctr" bIns="91425" lIns="91425" spcFirstLastPara="1" rIns="91425" wrap="square" tIns="91425">
+          <a:bodyPr spcFirstLastPara="1" wrap="square" lIns="91425" tIns="91425" rIns="91425" bIns="91425" anchor="ctr" anchorCtr="0">
             <a:noAutofit/>
           </a:bodyPr>
           <a:lstStyle/>
           <a:p>
-            <a:pPr indent="0" lvl="0" marL="0" rtl="0" algn="l">
+            <a:pPr marL="0" lvl="0" indent="0" algn="l" rtl="0">
               <a:spcBef>
                 <a:spcPts val="0"/>
               </a:spcBef>
@@ -4237,9 +4364,6 @@
               </a:spcAft>
               <a:buNone/>
             </a:pPr>
-            <a:r>
-              <a:t/>
-            </a:r>
             <a:endParaRPr/>
           </a:p>
         </p:txBody>
@@ -4247,7 +4371,9 @@
       <p:sp>
         <p:nvSpPr>
           <p:cNvPr id="37" name="Google Shape;37;p9"/>
-          <p:cNvSpPr txBox="1"/>
+          <p:cNvSpPr txBox="1">
+            <a:spLocks noGrp="1"/>
+          </p:cNvSpPr>
           <p:nvPr>
             <p:ph type="title"/>
           </p:nvPr>
@@ -4262,7 +4388,7 @@
           </a:prstGeom>
         </p:spPr>
         <p:txBody>
-          <a:bodyPr anchorCtr="0" anchor="b" bIns="91425" lIns="91425" spcFirstLastPara="1" rIns="91425" wrap="square" tIns="91425">
+          <a:bodyPr spcFirstLastPara="1" wrap="square" lIns="91425" tIns="91425" rIns="91425" bIns="91425" anchor="b" anchorCtr="0">
             <a:normAutofit/>
           </a:bodyPr>
           <a:lstStyle>
@@ -4366,15 +4492,19 @@
               <a:defRPr sz="4200"/>
             </a:lvl9pPr>
           </a:lstStyle>
-          <a:p/>
+          <a:p>
+            <a:endParaRPr/>
+          </a:p>
         </p:txBody>
       </p:sp>
       <p:sp>
         <p:nvSpPr>
           <p:cNvPr id="38" name="Google Shape;38;p9"/>
-          <p:cNvSpPr txBox="1"/>
+          <p:cNvSpPr txBox="1">
+            <a:spLocks noGrp="1"/>
+          </p:cNvSpPr>
           <p:nvPr>
-            <p:ph idx="1" type="subTitle"/>
+            <p:ph type="subTitle" idx="1"/>
           </p:nvPr>
         </p:nvSpPr>
         <p:spPr>
@@ -4387,7 +4517,7 @@
           </a:prstGeom>
         </p:spPr>
         <p:txBody>
-          <a:bodyPr anchorCtr="0" anchor="t" bIns="91425" lIns="91425" spcFirstLastPara="1" rIns="91425" wrap="square" tIns="91425">
+          <a:bodyPr spcFirstLastPara="1" wrap="square" lIns="91425" tIns="91425" rIns="91425" bIns="91425" anchor="t" anchorCtr="0">
             <a:normAutofit/>
           </a:bodyPr>
           <a:lstStyle>
@@ -4518,15 +4648,19 @@
               <a:defRPr sz="2100"/>
             </a:lvl9pPr>
           </a:lstStyle>
-          <a:p/>
+          <a:p>
+            <a:endParaRPr/>
+          </a:p>
         </p:txBody>
       </p:sp>
       <p:sp>
         <p:nvSpPr>
           <p:cNvPr id="39" name="Google Shape;39;p9"/>
-          <p:cNvSpPr txBox="1"/>
+          <p:cNvSpPr txBox="1">
+            <a:spLocks noGrp="1"/>
+          </p:cNvSpPr>
           <p:nvPr>
-            <p:ph idx="2" type="body"/>
+            <p:ph type="body" idx="2"/>
           </p:nvPr>
         </p:nvSpPr>
         <p:spPr>
@@ -4539,11 +4673,11 @@
           </a:prstGeom>
         </p:spPr>
         <p:txBody>
-          <a:bodyPr anchorCtr="0" anchor="ctr" bIns="91425" lIns="91425" spcFirstLastPara="1" rIns="91425" wrap="square" tIns="91425">
+          <a:bodyPr spcFirstLastPara="1" wrap="square" lIns="91425" tIns="91425" rIns="91425" bIns="91425" anchor="ctr" anchorCtr="0">
             <a:normAutofit/>
           </a:bodyPr>
           <a:lstStyle>
-            <a:lvl1pPr indent="-342900" lvl="0" marL="457200">
+            <a:lvl1pPr marL="457200" lvl="0" indent="-342900">
               <a:spcBef>
                 <a:spcPts val="0"/>
               </a:spcBef>
@@ -4554,7 +4688,7 @@
               <a:buChar char="●"/>
               <a:defRPr/>
             </a:lvl1pPr>
-            <a:lvl2pPr indent="-317500" lvl="1" marL="914400">
+            <a:lvl2pPr marL="914400" lvl="1" indent="-317500">
               <a:spcBef>
                 <a:spcPts val="0"/>
               </a:spcBef>
@@ -4565,7 +4699,7 @@
               <a:buChar char="○"/>
               <a:defRPr/>
             </a:lvl2pPr>
-            <a:lvl3pPr indent="-317500" lvl="2" marL="1371600">
+            <a:lvl3pPr marL="1371600" lvl="2" indent="-317500">
               <a:spcBef>
                 <a:spcPts val="0"/>
               </a:spcBef>
@@ -4576,7 +4710,7 @@
               <a:buChar char="■"/>
               <a:defRPr/>
             </a:lvl3pPr>
-            <a:lvl4pPr indent="-317500" lvl="3" marL="1828800">
+            <a:lvl4pPr marL="1828800" lvl="3" indent="-317500">
               <a:spcBef>
                 <a:spcPts val="0"/>
               </a:spcBef>
@@ -4587,7 +4721,7 @@
               <a:buChar char="●"/>
               <a:defRPr/>
             </a:lvl4pPr>
-            <a:lvl5pPr indent="-317500" lvl="4" marL="2286000">
+            <a:lvl5pPr marL="2286000" lvl="4" indent="-317500">
               <a:spcBef>
                 <a:spcPts val="0"/>
               </a:spcBef>
@@ -4598,7 +4732,7 @@
               <a:buChar char="○"/>
               <a:defRPr/>
             </a:lvl5pPr>
-            <a:lvl6pPr indent="-317500" lvl="5" marL="2743200">
+            <a:lvl6pPr marL="2743200" lvl="5" indent="-317500">
               <a:spcBef>
                 <a:spcPts val="0"/>
               </a:spcBef>
@@ -4609,7 +4743,7 @@
               <a:buChar char="■"/>
               <a:defRPr/>
             </a:lvl6pPr>
-            <a:lvl7pPr indent="-317500" lvl="6" marL="3200400">
+            <a:lvl7pPr marL="3200400" lvl="6" indent="-317500">
               <a:spcBef>
                 <a:spcPts val="0"/>
               </a:spcBef>
@@ -4620,7 +4754,7 @@
               <a:buChar char="●"/>
               <a:defRPr/>
             </a:lvl7pPr>
-            <a:lvl8pPr indent="-317500" lvl="7" marL="3657600">
+            <a:lvl8pPr marL="3657600" lvl="7" indent="-317500">
               <a:spcBef>
                 <a:spcPts val="0"/>
               </a:spcBef>
@@ -4631,7 +4765,7 @@
               <a:buChar char="○"/>
               <a:defRPr/>
             </a:lvl8pPr>
-            <a:lvl9pPr indent="-317500" lvl="8" marL="4114800">
+            <a:lvl9pPr marL="4114800" lvl="8" indent="-317500">
               <a:spcBef>
                 <a:spcPts val="0"/>
               </a:spcBef>
@@ -4643,15 +4777,19 @@
               <a:defRPr/>
             </a:lvl9pPr>
           </a:lstStyle>
-          <a:p/>
+          <a:p>
+            <a:endParaRPr/>
+          </a:p>
         </p:txBody>
       </p:sp>
       <p:sp>
         <p:nvSpPr>
           <p:cNvPr id="40" name="Google Shape;40;p9"/>
-          <p:cNvSpPr txBox="1"/>
+          <p:cNvSpPr txBox="1">
+            <a:spLocks noGrp="1"/>
+          </p:cNvSpPr>
           <p:nvPr>
-            <p:ph idx="12" type="sldNum"/>
+            <p:ph type="sldNum" idx="12"/>
           </p:nvPr>
         </p:nvSpPr>
         <p:spPr>
@@ -4664,7 +4802,7 @@
           </a:prstGeom>
         </p:spPr>
         <p:txBody>
-          <a:bodyPr anchorCtr="0" anchor="ctr" bIns="91425" lIns="91425" spcFirstLastPara="1" rIns="91425" wrap="square" tIns="91425">
+          <a:bodyPr spcFirstLastPara="1" wrap="square" lIns="91425" tIns="91425" rIns="91425" bIns="91425" anchor="ctr" anchorCtr="0">
             <a:normAutofit/>
           </a:bodyPr>
           <a:lstStyle>
@@ -4706,7 +4844,7 @@
             </a:lvl9pPr>
           </a:lstStyle>
           <a:p>
-            <a:pPr indent="0" lvl="0" marL="0" rtl="0" algn="r">
+            <a:pPr marL="0" lvl="0" indent="0" algn="r" rtl="0">
               <a:spcBef>
                 <a:spcPts val="0"/>
               </a:spcBef>
@@ -4732,11 +4870,11 @@
 </file>
 
 <file path=ppt/slideLayouts/slideLayout9.xml><?xml version="1.0" encoding="utf-8"?>
-<p:sldLayout xmlns:a="http://schemas.openxmlformats.org/drawingml/2006/main" xmlns:r="http://schemas.openxmlformats.org/officeDocument/2006/relationships" xmlns:mc="http://schemas.openxmlformats.org/markup-compatibility/2006" xmlns:mv="urn:schemas-microsoft-com:mac:vml" xmlns:p="http://schemas.openxmlformats.org/presentationml/2006/main" xmlns:c="http://schemas.openxmlformats.org/drawingml/2006/chart" xmlns:dgm="http://schemas.openxmlformats.org/drawingml/2006/diagram" xmlns:o="urn:schemas-microsoft-com:office:office" xmlns:v="urn:schemas-microsoft-com:vml" xmlns:pvml="urn:schemas-microsoft-com:office:powerpoint" xmlns:com="http://schemas.openxmlformats.org/drawingml/2006/compatibility" xmlns:p14="http://schemas.microsoft.com/office/powerpoint/2010/main" xmlns:p15="http://schemas.microsoft.com/office/powerpoint/2012/main" xmlns:ahyp="http://schemas.microsoft.com/office/drawing/2018/hyperlinkcolor" matchingName="Caption">
+<p:sldLayout xmlns:a="http://schemas.openxmlformats.org/drawingml/2006/main" xmlns:r="http://schemas.openxmlformats.org/officeDocument/2006/relationships" xmlns:p="http://schemas.openxmlformats.org/presentationml/2006/main" matchingName="Caption">
   <p:cSld name="CAPTION_ONLY">
     <p:spTree>
       <p:nvGrpSpPr>
-        <p:cNvPr id="41" name="Shape 41"/>
+        <p:cNvPr id="1" name="Shape 41"/>
         <p:cNvGrpSpPr/>
         <p:nvPr/>
       </p:nvGrpSpPr>
@@ -4751,9 +4889,11 @@
       <p:sp>
         <p:nvSpPr>
           <p:cNvPr id="42" name="Google Shape;42;p10"/>
-          <p:cNvSpPr txBox="1"/>
+          <p:cNvSpPr txBox="1">
+            <a:spLocks noGrp="1"/>
+          </p:cNvSpPr>
           <p:nvPr>
-            <p:ph idx="1" type="body"/>
+            <p:ph type="body" idx="1"/>
           </p:nvPr>
         </p:nvSpPr>
         <p:spPr>
@@ -4766,11 +4906,11 @@
           </a:prstGeom>
         </p:spPr>
         <p:txBody>
-          <a:bodyPr anchorCtr="0" anchor="ctr" bIns="91425" lIns="91425" spcFirstLastPara="1" rIns="91425" wrap="square" tIns="91425">
+          <a:bodyPr spcFirstLastPara="1" wrap="square" lIns="91425" tIns="91425" rIns="91425" bIns="91425" anchor="ctr" anchorCtr="0">
             <a:normAutofit/>
           </a:bodyPr>
           <a:lstStyle>
-            <a:lvl1pPr indent="-228600" lvl="0" marL="457200">
+            <a:lvl1pPr marL="457200" lvl="0" indent="-228600">
               <a:lnSpc>
                 <a:spcPct val="100000"/>
               </a:lnSpc>
@@ -4785,15 +4925,19 @@
               <a:defRPr/>
             </a:lvl1pPr>
           </a:lstStyle>
-          <a:p/>
+          <a:p>
+            <a:endParaRPr/>
+          </a:p>
         </p:txBody>
       </p:sp>
       <p:sp>
         <p:nvSpPr>
           <p:cNvPr id="43" name="Google Shape;43;p10"/>
-          <p:cNvSpPr txBox="1"/>
+          <p:cNvSpPr txBox="1">
+            <a:spLocks noGrp="1"/>
+          </p:cNvSpPr>
           <p:nvPr>
-            <p:ph idx="12" type="sldNum"/>
+            <p:ph type="sldNum" idx="12"/>
           </p:nvPr>
         </p:nvSpPr>
         <p:spPr>
@@ -4806,7 +4950,7 @@
           </a:prstGeom>
         </p:spPr>
         <p:txBody>
-          <a:bodyPr anchorCtr="0" anchor="ctr" bIns="91425" lIns="91425" spcFirstLastPara="1" rIns="91425" wrap="square" tIns="91425">
+          <a:bodyPr spcFirstLastPara="1" wrap="square" lIns="91425" tIns="91425" rIns="91425" bIns="91425" anchor="ctr" anchorCtr="0">
             <a:normAutofit/>
           </a:bodyPr>
           <a:lstStyle>
@@ -4848,7 +4992,7 @@
             </a:lvl9pPr>
           </a:lstStyle>
           <a:p>
-            <a:pPr indent="0" lvl="0" marL="0" rtl="0" algn="r">
+            <a:pPr marL="0" lvl="0" indent="0" algn="r" rtl="0">
               <a:spcBef>
                 <a:spcPts val="0"/>
               </a:spcBef>
@@ -4874,18 +5018,19 @@
 </file>
 
 <file path=ppt/slideMasters/slideMaster1.xml><?xml version="1.0" encoding="utf-8"?>
-<p:sldMaster xmlns:a="http://schemas.openxmlformats.org/drawingml/2006/main" xmlns:r="http://schemas.openxmlformats.org/officeDocument/2006/relationships" xmlns:mc="http://schemas.openxmlformats.org/markup-compatibility/2006" xmlns:mv="urn:schemas-microsoft-com:mac:vml" xmlns:p="http://schemas.openxmlformats.org/presentationml/2006/main" xmlns:c="http://schemas.openxmlformats.org/drawingml/2006/chart" xmlns:dgm="http://schemas.openxmlformats.org/drawingml/2006/diagram" xmlns:o="urn:schemas-microsoft-com:office:office" xmlns:v="urn:schemas-microsoft-com:vml" xmlns:pvml="urn:schemas-microsoft-com:office:powerpoint" xmlns:com="http://schemas.openxmlformats.org/drawingml/2006/compatibility" xmlns:p14="http://schemas.microsoft.com/office/powerpoint/2010/main" xmlns:p15="http://schemas.microsoft.com/office/powerpoint/2012/main" xmlns:ahyp="http://schemas.microsoft.com/office/drawing/2018/hyperlinkcolor">
+<p:sldMaster xmlns:a="http://schemas.openxmlformats.org/drawingml/2006/main" xmlns:r="http://schemas.openxmlformats.org/officeDocument/2006/relationships" xmlns:p="http://schemas.openxmlformats.org/presentationml/2006/main">
   <p:cSld name="simple-light-2">
     <p:bg>
       <p:bgPr>
         <a:solidFill>
           <a:schemeClr val="lt1"/>
         </a:solidFill>
+        <a:effectLst/>
       </p:bgPr>
     </p:bg>
     <p:spTree>
       <p:nvGrpSpPr>
-        <p:cNvPr id="5" name="Shape 5"/>
+        <p:cNvPr id="1" name="Shape 5"/>
         <p:cNvGrpSpPr/>
         <p:nvPr/>
       </p:nvGrpSpPr>
@@ -4900,7 +5045,9 @@
       <p:sp>
         <p:nvSpPr>
           <p:cNvPr id="6" name="Google Shape;6;p1"/>
-          <p:cNvSpPr txBox="1"/>
+          <p:cNvSpPr txBox="1">
+            <a:spLocks noGrp="1"/>
+          </p:cNvSpPr>
           <p:nvPr>
             <p:ph type="title"/>
           </p:nvPr>
@@ -4919,7 +5066,7 @@
           </a:ln>
         </p:spPr>
         <p:txBody>
-          <a:bodyPr anchorCtr="0" anchor="t" bIns="91425" lIns="91425" spcFirstLastPara="1" rIns="91425" wrap="square" tIns="91425">
+          <a:bodyPr spcFirstLastPara="1" wrap="square" lIns="91425" tIns="91425" rIns="91425" bIns="91425" anchor="t" anchorCtr="0">
             <a:normAutofit/>
           </a:bodyPr>
           <a:lstStyle>
@@ -5086,15 +5233,19 @@
               </a:defRPr>
             </a:lvl9pPr>
           </a:lstStyle>
-          <a:p/>
+          <a:p>
+            <a:endParaRPr/>
+          </a:p>
         </p:txBody>
       </p:sp>
       <p:sp>
         <p:nvSpPr>
           <p:cNvPr id="7" name="Google Shape;7;p1"/>
-          <p:cNvSpPr txBox="1"/>
+          <p:cNvSpPr txBox="1">
+            <a:spLocks noGrp="1"/>
+          </p:cNvSpPr>
           <p:nvPr>
-            <p:ph idx="1" type="body"/>
+            <p:ph type="body" idx="1"/>
           </p:nvPr>
         </p:nvSpPr>
         <p:spPr>
@@ -5111,11 +5262,11 @@
           </a:ln>
         </p:spPr>
         <p:txBody>
-          <a:bodyPr anchorCtr="0" anchor="t" bIns="91425" lIns="91425" spcFirstLastPara="1" rIns="91425" wrap="square" tIns="91425">
+          <a:bodyPr spcFirstLastPara="1" wrap="square" lIns="91425" tIns="91425" rIns="91425" bIns="91425" anchor="t" anchorCtr="0">
             <a:normAutofit/>
           </a:bodyPr>
           <a:lstStyle>
-            <a:lvl1pPr indent="-342900" lvl="0" marL="457200">
+            <a:lvl1pPr marL="457200" lvl="0" indent="-342900">
               <a:lnSpc>
                 <a:spcPct val="115000"/>
               </a:lnSpc>
@@ -5136,7 +5287,7 @@
                 </a:solidFill>
               </a:defRPr>
             </a:lvl1pPr>
-            <a:lvl2pPr indent="-317500" lvl="1" marL="914400">
+            <a:lvl2pPr marL="914400" lvl="1" indent="-317500">
               <a:lnSpc>
                 <a:spcPct val="115000"/>
               </a:lnSpc>
@@ -5157,7 +5308,7 @@
                 </a:solidFill>
               </a:defRPr>
             </a:lvl2pPr>
-            <a:lvl3pPr indent="-317500" lvl="2" marL="1371600">
+            <a:lvl3pPr marL="1371600" lvl="2" indent="-317500">
               <a:lnSpc>
                 <a:spcPct val="115000"/>
               </a:lnSpc>
@@ -5178,7 +5329,7 @@
                 </a:solidFill>
               </a:defRPr>
             </a:lvl3pPr>
-            <a:lvl4pPr indent="-317500" lvl="3" marL="1828800">
+            <a:lvl4pPr marL="1828800" lvl="3" indent="-317500">
               <a:lnSpc>
                 <a:spcPct val="115000"/>
               </a:lnSpc>
@@ -5199,7 +5350,7 @@
                 </a:solidFill>
               </a:defRPr>
             </a:lvl4pPr>
-            <a:lvl5pPr indent="-317500" lvl="4" marL="2286000">
+            <a:lvl5pPr marL="2286000" lvl="4" indent="-317500">
               <a:lnSpc>
                 <a:spcPct val="115000"/>
               </a:lnSpc>
@@ -5220,7 +5371,7 @@
                 </a:solidFill>
               </a:defRPr>
             </a:lvl5pPr>
-            <a:lvl6pPr indent="-317500" lvl="5" marL="2743200">
+            <a:lvl6pPr marL="2743200" lvl="5" indent="-317500">
               <a:lnSpc>
                 <a:spcPct val="115000"/>
               </a:lnSpc>
@@ -5241,7 +5392,7 @@
                 </a:solidFill>
               </a:defRPr>
             </a:lvl6pPr>
-            <a:lvl7pPr indent="-317500" lvl="6" marL="3200400">
+            <a:lvl7pPr marL="3200400" lvl="6" indent="-317500">
               <a:lnSpc>
                 <a:spcPct val="115000"/>
               </a:lnSpc>
@@ -5262,7 +5413,7 @@
                 </a:solidFill>
               </a:defRPr>
             </a:lvl7pPr>
-            <a:lvl8pPr indent="-317500" lvl="7" marL="3657600">
+            <a:lvl8pPr marL="3657600" lvl="7" indent="-317500">
               <a:lnSpc>
                 <a:spcPct val="115000"/>
               </a:lnSpc>
@@ -5283,7 +5434,7 @@
                 </a:solidFill>
               </a:defRPr>
             </a:lvl8pPr>
-            <a:lvl9pPr indent="-317500" lvl="8" marL="4114800">
+            <a:lvl9pPr marL="4114800" lvl="8" indent="-317500">
               <a:lnSpc>
                 <a:spcPct val="115000"/>
               </a:lnSpc>
@@ -5305,15 +5456,19 @@
               </a:defRPr>
             </a:lvl9pPr>
           </a:lstStyle>
-          <a:p/>
+          <a:p>
+            <a:endParaRPr/>
+          </a:p>
         </p:txBody>
       </p:sp>
       <p:sp>
         <p:nvSpPr>
           <p:cNvPr id="8" name="Google Shape;8;p1"/>
-          <p:cNvSpPr txBox="1"/>
+          <p:cNvSpPr txBox="1">
+            <a:spLocks noGrp="1"/>
+          </p:cNvSpPr>
           <p:nvPr>
-            <p:ph idx="12" type="sldNum"/>
+            <p:ph type="sldNum" idx="12"/>
           </p:nvPr>
         </p:nvSpPr>
         <p:spPr>
@@ -5330,7 +5485,7 @@
           </a:ln>
         </p:spPr>
         <p:txBody>
-          <a:bodyPr anchorCtr="0" anchor="ctr" bIns="91425" lIns="91425" spcFirstLastPara="1" rIns="91425" wrap="square" tIns="91425">
+          <a:bodyPr spcFirstLastPara="1" wrap="square" lIns="91425" tIns="91425" rIns="91425" bIns="91425" anchor="ctr" anchorCtr="0">
             <a:normAutofit/>
           </a:bodyPr>
           <a:lstStyle>
@@ -5408,7 +5563,7 @@
             </a:lvl9pPr>
           </a:lstStyle>
           <a:p>
-            <a:pPr indent="0" lvl="0" marL="0" rtl="0" algn="r">
+            <a:pPr marL="0" lvl="0" indent="0" algn="r" rtl="0">
               <a:spcBef>
                 <a:spcPts val="0"/>
               </a:spcBef>
@@ -5427,7 +5582,7 @@
       </p:sp>
     </p:spTree>
   </p:cSld>
-  <p:clrMap accent1="accent1" accent2="accent2" accent3="accent3" accent4="accent4" accent5="accent5" accent6="accent6" bg1="lt1" bg2="dk2" tx1="dk1" tx2="lt2" folHlink="folHlink" hlink="hlink"/>
+  <p:clrMap bg1="lt1" tx1="dk1" bg2="dk2" tx2="lt2" accent1="accent1" accent2="accent2" accent3="accent3" accent4="accent4" accent5="accent5" accent6="accent6" hlink="hlink" folHlink="folHlink"/>
   <p:sldLayoutIdLst>
     <p:sldLayoutId id="2147483648" r:id="rId1"/>
     <p:sldLayoutId id="2147483649" r:id="rId2"/>
@@ -5441,10 +5596,10 @@
     <p:sldLayoutId id="2147483657" r:id="rId10"/>
     <p:sldLayoutId id="2147483658" r:id="rId11"/>
   </p:sldLayoutIdLst>
-  <p:hf dt="0" ftr="0" hdr="0" sldNum="0"/>
+  <p:hf sldNum="0" hdr="0" ftr="0" dt="0"/>
   <p:txStyles>
     <p:titleStyle>
-      <a:defPPr lvl="0" marR="0" rtl="0" algn="l">
+      <a:defPPr marR="0" lvl="0" algn="l" rtl="0">
         <a:lnSpc>
           <a:spcPct val="100000"/>
         </a:lnSpc>
@@ -5455,7 +5610,7 @@
           <a:spcPts val="0"/>
         </a:spcAft>
       </a:defPPr>
-      <a:lvl1pPr lvl="0" marR="0" rtl="0" algn="l">
+      <a:lvl1pPr marR="0" lvl="0" algn="l" rtl="0">
         <a:lnSpc>
           <a:spcPct val="100000"/>
         </a:lnSpc>
@@ -5469,7 +5624,7 @@
           <a:srgbClr val="000000"/>
         </a:buClr>
         <a:buFont typeface="Arial"/>
-        <a:defRPr b="0" i="0" sz="1400" u="none" cap="none" strike="noStrike">
+        <a:defRPr sz="1400" b="0" i="0" u="none" strike="noStrike" cap="none">
           <a:solidFill>
             <a:srgbClr val="000000"/>
           </a:solidFill>
@@ -5479,7 +5634,7 @@
           <a:sym typeface="Arial"/>
         </a:defRPr>
       </a:lvl1pPr>
-      <a:lvl2pPr lvl="1" marR="0" rtl="0" algn="l">
+      <a:lvl2pPr marR="0" lvl="1" algn="l" rtl="0">
         <a:lnSpc>
           <a:spcPct val="100000"/>
         </a:lnSpc>
@@ -5493,7 +5648,7 @@
           <a:srgbClr val="000000"/>
         </a:buClr>
         <a:buFont typeface="Arial"/>
-        <a:defRPr b="0" i="0" sz="1400" u="none" cap="none" strike="noStrike">
+        <a:defRPr sz="1400" b="0" i="0" u="none" strike="noStrike" cap="none">
           <a:solidFill>
             <a:srgbClr val="000000"/>
           </a:solidFill>
@@ -5503,7 +5658,7 @@
           <a:sym typeface="Arial"/>
         </a:defRPr>
       </a:lvl2pPr>
-      <a:lvl3pPr lvl="2" marR="0" rtl="0" algn="l">
+      <a:lvl3pPr marR="0" lvl="2" algn="l" rtl="0">
         <a:lnSpc>
           <a:spcPct val="100000"/>
         </a:lnSpc>
@@ -5517,7 +5672,7 @@
           <a:srgbClr val="000000"/>
         </a:buClr>
         <a:buFont typeface="Arial"/>
-        <a:defRPr b="0" i="0" sz="1400" u="none" cap="none" strike="noStrike">
+        <a:defRPr sz="1400" b="0" i="0" u="none" strike="noStrike" cap="none">
           <a:solidFill>
             <a:srgbClr val="000000"/>
           </a:solidFill>
@@ -5527,7 +5682,7 @@
           <a:sym typeface="Arial"/>
         </a:defRPr>
       </a:lvl3pPr>
-      <a:lvl4pPr lvl="3" marR="0" rtl="0" algn="l">
+      <a:lvl4pPr marR="0" lvl="3" algn="l" rtl="0">
         <a:lnSpc>
           <a:spcPct val="100000"/>
         </a:lnSpc>
@@ -5541,7 +5696,7 @@
           <a:srgbClr val="000000"/>
         </a:buClr>
         <a:buFont typeface="Arial"/>
-        <a:defRPr b="0" i="0" sz="1400" u="none" cap="none" strike="noStrike">
+        <a:defRPr sz="1400" b="0" i="0" u="none" strike="noStrike" cap="none">
           <a:solidFill>
             <a:srgbClr val="000000"/>
           </a:solidFill>
@@ -5551,7 +5706,7 @@
           <a:sym typeface="Arial"/>
         </a:defRPr>
       </a:lvl4pPr>
-      <a:lvl5pPr lvl="4" marR="0" rtl="0" algn="l">
+      <a:lvl5pPr marR="0" lvl="4" algn="l" rtl="0">
         <a:lnSpc>
           <a:spcPct val="100000"/>
         </a:lnSpc>
@@ -5565,7 +5720,7 @@
           <a:srgbClr val="000000"/>
         </a:buClr>
         <a:buFont typeface="Arial"/>
-        <a:defRPr b="0" i="0" sz="1400" u="none" cap="none" strike="noStrike">
+        <a:defRPr sz="1400" b="0" i="0" u="none" strike="noStrike" cap="none">
           <a:solidFill>
             <a:srgbClr val="000000"/>
           </a:solidFill>
@@ -5575,7 +5730,7 @@
           <a:sym typeface="Arial"/>
         </a:defRPr>
       </a:lvl5pPr>
-      <a:lvl6pPr lvl="5" marR="0" rtl="0" algn="l">
+      <a:lvl6pPr marR="0" lvl="5" algn="l" rtl="0">
         <a:lnSpc>
           <a:spcPct val="100000"/>
         </a:lnSpc>
@@ -5589,7 +5744,7 @@
           <a:srgbClr val="000000"/>
         </a:buClr>
         <a:buFont typeface="Arial"/>
-        <a:defRPr b="0" i="0" sz="1400" u="none" cap="none" strike="noStrike">
+        <a:defRPr sz="1400" b="0" i="0" u="none" strike="noStrike" cap="none">
           <a:solidFill>
             <a:srgbClr val="000000"/>
           </a:solidFill>
@@ -5599,7 +5754,7 @@
           <a:sym typeface="Arial"/>
         </a:defRPr>
       </a:lvl6pPr>
-      <a:lvl7pPr lvl="6" marR="0" rtl="0" algn="l">
+      <a:lvl7pPr marR="0" lvl="6" algn="l" rtl="0">
         <a:lnSpc>
           <a:spcPct val="100000"/>
         </a:lnSpc>
@@ -5613,7 +5768,7 @@
           <a:srgbClr val="000000"/>
         </a:buClr>
         <a:buFont typeface="Arial"/>
-        <a:defRPr b="0" i="0" sz="1400" u="none" cap="none" strike="noStrike">
+        <a:defRPr sz="1400" b="0" i="0" u="none" strike="noStrike" cap="none">
           <a:solidFill>
             <a:srgbClr val="000000"/>
           </a:solidFill>
@@ -5623,7 +5778,7 @@
           <a:sym typeface="Arial"/>
         </a:defRPr>
       </a:lvl7pPr>
-      <a:lvl8pPr lvl="7" marR="0" rtl="0" algn="l">
+      <a:lvl8pPr marR="0" lvl="7" algn="l" rtl="0">
         <a:lnSpc>
           <a:spcPct val="100000"/>
         </a:lnSpc>
@@ -5637,7 +5792,7 @@
           <a:srgbClr val="000000"/>
         </a:buClr>
         <a:buFont typeface="Arial"/>
-        <a:defRPr b="0" i="0" sz="1400" u="none" cap="none" strike="noStrike">
+        <a:defRPr sz="1400" b="0" i="0" u="none" strike="noStrike" cap="none">
           <a:solidFill>
             <a:srgbClr val="000000"/>
           </a:solidFill>
@@ -5647,7 +5802,7 @@
           <a:sym typeface="Arial"/>
         </a:defRPr>
       </a:lvl8pPr>
-      <a:lvl9pPr lvl="8" marR="0" rtl="0" algn="l">
+      <a:lvl9pPr marR="0" lvl="8" algn="l" rtl="0">
         <a:lnSpc>
           <a:spcPct val="100000"/>
         </a:lnSpc>
@@ -5661,7 +5816,7 @@
           <a:srgbClr val="000000"/>
         </a:buClr>
         <a:buFont typeface="Arial"/>
-        <a:defRPr b="0" i="0" sz="1400" u="none" cap="none" strike="noStrike">
+        <a:defRPr sz="1400" b="0" i="0" u="none" strike="noStrike" cap="none">
           <a:solidFill>
             <a:srgbClr val="000000"/>
           </a:solidFill>
@@ -5673,7 +5828,7 @@
       </a:lvl9pPr>
     </p:titleStyle>
     <p:bodyStyle>
-      <a:defPPr lvl="0" marR="0" rtl="0" algn="l">
+      <a:defPPr marR="0" lvl="0" algn="l" rtl="0">
         <a:lnSpc>
           <a:spcPct val="100000"/>
         </a:lnSpc>
@@ -5684,7 +5839,7 @@
           <a:spcPts val="0"/>
         </a:spcAft>
       </a:defPPr>
-      <a:lvl1pPr lvl="0" marR="0" rtl="0" algn="l">
+      <a:lvl1pPr marR="0" lvl="0" algn="l" rtl="0">
         <a:lnSpc>
           <a:spcPct val="100000"/>
         </a:lnSpc>
@@ -5698,7 +5853,7 @@
           <a:srgbClr val="000000"/>
         </a:buClr>
         <a:buFont typeface="Arial"/>
-        <a:defRPr b="0" i="0" sz="1400" u="none" cap="none" strike="noStrike">
+        <a:defRPr sz="1400" b="0" i="0" u="none" strike="noStrike" cap="none">
           <a:solidFill>
             <a:srgbClr val="000000"/>
           </a:solidFill>
@@ -5708,7 +5863,7 @@
           <a:sym typeface="Arial"/>
         </a:defRPr>
       </a:lvl1pPr>
-      <a:lvl2pPr lvl="1" marR="0" rtl="0" algn="l">
+      <a:lvl2pPr marR="0" lvl="1" algn="l" rtl="0">
         <a:lnSpc>
           <a:spcPct val="100000"/>
         </a:lnSpc>
@@ -5722,7 +5877,7 @@
           <a:srgbClr val="000000"/>
         </a:buClr>
         <a:buFont typeface="Arial"/>
-        <a:defRPr b="0" i="0" sz="1400" u="none" cap="none" strike="noStrike">
+        <a:defRPr sz="1400" b="0" i="0" u="none" strike="noStrike" cap="none">
           <a:solidFill>
             <a:srgbClr val="000000"/>
           </a:solidFill>
@@ -5732,7 +5887,7 @@
           <a:sym typeface="Arial"/>
         </a:defRPr>
       </a:lvl2pPr>
-      <a:lvl3pPr lvl="2" marR="0" rtl="0" algn="l">
+      <a:lvl3pPr marR="0" lvl="2" algn="l" rtl="0">
         <a:lnSpc>
           <a:spcPct val="100000"/>
         </a:lnSpc>
@@ -5746,7 +5901,7 @@
           <a:srgbClr val="000000"/>
         </a:buClr>
         <a:buFont typeface="Arial"/>
-        <a:defRPr b="0" i="0" sz="1400" u="none" cap="none" strike="noStrike">
+        <a:defRPr sz="1400" b="0" i="0" u="none" strike="noStrike" cap="none">
           <a:solidFill>
             <a:srgbClr val="000000"/>
           </a:solidFill>
@@ -5756,7 +5911,7 @@
           <a:sym typeface="Arial"/>
         </a:defRPr>
       </a:lvl3pPr>
-      <a:lvl4pPr lvl="3" marR="0" rtl="0" algn="l">
+      <a:lvl4pPr marR="0" lvl="3" algn="l" rtl="0">
         <a:lnSpc>
           <a:spcPct val="100000"/>
         </a:lnSpc>
@@ -5770,7 +5925,7 @@
           <a:srgbClr val="000000"/>
         </a:buClr>
         <a:buFont typeface="Arial"/>
-        <a:defRPr b="0" i="0" sz="1400" u="none" cap="none" strike="noStrike">
+        <a:defRPr sz="1400" b="0" i="0" u="none" strike="noStrike" cap="none">
           <a:solidFill>
             <a:srgbClr val="000000"/>
           </a:solidFill>
@@ -5780,7 +5935,7 @@
           <a:sym typeface="Arial"/>
         </a:defRPr>
       </a:lvl4pPr>
-      <a:lvl5pPr lvl="4" marR="0" rtl="0" algn="l">
+      <a:lvl5pPr marR="0" lvl="4" algn="l" rtl="0">
         <a:lnSpc>
           <a:spcPct val="100000"/>
         </a:lnSpc>
@@ -5794,7 +5949,7 @@
           <a:srgbClr val="000000"/>
         </a:buClr>
         <a:buFont typeface="Arial"/>
-        <a:defRPr b="0" i="0" sz="1400" u="none" cap="none" strike="noStrike">
+        <a:defRPr sz="1400" b="0" i="0" u="none" strike="noStrike" cap="none">
           <a:solidFill>
             <a:srgbClr val="000000"/>
           </a:solidFill>
@@ -5804,7 +5959,7 @@
           <a:sym typeface="Arial"/>
         </a:defRPr>
       </a:lvl5pPr>
-      <a:lvl6pPr lvl="5" marR="0" rtl="0" algn="l">
+      <a:lvl6pPr marR="0" lvl="5" algn="l" rtl="0">
         <a:lnSpc>
           <a:spcPct val="100000"/>
         </a:lnSpc>
@@ -5818,7 +5973,7 @@
           <a:srgbClr val="000000"/>
         </a:buClr>
         <a:buFont typeface="Arial"/>
-        <a:defRPr b="0" i="0" sz="1400" u="none" cap="none" strike="noStrike">
+        <a:defRPr sz="1400" b="0" i="0" u="none" strike="noStrike" cap="none">
           <a:solidFill>
             <a:srgbClr val="000000"/>
           </a:solidFill>
@@ -5828,7 +5983,7 @@
           <a:sym typeface="Arial"/>
         </a:defRPr>
       </a:lvl6pPr>
-      <a:lvl7pPr lvl="6" marR="0" rtl="0" algn="l">
+      <a:lvl7pPr marR="0" lvl="6" algn="l" rtl="0">
         <a:lnSpc>
           <a:spcPct val="100000"/>
         </a:lnSpc>
@@ -5842,7 +5997,7 @@
           <a:srgbClr val="000000"/>
         </a:buClr>
         <a:buFont typeface="Arial"/>
-        <a:defRPr b="0" i="0" sz="1400" u="none" cap="none" strike="noStrike">
+        <a:defRPr sz="1400" b="0" i="0" u="none" strike="noStrike" cap="none">
           <a:solidFill>
             <a:srgbClr val="000000"/>
           </a:solidFill>
@@ -5852,7 +6007,7 @@
           <a:sym typeface="Arial"/>
         </a:defRPr>
       </a:lvl7pPr>
-      <a:lvl8pPr lvl="7" marR="0" rtl="0" algn="l">
+      <a:lvl8pPr marR="0" lvl="7" algn="l" rtl="0">
         <a:lnSpc>
           <a:spcPct val="100000"/>
         </a:lnSpc>
@@ -5866,7 +6021,7 @@
           <a:srgbClr val="000000"/>
         </a:buClr>
         <a:buFont typeface="Arial"/>
-        <a:defRPr b="0" i="0" sz="1400" u="none" cap="none" strike="noStrike">
+        <a:defRPr sz="1400" b="0" i="0" u="none" strike="noStrike" cap="none">
           <a:solidFill>
             <a:srgbClr val="000000"/>
           </a:solidFill>
@@ -5876,7 +6031,7 @@
           <a:sym typeface="Arial"/>
         </a:defRPr>
       </a:lvl8pPr>
-      <a:lvl9pPr lvl="8" marR="0" rtl="0" algn="l">
+      <a:lvl9pPr marR="0" lvl="8" algn="l" rtl="0">
         <a:lnSpc>
           <a:spcPct val="100000"/>
         </a:lnSpc>
@@ -5890,7 +6045,7 @@
           <a:srgbClr val="000000"/>
         </a:buClr>
         <a:buFont typeface="Arial"/>
-        <a:defRPr b="0" i="0" sz="1400" u="none" cap="none" strike="noStrike">
+        <a:defRPr sz="1400" b="0" i="0" u="none" strike="noStrike" cap="none">
           <a:solidFill>
             <a:srgbClr val="000000"/>
           </a:solidFill>
@@ -5902,7 +6057,7 @@
       </a:lvl9pPr>
     </p:bodyStyle>
     <p:otherStyle>
-      <a:defPPr lvl="0" marR="0" rtl="0" algn="l">
+      <a:defPPr marR="0" lvl="0" algn="l" rtl="0">
         <a:lnSpc>
           <a:spcPct val="100000"/>
         </a:lnSpc>
@@ -5913,7 +6068,7 @@
           <a:spcPts val="0"/>
         </a:spcAft>
       </a:defPPr>
-      <a:lvl1pPr lvl="0" marR="0" rtl="0" algn="l">
+      <a:lvl1pPr marR="0" lvl="0" algn="l" rtl="0">
         <a:lnSpc>
           <a:spcPct val="100000"/>
         </a:lnSpc>
@@ -5927,7 +6082,7 @@
           <a:srgbClr val="000000"/>
         </a:buClr>
         <a:buFont typeface="Arial"/>
-        <a:defRPr b="0" i="0" sz="1400" u="none" cap="none" strike="noStrike">
+        <a:defRPr sz="1400" b="0" i="0" u="none" strike="noStrike" cap="none">
           <a:solidFill>
             <a:srgbClr val="000000"/>
           </a:solidFill>
@@ -5937,7 +6092,7 @@
           <a:sym typeface="Arial"/>
         </a:defRPr>
       </a:lvl1pPr>
-      <a:lvl2pPr lvl="1" marR="0" rtl="0" algn="l">
+      <a:lvl2pPr marR="0" lvl="1" algn="l" rtl="0">
         <a:lnSpc>
           <a:spcPct val="100000"/>
         </a:lnSpc>
@@ -5951,7 +6106,7 @@
           <a:srgbClr val="000000"/>
         </a:buClr>
         <a:buFont typeface="Arial"/>
-        <a:defRPr b="0" i="0" sz="1400" u="none" cap="none" strike="noStrike">
+        <a:defRPr sz="1400" b="0" i="0" u="none" strike="noStrike" cap="none">
           <a:solidFill>
             <a:srgbClr val="000000"/>
           </a:solidFill>
@@ -5961,7 +6116,7 @@
           <a:sym typeface="Arial"/>
         </a:defRPr>
       </a:lvl2pPr>
-      <a:lvl3pPr lvl="2" marR="0" rtl="0" algn="l">
+      <a:lvl3pPr marR="0" lvl="2" algn="l" rtl="0">
         <a:lnSpc>
           <a:spcPct val="100000"/>
         </a:lnSpc>
@@ -5975,7 +6130,7 @@
           <a:srgbClr val="000000"/>
         </a:buClr>
         <a:buFont typeface="Arial"/>
-        <a:defRPr b="0" i="0" sz="1400" u="none" cap="none" strike="noStrike">
+        <a:defRPr sz="1400" b="0" i="0" u="none" strike="noStrike" cap="none">
           <a:solidFill>
             <a:srgbClr val="000000"/>
           </a:solidFill>
@@ -5985,7 +6140,7 @@
           <a:sym typeface="Arial"/>
         </a:defRPr>
       </a:lvl3pPr>
-      <a:lvl4pPr lvl="3" marR="0" rtl="0" algn="l">
+      <a:lvl4pPr marR="0" lvl="3" algn="l" rtl="0">
         <a:lnSpc>
           <a:spcPct val="100000"/>
         </a:lnSpc>
@@ -5999,7 +6154,7 @@
           <a:srgbClr val="000000"/>
         </a:buClr>
         <a:buFont typeface="Arial"/>
-        <a:defRPr b="0" i="0" sz="1400" u="none" cap="none" strike="noStrike">
+        <a:defRPr sz="1400" b="0" i="0" u="none" strike="noStrike" cap="none">
           <a:solidFill>
             <a:srgbClr val="000000"/>
           </a:solidFill>
@@ -6009,7 +6164,7 @@
           <a:sym typeface="Arial"/>
         </a:defRPr>
       </a:lvl4pPr>
-      <a:lvl5pPr lvl="4" marR="0" rtl="0" algn="l">
+      <a:lvl5pPr marR="0" lvl="4" algn="l" rtl="0">
         <a:lnSpc>
           <a:spcPct val="100000"/>
         </a:lnSpc>
@@ -6023,7 +6178,7 @@
           <a:srgbClr val="000000"/>
         </a:buClr>
         <a:buFont typeface="Arial"/>
-        <a:defRPr b="0" i="0" sz="1400" u="none" cap="none" strike="noStrike">
+        <a:defRPr sz="1400" b="0" i="0" u="none" strike="noStrike" cap="none">
           <a:solidFill>
             <a:srgbClr val="000000"/>
           </a:solidFill>
@@ -6033,7 +6188,7 @@
           <a:sym typeface="Arial"/>
         </a:defRPr>
       </a:lvl5pPr>
-      <a:lvl6pPr lvl="5" marR="0" rtl="0" algn="l">
+      <a:lvl6pPr marR="0" lvl="5" algn="l" rtl="0">
         <a:lnSpc>
           <a:spcPct val="100000"/>
         </a:lnSpc>
@@ -6047,7 +6202,7 @@
           <a:srgbClr val="000000"/>
         </a:buClr>
         <a:buFont typeface="Arial"/>
-        <a:defRPr b="0" i="0" sz="1400" u="none" cap="none" strike="noStrike">
+        <a:defRPr sz="1400" b="0" i="0" u="none" strike="noStrike" cap="none">
           <a:solidFill>
             <a:srgbClr val="000000"/>
           </a:solidFill>
@@ -6057,7 +6212,7 @@
           <a:sym typeface="Arial"/>
         </a:defRPr>
       </a:lvl6pPr>
-      <a:lvl7pPr lvl="6" marR="0" rtl="0" algn="l">
+      <a:lvl7pPr marR="0" lvl="6" algn="l" rtl="0">
         <a:lnSpc>
           <a:spcPct val="100000"/>
         </a:lnSpc>
@@ -6071,7 +6226,7 @@
           <a:srgbClr val="000000"/>
         </a:buClr>
         <a:buFont typeface="Arial"/>
-        <a:defRPr b="0" i="0" sz="1400" u="none" cap="none" strike="noStrike">
+        <a:defRPr sz="1400" b="0" i="0" u="none" strike="noStrike" cap="none">
           <a:solidFill>
             <a:srgbClr val="000000"/>
           </a:solidFill>
@@ -6081,7 +6236,7 @@
           <a:sym typeface="Arial"/>
         </a:defRPr>
       </a:lvl7pPr>
-      <a:lvl8pPr lvl="7" marR="0" rtl="0" algn="l">
+      <a:lvl8pPr marR="0" lvl="7" algn="l" rtl="0">
         <a:lnSpc>
           <a:spcPct val="100000"/>
         </a:lnSpc>
@@ -6095,7 +6250,7 @@
           <a:srgbClr val="000000"/>
         </a:buClr>
         <a:buFont typeface="Arial"/>
-        <a:defRPr b="0" i="0" sz="1400" u="none" cap="none" strike="noStrike">
+        <a:defRPr sz="1400" b="0" i="0" u="none" strike="noStrike" cap="none">
           <a:solidFill>
             <a:srgbClr val="000000"/>
           </a:solidFill>
@@ -6105,7 +6260,7 @@
           <a:sym typeface="Arial"/>
         </a:defRPr>
       </a:lvl8pPr>
-      <a:lvl9pPr lvl="8" marR="0" rtl="0" algn="l">
+      <a:lvl9pPr marR="0" lvl="8" algn="l" rtl="0">
         <a:lnSpc>
           <a:spcPct val="100000"/>
         </a:lnSpc>
@@ -6119,7 +6274,7 @@
           <a:srgbClr val="000000"/>
         </a:buClr>
         <a:buFont typeface="Arial"/>
-        <a:defRPr b="0" i="0" sz="1400" u="none" cap="none" strike="noStrike">
+        <a:defRPr sz="1400" b="0" i="0" u="none" strike="noStrike" cap="none">
           <a:solidFill>
             <a:srgbClr val="000000"/>
           </a:solidFill>
@@ -6135,11 +6290,11 @@
 </file>
 
 <file path=ppt/slides/slide1.xml><?xml version="1.0" encoding="utf-8"?>
-<p:sld xmlns:a="http://schemas.openxmlformats.org/drawingml/2006/main" xmlns:r="http://schemas.openxmlformats.org/officeDocument/2006/relationships" xmlns:mc="http://schemas.openxmlformats.org/markup-compatibility/2006" xmlns:mv="urn:schemas-microsoft-com:mac:vml" xmlns:p="http://schemas.openxmlformats.org/presentationml/2006/main" xmlns:c="http://schemas.openxmlformats.org/drawingml/2006/chart" xmlns:dgm="http://schemas.openxmlformats.org/drawingml/2006/diagram" xmlns:o="urn:schemas-microsoft-com:office:office" xmlns:v="urn:schemas-microsoft-com:vml" xmlns:pvml="urn:schemas-microsoft-com:office:powerpoint" xmlns:com="http://schemas.openxmlformats.org/drawingml/2006/compatibility" xmlns:p14="http://schemas.microsoft.com/office/powerpoint/2010/main" xmlns:p15="http://schemas.microsoft.com/office/powerpoint/2012/main" xmlns:ahyp="http://schemas.microsoft.com/office/drawing/2018/hyperlinkcolor">
+<p:sld xmlns:a="http://schemas.openxmlformats.org/drawingml/2006/main" xmlns:r="http://schemas.openxmlformats.org/officeDocument/2006/relationships" xmlns:p="http://schemas.openxmlformats.org/presentationml/2006/main">
   <p:cSld>
     <p:spTree>
       <p:nvGrpSpPr>
-        <p:cNvPr id="53" name="Shape 53"/>
+        <p:cNvPr id="1" name="Shape 53"/>
         <p:cNvGrpSpPr/>
         <p:nvPr/>
       </p:nvGrpSpPr>
@@ -6171,12 +6326,12 @@
           </a:ln>
         </p:spPr>
         <p:txBody>
-          <a:bodyPr anchorCtr="0" anchor="t" bIns="91425" lIns="91425" spcFirstLastPara="1" rIns="91425" wrap="square" tIns="91425">
+          <a:bodyPr spcFirstLastPara="1" wrap="square" lIns="91425" tIns="91425" rIns="91425" bIns="91425" anchor="t" anchorCtr="0">
             <a:spAutoFit/>
           </a:bodyPr>
           <a:lstStyle/>
           <a:p>
-            <a:pPr indent="0" lvl="0" marL="0" rtl="0" algn="ctr">
+            <a:pPr marL="0" lvl="0" indent="0" algn="ctr" rtl="0">
               <a:spcBef>
                 <a:spcPts val="0"/>
               </a:spcBef>
@@ -6186,10 +6341,10 @@
               <a:buNone/>
             </a:pPr>
             <a:r>
-              <a:rPr b="1" lang="en-GB" sz="1800"/>
+              <a:rPr lang="en-GB" sz="1800" b="1"/>
               <a:t>…</a:t>
             </a:r>
-            <a:endParaRPr b="1" sz="1800"/>
+            <a:endParaRPr sz="1800" b="1"/>
           </a:p>
         </p:txBody>
       </p:sp>
@@ -6206,29 +6361,29 @@
           </a:xfrm>
           <a:prstGeom prst="roundRect">
             <a:avLst>
-              <a:gd fmla="val 16667" name="adj"/>
+              <a:gd name="adj" fmla="val 16667"/>
             </a:avLst>
           </a:prstGeom>
           <a:solidFill>
             <a:srgbClr val="C9DAF8"/>
           </a:solidFill>
-          <a:ln cap="flat" cmpd="sng" w="9525">
+          <a:ln w="9525" cap="flat" cmpd="sng">
             <a:solidFill>
               <a:schemeClr val="dk2"/>
             </a:solidFill>
             <a:prstDash val="solid"/>
             <a:round/>
-            <a:headEnd len="sm" w="sm" type="none"/>
-            <a:tailEnd len="sm" w="sm" type="none"/>
+            <a:headEnd type="none" w="sm" len="sm"/>
+            <a:tailEnd type="none" w="sm" len="sm"/>
           </a:ln>
         </p:spPr>
         <p:txBody>
-          <a:bodyPr anchorCtr="0" anchor="ctr" bIns="91425" lIns="91425" spcFirstLastPara="1" rIns="91425" wrap="square" tIns="91425">
+          <a:bodyPr spcFirstLastPara="1" wrap="square" lIns="91425" tIns="91425" rIns="91425" bIns="91425" anchor="ctr" anchorCtr="0">
             <a:noAutofit/>
           </a:bodyPr>
           <a:lstStyle/>
           <a:p>
-            <a:pPr indent="0" lvl="0" marL="0" rtl="0" algn="ctr">
+            <a:pPr marL="0" lvl="0" indent="0" algn="ctr" rtl="0">
               <a:spcBef>
                 <a:spcPts val="0"/>
               </a:spcBef>
@@ -6271,29 +6426,29 @@
           </a:xfrm>
           <a:prstGeom prst="roundRect">
             <a:avLst>
-              <a:gd fmla="val 16667" name="adj"/>
+              <a:gd name="adj" fmla="val 16667"/>
             </a:avLst>
           </a:prstGeom>
           <a:solidFill>
             <a:srgbClr val="C9DAF8"/>
           </a:solidFill>
-          <a:ln cap="flat" cmpd="sng" w="9525">
+          <a:ln w="9525" cap="flat" cmpd="sng">
             <a:solidFill>
               <a:schemeClr val="dk2"/>
             </a:solidFill>
             <a:prstDash val="solid"/>
             <a:round/>
-            <a:headEnd len="sm" w="sm" type="none"/>
-            <a:tailEnd len="sm" w="sm" type="none"/>
+            <a:headEnd type="none" w="sm" len="sm"/>
+            <a:tailEnd type="none" w="sm" len="sm"/>
           </a:ln>
         </p:spPr>
         <p:txBody>
-          <a:bodyPr anchorCtr="0" anchor="ctr" bIns="91425" lIns="91425" spcFirstLastPara="1" rIns="91425" wrap="square" tIns="91425">
+          <a:bodyPr spcFirstLastPara="1" wrap="square" lIns="91425" tIns="91425" rIns="91425" bIns="91425" anchor="ctr" anchorCtr="0">
             <a:noAutofit/>
           </a:bodyPr>
           <a:lstStyle/>
           <a:p>
-            <a:pPr indent="0" lvl="0" marL="0" rtl="0" algn="ctr">
+            <a:pPr marL="0" lvl="0" indent="0" algn="ctr" rtl="0">
               <a:spcBef>
                 <a:spcPts val="0"/>
               </a:spcBef>
@@ -6331,29 +6486,29 @@
           </a:xfrm>
           <a:prstGeom prst="roundRect">
             <a:avLst>
-              <a:gd fmla="val 16667" name="adj"/>
+              <a:gd name="adj" fmla="val 16667"/>
             </a:avLst>
           </a:prstGeom>
           <a:solidFill>
             <a:srgbClr val="C9DAF8"/>
           </a:solidFill>
-          <a:ln cap="flat" cmpd="sng" w="9525">
+          <a:ln w="9525" cap="flat" cmpd="sng">
             <a:solidFill>
               <a:schemeClr val="dk2"/>
             </a:solidFill>
             <a:prstDash val="solid"/>
             <a:round/>
-            <a:headEnd len="sm" w="sm" type="none"/>
-            <a:tailEnd len="sm" w="sm" type="none"/>
+            <a:headEnd type="none" w="sm" len="sm"/>
+            <a:tailEnd type="none" w="sm" len="sm"/>
           </a:ln>
         </p:spPr>
         <p:txBody>
-          <a:bodyPr anchorCtr="0" anchor="ctr" bIns="91425" lIns="91425" spcFirstLastPara="1" rIns="91425" wrap="square" tIns="91425">
+          <a:bodyPr spcFirstLastPara="1" wrap="square" lIns="91425" tIns="91425" rIns="91425" bIns="91425" anchor="ctr" anchorCtr="0">
             <a:noAutofit/>
           </a:bodyPr>
           <a:lstStyle/>
           <a:p>
-            <a:pPr indent="0" lvl="0" marL="0" rtl="0" algn="ctr">
+            <a:pPr marL="0" lvl="0" indent="0" algn="ctr" rtl="0">
               <a:spcBef>
                 <a:spcPts val="0"/>
               </a:spcBef>
@@ -6393,23 +6548,23 @@
             <a:avLst/>
           </a:prstGeom>
           <a:noFill/>
-          <a:ln cap="flat" cmpd="sng" w="9525">
+          <a:ln w="9525" cap="flat" cmpd="sng">
             <a:solidFill>
               <a:srgbClr val="E69138"/>
             </a:solidFill>
             <a:prstDash val="solid"/>
             <a:round/>
-            <a:headEnd len="sm" w="sm" type="none"/>
-            <a:tailEnd len="sm" w="sm" type="none"/>
+            <a:headEnd type="none" w="sm" len="sm"/>
+            <a:tailEnd type="none" w="sm" len="sm"/>
           </a:ln>
         </p:spPr>
         <p:txBody>
-          <a:bodyPr anchorCtr="0" anchor="ctr" bIns="91425" lIns="91425" spcFirstLastPara="1" rIns="91425" wrap="square" tIns="91425">
+          <a:bodyPr spcFirstLastPara="1" wrap="square" lIns="91425" tIns="91425" rIns="91425" bIns="91425" anchor="ctr" anchorCtr="0">
             <a:noAutofit/>
           </a:bodyPr>
           <a:lstStyle/>
           <a:p>
-            <a:pPr indent="0" lvl="0" marL="0" rtl="0" algn="ctr">
+            <a:pPr marL="0" lvl="0" indent="0" algn="ctr" rtl="0">
               <a:spcBef>
                 <a:spcPts val="0"/>
               </a:spcBef>
@@ -6419,13 +6574,13 @@
               <a:buNone/>
             </a:pPr>
             <a:r>
-              <a:rPr b="1" lang="en-GB"/>
+              <a:rPr lang="en-GB" b="1"/>
               <a:t>Age</a:t>
             </a:r>
             <a:endParaRPr b="1"/>
           </a:p>
           <a:p>
-            <a:pPr indent="0" lvl="0" marL="0" rtl="0" algn="ctr">
+            <a:pPr marL="0" lvl="0" indent="0" algn="ctr" rtl="0">
               <a:spcBef>
                 <a:spcPts val="0"/>
               </a:spcBef>
@@ -6457,23 +6612,23 @@
             <a:avLst/>
           </a:prstGeom>
           <a:noFill/>
-          <a:ln cap="flat" cmpd="sng" w="9525">
+          <a:ln w="9525" cap="flat" cmpd="sng">
             <a:solidFill>
               <a:srgbClr val="E69138"/>
             </a:solidFill>
             <a:prstDash val="solid"/>
             <a:round/>
-            <a:headEnd len="sm" w="sm" type="none"/>
-            <a:tailEnd len="sm" w="sm" type="none"/>
+            <a:headEnd type="none" w="sm" len="sm"/>
+            <a:tailEnd type="none" w="sm" len="sm"/>
           </a:ln>
         </p:spPr>
         <p:txBody>
-          <a:bodyPr anchorCtr="0" anchor="ctr" bIns="91425" lIns="91425" spcFirstLastPara="1" rIns="91425" wrap="square" tIns="91425">
+          <a:bodyPr spcFirstLastPara="1" wrap="square" lIns="91425" tIns="91425" rIns="91425" bIns="91425" anchor="ctr" anchorCtr="0">
             <a:noAutofit/>
           </a:bodyPr>
           <a:lstStyle/>
           <a:p>
-            <a:pPr indent="0" lvl="0" marL="0" rtl="0" algn="ctr">
+            <a:pPr marL="0" lvl="0" indent="0" algn="ctr" rtl="0">
               <a:spcBef>
                 <a:spcPts val="0"/>
               </a:spcBef>
@@ -6483,13 +6638,13 @@
               <a:buNone/>
             </a:pPr>
             <a:r>
-              <a:rPr b="1" lang="en-GB"/>
+              <a:rPr lang="en-GB" b="1"/>
               <a:t>Age</a:t>
             </a:r>
             <a:endParaRPr b="1"/>
           </a:p>
           <a:p>
-            <a:pPr indent="0" lvl="0" marL="0" rtl="0" algn="ctr">
+            <a:pPr marL="0" lvl="0" indent="0" algn="ctr" rtl="0">
               <a:spcBef>
                 <a:spcPts val="0"/>
               </a:spcBef>
@@ -6500,11 +6655,7 @@
             </a:pPr>
             <a:r>
               <a:rPr lang="en-GB"/>
-              <a:t>55</a:t>
-            </a:r>
-            <a:r>
-              <a:rPr lang="en-GB"/>
-              <a:t> - 64</a:t>
+              <a:t>55 - 64</a:t>
             </a:r>
             <a:endParaRPr/>
           </a:p>
@@ -6525,23 +6676,23 @@
             <a:avLst/>
           </a:prstGeom>
           <a:noFill/>
-          <a:ln cap="flat" cmpd="sng" w="9525">
+          <a:ln w="9525" cap="flat" cmpd="sng">
             <a:solidFill>
               <a:srgbClr val="E69138"/>
             </a:solidFill>
             <a:prstDash val="solid"/>
             <a:round/>
-            <a:headEnd len="sm" w="sm" type="none"/>
-            <a:tailEnd len="sm" w="sm" type="none"/>
+            <a:headEnd type="none" w="sm" len="sm"/>
+            <a:tailEnd type="none" w="sm" len="sm"/>
           </a:ln>
         </p:spPr>
         <p:txBody>
-          <a:bodyPr anchorCtr="0" anchor="ctr" bIns="91425" lIns="91425" spcFirstLastPara="1" rIns="91425" wrap="square" tIns="91425">
+          <a:bodyPr spcFirstLastPara="1" wrap="square" lIns="91425" tIns="91425" rIns="91425" bIns="91425" anchor="ctr" anchorCtr="0">
             <a:noAutofit/>
           </a:bodyPr>
           <a:lstStyle/>
           <a:p>
-            <a:pPr indent="0" lvl="0" marL="0" rtl="0" algn="ctr">
+            <a:pPr marL="0" lvl="0" indent="0" algn="ctr" rtl="0">
               <a:spcBef>
                 <a:spcPts val="0"/>
               </a:spcBef>
@@ -6551,13 +6702,13 @@
               <a:buNone/>
             </a:pPr>
             <a:r>
-              <a:rPr b="1" lang="en-GB"/>
+              <a:rPr lang="en-GB" b="1"/>
               <a:t>Age</a:t>
             </a:r>
             <a:endParaRPr b="1"/>
           </a:p>
           <a:p>
-            <a:pPr indent="0" lvl="0" marL="0" rtl="0" algn="ctr">
+            <a:pPr marL="0" lvl="0" indent="0" algn="ctr" rtl="0">
               <a:spcBef>
                 <a:spcPts val="0"/>
               </a:spcBef>
@@ -6589,23 +6740,23 @@
             <a:avLst/>
           </a:prstGeom>
           <a:noFill/>
-          <a:ln cap="flat" cmpd="sng" w="9525">
+          <a:ln w="9525" cap="flat" cmpd="sng">
             <a:solidFill>
               <a:srgbClr val="6AA84F"/>
             </a:solidFill>
             <a:prstDash val="solid"/>
             <a:round/>
-            <a:headEnd len="sm" w="sm" type="none"/>
-            <a:tailEnd len="sm" w="sm" type="none"/>
+            <a:headEnd type="none" w="sm" len="sm"/>
+            <a:tailEnd type="none" w="sm" len="sm"/>
           </a:ln>
         </p:spPr>
         <p:txBody>
-          <a:bodyPr anchorCtr="0" anchor="ctr" bIns="91425" lIns="91425" spcFirstLastPara="1" rIns="91425" wrap="square" tIns="91425">
+          <a:bodyPr spcFirstLastPara="1" wrap="square" lIns="91425" tIns="91425" rIns="91425" bIns="91425" anchor="ctr" anchorCtr="0">
             <a:noAutofit/>
           </a:bodyPr>
           <a:lstStyle/>
           <a:p>
-            <a:pPr indent="0" lvl="0" marL="0" rtl="0" algn="ctr">
+            <a:pPr marL="0" lvl="0" indent="0" algn="ctr" rtl="0">
               <a:spcBef>
                 <a:spcPts val="0"/>
               </a:spcBef>
@@ -6615,13 +6766,13 @@
               <a:buNone/>
             </a:pPr>
             <a:r>
-              <a:rPr b="1" lang="en-GB"/>
+              <a:rPr lang="en-GB" b="1"/>
               <a:t>Sex</a:t>
             </a:r>
             <a:endParaRPr b="1"/>
           </a:p>
           <a:p>
-            <a:pPr indent="0" lvl="0" marL="0" rtl="0" algn="ctr">
+            <a:pPr marL="0" lvl="0" indent="0" algn="ctr" rtl="0">
               <a:spcBef>
                 <a:spcPts val="0"/>
               </a:spcBef>
@@ -6653,23 +6804,23 @@
             <a:avLst/>
           </a:prstGeom>
           <a:noFill/>
-          <a:ln cap="flat" cmpd="sng" w="9525">
+          <a:ln w="9525" cap="flat" cmpd="sng">
             <a:solidFill>
               <a:srgbClr val="6AA84F"/>
             </a:solidFill>
             <a:prstDash val="solid"/>
             <a:round/>
-            <a:headEnd len="sm" w="sm" type="none"/>
-            <a:tailEnd len="sm" w="sm" type="none"/>
+            <a:headEnd type="none" w="sm" len="sm"/>
+            <a:tailEnd type="none" w="sm" len="sm"/>
           </a:ln>
         </p:spPr>
         <p:txBody>
-          <a:bodyPr anchorCtr="0" anchor="ctr" bIns="91425" lIns="91425" spcFirstLastPara="1" rIns="91425" wrap="square" tIns="91425">
+          <a:bodyPr spcFirstLastPara="1" wrap="square" lIns="91425" tIns="91425" rIns="91425" bIns="91425" anchor="ctr" anchorCtr="0">
             <a:noAutofit/>
           </a:bodyPr>
           <a:lstStyle/>
           <a:p>
-            <a:pPr indent="0" lvl="0" marL="0" rtl="0" algn="ctr">
+            <a:pPr marL="0" lvl="0" indent="0" algn="ctr" rtl="0">
               <a:spcBef>
                 <a:spcPts val="0"/>
               </a:spcBef>
@@ -6679,13 +6830,13 @@
               <a:buNone/>
             </a:pPr>
             <a:r>
-              <a:rPr b="1" lang="en-GB"/>
+              <a:rPr lang="en-GB" b="1"/>
               <a:t>Sex</a:t>
             </a:r>
             <a:endParaRPr b="1"/>
           </a:p>
           <a:p>
-            <a:pPr indent="0" lvl="0" marL="0" rtl="0" algn="ctr">
+            <a:pPr marL="0" lvl="0" indent="0" algn="ctr" rtl="0">
               <a:spcBef>
                 <a:spcPts val="0"/>
               </a:spcBef>
@@ -6696,11 +6847,7 @@
             </a:pPr>
             <a:r>
               <a:rPr lang="en-GB"/>
-              <a:t>fe</a:t>
-            </a:r>
-            <a:r>
-              <a:rPr lang="en-GB"/>
-              <a:t>male</a:t>
+              <a:t>female</a:t>
             </a:r>
             <a:endParaRPr/>
           </a:p>
@@ -6721,23 +6868,23 @@
             <a:avLst/>
           </a:prstGeom>
           <a:noFill/>
-          <a:ln cap="flat" cmpd="sng" w="9525">
+          <a:ln w="9525" cap="flat" cmpd="sng">
             <a:solidFill>
               <a:srgbClr val="6AA84F"/>
             </a:solidFill>
             <a:prstDash val="solid"/>
             <a:round/>
-            <a:headEnd len="sm" w="sm" type="none"/>
-            <a:tailEnd len="sm" w="sm" type="none"/>
+            <a:headEnd type="none" w="sm" len="sm"/>
+            <a:tailEnd type="none" w="sm" len="sm"/>
           </a:ln>
         </p:spPr>
         <p:txBody>
-          <a:bodyPr anchorCtr="0" anchor="ctr" bIns="91425" lIns="91425" spcFirstLastPara="1" rIns="91425" wrap="square" tIns="91425">
+          <a:bodyPr spcFirstLastPara="1" wrap="square" lIns="91425" tIns="91425" rIns="91425" bIns="91425" anchor="ctr" anchorCtr="0">
             <a:noAutofit/>
           </a:bodyPr>
           <a:lstStyle/>
           <a:p>
-            <a:pPr indent="0" lvl="0" marL="0" rtl="0" algn="ctr">
+            <a:pPr marL="0" lvl="0" indent="0" algn="ctr" rtl="0">
               <a:spcBef>
                 <a:spcPts val="0"/>
               </a:spcBef>
@@ -6747,13 +6894,13 @@
               <a:buNone/>
             </a:pPr>
             <a:r>
-              <a:rPr b="1" lang="en-GB"/>
+              <a:rPr lang="en-GB" b="1"/>
               <a:t>Sex</a:t>
             </a:r>
             <a:endParaRPr b="1"/>
           </a:p>
           <a:p>
-            <a:pPr indent="0" lvl="0" marL="0" rtl="0" algn="ctr">
+            <a:pPr marL="0" lvl="0" indent="0" algn="ctr" rtl="0">
               <a:spcBef>
                 <a:spcPts val="0"/>
               </a:spcBef>
@@ -6764,11 +6911,7 @@
             </a:pPr>
             <a:r>
               <a:rPr lang="en-GB"/>
-              <a:t>fe</a:t>
-            </a:r>
-            <a:r>
-              <a:rPr lang="en-GB"/>
-              <a:t>male</a:t>
+              <a:t>female</a:t>
             </a:r>
             <a:endParaRPr/>
           </a:p>
@@ -6792,14 +6935,14 @@
             <a:avLst/>
           </a:prstGeom>
           <a:noFill/>
-          <a:ln cap="flat" cmpd="sng" w="9525">
+          <a:ln w="9525" cap="flat" cmpd="sng">
             <a:solidFill>
               <a:schemeClr val="dk2"/>
             </a:solidFill>
             <a:prstDash val="solid"/>
             <a:round/>
-            <a:headEnd len="med" w="med" type="none"/>
-            <a:tailEnd len="med" w="med" type="none"/>
+            <a:headEnd type="none" w="med" len="med"/>
+            <a:tailEnd type="none" w="med" len="med"/>
           </a:ln>
         </p:spPr>
       </p:cxnSp>
@@ -6821,14 +6964,14 @@
             <a:avLst/>
           </a:prstGeom>
           <a:noFill/>
-          <a:ln cap="flat" cmpd="sng" w="9525">
+          <a:ln w="9525" cap="flat" cmpd="sng">
             <a:solidFill>
               <a:schemeClr val="dk2"/>
             </a:solidFill>
             <a:prstDash val="solid"/>
             <a:round/>
-            <a:headEnd len="med" w="med" type="none"/>
-            <a:tailEnd len="med" w="med" type="none"/>
+            <a:headEnd type="none" w="med" len="med"/>
+            <a:tailEnd type="none" w="med" len="med"/>
           </a:ln>
         </p:spPr>
       </p:cxnSp>
@@ -6850,14 +6993,14 @@
             <a:avLst/>
           </a:prstGeom>
           <a:noFill/>
-          <a:ln cap="flat" cmpd="sng" w="9525">
+          <a:ln w="9525" cap="flat" cmpd="sng">
             <a:solidFill>
               <a:schemeClr val="dk2"/>
             </a:solidFill>
             <a:prstDash val="solid"/>
             <a:round/>
-            <a:headEnd len="med" w="med" type="none"/>
-            <a:tailEnd len="med" w="med" type="none"/>
+            <a:headEnd type="none" w="med" len="med"/>
+            <a:tailEnd type="none" w="med" len="med"/>
           </a:ln>
         </p:spPr>
       </p:cxnSp>
@@ -6878,14 +7021,14 @@
             <a:avLst/>
           </a:prstGeom>
           <a:noFill/>
-          <a:ln cap="flat" cmpd="sng" w="9525">
+          <a:ln w="9525" cap="flat" cmpd="sng">
             <a:solidFill>
               <a:schemeClr val="dk2"/>
             </a:solidFill>
             <a:prstDash val="solid"/>
             <a:round/>
-            <a:headEnd len="med" w="med" type="none"/>
-            <a:tailEnd len="med" w="med" type="none"/>
+            <a:headEnd type="none" w="med" len="med"/>
+            <a:tailEnd type="none" w="med" len="med"/>
           </a:ln>
         </p:spPr>
       </p:cxnSp>
@@ -6907,14 +7050,14 @@
             <a:avLst/>
           </a:prstGeom>
           <a:noFill/>
-          <a:ln cap="flat" cmpd="sng" w="9525">
+          <a:ln w="9525" cap="flat" cmpd="sng">
             <a:solidFill>
               <a:schemeClr val="dk2"/>
             </a:solidFill>
             <a:prstDash val="solid"/>
             <a:round/>
-            <a:headEnd len="med" w="med" type="none"/>
-            <a:tailEnd len="med" w="med" type="none"/>
+            <a:headEnd type="none" w="med" len="med"/>
+            <a:tailEnd type="none" w="med" len="med"/>
           </a:ln>
         </p:spPr>
       </p:cxnSp>
@@ -6936,14 +7079,14 @@
             <a:avLst/>
           </a:prstGeom>
           <a:noFill/>
-          <a:ln cap="flat" cmpd="sng" w="9525">
+          <a:ln w="9525" cap="flat" cmpd="sng">
             <a:solidFill>
               <a:schemeClr val="dk2"/>
             </a:solidFill>
             <a:prstDash val="solid"/>
             <a:round/>
-            <a:headEnd len="med" w="med" type="none"/>
-            <a:tailEnd len="med" w="med" type="none"/>
+            <a:headEnd type="none" w="med" len="med"/>
+            <a:tailEnd type="none" w="med" len="med"/>
           </a:ln>
         </p:spPr>
       </p:cxnSp>
@@ -6967,12 +7110,12 @@
           </a:ln>
         </p:spPr>
         <p:txBody>
-          <a:bodyPr anchorCtr="0" anchor="t" bIns="91425" lIns="91425" spcFirstLastPara="1" rIns="91425" wrap="square" tIns="91425">
+          <a:bodyPr spcFirstLastPara="1" wrap="square" lIns="91425" tIns="91425" rIns="91425" bIns="91425" anchor="t" anchorCtr="0">
             <a:spAutoFit/>
           </a:bodyPr>
           <a:lstStyle/>
           <a:p>
-            <a:pPr indent="0" lvl="0" marL="0" rtl="0" algn="ctr">
+            <a:pPr marL="0" lvl="0" indent="0" algn="ctr" rtl="0">
               <a:spcBef>
                 <a:spcPts val="0"/>
               </a:spcBef>
@@ -6982,10 +7125,10 @@
               <a:buNone/>
             </a:pPr>
             <a:r>
-              <a:rPr b="1" lang="en-GB" sz="1800"/>
+              <a:rPr lang="en-GB" sz="1800" b="1"/>
               <a:t>…</a:t>
             </a:r>
-            <a:endParaRPr b="1" sz="1800"/>
+            <a:endParaRPr sz="1800" b="1"/>
           </a:p>
         </p:txBody>
       </p:sp>
@@ -7002,27 +7145,27 @@
           </a:xfrm>
           <a:prstGeom prst="roundRect">
             <a:avLst>
-              <a:gd fmla="val 16667" name="adj"/>
+              <a:gd name="adj" fmla="val 16667"/>
             </a:avLst>
           </a:prstGeom>
           <a:noFill/>
-          <a:ln cap="flat" cmpd="sng" w="19050">
+          <a:ln w="19050" cap="flat" cmpd="sng">
             <a:solidFill>
               <a:schemeClr val="dk2"/>
             </a:solidFill>
             <a:prstDash val="solid"/>
             <a:round/>
-            <a:headEnd len="sm" w="sm" type="none"/>
-            <a:tailEnd len="sm" w="sm" type="none"/>
+            <a:headEnd type="none" w="sm" len="sm"/>
+            <a:tailEnd type="none" w="sm" len="sm"/>
           </a:ln>
         </p:spPr>
         <p:txBody>
-          <a:bodyPr anchorCtr="0" anchor="ctr" bIns="91425" lIns="91425" spcFirstLastPara="1" rIns="91425" wrap="square" tIns="91425">
+          <a:bodyPr spcFirstLastPara="1" wrap="square" lIns="91425" tIns="91425" rIns="91425" bIns="91425" anchor="ctr" anchorCtr="0">
             <a:noAutofit/>
           </a:bodyPr>
           <a:lstStyle/>
           <a:p>
-            <a:pPr indent="0" lvl="0" marL="0" rtl="0" algn="ctr">
+            <a:pPr marL="0" lvl="0" indent="0" algn="ctr" rtl="0">
               <a:spcBef>
                 <a:spcPts val="0"/>
               </a:spcBef>
@@ -7032,7 +7175,7 @@
               <a:buNone/>
             </a:pPr>
             <a:r>
-              <a:rPr b="1" lang="en-GB"/>
+              <a:rPr lang="en-GB" b="1"/>
               <a:t>Node</a:t>
             </a:r>
             <a:endParaRPr b="1"/>
@@ -7054,23 +7197,23 @@
             <a:avLst/>
           </a:prstGeom>
           <a:noFill/>
-          <a:ln cap="flat" cmpd="sng" w="19050">
+          <a:ln w="19050" cap="flat" cmpd="sng">
             <a:solidFill>
               <a:schemeClr val="dk2"/>
             </a:solidFill>
             <a:prstDash val="solid"/>
             <a:round/>
-            <a:headEnd len="sm" w="sm" type="none"/>
-            <a:tailEnd len="sm" w="sm" type="none"/>
+            <a:headEnd type="none" w="sm" len="sm"/>
+            <a:tailEnd type="none" w="sm" len="sm"/>
           </a:ln>
         </p:spPr>
         <p:txBody>
-          <a:bodyPr anchorCtr="0" anchor="ctr" bIns="91425" lIns="91425" spcFirstLastPara="1" rIns="91425" wrap="square" tIns="91425">
+          <a:bodyPr spcFirstLastPara="1" wrap="square" lIns="91425" tIns="91425" rIns="91425" bIns="91425" anchor="ctr" anchorCtr="0">
             <a:noAutofit/>
           </a:bodyPr>
           <a:lstStyle/>
           <a:p>
-            <a:pPr indent="0" lvl="0" marL="0" rtl="0" algn="l">
+            <a:pPr marL="0" lvl="0" indent="0" algn="l" rtl="0">
               <a:spcBef>
                 <a:spcPts val="0"/>
               </a:spcBef>
@@ -7080,7 +7223,7 @@
               <a:buNone/>
             </a:pPr>
             <a:r>
-              <a:rPr b="1" lang="en-GB"/>
+              <a:rPr lang="en-GB" b="1"/>
               <a:t>Feature</a:t>
             </a:r>
             <a:endParaRPr b="1"/>
@@ -7096,11 +7239,11 @@
 </file>
 
 <file path=ppt/slides/slide2.xml><?xml version="1.0" encoding="utf-8"?>
-<p:sld xmlns:a="http://schemas.openxmlformats.org/drawingml/2006/main" xmlns:r="http://schemas.openxmlformats.org/officeDocument/2006/relationships" xmlns:mc="http://schemas.openxmlformats.org/markup-compatibility/2006" xmlns:mv="urn:schemas-microsoft-com:mac:vml" xmlns:p="http://schemas.openxmlformats.org/presentationml/2006/main" xmlns:c="http://schemas.openxmlformats.org/drawingml/2006/chart" xmlns:dgm="http://schemas.openxmlformats.org/drawingml/2006/diagram" xmlns:o="urn:schemas-microsoft-com:office:office" xmlns:v="urn:schemas-microsoft-com:vml" xmlns:pvml="urn:schemas-microsoft-com:office:powerpoint" xmlns:com="http://schemas.openxmlformats.org/drawingml/2006/compatibility" xmlns:p14="http://schemas.microsoft.com/office/powerpoint/2010/main" xmlns:p15="http://schemas.microsoft.com/office/powerpoint/2012/main" xmlns:ahyp="http://schemas.microsoft.com/office/drawing/2018/hyperlinkcolor">
+<p:sld xmlns:a="http://schemas.openxmlformats.org/drawingml/2006/main" xmlns:r="http://schemas.openxmlformats.org/officeDocument/2006/relationships" xmlns:p="http://schemas.openxmlformats.org/presentationml/2006/main">
   <p:cSld>
     <p:spTree>
       <p:nvGrpSpPr>
-        <p:cNvPr id="76" name="Shape 76"/>
+        <p:cNvPr id="1" name="Shape 76"/>
         <p:cNvGrpSpPr/>
         <p:nvPr/>
       </p:nvGrpSpPr>
@@ -7132,12 +7275,12 @@
           </a:ln>
         </p:spPr>
         <p:txBody>
-          <a:bodyPr anchorCtr="0" anchor="t" bIns="91425" lIns="91425" spcFirstLastPara="1" rIns="91425" wrap="square" tIns="91425">
+          <a:bodyPr spcFirstLastPara="1" wrap="square" lIns="91425" tIns="91425" rIns="91425" bIns="91425" anchor="t" anchorCtr="0">
             <a:spAutoFit/>
           </a:bodyPr>
           <a:lstStyle/>
           <a:p>
-            <a:pPr indent="0" lvl="0" marL="0" rtl="0" algn="ctr">
+            <a:pPr marL="0" lvl="0" indent="0" algn="ctr" rtl="0">
               <a:spcBef>
                 <a:spcPts val="0"/>
               </a:spcBef>
@@ -7147,10 +7290,10 @@
               <a:buNone/>
             </a:pPr>
             <a:r>
-              <a:rPr b="1" lang="en-GB" sz="1800"/>
+              <a:rPr lang="en-GB" sz="1800" b="1"/>
               <a:t>…</a:t>
             </a:r>
-            <a:endParaRPr b="1" sz="1800"/>
+            <a:endParaRPr sz="1800" b="1"/>
           </a:p>
         </p:txBody>
       </p:sp>
@@ -7167,29 +7310,29 @@
           </a:xfrm>
           <a:prstGeom prst="roundRect">
             <a:avLst>
-              <a:gd fmla="val 16667" name="adj"/>
+              <a:gd name="adj" fmla="val 16667"/>
             </a:avLst>
           </a:prstGeom>
           <a:solidFill>
             <a:srgbClr val="C9DAF8"/>
           </a:solidFill>
-          <a:ln cap="flat" cmpd="sng" w="9525">
+          <a:ln w="9525" cap="flat" cmpd="sng">
             <a:solidFill>
               <a:schemeClr val="dk2"/>
             </a:solidFill>
             <a:prstDash val="solid"/>
             <a:round/>
-            <a:headEnd len="sm" w="sm" type="none"/>
-            <a:tailEnd len="sm" w="sm" type="none"/>
+            <a:headEnd type="none" w="sm" len="sm"/>
+            <a:tailEnd type="none" w="sm" len="sm"/>
           </a:ln>
         </p:spPr>
         <p:txBody>
-          <a:bodyPr anchorCtr="0" anchor="ctr" bIns="91425" lIns="91425" spcFirstLastPara="1" rIns="91425" wrap="square" tIns="91425">
+          <a:bodyPr spcFirstLastPara="1" wrap="square" lIns="91425" tIns="91425" rIns="91425" bIns="91425" anchor="ctr" anchorCtr="0">
             <a:noAutofit/>
           </a:bodyPr>
           <a:lstStyle/>
           <a:p>
-            <a:pPr indent="0" lvl="0" marL="0" rtl="0" algn="ctr">
+            <a:pPr marL="0" lvl="0" indent="0" algn="ctr" rtl="0">
               <a:spcBef>
                 <a:spcPts val="0"/>
               </a:spcBef>
@@ -7227,29 +7370,29 @@
           </a:xfrm>
           <a:prstGeom prst="roundRect">
             <a:avLst>
-              <a:gd fmla="val 16667" name="adj"/>
+              <a:gd name="adj" fmla="val 16667"/>
             </a:avLst>
           </a:prstGeom>
           <a:solidFill>
             <a:srgbClr val="C9DAF8"/>
           </a:solidFill>
-          <a:ln cap="flat" cmpd="sng" w="9525">
+          <a:ln w="9525" cap="flat" cmpd="sng">
             <a:solidFill>
               <a:schemeClr val="dk2"/>
             </a:solidFill>
             <a:prstDash val="solid"/>
             <a:round/>
-            <a:headEnd len="sm" w="sm" type="none"/>
-            <a:tailEnd len="sm" w="sm" type="none"/>
+            <a:headEnd type="none" w="sm" len="sm"/>
+            <a:tailEnd type="none" w="sm" len="sm"/>
           </a:ln>
         </p:spPr>
         <p:txBody>
-          <a:bodyPr anchorCtr="0" anchor="ctr" bIns="91425" lIns="91425" spcFirstLastPara="1" rIns="91425" wrap="square" tIns="91425">
+          <a:bodyPr spcFirstLastPara="1" wrap="square" lIns="91425" tIns="91425" rIns="91425" bIns="91425" anchor="ctr" anchorCtr="0">
             <a:noAutofit/>
           </a:bodyPr>
           <a:lstStyle/>
           <a:p>
-            <a:pPr indent="0" lvl="0" marL="0" rtl="0" algn="ctr">
+            <a:pPr marL="0" lvl="0" indent="0" algn="ctr" rtl="0">
               <a:spcBef>
                 <a:spcPts val="0"/>
               </a:spcBef>
@@ -7287,29 +7430,29 @@
           </a:xfrm>
           <a:prstGeom prst="roundRect">
             <a:avLst>
-              <a:gd fmla="val 16667" name="adj"/>
+              <a:gd name="adj" fmla="val 16667"/>
             </a:avLst>
           </a:prstGeom>
           <a:solidFill>
             <a:srgbClr val="C9DAF8"/>
           </a:solidFill>
-          <a:ln cap="flat" cmpd="sng" w="9525">
+          <a:ln w="9525" cap="flat" cmpd="sng">
             <a:solidFill>
               <a:schemeClr val="dk2"/>
             </a:solidFill>
             <a:prstDash val="solid"/>
             <a:round/>
-            <a:headEnd len="sm" w="sm" type="none"/>
-            <a:tailEnd len="sm" w="sm" type="none"/>
+            <a:headEnd type="none" w="sm" len="sm"/>
+            <a:tailEnd type="none" w="sm" len="sm"/>
           </a:ln>
         </p:spPr>
         <p:txBody>
-          <a:bodyPr anchorCtr="0" anchor="ctr" bIns="91425" lIns="91425" spcFirstLastPara="1" rIns="91425" wrap="square" tIns="91425">
+          <a:bodyPr spcFirstLastPara="1" wrap="square" lIns="91425" tIns="91425" rIns="91425" bIns="91425" anchor="ctr" anchorCtr="0">
             <a:noAutofit/>
           </a:bodyPr>
           <a:lstStyle/>
           <a:p>
-            <a:pPr indent="0" lvl="0" marL="0" rtl="0" algn="ctr">
+            <a:pPr marL="0" lvl="0" indent="0" algn="ctr" rtl="0">
               <a:spcBef>
                 <a:spcPts val="0"/>
               </a:spcBef>
@@ -7349,23 +7492,23 @@
             <a:avLst/>
           </a:prstGeom>
           <a:noFill/>
-          <a:ln cap="flat" cmpd="sng" w="9525">
+          <a:ln w="9525" cap="flat" cmpd="sng">
             <a:solidFill>
               <a:srgbClr val="E69138"/>
             </a:solidFill>
             <a:prstDash val="solid"/>
             <a:round/>
-            <a:headEnd len="sm" w="sm" type="none"/>
-            <a:tailEnd len="sm" w="sm" type="none"/>
+            <a:headEnd type="none" w="sm" len="sm"/>
+            <a:tailEnd type="none" w="sm" len="sm"/>
           </a:ln>
         </p:spPr>
         <p:txBody>
-          <a:bodyPr anchorCtr="0" anchor="ctr" bIns="91425" lIns="91425" spcFirstLastPara="1" rIns="91425" wrap="square" tIns="91425">
+          <a:bodyPr spcFirstLastPara="1" wrap="square" lIns="91425" tIns="91425" rIns="91425" bIns="91425" anchor="ctr" anchorCtr="0">
             <a:noAutofit/>
           </a:bodyPr>
           <a:lstStyle/>
           <a:p>
-            <a:pPr indent="0" lvl="0" marL="0" rtl="0" algn="ctr">
+            <a:pPr marL="0" lvl="0" indent="0" algn="ctr" rtl="0">
               <a:spcBef>
                 <a:spcPts val="0"/>
               </a:spcBef>
@@ -7375,13 +7518,13 @@
               <a:buNone/>
             </a:pPr>
             <a:r>
-              <a:rPr b="1" lang="en-GB" sz="1300"/>
+              <a:rPr lang="en-GB" sz="1300" b="1"/>
               <a:t>Side</a:t>
             </a:r>
-            <a:endParaRPr b="1" sz="1300"/>
-          </a:p>
-          <a:p>
-            <a:pPr indent="0" lvl="0" marL="0" rtl="0" algn="ctr">
+            <a:endParaRPr sz="1300" b="1"/>
+          </a:p>
+          <a:p>
+            <a:pPr marL="0" lvl="0" indent="0" algn="ctr" rtl="0">
               <a:spcBef>
                 <a:spcPts val="0"/>
               </a:spcBef>
@@ -7391,7 +7534,7 @@
               <a:buNone/>
             </a:pPr>
             <a:r>
-              <a:rPr b="1" lang="en-GB" sz="1300"/>
+              <a:rPr lang="en-GB" sz="1300" b="1"/>
               <a:t>Effect_1</a:t>
             </a:r>
             <a:endParaRPr sz="1300"/>
@@ -7413,23 +7556,23 @@
             <a:avLst/>
           </a:prstGeom>
           <a:noFill/>
-          <a:ln cap="flat" cmpd="sng" w="9525">
+          <a:ln w="9525" cap="flat" cmpd="sng">
             <a:solidFill>
               <a:srgbClr val="E69138"/>
             </a:solidFill>
             <a:prstDash val="solid"/>
             <a:round/>
-            <a:headEnd len="sm" w="sm" type="none"/>
-            <a:tailEnd len="sm" w="sm" type="none"/>
+            <a:headEnd type="none" w="sm" len="sm"/>
+            <a:tailEnd type="none" w="sm" len="sm"/>
           </a:ln>
         </p:spPr>
         <p:txBody>
-          <a:bodyPr anchorCtr="0" anchor="ctr" bIns="91425" lIns="91425" spcFirstLastPara="1" rIns="91425" wrap="square" tIns="91425">
+          <a:bodyPr spcFirstLastPara="1" wrap="square" lIns="91425" tIns="91425" rIns="91425" bIns="91425" anchor="ctr" anchorCtr="0">
             <a:noAutofit/>
           </a:bodyPr>
           <a:lstStyle/>
           <a:p>
-            <a:pPr indent="0" lvl="0" marL="0" rtl="0" algn="ctr">
+            <a:pPr marL="0" lvl="0" indent="0" algn="ctr" rtl="0">
               <a:spcBef>
                 <a:spcPts val="0"/>
               </a:spcBef>
@@ -7439,13 +7582,13 @@
               <a:buNone/>
             </a:pPr>
             <a:r>
-              <a:rPr b="1" lang="en-GB" sz="1300"/>
+              <a:rPr lang="en-GB" sz="1300" b="1"/>
               <a:t>Side</a:t>
             </a:r>
-            <a:endParaRPr b="1" sz="1300"/>
-          </a:p>
-          <a:p>
-            <a:pPr indent="0" lvl="0" marL="0" rtl="0" algn="ctr">
+            <a:endParaRPr sz="1300" b="1"/>
+          </a:p>
+          <a:p>
+            <a:pPr marL="0" lvl="0" indent="0" algn="ctr" rtl="0">
               <a:spcBef>
                 <a:spcPts val="0"/>
               </a:spcBef>
@@ -7455,7 +7598,7 @@
               <a:buNone/>
             </a:pPr>
             <a:r>
-              <a:rPr b="1" lang="en-GB" sz="1300"/>
+              <a:rPr lang="en-GB" sz="1300" b="1"/>
               <a:t>Effect_1</a:t>
             </a:r>
             <a:endParaRPr sz="1300"/>
@@ -7477,23 +7620,23 @@
             <a:avLst/>
           </a:prstGeom>
           <a:noFill/>
-          <a:ln cap="flat" cmpd="sng" w="9525">
+          <a:ln w="9525" cap="flat" cmpd="sng">
             <a:solidFill>
               <a:srgbClr val="E69138"/>
             </a:solidFill>
             <a:prstDash val="solid"/>
             <a:round/>
-            <a:headEnd len="sm" w="sm" type="none"/>
-            <a:tailEnd len="sm" w="sm" type="none"/>
+            <a:headEnd type="none" w="sm" len="sm"/>
+            <a:tailEnd type="none" w="sm" len="sm"/>
           </a:ln>
         </p:spPr>
         <p:txBody>
-          <a:bodyPr anchorCtr="0" anchor="ctr" bIns="91425" lIns="91425" spcFirstLastPara="1" rIns="91425" wrap="square" tIns="91425">
+          <a:bodyPr spcFirstLastPara="1" wrap="square" lIns="91425" tIns="91425" rIns="91425" bIns="91425" anchor="ctr" anchorCtr="0">
             <a:noAutofit/>
           </a:bodyPr>
           <a:lstStyle/>
           <a:p>
-            <a:pPr indent="0" lvl="0" marL="0" rtl="0" algn="ctr">
+            <a:pPr marL="0" lvl="0" indent="0" algn="ctr" rtl="0">
               <a:spcBef>
                 <a:spcPts val="0"/>
               </a:spcBef>
@@ -7503,13 +7646,13 @@
               <a:buNone/>
             </a:pPr>
             <a:r>
-              <a:rPr b="1" lang="en-GB" sz="1300"/>
+              <a:rPr lang="en-GB" sz="1300" b="1"/>
               <a:t>Side</a:t>
             </a:r>
-            <a:endParaRPr b="1" sz="1300"/>
-          </a:p>
-          <a:p>
-            <a:pPr indent="0" lvl="0" marL="0" rtl="0" algn="ctr">
+            <a:endParaRPr sz="1300" b="1"/>
+          </a:p>
+          <a:p>
+            <a:pPr marL="0" lvl="0" indent="0" algn="ctr" rtl="0">
               <a:spcBef>
                 <a:spcPts val="0"/>
               </a:spcBef>
@@ -7519,7 +7662,7 @@
               <a:buNone/>
             </a:pPr>
             <a:r>
-              <a:rPr b="1" lang="en-GB" sz="1300"/>
+              <a:rPr lang="en-GB" sz="1300" b="1"/>
               <a:t>Effect_1</a:t>
             </a:r>
             <a:endParaRPr sz="1000"/>
@@ -7541,23 +7684,23 @@
             <a:avLst/>
           </a:prstGeom>
           <a:noFill/>
-          <a:ln cap="flat" cmpd="sng" w="9525">
+          <a:ln w="9525" cap="flat" cmpd="sng">
             <a:solidFill>
               <a:srgbClr val="6AA84F"/>
             </a:solidFill>
             <a:prstDash val="solid"/>
             <a:round/>
-            <a:headEnd len="sm" w="sm" type="none"/>
-            <a:tailEnd len="sm" w="sm" type="none"/>
+            <a:headEnd type="none" w="sm" len="sm"/>
+            <a:tailEnd type="none" w="sm" len="sm"/>
           </a:ln>
         </p:spPr>
         <p:txBody>
-          <a:bodyPr anchorCtr="0" anchor="ctr" bIns="91425" lIns="91425" spcFirstLastPara="1" rIns="91425" wrap="square" tIns="91425">
+          <a:bodyPr spcFirstLastPara="1" wrap="square" lIns="91425" tIns="91425" rIns="91425" bIns="91425" anchor="ctr" anchorCtr="0">
             <a:noAutofit/>
           </a:bodyPr>
           <a:lstStyle/>
           <a:p>
-            <a:pPr indent="0" lvl="0" marL="0" rtl="0" algn="ctr">
+            <a:pPr marL="0" lvl="0" indent="0" algn="ctr" rtl="0">
               <a:spcBef>
                 <a:spcPts val="0"/>
               </a:spcBef>
@@ -7567,13 +7710,13 @@
               <a:buNone/>
             </a:pPr>
             <a:r>
-              <a:rPr b="1" lang="en-GB" sz="1300"/>
+              <a:rPr lang="en-GB" sz="1300" b="1"/>
               <a:t>Side</a:t>
             </a:r>
-            <a:endParaRPr b="1" sz="1300"/>
-          </a:p>
-          <a:p>
-            <a:pPr indent="0" lvl="0" marL="0" rtl="0" algn="ctr">
+            <a:endParaRPr sz="1300" b="1"/>
+          </a:p>
+          <a:p>
+            <a:pPr marL="0" lvl="0" indent="0" algn="ctr" rtl="0">
               <a:spcBef>
                 <a:spcPts val="0"/>
               </a:spcBef>
@@ -7583,7 +7726,7 @@
               <a:buNone/>
             </a:pPr>
             <a:r>
-              <a:rPr b="1" lang="en-GB" sz="1300"/>
+              <a:rPr lang="en-GB" sz="1300" b="1"/>
               <a:t>Effect_n</a:t>
             </a:r>
             <a:endParaRPr sz="1300"/>
@@ -7605,23 +7748,23 @@
             <a:avLst/>
           </a:prstGeom>
           <a:noFill/>
-          <a:ln cap="flat" cmpd="sng" w="9525">
+          <a:ln w="9525" cap="flat" cmpd="sng">
             <a:solidFill>
               <a:srgbClr val="6AA84F"/>
             </a:solidFill>
             <a:prstDash val="solid"/>
             <a:round/>
-            <a:headEnd len="sm" w="sm" type="none"/>
-            <a:tailEnd len="sm" w="sm" type="none"/>
+            <a:headEnd type="none" w="sm" len="sm"/>
+            <a:tailEnd type="none" w="sm" len="sm"/>
           </a:ln>
         </p:spPr>
         <p:txBody>
-          <a:bodyPr anchorCtr="0" anchor="ctr" bIns="91425" lIns="91425" spcFirstLastPara="1" rIns="91425" wrap="square" tIns="91425">
+          <a:bodyPr spcFirstLastPara="1" wrap="square" lIns="91425" tIns="91425" rIns="91425" bIns="91425" anchor="ctr" anchorCtr="0">
             <a:noAutofit/>
           </a:bodyPr>
           <a:lstStyle/>
           <a:p>
-            <a:pPr indent="0" lvl="0" marL="0" rtl="0" algn="ctr">
+            <a:pPr marL="0" lvl="0" indent="0" algn="ctr" rtl="0">
               <a:spcBef>
                 <a:spcPts val="0"/>
               </a:spcBef>
@@ -7631,13 +7774,13 @@
               <a:buNone/>
             </a:pPr>
             <a:r>
-              <a:rPr b="1" lang="en-GB" sz="1300"/>
+              <a:rPr lang="en-GB" sz="1300" b="1"/>
               <a:t>Side</a:t>
             </a:r>
-            <a:endParaRPr b="1" sz="1300"/>
-          </a:p>
-          <a:p>
-            <a:pPr indent="0" lvl="0" marL="0" rtl="0" algn="ctr">
+            <a:endParaRPr sz="1300" b="1"/>
+          </a:p>
+          <a:p>
+            <a:pPr marL="0" lvl="0" indent="0" algn="ctr" rtl="0">
               <a:spcBef>
                 <a:spcPts val="0"/>
               </a:spcBef>
@@ -7647,7 +7790,7 @@
               <a:buNone/>
             </a:pPr>
             <a:r>
-              <a:rPr b="1" lang="en-GB" sz="1300"/>
+              <a:rPr lang="en-GB" sz="1300" b="1"/>
               <a:t>Effect_n</a:t>
             </a:r>
             <a:endParaRPr sz="1300"/>
@@ -7669,23 +7812,23 @@
             <a:avLst/>
           </a:prstGeom>
           <a:noFill/>
-          <a:ln cap="flat" cmpd="sng" w="9525">
+          <a:ln w="9525" cap="flat" cmpd="sng">
             <a:solidFill>
               <a:srgbClr val="6AA84F"/>
             </a:solidFill>
             <a:prstDash val="solid"/>
             <a:round/>
-            <a:headEnd len="sm" w="sm" type="none"/>
-            <a:tailEnd len="sm" w="sm" type="none"/>
+            <a:headEnd type="none" w="sm" len="sm"/>
+            <a:tailEnd type="none" w="sm" len="sm"/>
           </a:ln>
         </p:spPr>
         <p:txBody>
-          <a:bodyPr anchorCtr="0" anchor="ctr" bIns="91425" lIns="91425" spcFirstLastPara="1" rIns="91425" wrap="square" tIns="91425">
+          <a:bodyPr spcFirstLastPara="1" wrap="square" lIns="91425" tIns="91425" rIns="91425" bIns="91425" anchor="ctr" anchorCtr="0">
             <a:noAutofit/>
           </a:bodyPr>
           <a:lstStyle/>
           <a:p>
-            <a:pPr indent="0" lvl="0" marL="0" rtl="0" algn="ctr">
+            <a:pPr marL="0" lvl="0" indent="0" algn="ctr" rtl="0">
               <a:spcBef>
                 <a:spcPts val="0"/>
               </a:spcBef>
@@ -7695,13 +7838,13 @@
               <a:buNone/>
             </a:pPr>
             <a:r>
-              <a:rPr b="1" lang="en-GB" sz="1300"/>
+              <a:rPr lang="en-GB" sz="1300" b="1"/>
               <a:t>Side</a:t>
             </a:r>
-            <a:endParaRPr b="1" sz="1300"/>
-          </a:p>
-          <a:p>
-            <a:pPr indent="0" lvl="0" marL="0" rtl="0" algn="ctr">
+            <a:endParaRPr sz="1300" b="1"/>
+          </a:p>
+          <a:p>
+            <a:pPr marL="0" lvl="0" indent="0" algn="ctr" rtl="0">
               <a:spcBef>
                 <a:spcPts val="0"/>
               </a:spcBef>
@@ -7711,7 +7854,7 @@
               <a:buNone/>
             </a:pPr>
             <a:r>
-              <a:rPr b="1" lang="en-GB" sz="1300"/>
+              <a:rPr lang="en-GB" sz="1300" b="1"/>
               <a:t>Effect_n</a:t>
             </a:r>
             <a:endParaRPr sz="1300"/>
@@ -7736,14 +7879,14 @@
             <a:avLst/>
           </a:prstGeom>
           <a:noFill/>
-          <a:ln cap="flat" cmpd="sng" w="9525">
+          <a:ln w="9525" cap="flat" cmpd="sng">
             <a:solidFill>
               <a:schemeClr val="dk2"/>
             </a:solidFill>
             <a:prstDash val="solid"/>
             <a:round/>
-            <a:headEnd len="med" w="med" type="none"/>
-            <a:tailEnd len="med" w="med" type="none"/>
+            <a:headEnd type="none" w="med" len="med"/>
+            <a:tailEnd type="none" w="med" len="med"/>
           </a:ln>
         </p:spPr>
       </p:cxnSp>
@@ -7765,14 +7908,14 @@
             <a:avLst/>
           </a:prstGeom>
           <a:noFill/>
-          <a:ln cap="flat" cmpd="sng" w="9525">
+          <a:ln w="9525" cap="flat" cmpd="sng">
             <a:solidFill>
               <a:schemeClr val="dk2"/>
             </a:solidFill>
             <a:prstDash val="solid"/>
             <a:round/>
-            <a:headEnd len="med" w="med" type="none"/>
-            <a:tailEnd len="med" w="med" type="none"/>
+            <a:headEnd type="none" w="med" len="med"/>
+            <a:tailEnd type="none" w="med" len="med"/>
           </a:ln>
         </p:spPr>
       </p:cxnSp>
@@ -7794,14 +7937,14 @@
             <a:avLst/>
           </a:prstGeom>
           <a:noFill/>
-          <a:ln cap="flat" cmpd="sng" w="9525">
+          <a:ln w="9525" cap="flat" cmpd="sng">
             <a:solidFill>
               <a:schemeClr val="dk2"/>
             </a:solidFill>
             <a:prstDash val="solid"/>
             <a:round/>
-            <a:headEnd len="med" w="med" type="none"/>
-            <a:tailEnd len="med" w="med" type="none"/>
+            <a:headEnd type="none" w="med" len="med"/>
+            <a:tailEnd type="none" w="med" len="med"/>
           </a:ln>
         </p:spPr>
       </p:cxnSp>
@@ -7822,14 +7965,14 @@
             <a:avLst/>
           </a:prstGeom>
           <a:noFill/>
-          <a:ln cap="flat" cmpd="sng" w="9525">
+          <a:ln w="9525" cap="flat" cmpd="sng">
             <a:solidFill>
               <a:schemeClr val="dk2"/>
             </a:solidFill>
             <a:prstDash val="solid"/>
             <a:round/>
-            <a:headEnd len="med" w="med" type="none"/>
-            <a:tailEnd len="med" w="med" type="none"/>
+            <a:headEnd type="none" w="med" len="med"/>
+            <a:tailEnd type="none" w="med" len="med"/>
           </a:ln>
         </p:spPr>
       </p:cxnSp>
@@ -7851,14 +7994,14 @@
             <a:avLst/>
           </a:prstGeom>
           <a:noFill/>
-          <a:ln cap="flat" cmpd="sng" w="9525">
+          <a:ln w="9525" cap="flat" cmpd="sng">
             <a:solidFill>
               <a:schemeClr val="dk2"/>
             </a:solidFill>
             <a:prstDash val="solid"/>
             <a:round/>
-            <a:headEnd len="med" w="med" type="none"/>
-            <a:tailEnd len="med" w="med" type="none"/>
+            <a:headEnd type="none" w="med" len="med"/>
+            <a:tailEnd type="none" w="med" len="med"/>
           </a:ln>
         </p:spPr>
       </p:cxnSp>
@@ -7880,14 +8023,14 @@
             <a:avLst/>
           </a:prstGeom>
           <a:noFill/>
-          <a:ln cap="flat" cmpd="sng" w="9525">
+          <a:ln w="9525" cap="flat" cmpd="sng">
             <a:solidFill>
               <a:schemeClr val="dk2"/>
             </a:solidFill>
             <a:prstDash val="solid"/>
             <a:round/>
-            <a:headEnd len="med" w="med" type="none"/>
-            <a:tailEnd len="med" w="med" type="none"/>
+            <a:headEnd type="none" w="med" len="med"/>
+            <a:tailEnd type="none" w="med" len="med"/>
           </a:ln>
         </p:spPr>
       </p:cxnSp>
@@ -7911,12 +8054,12 @@
           </a:ln>
         </p:spPr>
         <p:txBody>
-          <a:bodyPr anchorCtr="0" anchor="t" bIns="91425" lIns="91425" spcFirstLastPara="1" rIns="91425" wrap="square" tIns="91425">
+          <a:bodyPr spcFirstLastPara="1" wrap="square" lIns="91425" tIns="91425" rIns="91425" bIns="91425" anchor="t" anchorCtr="0">
             <a:spAutoFit/>
           </a:bodyPr>
           <a:lstStyle/>
           <a:p>
-            <a:pPr indent="0" lvl="0" marL="0" rtl="0" algn="ctr">
+            <a:pPr marL="0" lvl="0" indent="0" algn="ctr" rtl="0">
               <a:spcBef>
                 <a:spcPts val="0"/>
               </a:spcBef>
@@ -7926,10 +8069,10 @@
               <a:buNone/>
             </a:pPr>
             <a:r>
-              <a:rPr b="1" lang="en-GB" sz="1700"/>
+              <a:rPr lang="en-GB" sz="1700" b="1"/>
               <a:t>…</a:t>
             </a:r>
-            <a:endParaRPr b="1" sz="1700"/>
+            <a:endParaRPr sz="1700" b="1"/>
           </a:p>
         </p:txBody>
       </p:sp>
@@ -7946,27 +8089,27 @@
           </a:xfrm>
           <a:prstGeom prst="roundRect">
             <a:avLst>
-              <a:gd fmla="val 16667" name="adj"/>
+              <a:gd name="adj" fmla="val 16667"/>
             </a:avLst>
           </a:prstGeom>
           <a:noFill/>
-          <a:ln cap="flat" cmpd="sng" w="19050">
+          <a:ln w="19050" cap="flat" cmpd="sng">
             <a:solidFill>
               <a:schemeClr val="dk2"/>
             </a:solidFill>
             <a:prstDash val="solid"/>
             <a:round/>
-            <a:headEnd len="sm" w="sm" type="none"/>
-            <a:tailEnd len="sm" w="sm" type="none"/>
+            <a:headEnd type="none" w="sm" len="sm"/>
+            <a:tailEnd type="none" w="sm" len="sm"/>
           </a:ln>
         </p:spPr>
         <p:txBody>
-          <a:bodyPr anchorCtr="0" anchor="ctr" bIns="91425" lIns="91425" spcFirstLastPara="1" rIns="91425" wrap="square" tIns="91425">
+          <a:bodyPr spcFirstLastPara="1" wrap="square" lIns="91425" tIns="91425" rIns="91425" bIns="91425" anchor="ctr" anchorCtr="0">
             <a:noAutofit/>
           </a:bodyPr>
           <a:lstStyle/>
           <a:p>
-            <a:pPr indent="0" lvl="0" marL="0" rtl="0" algn="ctr">
+            <a:pPr marL="0" lvl="0" indent="0" algn="ctr" rtl="0">
               <a:spcBef>
                 <a:spcPts val="0"/>
               </a:spcBef>
@@ -7976,7 +8119,7 @@
               <a:buNone/>
             </a:pPr>
             <a:r>
-              <a:rPr b="1" lang="en-GB"/>
+              <a:rPr lang="en-GB" b="1"/>
               <a:t>Node</a:t>
             </a:r>
             <a:endParaRPr b="1"/>
@@ -7998,23 +8141,23 @@
             <a:avLst/>
           </a:prstGeom>
           <a:noFill/>
-          <a:ln cap="flat" cmpd="sng" w="19050">
+          <a:ln w="19050" cap="flat" cmpd="sng">
             <a:solidFill>
               <a:schemeClr val="dk2"/>
             </a:solidFill>
             <a:prstDash val="solid"/>
             <a:round/>
-            <a:headEnd len="sm" w="sm" type="none"/>
-            <a:tailEnd len="sm" w="sm" type="none"/>
+            <a:headEnd type="none" w="sm" len="sm"/>
+            <a:tailEnd type="none" w="sm" len="sm"/>
           </a:ln>
         </p:spPr>
         <p:txBody>
-          <a:bodyPr anchorCtr="0" anchor="ctr" bIns="91425" lIns="91425" spcFirstLastPara="1" rIns="91425" wrap="square" tIns="91425">
+          <a:bodyPr spcFirstLastPara="1" wrap="square" lIns="91425" tIns="91425" rIns="91425" bIns="91425" anchor="ctr" anchorCtr="0">
             <a:noAutofit/>
           </a:bodyPr>
           <a:lstStyle/>
           <a:p>
-            <a:pPr indent="0" lvl="0" marL="0" rtl="0" algn="l">
+            <a:pPr marL="0" lvl="0" indent="0" algn="l" rtl="0">
               <a:spcBef>
                 <a:spcPts val="0"/>
               </a:spcBef>
@@ -8024,7 +8167,7 @@
               <a:buNone/>
             </a:pPr>
             <a:r>
-              <a:rPr b="1" lang="en-GB"/>
+              <a:rPr lang="en-GB" b="1"/>
               <a:t>Feature</a:t>
             </a:r>
             <a:endParaRPr b="1"/>
@@ -8040,11 +8183,11 @@
 </file>
 
 <file path=ppt/slides/slide3.xml><?xml version="1.0" encoding="utf-8"?>
-<p:sld xmlns:a="http://schemas.openxmlformats.org/drawingml/2006/main" xmlns:r="http://schemas.openxmlformats.org/officeDocument/2006/relationships" xmlns:mc="http://schemas.openxmlformats.org/markup-compatibility/2006" xmlns:mv="urn:schemas-microsoft-com:mac:vml" xmlns:p="http://schemas.openxmlformats.org/presentationml/2006/main" xmlns:c="http://schemas.openxmlformats.org/drawingml/2006/chart" xmlns:dgm="http://schemas.openxmlformats.org/drawingml/2006/diagram" xmlns:o="urn:schemas-microsoft-com:office:office" xmlns:v="urn:schemas-microsoft-com:vml" xmlns:pvml="urn:schemas-microsoft-com:office:powerpoint" xmlns:com="http://schemas.openxmlformats.org/drawingml/2006/compatibility" xmlns:p14="http://schemas.microsoft.com/office/powerpoint/2010/main" xmlns:p15="http://schemas.microsoft.com/office/powerpoint/2012/main" xmlns:ahyp="http://schemas.microsoft.com/office/drawing/2018/hyperlinkcolor">
+<p:sld xmlns:a="http://schemas.openxmlformats.org/drawingml/2006/main" xmlns:r="http://schemas.openxmlformats.org/officeDocument/2006/relationships" xmlns:p="http://schemas.openxmlformats.org/presentationml/2006/main">
   <p:cSld>
     <p:spTree>
       <p:nvGrpSpPr>
-        <p:cNvPr id="99" name="Shape 99"/>
+        <p:cNvPr id="1" name="Shape 99"/>
         <p:cNvGrpSpPr/>
         <p:nvPr/>
       </p:nvGrpSpPr>
@@ -8076,12 +8219,12 @@
           </a:ln>
         </p:spPr>
         <p:txBody>
-          <a:bodyPr anchorCtr="0" anchor="t" bIns="91425" lIns="91425" spcFirstLastPara="1" rIns="91425" wrap="square" tIns="91425">
+          <a:bodyPr spcFirstLastPara="1" wrap="square" lIns="91425" tIns="91425" rIns="91425" bIns="91425" anchor="t" anchorCtr="0">
             <a:spAutoFit/>
           </a:bodyPr>
           <a:lstStyle/>
           <a:p>
-            <a:pPr indent="0" lvl="0" marL="0" rtl="0" algn="ctr">
+            <a:pPr marL="0" lvl="0" indent="0" algn="ctr" rtl="0">
               <a:spcBef>
                 <a:spcPts val="0"/>
               </a:spcBef>
@@ -8091,10 +8234,10 @@
               <a:buNone/>
             </a:pPr>
             <a:r>
-              <a:rPr b="1" lang="en-GB" sz="1800"/>
+              <a:rPr lang="en-GB" sz="1800" b="1"/>
               <a:t>…</a:t>
             </a:r>
-            <a:endParaRPr b="1" sz="1800"/>
+            <a:endParaRPr sz="1800" b="1"/>
           </a:p>
         </p:txBody>
       </p:sp>
@@ -8111,29 +8254,29 @@
           </a:xfrm>
           <a:prstGeom prst="roundRect">
             <a:avLst>
-              <a:gd fmla="val 16667" name="adj"/>
+              <a:gd name="adj" fmla="val 16667"/>
             </a:avLst>
           </a:prstGeom>
           <a:solidFill>
             <a:srgbClr val="C9DAF8"/>
           </a:solidFill>
-          <a:ln cap="flat" cmpd="sng" w="9525">
+          <a:ln w="9525" cap="flat" cmpd="sng">
             <a:solidFill>
               <a:schemeClr val="dk2"/>
             </a:solidFill>
             <a:prstDash val="solid"/>
             <a:round/>
-            <a:headEnd len="sm" w="sm" type="none"/>
-            <a:tailEnd len="sm" w="sm" type="none"/>
+            <a:headEnd type="none" w="sm" len="sm"/>
+            <a:tailEnd type="none" w="sm" len="sm"/>
           </a:ln>
         </p:spPr>
         <p:txBody>
-          <a:bodyPr anchorCtr="0" anchor="ctr" bIns="91425" lIns="91425" spcFirstLastPara="1" rIns="91425" wrap="square" tIns="91425">
+          <a:bodyPr spcFirstLastPara="1" wrap="square" lIns="91425" tIns="91425" rIns="91425" bIns="91425" anchor="ctr" anchorCtr="0">
             <a:noAutofit/>
           </a:bodyPr>
           <a:lstStyle/>
           <a:p>
-            <a:pPr indent="0" lvl="0" marL="0" rtl="0" algn="ctr">
+            <a:pPr marL="0" lvl="0" indent="0" algn="ctr" rtl="0">
               <a:spcBef>
                 <a:spcPts val="0"/>
               </a:spcBef>
@@ -8171,29 +8314,29 @@
           </a:xfrm>
           <a:prstGeom prst="roundRect">
             <a:avLst>
-              <a:gd fmla="val 16667" name="adj"/>
+              <a:gd name="adj" fmla="val 16667"/>
             </a:avLst>
           </a:prstGeom>
           <a:solidFill>
             <a:srgbClr val="C9DAF8"/>
           </a:solidFill>
-          <a:ln cap="flat" cmpd="sng" w="9525">
+          <a:ln w="9525" cap="flat" cmpd="sng">
             <a:solidFill>
               <a:schemeClr val="dk2"/>
             </a:solidFill>
             <a:prstDash val="solid"/>
             <a:round/>
-            <a:headEnd len="sm" w="sm" type="none"/>
-            <a:tailEnd len="sm" w="sm" type="none"/>
+            <a:headEnd type="none" w="sm" len="sm"/>
+            <a:tailEnd type="none" w="sm" len="sm"/>
           </a:ln>
         </p:spPr>
         <p:txBody>
-          <a:bodyPr anchorCtr="0" anchor="ctr" bIns="91425" lIns="91425" spcFirstLastPara="1" rIns="91425" wrap="square" tIns="91425">
+          <a:bodyPr spcFirstLastPara="1" wrap="square" lIns="91425" tIns="91425" rIns="91425" bIns="91425" anchor="ctr" anchorCtr="0">
             <a:noAutofit/>
           </a:bodyPr>
           <a:lstStyle/>
           <a:p>
-            <a:pPr indent="0" lvl="0" marL="0" rtl="0" algn="ctr">
+            <a:pPr marL="0" lvl="0" indent="0" algn="ctr" rtl="0">
               <a:spcBef>
                 <a:spcPts val="0"/>
               </a:spcBef>
@@ -8231,29 +8374,29 @@
           </a:xfrm>
           <a:prstGeom prst="roundRect">
             <a:avLst>
-              <a:gd fmla="val 16667" name="adj"/>
+              <a:gd name="adj" fmla="val 16667"/>
             </a:avLst>
           </a:prstGeom>
           <a:solidFill>
             <a:srgbClr val="C9DAF8"/>
           </a:solidFill>
-          <a:ln cap="flat" cmpd="sng" w="9525">
+          <a:ln w="9525" cap="flat" cmpd="sng">
             <a:solidFill>
               <a:schemeClr val="dk2"/>
             </a:solidFill>
             <a:prstDash val="solid"/>
             <a:round/>
-            <a:headEnd len="sm" w="sm" type="none"/>
-            <a:tailEnd len="sm" w="sm" type="none"/>
+            <a:headEnd type="none" w="sm" len="sm"/>
+            <a:tailEnd type="none" w="sm" len="sm"/>
           </a:ln>
         </p:spPr>
         <p:txBody>
-          <a:bodyPr anchorCtr="0" anchor="ctr" bIns="91425" lIns="91425" spcFirstLastPara="1" rIns="91425" wrap="square" tIns="91425">
+          <a:bodyPr spcFirstLastPara="1" wrap="square" lIns="91425" tIns="91425" rIns="91425" bIns="91425" anchor="ctr" anchorCtr="0">
             <a:noAutofit/>
           </a:bodyPr>
           <a:lstStyle/>
           <a:p>
-            <a:pPr indent="0" lvl="0" marL="0" rtl="0" algn="ctr">
+            <a:pPr marL="0" lvl="0" indent="0" algn="ctr" rtl="0">
               <a:spcBef>
                 <a:spcPts val="0"/>
               </a:spcBef>
@@ -8293,23 +8436,23 @@
             <a:avLst/>
           </a:prstGeom>
           <a:noFill/>
-          <a:ln cap="flat" cmpd="sng" w="9525">
+          <a:ln w="9525" cap="flat" cmpd="sng">
             <a:solidFill>
               <a:srgbClr val="E69138"/>
             </a:solidFill>
             <a:prstDash val="solid"/>
             <a:round/>
-            <a:headEnd len="sm" w="sm" type="none"/>
-            <a:tailEnd len="sm" w="sm" type="none"/>
+            <a:headEnd type="none" w="sm" len="sm"/>
+            <a:tailEnd type="none" w="sm" len="sm"/>
           </a:ln>
         </p:spPr>
         <p:txBody>
-          <a:bodyPr anchorCtr="0" anchor="ctr" bIns="91425" lIns="91425" spcFirstLastPara="1" rIns="91425" wrap="square" tIns="91425">
+          <a:bodyPr spcFirstLastPara="1" wrap="square" lIns="91425" tIns="91425" rIns="91425" bIns="91425" anchor="ctr" anchorCtr="0">
             <a:noAutofit/>
           </a:bodyPr>
           <a:lstStyle/>
           <a:p>
-            <a:pPr indent="0" lvl="0" marL="0" rtl="0" algn="ctr">
+            <a:pPr marL="0" lvl="0" indent="0" algn="ctr" rtl="0">
               <a:spcBef>
                 <a:spcPts val="0"/>
               </a:spcBef>
@@ -8319,7 +8462,7 @@
               <a:buNone/>
             </a:pPr>
             <a:r>
-              <a:rPr b="1" lang="en-GB" sz="1300"/>
+              <a:rPr lang="en-GB" sz="1300" b="1"/>
               <a:t>Symptom</a:t>
             </a:r>
             <a:endParaRPr sz="1300"/>
@@ -8341,23 +8484,23 @@
             <a:avLst/>
           </a:prstGeom>
           <a:noFill/>
-          <a:ln cap="flat" cmpd="sng" w="9525">
+          <a:ln w="9525" cap="flat" cmpd="sng">
             <a:solidFill>
               <a:srgbClr val="E69138"/>
             </a:solidFill>
             <a:prstDash val="solid"/>
             <a:round/>
-            <a:headEnd len="sm" w="sm" type="none"/>
-            <a:tailEnd len="sm" w="sm" type="none"/>
+            <a:headEnd type="none" w="sm" len="sm"/>
+            <a:tailEnd type="none" w="sm" len="sm"/>
           </a:ln>
         </p:spPr>
         <p:txBody>
-          <a:bodyPr anchorCtr="0" anchor="ctr" bIns="91425" lIns="91425" spcFirstLastPara="1" rIns="91425" wrap="square" tIns="91425">
+          <a:bodyPr spcFirstLastPara="1" wrap="square" lIns="91425" tIns="91425" rIns="91425" bIns="91425" anchor="ctr" anchorCtr="0">
             <a:noAutofit/>
           </a:bodyPr>
           <a:lstStyle/>
           <a:p>
-            <a:pPr indent="0" lvl="0" marL="0" rtl="0" algn="ctr">
+            <a:pPr marL="0" lvl="0" indent="0" algn="ctr" rtl="0">
               <a:spcBef>
                 <a:spcPts val="0"/>
               </a:spcBef>
@@ -8367,7 +8510,7 @@
               <a:buNone/>
             </a:pPr>
             <a:r>
-              <a:rPr b="1" lang="en-GB" sz="1300"/>
+              <a:rPr lang="en-GB" sz="1300" b="1"/>
               <a:t>Symptom</a:t>
             </a:r>
             <a:endParaRPr sz="1300"/>
@@ -8389,23 +8532,23 @@
             <a:avLst/>
           </a:prstGeom>
           <a:noFill/>
-          <a:ln cap="flat" cmpd="sng" w="9525">
+          <a:ln w="9525" cap="flat" cmpd="sng">
             <a:solidFill>
               <a:srgbClr val="E69138"/>
             </a:solidFill>
             <a:prstDash val="solid"/>
             <a:round/>
-            <a:headEnd len="sm" w="sm" type="none"/>
-            <a:tailEnd len="sm" w="sm" type="none"/>
+            <a:headEnd type="none" w="sm" len="sm"/>
+            <a:tailEnd type="none" w="sm" len="sm"/>
           </a:ln>
         </p:spPr>
         <p:txBody>
-          <a:bodyPr anchorCtr="0" anchor="ctr" bIns="91425" lIns="91425" spcFirstLastPara="1" rIns="91425" wrap="square" tIns="91425">
+          <a:bodyPr spcFirstLastPara="1" wrap="square" lIns="91425" tIns="91425" rIns="91425" bIns="91425" anchor="ctr" anchorCtr="0">
             <a:noAutofit/>
           </a:bodyPr>
           <a:lstStyle/>
           <a:p>
-            <a:pPr indent="0" lvl="0" marL="0" rtl="0" algn="ctr">
+            <a:pPr marL="0" lvl="0" indent="0" algn="ctr" rtl="0">
               <a:spcBef>
                 <a:spcPts val="0"/>
               </a:spcBef>
@@ -8415,7 +8558,7 @@
               <a:buNone/>
             </a:pPr>
             <a:r>
-              <a:rPr b="1" lang="en-GB" sz="1300"/>
+              <a:rPr lang="en-GB" sz="1300" b="1"/>
               <a:t>Symptom</a:t>
             </a:r>
             <a:endParaRPr sz="1000"/>
@@ -8440,14 +8583,14 @@
             <a:avLst/>
           </a:prstGeom>
           <a:noFill/>
-          <a:ln cap="flat" cmpd="sng" w="9525">
+          <a:ln w="9525" cap="flat" cmpd="sng">
             <a:solidFill>
               <a:schemeClr val="dk2"/>
             </a:solidFill>
             <a:prstDash val="solid"/>
             <a:round/>
-            <a:headEnd len="med" w="med" type="none"/>
-            <a:tailEnd len="med" w="med" type="none"/>
+            <a:headEnd type="none" w="med" len="med"/>
+            <a:tailEnd type="none" w="med" len="med"/>
           </a:ln>
         </p:spPr>
       </p:cxnSp>
@@ -8469,14 +8612,14 @@
             <a:avLst/>
           </a:prstGeom>
           <a:noFill/>
-          <a:ln cap="flat" cmpd="sng" w="9525">
+          <a:ln w="9525" cap="flat" cmpd="sng">
             <a:solidFill>
               <a:schemeClr val="dk2"/>
             </a:solidFill>
             <a:prstDash val="solid"/>
             <a:round/>
-            <a:headEnd len="med" w="med" type="none"/>
-            <a:tailEnd len="med" w="med" type="none"/>
+            <a:headEnd type="none" w="med" len="med"/>
+            <a:tailEnd type="none" w="med" len="med"/>
           </a:ln>
         </p:spPr>
       </p:cxnSp>
@@ -8498,14 +8641,14 @@
             <a:avLst/>
           </a:prstGeom>
           <a:noFill/>
-          <a:ln cap="flat" cmpd="sng" w="9525">
+          <a:ln w="9525" cap="flat" cmpd="sng">
             <a:solidFill>
               <a:schemeClr val="dk2"/>
             </a:solidFill>
             <a:prstDash val="solid"/>
             <a:round/>
-            <a:headEnd len="med" w="med" type="none"/>
-            <a:tailEnd len="med" w="med" type="none"/>
+            <a:headEnd type="none" w="med" len="med"/>
+            <a:tailEnd type="none" w="med" len="med"/>
           </a:ln>
         </p:spPr>
       </p:cxnSp>
@@ -8529,12 +8672,12 @@
           </a:ln>
         </p:spPr>
         <p:txBody>
-          <a:bodyPr anchorCtr="0" anchor="t" bIns="91425" lIns="91425" spcFirstLastPara="1" rIns="91425" wrap="square" tIns="91425">
+          <a:bodyPr spcFirstLastPara="1" wrap="square" lIns="91425" tIns="91425" rIns="91425" bIns="91425" anchor="t" anchorCtr="0">
             <a:spAutoFit/>
           </a:bodyPr>
           <a:lstStyle/>
           <a:p>
-            <a:pPr indent="0" lvl="0" marL="0" rtl="0" algn="ctr">
+            <a:pPr marL="0" lvl="0" indent="0" algn="ctr" rtl="0">
               <a:spcBef>
                 <a:spcPts val="0"/>
               </a:spcBef>
@@ -8544,10 +8687,10 @@
               <a:buNone/>
             </a:pPr>
             <a:r>
-              <a:rPr b="1" lang="en-GB" sz="1700"/>
+              <a:rPr lang="en-GB" sz="1700" b="1"/>
               <a:t>…</a:t>
             </a:r>
-            <a:endParaRPr b="1" sz="1700"/>
+            <a:endParaRPr sz="1700" b="1"/>
           </a:p>
         </p:txBody>
       </p:sp>
@@ -8564,27 +8707,27 @@
           </a:xfrm>
           <a:prstGeom prst="roundRect">
             <a:avLst>
-              <a:gd fmla="val 16667" name="adj"/>
+              <a:gd name="adj" fmla="val 16667"/>
             </a:avLst>
           </a:prstGeom>
           <a:noFill/>
-          <a:ln cap="flat" cmpd="sng" w="19050">
+          <a:ln w="19050" cap="flat" cmpd="sng">
             <a:solidFill>
               <a:schemeClr val="dk2"/>
             </a:solidFill>
             <a:prstDash val="solid"/>
             <a:round/>
-            <a:headEnd len="sm" w="sm" type="none"/>
-            <a:tailEnd len="sm" w="sm" type="none"/>
+            <a:headEnd type="none" w="sm" len="sm"/>
+            <a:tailEnd type="none" w="sm" len="sm"/>
           </a:ln>
         </p:spPr>
         <p:txBody>
-          <a:bodyPr anchorCtr="0" anchor="ctr" bIns="91425" lIns="91425" spcFirstLastPara="1" rIns="91425" wrap="square" tIns="91425">
+          <a:bodyPr spcFirstLastPara="1" wrap="square" lIns="91425" tIns="91425" rIns="91425" bIns="91425" anchor="ctr" anchorCtr="0">
             <a:noAutofit/>
           </a:bodyPr>
           <a:lstStyle/>
           <a:p>
-            <a:pPr indent="0" lvl="0" marL="0" rtl="0" algn="ctr">
+            <a:pPr marL="0" lvl="0" indent="0" algn="ctr" rtl="0">
               <a:spcBef>
                 <a:spcPts val="0"/>
               </a:spcBef>
@@ -8594,7 +8737,7 @@
               <a:buNone/>
             </a:pPr>
             <a:r>
-              <a:rPr b="1" lang="en-GB"/>
+              <a:rPr lang="en-GB" b="1"/>
               <a:t>Node</a:t>
             </a:r>
             <a:endParaRPr b="1"/>
@@ -8616,23 +8759,23 @@
             <a:avLst/>
           </a:prstGeom>
           <a:noFill/>
-          <a:ln cap="flat" cmpd="sng" w="19050">
+          <a:ln w="19050" cap="flat" cmpd="sng">
             <a:solidFill>
               <a:schemeClr val="dk2"/>
             </a:solidFill>
             <a:prstDash val="solid"/>
             <a:round/>
-            <a:headEnd len="sm" w="sm" type="none"/>
-            <a:tailEnd len="sm" w="sm" type="none"/>
+            <a:headEnd type="none" w="sm" len="sm"/>
+            <a:tailEnd type="none" w="sm" len="sm"/>
           </a:ln>
         </p:spPr>
         <p:txBody>
-          <a:bodyPr anchorCtr="0" anchor="ctr" bIns="91425" lIns="91425" spcFirstLastPara="1" rIns="91425" wrap="square" tIns="91425">
+          <a:bodyPr spcFirstLastPara="1" wrap="square" lIns="91425" tIns="91425" rIns="91425" bIns="91425" anchor="ctr" anchorCtr="0">
             <a:noAutofit/>
           </a:bodyPr>
           <a:lstStyle/>
           <a:p>
-            <a:pPr indent="0" lvl="0" marL="0" rtl="0" algn="l">
+            <a:pPr marL="0" lvl="0" indent="0" algn="l" rtl="0">
               <a:spcBef>
                 <a:spcPts val="0"/>
               </a:spcBef>
@@ -8642,7 +8785,7 @@
               <a:buNone/>
             </a:pPr>
             <a:r>
-              <a:rPr b="1" lang="en-GB"/>
+              <a:rPr lang="en-GB" b="1"/>
               <a:t>Feature</a:t>
             </a:r>
             <a:endParaRPr b="1"/>
@@ -8658,11 +8801,11 @@
 </file>
 
 <file path=ppt/slides/slide4.xml><?xml version="1.0" encoding="utf-8"?>
-<p:sld xmlns:a="http://schemas.openxmlformats.org/drawingml/2006/main" xmlns:r="http://schemas.openxmlformats.org/officeDocument/2006/relationships" xmlns:mc="http://schemas.openxmlformats.org/markup-compatibility/2006" xmlns:mv="urn:schemas-microsoft-com:mac:vml" xmlns:p="http://schemas.openxmlformats.org/presentationml/2006/main" xmlns:c="http://schemas.openxmlformats.org/drawingml/2006/chart" xmlns:dgm="http://schemas.openxmlformats.org/drawingml/2006/diagram" xmlns:o="urn:schemas-microsoft-com:office:office" xmlns:v="urn:schemas-microsoft-com:vml" xmlns:pvml="urn:schemas-microsoft-com:office:powerpoint" xmlns:com="http://schemas.openxmlformats.org/drawingml/2006/compatibility" xmlns:p14="http://schemas.microsoft.com/office/powerpoint/2010/main" xmlns:p15="http://schemas.microsoft.com/office/powerpoint/2012/main" xmlns:ahyp="http://schemas.microsoft.com/office/drawing/2018/hyperlinkcolor">
+<p:sld xmlns:a="http://schemas.openxmlformats.org/drawingml/2006/main" xmlns:r="http://schemas.openxmlformats.org/officeDocument/2006/relationships" xmlns:p="http://schemas.openxmlformats.org/presentationml/2006/main">
   <p:cSld>
     <p:spTree>
       <p:nvGrpSpPr>
-        <p:cNvPr id="116" name="Shape 116"/>
+        <p:cNvPr id="1" name="Shape 116"/>
         <p:cNvGrpSpPr/>
         <p:nvPr/>
       </p:nvGrpSpPr>
@@ -8687,28 +8830,28 @@
           </a:xfrm>
           <a:prstGeom prst="rightArrow">
             <a:avLst>
-              <a:gd fmla="val 50000" name="adj1"/>
-              <a:gd fmla="val 50000" name="adj2"/>
+              <a:gd name="adj1" fmla="val 50000"/>
+              <a:gd name="adj2" fmla="val 50000"/>
             </a:avLst>
           </a:prstGeom>
           <a:noFill/>
-          <a:ln cap="flat" cmpd="sng" w="19050">
+          <a:ln w="19050" cap="flat" cmpd="sng">
             <a:solidFill>
               <a:schemeClr val="dk2"/>
             </a:solidFill>
             <a:prstDash val="solid"/>
             <a:round/>
-            <a:headEnd len="sm" w="sm" type="none"/>
-            <a:tailEnd len="sm" w="sm" type="none"/>
+            <a:headEnd type="none" w="sm" len="sm"/>
+            <a:tailEnd type="none" w="sm" len="sm"/>
           </a:ln>
         </p:spPr>
         <p:txBody>
-          <a:bodyPr anchorCtr="0" anchor="ctr" bIns="91425" lIns="91425" spcFirstLastPara="1" rIns="91425" wrap="square" tIns="91425">
+          <a:bodyPr spcFirstLastPara="1" wrap="square" lIns="91425" tIns="91425" rIns="91425" bIns="91425" anchor="ctr" anchorCtr="0">
             <a:noAutofit/>
           </a:bodyPr>
           <a:lstStyle/>
           <a:p>
-            <a:pPr indent="0" lvl="0" marL="0" rtl="0" algn="ctr">
+            <a:pPr marL="0" lvl="0" indent="0" algn="ctr" rtl="0">
               <a:spcBef>
                 <a:spcPts val="0"/>
               </a:spcBef>
@@ -8718,7 +8861,7 @@
               <a:buNone/>
             </a:pPr>
             <a:r>
-              <a:rPr b="1" lang="en-GB"/>
+              <a:rPr lang="en-GB" b="1"/>
               <a:t>Edge</a:t>
             </a:r>
             <a:endParaRPr b="1"/>
@@ -8738,27 +8881,27 @@
           </a:xfrm>
           <a:prstGeom prst="roundRect">
             <a:avLst>
-              <a:gd fmla="val 16667" name="adj"/>
+              <a:gd name="adj" fmla="val 16667"/>
             </a:avLst>
           </a:prstGeom>
           <a:noFill/>
-          <a:ln cap="flat" cmpd="sng" w="19050">
+          <a:ln w="19050" cap="flat" cmpd="sng">
             <a:solidFill>
               <a:schemeClr val="dk2"/>
             </a:solidFill>
             <a:prstDash val="solid"/>
             <a:round/>
-            <a:headEnd len="sm" w="sm" type="none"/>
-            <a:tailEnd len="sm" w="sm" type="none"/>
+            <a:headEnd type="none" w="sm" len="sm"/>
+            <a:tailEnd type="none" w="sm" len="sm"/>
           </a:ln>
         </p:spPr>
         <p:txBody>
-          <a:bodyPr anchorCtr="0" anchor="ctr" bIns="91425" lIns="91425" spcFirstLastPara="1" rIns="91425" wrap="square" tIns="91425">
+          <a:bodyPr spcFirstLastPara="1" wrap="square" lIns="91425" tIns="91425" rIns="91425" bIns="91425" anchor="ctr" anchorCtr="0">
             <a:noAutofit/>
           </a:bodyPr>
           <a:lstStyle/>
           <a:p>
-            <a:pPr indent="0" lvl="0" marL="0" rtl="0" algn="ctr">
+            <a:pPr marL="0" lvl="0" indent="0" algn="ctr" rtl="0">
               <a:spcBef>
                 <a:spcPts val="0"/>
               </a:spcBef>
@@ -8768,7 +8911,7 @@
               <a:buNone/>
             </a:pPr>
             <a:r>
-              <a:rPr b="1" lang="en-GB"/>
+              <a:rPr lang="en-GB" b="1"/>
               <a:t>Node</a:t>
             </a:r>
             <a:endParaRPr b="1"/>
@@ -8788,29 +8931,29 @@
           </a:xfrm>
           <a:prstGeom prst="roundRect">
             <a:avLst>
-              <a:gd fmla="val 16667" name="adj"/>
+              <a:gd name="adj" fmla="val 16667"/>
             </a:avLst>
           </a:prstGeom>
           <a:solidFill>
             <a:srgbClr val="C9DAF8"/>
           </a:solidFill>
-          <a:ln cap="flat" cmpd="sng" w="9525">
+          <a:ln w="9525" cap="flat" cmpd="sng">
             <a:solidFill>
               <a:schemeClr val="dk2"/>
             </a:solidFill>
             <a:prstDash val="solid"/>
             <a:round/>
-            <a:headEnd len="sm" w="sm" type="none"/>
-            <a:tailEnd len="sm" w="sm" type="none"/>
+            <a:headEnd type="none" w="sm" len="sm"/>
+            <a:tailEnd type="none" w="sm" len="sm"/>
           </a:ln>
         </p:spPr>
         <p:txBody>
-          <a:bodyPr anchorCtr="0" anchor="ctr" bIns="91425" lIns="91425" spcFirstLastPara="1" rIns="91425" wrap="square" tIns="91425">
+          <a:bodyPr spcFirstLastPara="1" wrap="square" lIns="91425" tIns="91425" rIns="91425" bIns="91425" anchor="ctr" anchorCtr="0">
             <a:noAutofit/>
           </a:bodyPr>
           <a:lstStyle/>
           <a:p>
-            <a:pPr indent="0" lvl="0" marL="0" rtl="0" algn="ctr">
+            <a:pPr marL="0" lvl="0" indent="0" algn="ctr" rtl="0">
               <a:spcBef>
                 <a:spcPts val="0"/>
               </a:spcBef>
@@ -8848,29 +8991,29 @@
           </a:xfrm>
           <a:prstGeom prst="roundRect">
             <a:avLst>
-              <a:gd fmla="val 16667" name="adj"/>
+              <a:gd name="adj" fmla="val 16667"/>
             </a:avLst>
           </a:prstGeom>
           <a:solidFill>
             <a:srgbClr val="C9DAF8"/>
           </a:solidFill>
-          <a:ln cap="flat" cmpd="sng" w="9525">
+          <a:ln w="9525" cap="flat" cmpd="sng">
             <a:solidFill>
               <a:schemeClr val="dk2"/>
             </a:solidFill>
             <a:prstDash val="solid"/>
             <a:round/>
-            <a:headEnd len="sm" w="sm" type="none"/>
-            <a:tailEnd len="sm" w="sm" type="none"/>
+            <a:headEnd type="none" w="sm" len="sm"/>
+            <a:tailEnd type="none" w="sm" len="sm"/>
           </a:ln>
         </p:spPr>
         <p:txBody>
-          <a:bodyPr anchorCtr="0" anchor="ctr" bIns="91425" lIns="91425" spcFirstLastPara="1" rIns="91425" wrap="square" tIns="91425">
+          <a:bodyPr spcFirstLastPara="1" wrap="square" lIns="91425" tIns="91425" rIns="91425" bIns="91425" anchor="ctr" anchorCtr="0">
             <a:noAutofit/>
           </a:bodyPr>
           <a:lstStyle/>
           <a:p>
-            <a:pPr indent="0" lvl="0" marL="0" rtl="0" algn="ctr">
+            <a:pPr marL="0" lvl="0" indent="0" algn="ctr" rtl="0">
               <a:spcBef>
                 <a:spcPts val="0"/>
               </a:spcBef>
@@ -8910,23 +9053,23 @@
             <a:avLst/>
           </a:prstGeom>
           <a:noFill/>
-          <a:ln cap="flat" cmpd="sng" w="9525">
+          <a:ln w="9525" cap="flat" cmpd="sng">
             <a:solidFill>
               <a:srgbClr val="E69138"/>
             </a:solidFill>
             <a:prstDash val="solid"/>
             <a:round/>
-            <a:headEnd len="sm" w="sm" type="none"/>
-            <a:tailEnd len="sm" w="sm" type="none"/>
+            <a:headEnd type="none" w="sm" len="sm"/>
+            <a:tailEnd type="none" w="sm" len="sm"/>
           </a:ln>
         </p:spPr>
         <p:txBody>
-          <a:bodyPr anchorCtr="0" anchor="ctr" bIns="91425" lIns="91425" spcFirstLastPara="1" rIns="91425" wrap="square" tIns="91425">
+          <a:bodyPr spcFirstLastPara="1" wrap="square" lIns="91425" tIns="91425" rIns="91425" bIns="91425" anchor="ctr" anchorCtr="0">
             <a:noAutofit/>
           </a:bodyPr>
           <a:lstStyle/>
           <a:p>
-            <a:pPr indent="0" lvl="0" marL="0" rtl="0" algn="ctr">
+            <a:pPr marL="0" lvl="0" indent="0" algn="ctr" rtl="0">
               <a:spcBef>
                 <a:spcPts val="0"/>
               </a:spcBef>
@@ -8936,7 +9079,7 @@
               <a:buNone/>
             </a:pPr>
             <a:r>
-              <a:rPr b="1" lang="en-GB" sz="1300"/>
+              <a:rPr lang="en-GB" sz="1300" b="1"/>
               <a:t>Symptom</a:t>
             </a:r>
             <a:endParaRPr sz="1300"/>
@@ -8961,14 +9104,14 @@
             <a:avLst/>
           </a:prstGeom>
           <a:noFill/>
-          <a:ln cap="flat" cmpd="sng" w="9525">
+          <a:ln w="9525" cap="flat" cmpd="sng">
             <a:solidFill>
               <a:schemeClr val="dk2"/>
             </a:solidFill>
             <a:prstDash val="solid"/>
             <a:round/>
-            <a:headEnd len="med" w="med" type="none"/>
-            <a:tailEnd len="med" w="med" type="none"/>
+            <a:headEnd type="none" w="med" len="med"/>
+            <a:tailEnd type="none" w="med" len="med"/>
           </a:ln>
         </p:spPr>
       </p:cxnSp>
@@ -8987,23 +9130,23 @@
             <a:avLst/>
           </a:prstGeom>
           <a:noFill/>
-          <a:ln cap="flat" cmpd="sng" w="9525">
+          <a:ln w="9525" cap="flat" cmpd="sng">
             <a:solidFill>
               <a:srgbClr val="E69138"/>
             </a:solidFill>
             <a:prstDash val="solid"/>
             <a:round/>
-            <a:headEnd len="sm" w="sm" type="none"/>
-            <a:tailEnd len="sm" w="sm" type="none"/>
+            <a:headEnd type="none" w="sm" len="sm"/>
+            <a:tailEnd type="none" w="sm" len="sm"/>
           </a:ln>
         </p:spPr>
         <p:txBody>
-          <a:bodyPr anchorCtr="0" anchor="ctr" bIns="91425" lIns="91425" spcFirstLastPara="1" rIns="91425" wrap="square" tIns="91425">
+          <a:bodyPr spcFirstLastPara="1" wrap="square" lIns="91425" tIns="91425" rIns="91425" bIns="91425" anchor="ctr" anchorCtr="0">
             <a:noAutofit/>
           </a:bodyPr>
           <a:lstStyle/>
           <a:p>
-            <a:pPr indent="0" lvl="0" marL="0" rtl="0" algn="ctr">
+            <a:pPr marL="0" lvl="0" indent="0" algn="ctr" rtl="0">
               <a:spcBef>
                 <a:spcPts val="0"/>
               </a:spcBef>
@@ -9013,13 +9156,13 @@
               <a:buNone/>
             </a:pPr>
             <a:r>
-              <a:rPr b="1" lang="en-GB"/>
+              <a:rPr lang="en-GB" b="1"/>
               <a:t>Age</a:t>
             </a:r>
             <a:endParaRPr b="1"/>
           </a:p>
           <a:p>
-            <a:pPr indent="0" lvl="0" marL="0" rtl="0" algn="ctr">
+            <a:pPr marL="0" lvl="0" indent="0" algn="ctr" rtl="0">
               <a:spcBef>
                 <a:spcPts val="0"/>
               </a:spcBef>
@@ -9051,23 +9194,23 @@
             <a:avLst/>
           </a:prstGeom>
           <a:noFill/>
-          <a:ln cap="flat" cmpd="sng" w="9525">
+          <a:ln w="9525" cap="flat" cmpd="sng">
             <a:solidFill>
               <a:srgbClr val="6AA84F"/>
             </a:solidFill>
             <a:prstDash val="solid"/>
             <a:round/>
-            <a:headEnd len="sm" w="sm" type="none"/>
-            <a:tailEnd len="sm" w="sm" type="none"/>
+            <a:headEnd type="none" w="sm" len="sm"/>
+            <a:tailEnd type="none" w="sm" len="sm"/>
           </a:ln>
         </p:spPr>
         <p:txBody>
-          <a:bodyPr anchorCtr="0" anchor="ctr" bIns="91425" lIns="91425" spcFirstLastPara="1" rIns="91425" wrap="square" tIns="91425">
+          <a:bodyPr spcFirstLastPara="1" wrap="square" lIns="91425" tIns="91425" rIns="91425" bIns="91425" anchor="ctr" anchorCtr="0">
             <a:noAutofit/>
           </a:bodyPr>
           <a:lstStyle/>
           <a:p>
-            <a:pPr indent="0" lvl="0" marL="0" rtl="0" algn="ctr">
+            <a:pPr marL="0" lvl="0" indent="0" algn="ctr" rtl="0">
               <a:spcBef>
                 <a:spcPts val="0"/>
               </a:spcBef>
@@ -9077,13 +9220,13 @@
               <a:buNone/>
             </a:pPr>
             <a:r>
-              <a:rPr b="1" lang="en-GB"/>
+              <a:rPr lang="en-GB" b="1"/>
               <a:t>Sex</a:t>
             </a:r>
             <a:endParaRPr b="1"/>
           </a:p>
           <a:p>
-            <a:pPr indent="0" lvl="0" marL="0" rtl="0" algn="ctr">
+            <a:pPr marL="0" lvl="0" indent="0" algn="ctr" rtl="0">
               <a:spcBef>
                 <a:spcPts val="0"/>
               </a:spcBef>
@@ -9118,14 +9261,14 @@
             <a:avLst/>
           </a:prstGeom>
           <a:noFill/>
-          <a:ln cap="flat" cmpd="sng" w="9525">
+          <a:ln w="9525" cap="flat" cmpd="sng">
             <a:solidFill>
               <a:schemeClr val="dk2"/>
             </a:solidFill>
             <a:prstDash val="solid"/>
             <a:round/>
-            <a:headEnd len="med" w="med" type="none"/>
-            <a:tailEnd len="med" w="med" type="none"/>
+            <a:headEnd type="none" w="med" len="med"/>
+            <a:tailEnd type="none" w="med" len="med"/>
           </a:ln>
         </p:spPr>
       </p:cxnSp>
@@ -9147,14 +9290,14 @@
             <a:avLst/>
           </a:prstGeom>
           <a:noFill/>
-          <a:ln cap="flat" cmpd="sng" w="9525">
+          <a:ln w="9525" cap="flat" cmpd="sng">
             <a:solidFill>
               <a:schemeClr val="dk2"/>
             </a:solidFill>
             <a:prstDash val="solid"/>
             <a:round/>
-            <a:headEnd len="med" w="med" type="none"/>
-            <a:tailEnd len="med" w="med" type="none"/>
+            <a:headEnd type="none" w="med" len="med"/>
+            <a:tailEnd type="none" w="med" len="med"/>
           </a:ln>
         </p:spPr>
       </p:cxnSp>
@@ -9176,14 +9319,14 @@
             <a:avLst/>
           </a:prstGeom>
           <a:noFill/>
-          <a:ln cap="flat" cmpd="sng" w="38100">
+          <a:ln w="38100" cap="flat" cmpd="sng">
             <a:solidFill>
               <a:srgbClr val="CC0000"/>
             </a:solidFill>
             <a:prstDash val="solid"/>
             <a:round/>
-            <a:headEnd len="med" w="med" type="none"/>
-            <a:tailEnd len="med" w="med" type="triangle"/>
+            <a:headEnd type="none" w="med" len="med"/>
+            <a:tailEnd type="triangle" w="med" len="med"/>
           </a:ln>
         </p:spPr>
       </p:cxnSp>
@@ -9207,12 +9350,12 @@
           </a:ln>
         </p:spPr>
         <p:txBody>
-          <a:bodyPr anchorCtr="0" anchor="t" bIns="91425" lIns="91425" spcFirstLastPara="1" rIns="91425" wrap="square" tIns="91425">
+          <a:bodyPr spcFirstLastPara="1" wrap="square" lIns="91425" tIns="91425" rIns="91425" bIns="91425" anchor="t" anchorCtr="0">
             <a:spAutoFit/>
           </a:bodyPr>
           <a:lstStyle/>
           <a:p>
-            <a:pPr indent="0" lvl="0" marL="0" rtl="0" algn="ctr">
+            <a:pPr marL="0" lvl="0" indent="0" algn="ctr" rtl="0">
               <a:spcBef>
                 <a:spcPts val="0"/>
               </a:spcBef>
@@ -9222,7 +9365,7 @@
               <a:buNone/>
             </a:pPr>
             <a:r>
-              <a:rPr b="1" lang="en-GB"/>
+              <a:rPr lang="en-GB" b="1"/>
               <a:t>Symptom Y/N</a:t>
             </a:r>
             <a:endParaRPr b="1"/>
@@ -9238,11 +9381,11 @@
 </file>
 
 <file path=ppt/slides/slide5.xml><?xml version="1.0" encoding="utf-8"?>
-<p:sld xmlns:a="http://schemas.openxmlformats.org/drawingml/2006/main" xmlns:r="http://schemas.openxmlformats.org/officeDocument/2006/relationships" xmlns:mc="http://schemas.openxmlformats.org/markup-compatibility/2006" xmlns:mv="urn:schemas-microsoft-com:mac:vml" xmlns:p="http://schemas.openxmlformats.org/presentationml/2006/main" xmlns:c="http://schemas.openxmlformats.org/drawingml/2006/chart" xmlns:dgm="http://schemas.openxmlformats.org/drawingml/2006/diagram" xmlns:o="urn:schemas-microsoft-com:office:office" xmlns:v="urn:schemas-microsoft-com:vml" xmlns:pvml="urn:schemas-microsoft-com:office:powerpoint" xmlns:com="http://schemas.openxmlformats.org/drawingml/2006/compatibility" xmlns:p14="http://schemas.microsoft.com/office/powerpoint/2010/main" xmlns:p15="http://schemas.microsoft.com/office/powerpoint/2012/main" xmlns:ahyp="http://schemas.microsoft.com/office/drawing/2018/hyperlinkcolor">
+<p:sld xmlns:a="http://schemas.openxmlformats.org/drawingml/2006/main" xmlns:r="http://schemas.openxmlformats.org/officeDocument/2006/relationships" xmlns:p="http://schemas.openxmlformats.org/presentationml/2006/main">
   <p:cSld>
     <p:spTree>
       <p:nvGrpSpPr>
-        <p:cNvPr id="132" name="Shape 132"/>
+        <p:cNvPr id="1" name="Shape 132"/>
         <p:cNvGrpSpPr/>
         <p:nvPr/>
       </p:nvGrpSpPr>
@@ -9267,28 +9410,28 @@
           </a:xfrm>
           <a:prstGeom prst="rightArrow">
             <a:avLst>
-              <a:gd fmla="val 50000" name="adj1"/>
-              <a:gd fmla="val 50000" name="adj2"/>
+              <a:gd name="adj1" fmla="val 50000"/>
+              <a:gd name="adj2" fmla="val 50000"/>
             </a:avLst>
           </a:prstGeom>
           <a:noFill/>
-          <a:ln cap="flat" cmpd="sng" w="19050">
+          <a:ln w="19050" cap="flat" cmpd="sng">
             <a:solidFill>
               <a:schemeClr val="dk2"/>
             </a:solidFill>
             <a:prstDash val="solid"/>
             <a:round/>
-            <a:headEnd len="sm" w="sm" type="none"/>
-            <a:tailEnd len="sm" w="sm" type="none"/>
+            <a:headEnd type="none" w="sm" len="sm"/>
+            <a:tailEnd type="none" w="sm" len="sm"/>
           </a:ln>
         </p:spPr>
         <p:txBody>
-          <a:bodyPr anchorCtr="0" anchor="ctr" bIns="91425" lIns="91425" spcFirstLastPara="1" rIns="91425" wrap="square" tIns="91425">
+          <a:bodyPr spcFirstLastPara="1" wrap="square" lIns="91425" tIns="91425" rIns="91425" bIns="91425" anchor="ctr" anchorCtr="0">
             <a:noAutofit/>
           </a:bodyPr>
           <a:lstStyle/>
           <a:p>
-            <a:pPr indent="0" lvl="0" marL="0" rtl="0" algn="ctr">
+            <a:pPr marL="0" lvl="0" indent="0" algn="ctr" rtl="0">
               <a:spcBef>
                 <a:spcPts val="0"/>
               </a:spcBef>
@@ -9298,7 +9441,7 @@
               <a:buNone/>
             </a:pPr>
             <a:r>
-              <a:rPr b="1" lang="en-GB"/>
+              <a:rPr lang="en-GB" b="1"/>
               <a:t>Edge</a:t>
             </a:r>
             <a:endParaRPr b="1"/>
@@ -9318,27 +9461,27 @@
           </a:xfrm>
           <a:prstGeom prst="roundRect">
             <a:avLst>
-              <a:gd fmla="val 16667" name="adj"/>
+              <a:gd name="adj" fmla="val 16667"/>
             </a:avLst>
           </a:prstGeom>
           <a:noFill/>
-          <a:ln cap="flat" cmpd="sng" w="19050">
+          <a:ln w="19050" cap="flat" cmpd="sng">
             <a:solidFill>
               <a:schemeClr val="dk2"/>
             </a:solidFill>
             <a:prstDash val="solid"/>
             <a:round/>
-            <a:headEnd len="sm" w="sm" type="none"/>
-            <a:tailEnd len="sm" w="sm" type="none"/>
+            <a:headEnd type="none" w="sm" len="sm"/>
+            <a:tailEnd type="none" w="sm" len="sm"/>
           </a:ln>
         </p:spPr>
         <p:txBody>
-          <a:bodyPr anchorCtr="0" anchor="ctr" bIns="91425" lIns="91425" spcFirstLastPara="1" rIns="91425" wrap="square" tIns="91425">
+          <a:bodyPr spcFirstLastPara="1" wrap="square" lIns="91425" tIns="91425" rIns="91425" bIns="91425" anchor="ctr" anchorCtr="0">
             <a:noAutofit/>
           </a:bodyPr>
           <a:lstStyle/>
           <a:p>
-            <a:pPr indent="0" lvl="0" marL="0" rtl="0" algn="ctr">
+            <a:pPr marL="0" lvl="0" indent="0" algn="ctr" rtl="0">
               <a:spcBef>
                 <a:spcPts val="0"/>
               </a:spcBef>
@@ -9348,7 +9491,7 @@
               <a:buNone/>
             </a:pPr>
             <a:r>
-              <a:rPr b="1" lang="en-GB"/>
+              <a:rPr lang="en-GB" b="1"/>
               <a:t>Node</a:t>
             </a:r>
             <a:endParaRPr b="1"/>
@@ -9368,29 +9511,29 @@
           </a:xfrm>
           <a:prstGeom prst="roundRect">
             <a:avLst>
-              <a:gd fmla="val 16667" name="adj"/>
+              <a:gd name="adj" fmla="val 16667"/>
             </a:avLst>
           </a:prstGeom>
           <a:solidFill>
             <a:srgbClr val="C9DAF8"/>
           </a:solidFill>
-          <a:ln cap="flat" cmpd="sng" w="9525">
+          <a:ln w="9525" cap="flat" cmpd="sng">
             <a:solidFill>
               <a:schemeClr val="dk2"/>
             </a:solidFill>
             <a:prstDash val="solid"/>
             <a:round/>
-            <a:headEnd len="sm" w="sm" type="none"/>
-            <a:tailEnd len="sm" w="sm" type="none"/>
+            <a:headEnd type="none" w="sm" len="sm"/>
+            <a:tailEnd type="none" w="sm" len="sm"/>
           </a:ln>
         </p:spPr>
         <p:txBody>
-          <a:bodyPr anchorCtr="0" anchor="ctr" bIns="91425" lIns="91425" spcFirstLastPara="1" rIns="91425" wrap="square" tIns="91425">
+          <a:bodyPr spcFirstLastPara="1" wrap="square" lIns="91425" tIns="91425" rIns="91425" bIns="91425" anchor="ctr" anchorCtr="0">
             <a:noAutofit/>
           </a:bodyPr>
           <a:lstStyle/>
           <a:p>
-            <a:pPr indent="0" lvl="0" marL="0" rtl="0" algn="ctr">
+            <a:pPr marL="0" lvl="0" indent="0" algn="ctr" rtl="0">
               <a:spcBef>
                 <a:spcPts val="0"/>
               </a:spcBef>
@@ -9428,29 +9571,29 @@
           </a:xfrm>
           <a:prstGeom prst="roundRect">
             <a:avLst>
-              <a:gd fmla="val 16667" name="adj"/>
+              <a:gd name="adj" fmla="val 16667"/>
             </a:avLst>
           </a:prstGeom>
           <a:solidFill>
             <a:srgbClr val="C9DAF8"/>
           </a:solidFill>
-          <a:ln cap="flat" cmpd="sng" w="9525">
+          <a:ln w="9525" cap="flat" cmpd="sng">
             <a:solidFill>
               <a:schemeClr val="dk2"/>
             </a:solidFill>
             <a:prstDash val="solid"/>
             <a:round/>
-            <a:headEnd len="sm" w="sm" type="none"/>
-            <a:tailEnd len="sm" w="sm" type="none"/>
+            <a:headEnd type="none" w="sm" len="sm"/>
+            <a:tailEnd type="none" w="sm" len="sm"/>
           </a:ln>
         </p:spPr>
         <p:txBody>
-          <a:bodyPr anchorCtr="0" anchor="ctr" bIns="91425" lIns="91425" spcFirstLastPara="1" rIns="91425" wrap="square" tIns="91425">
+          <a:bodyPr spcFirstLastPara="1" wrap="square" lIns="91425" tIns="91425" rIns="91425" bIns="91425" anchor="ctr" anchorCtr="0">
             <a:noAutofit/>
           </a:bodyPr>
           <a:lstStyle/>
           <a:p>
-            <a:pPr indent="0" lvl="0" marL="0" rtl="0" algn="ctr">
+            <a:pPr marL="0" lvl="0" indent="0" algn="ctr" rtl="0">
               <a:spcBef>
                 <a:spcPts val="0"/>
               </a:spcBef>
@@ -9490,23 +9633,23 @@
             <a:avLst/>
           </a:prstGeom>
           <a:noFill/>
-          <a:ln cap="flat" cmpd="sng" w="9525">
+          <a:ln w="9525" cap="flat" cmpd="sng">
             <a:solidFill>
               <a:srgbClr val="E69138"/>
             </a:solidFill>
             <a:prstDash val="solid"/>
             <a:round/>
-            <a:headEnd len="sm" w="sm" type="none"/>
-            <a:tailEnd len="sm" w="sm" type="none"/>
+            <a:headEnd type="none" w="sm" len="sm"/>
+            <a:tailEnd type="none" w="sm" len="sm"/>
           </a:ln>
         </p:spPr>
         <p:txBody>
-          <a:bodyPr anchorCtr="0" anchor="ctr" bIns="91425" lIns="91425" spcFirstLastPara="1" rIns="91425" wrap="square" tIns="91425">
+          <a:bodyPr spcFirstLastPara="1" wrap="square" lIns="91425" tIns="91425" rIns="91425" bIns="91425" anchor="ctr" anchorCtr="0">
             <a:noAutofit/>
           </a:bodyPr>
           <a:lstStyle/>
           <a:p>
-            <a:pPr indent="0" lvl="0" marL="0" rtl="0" algn="ctr">
+            <a:pPr marL="0" lvl="0" indent="0" algn="ctr" rtl="0">
               <a:spcBef>
                 <a:spcPts val="0"/>
               </a:spcBef>
@@ -9516,13 +9659,13 @@
               <a:buNone/>
             </a:pPr>
             <a:r>
-              <a:rPr b="1" lang="en-GB"/>
+              <a:rPr lang="en-GB" b="1"/>
               <a:t>Age</a:t>
             </a:r>
             <a:endParaRPr b="1"/>
           </a:p>
           <a:p>
-            <a:pPr indent="0" lvl="0" marL="0" rtl="0" algn="ctr">
+            <a:pPr marL="0" lvl="0" indent="0" algn="ctr" rtl="0">
               <a:spcBef>
                 <a:spcPts val="0"/>
               </a:spcBef>
@@ -9554,23 +9697,23 @@
             <a:avLst/>
           </a:prstGeom>
           <a:noFill/>
-          <a:ln cap="flat" cmpd="sng" w="9525">
+          <a:ln w="9525" cap="flat" cmpd="sng">
             <a:solidFill>
               <a:srgbClr val="6AA84F"/>
             </a:solidFill>
             <a:prstDash val="solid"/>
             <a:round/>
-            <a:headEnd len="sm" w="sm" type="none"/>
-            <a:tailEnd len="sm" w="sm" type="none"/>
+            <a:headEnd type="none" w="sm" len="sm"/>
+            <a:tailEnd type="none" w="sm" len="sm"/>
           </a:ln>
         </p:spPr>
         <p:txBody>
-          <a:bodyPr anchorCtr="0" anchor="ctr" bIns="91425" lIns="91425" spcFirstLastPara="1" rIns="91425" wrap="square" tIns="91425">
+          <a:bodyPr spcFirstLastPara="1" wrap="square" lIns="91425" tIns="91425" rIns="91425" bIns="91425" anchor="ctr" anchorCtr="0">
             <a:noAutofit/>
           </a:bodyPr>
           <a:lstStyle/>
           <a:p>
-            <a:pPr indent="0" lvl="0" marL="0" rtl="0" algn="ctr">
+            <a:pPr marL="0" lvl="0" indent="0" algn="ctr" rtl="0">
               <a:spcBef>
                 <a:spcPts val="0"/>
               </a:spcBef>
@@ -9580,13 +9723,13 @@
               <a:buNone/>
             </a:pPr>
             <a:r>
-              <a:rPr b="1" lang="en-GB"/>
+              <a:rPr lang="en-GB" b="1"/>
               <a:t>Sex</a:t>
             </a:r>
             <a:endParaRPr b="1"/>
           </a:p>
           <a:p>
-            <a:pPr indent="0" lvl="0" marL="0" rtl="0" algn="ctr">
+            <a:pPr marL="0" lvl="0" indent="0" algn="ctr" rtl="0">
               <a:spcBef>
                 <a:spcPts val="0"/>
               </a:spcBef>
@@ -9621,14 +9764,14 @@
             <a:avLst/>
           </a:prstGeom>
           <a:noFill/>
-          <a:ln cap="flat" cmpd="sng" w="9525">
+          <a:ln w="9525" cap="flat" cmpd="sng">
             <a:solidFill>
               <a:schemeClr val="dk2"/>
             </a:solidFill>
             <a:prstDash val="solid"/>
             <a:round/>
-            <a:headEnd len="med" w="med" type="none"/>
-            <a:tailEnd len="med" w="med" type="none"/>
+            <a:headEnd type="none" w="med" len="med"/>
+            <a:tailEnd type="none" w="med" len="med"/>
           </a:ln>
         </p:spPr>
       </p:cxnSp>
@@ -9650,14 +9793,14 @@
             <a:avLst/>
           </a:prstGeom>
           <a:noFill/>
-          <a:ln cap="flat" cmpd="sng" w="9525">
+          <a:ln w="9525" cap="flat" cmpd="sng">
             <a:solidFill>
               <a:schemeClr val="dk2"/>
             </a:solidFill>
             <a:prstDash val="solid"/>
             <a:round/>
-            <a:headEnd len="med" w="med" type="none"/>
-            <a:tailEnd len="med" w="med" type="none"/>
+            <a:headEnd type="none" w="med" len="med"/>
+            <a:tailEnd type="none" w="med" len="med"/>
           </a:ln>
         </p:spPr>
       </p:cxnSp>
@@ -9679,14 +9822,14 @@
             <a:avLst/>
           </a:prstGeom>
           <a:noFill/>
-          <a:ln cap="flat" cmpd="sng" w="38100">
+          <a:ln w="38100" cap="flat" cmpd="sng">
             <a:solidFill>
               <a:srgbClr val="CC0000"/>
             </a:solidFill>
             <a:prstDash val="solid"/>
             <a:round/>
-            <a:headEnd len="med" w="med" type="none"/>
-            <a:tailEnd len="med" w="med" type="triangle"/>
+            <a:headEnd type="none" w="med" len="med"/>
+            <a:tailEnd type="triangle" w="med" len="med"/>
           </a:ln>
         </p:spPr>
       </p:cxnSp>
@@ -9710,12 +9853,12 @@
           </a:ln>
         </p:spPr>
         <p:txBody>
-          <a:bodyPr anchorCtr="0" anchor="t" bIns="91425" lIns="91425" spcFirstLastPara="1" rIns="91425" wrap="square" tIns="91425">
+          <a:bodyPr spcFirstLastPara="1" wrap="square" lIns="91425" tIns="91425" rIns="91425" bIns="91425" anchor="t" anchorCtr="0">
             <a:spAutoFit/>
           </a:bodyPr>
           <a:lstStyle/>
           <a:p>
-            <a:pPr indent="0" lvl="0" marL="0" rtl="0" algn="ctr">
+            <a:pPr marL="0" lvl="0" indent="0" algn="ctr" rtl="0">
               <a:spcBef>
                 <a:spcPts val="0"/>
               </a:spcBef>
@@ -9725,7 +9868,7 @@
               <a:buNone/>
             </a:pPr>
             <a:r>
-              <a:rPr b="1" lang="en-GB"/>
+              <a:rPr lang="en-GB" b="1"/>
               <a:t>Easy Y/N</a:t>
             </a:r>
             <a:endParaRPr b="1"/>
@@ -9747,23 +9890,23 @@
             <a:avLst/>
           </a:prstGeom>
           <a:noFill/>
-          <a:ln cap="flat" cmpd="sng" w="9525">
+          <a:ln w="9525" cap="flat" cmpd="sng">
             <a:solidFill>
               <a:srgbClr val="E69138"/>
             </a:solidFill>
             <a:prstDash val="solid"/>
             <a:round/>
-            <a:headEnd len="sm" w="sm" type="none"/>
-            <a:tailEnd len="sm" w="sm" type="none"/>
+            <a:headEnd type="none" w="sm" len="sm"/>
+            <a:tailEnd type="none" w="sm" len="sm"/>
           </a:ln>
         </p:spPr>
         <p:txBody>
-          <a:bodyPr anchorCtr="0" anchor="ctr" bIns="91425" lIns="91425" spcFirstLastPara="1" rIns="91425" wrap="square" tIns="91425">
+          <a:bodyPr spcFirstLastPara="1" wrap="square" lIns="91425" tIns="91425" rIns="91425" bIns="91425" anchor="ctr" anchorCtr="0">
             <a:noAutofit/>
           </a:bodyPr>
           <a:lstStyle/>
           <a:p>
-            <a:pPr indent="0" lvl="0" marL="0" rtl="0" algn="ctr">
+            <a:pPr marL="0" lvl="0" indent="0" algn="ctr" rtl="0">
               <a:spcBef>
                 <a:spcPts val="0"/>
               </a:spcBef>
@@ -9773,13 +9916,13 @@
               <a:buNone/>
             </a:pPr>
             <a:r>
-              <a:rPr b="1" lang="en-GB" sz="1300"/>
+              <a:rPr lang="en-GB" sz="1300" b="1"/>
               <a:t>Side</a:t>
             </a:r>
-            <a:endParaRPr b="1" sz="1300"/>
-          </a:p>
-          <a:p>
-            <a:pPr indent="0" lvl="0" marL="0" rtl="0" algn="ctr">
+            <a:endParaRPr sz="1300" b="1"/>
+          </a:p>
+          <a:p>
+            <a:pPr marL="0" lvl="0" indent="0" algn="ctr" rtl="0">
               <a:spcBef>
                 <a:spcPts val="0"/>
               </a:spcBef>
@@ -9789,7 +9932,7 @@
               <a:buNone/>
             </a:pPr>
             <a:r>
-              <a:rPr b="1" lang="en-GB" sz="1300"/>
+              <a:rPr lang="en-GB" sz="1300" b="1"/>
               <a:t>Effect_1</a:t>
             </a:r>
             <a:endParaRPr sz="1300"/>
@@ -9811,23 +9954,23 @@
             <a:avLst/>
           </a:prstGeom>
           <a:noFill/>
-          <a:ln cap="flat" cmpd="sng" w="9525">
+          <a:ln w="9525" cap="flat" cmpd="sng">
             <a:solidFill>
               <a:srgbClr val="6AA84F"/>
             </a:solidFill>
             <a:prstDash val="solid"/>
             <a:round/>
-            <a:headEnd len="sm" w="sm" type="none"/>
-            <a:tailEnd len="sm" w="sm" type="none"/>
+            <a:headEnd type="none" w="sm" len="sm"/>
+            <a:tailEnd type="none" w="sm" len="sm"/>
           </a:ln>
         </p:spPr>
         <p:txBody>
-          <a:bodyPr anchorCtr="0" anchor="ctr" bIns="91425" lIns="91425" spcFirstLastPara="1" rIns="91425" wrap="square" tIns="91425">
+          <a:bodyPr spcFirstLastPara="1" wrap="square" lIns="91425" tIns="91425" rIns="91425" bIns="91425" anchor="ctr" anchorCtr="0">
             <a:noAutofit/>
           </a:bodyPr>
           <a:lstStyle/>
           <a:p>
-            <a:pPr indent="0" lvl="0" marL="0" rtl="0" algn="ctr">
+            <a:pPr marL="0" lvl="0" indent="0" algn="ctr" rtl="0">
               <a:spcBef>
                 <a:spcPts val="0"/>
               </a:spcBef>
@@ -9837,13 +9980,13 @@
               <a:buNone/>
             </a:pPr>
             <a:r>
-              <a:rPr b="1" lang="en-GB" sz="1300"/>
+              <a:rPr lang="en-GB" sz="1300" b="1"/>
               <a:t>Side</a:t>
             </a:r>
-            <a:endParaRPr b="1" sz="1300"/>
-          </a:p>
-          <a:p>
-            <a:pPr indent="0" lvl="0" marL="0" rtl="0" algn="ctr">
+            <a:endParaRPr sz="1300" b="1"/>
+          </a:p>
+          <a:p>
+            <a:pPr marL="0" lvl="0" indent="0" algn="ctr" rtl="0">
               <a:spcBef>
                 <a:spcPts val="0"/>
               </a:spcBef>
@@ -9853,7 +9996,7 @@
               <a:buNone/>
             </a:pPr>
             <a:r>
-              <a:rPr b="1" lang="en-GB" sz="1300"/>
+              <a:rPr lang="en-GB" sz="1300" b="1"/>
               <a:t>Effect_n</a:t>
             </a:r>
             <a:endParaRPr sz="1300"/>
@@ -9878,14 +10021,14 @@
             <a:avLst/>
           </a:prstGeom>
           <a:noFill/>
-          <a:ln cap="flat" cmpd="sng" w="9525">
+          <a:ln w="9525" cap="flat" cmpd="sng">
             <a:solidFill>
               <a:schemeClr val="dk2"/>
             </a:solidFill>
             <a:prstDash val="solid"/>
             <a:round/>
-            <a:headEnd len="med" w="med" type="none"/>
-            <a:tailEnd len="med" w="med" type="none"/>
+            <a:headEnd type="none" w="med" len="med"/>
+            <a:tailEnd type="none" w="med" len="med"/>
           </a:ln>
         </p:spPr>
       </p:cxnSp>
@@ -9907,14 +10050,14 @@
             <a:avLst/>
           </a:prstGeom>
           <a:noFill/>
-          <a:ln cap="flat" cmpd="sng" w="9525">
+          <a:ln w="9525" cap="flat" cmpd="sng">
             <a:solidFill>
               <a:schemeClr val="dk2"/>
             </a:solidFill>
             <a:prstDash val="solid"/>
             <a:round/>
-            <a:headEnd len="med" w="med" type="none"/>
-            <a:tailEnd len="med" w="med" type="none"/>
+            <a:headEnd type="none" w="med" len="med"/>
+            <a:tailEnd type="none" w="med" len="med"/>
           </a:ln>
         </p:spPr>
       </p:cxnSp>
@@ -9927,11 +10070,11 @@
 </file>
 
 <file path=ppt/slides/slide6.xml><?xml version="1.0" encoding="utf-8"?>
-<p:sld xmlns:a="http://schemas.openxmlformats.org/drawingml/2006/main" xmlns:r="http://schemas.openxmlformats.org/officeDocument/2006/relationships" xmlns:mc="http://schemas.openxmlformats.org/markup-compatibility/2006" xmlns:mv="urn:schemas-microsoft-com:mac:vml" xmlns:p="http://schemas.openxmlformats.org/presentationml/2006/main" xmlns:c="http://schemas.openxmlformats.org/drawingml/2006/chart" xmlns:dgm="http://schemas.openxmlformats.org/drawingml/2006/diagram" xmlns:o="urn:schemas-microsoft-com:office:office" xmlns:v="urn:schemas-microsoft-com:vml" xmlns:pvml="urn:schemas-microsoft-com:office:powerpoint" xmlns:com="http://schemas.openxmlformats.org/drawingml/2006/compatibility" xmlns:p14="http://schemas.microsoft.com/office/powerpoint/2010/main" xmlns:p15="http://schemas.microsoft.com/office/powerpoint/2012/main" xmlns:ahyp="http://schemas.microsoft.com/office/drawing/2018/hyperlinkcolor">
+<p:sld xmlns:a="http://schemas.openxmlformats.org/drawingml/2006/main" xmlns:r="http://schemas.openxmlformats.org/officeDocument/2006/relationships" xmlns:p="http://schemas.openxmlformats.org/presentationml/2006/main">
   <p:cSld>
     <p:spTree>
       <p:nvGrpSpPr>
-        <p:cNvPr id="150" name="Shape 150"/>
+        <p:cNvPr id="1" name="Shape 150"/>
         <p:cNvGrpSpPr/>
         <p:nvPr/>
       </p:nvGrpSpPr>
@@ -9956,28 +10099,28 @@
           </a:xfrm>
           <a:prstGeom prst="rightArrow">
             <a:avLst>
-              <a:gd fmla="val 50000" name="adj1"/>
-              <a:gd fmla="val 50000" name="adj2"/>
+              <a:gd name="adj1" fmla="val 50000"/>
+              <a:gd name="adj2" fmla="val 50000"/>
             </a:avLst>
           </a:prstGeom>
           <a:noFill/>
-          <a:ln cap="flat" cmpd="sng" w="19050">
+          <a:ln w="19050" cap="flat" cmpd="sng">
             <a:solidFill>
               <a:schemeClr val="dk2"/>
             </a:solidFill>
             <a:prstDash val="solid"/>
             <a:round/>
-            <a:headEnd len="sm" w="sm" type="none"/>
-            <a:tailEnd len="sm" w="sm" type="none"/>
+            <a:headEnd type="none" w="sm" len="sm"/>
+            <a:tailEnd type="none" w="sm" len="sm"/>
           </a:ln>
         </p:spPr>
         <p:txBody>
-          <a:bodyPr anchorCtr="0" anchor="ctr" bIns="91425" lIns="91425" spcFirstLastPara="1" rIns="91425" wrap="square" tIns="91425">
+          <a:bodyPr spcFirstLastPara="1" wrap="square" lIns="91425" tIns="91425" rIns="91425" bIns="91425" anchor="ctr" anchorCtr="0">
             <a:noAutofit/>
           </a:bodyPr>
           <a:lstStyle/>
           <a:p>
-            <a:pPr indent="0" lvl="0" marL="0" rtl="0" algn="ctr">
+            <a:pPr marL="0" lvl="0" indent="0" algn="ctr" rtl="0">
               <a:spcBef>
                 <a:spcPts val="0"/>
               </a:spcBef>
@@ -9987,7 +10130,7 @@
               <a:buNone/>
             </a:pPr>
             <a:r>
-              <a:rPr b="1" lang="en-GB"/>
+              <a:rPr lang="en-GB" b="1"/>
               <a:t>Edge</a:t>
             </a:r>
             <a:endParaRPr b="1"/>
@@ -10007,27 +10150,27 @@
           </a:xfrm>
           <a:prstGeom prst="roundRect">
             <a:avLst>
-              <a:gd fmla="val 16667" name="adj"/>
+              <a:gd name="adj" fmla="val 16667"/>
             </a:avLst>
           </a:prstGeom>
           <a:noFill/>
-          <a:ln cap="flat" cmpd="sng" w="19050">
+          <a:ln w="19050" cap="flat" cmpd="sng">
             <a:solidFill>
               <a:schemeClr val="dk2"/>
             </a:solidFill>
             <a:prstDash val="solid"/>
             <a:round/>
-            <a:headEnd len="sm" w="sm" type="none"/>
-            <a:tailEnd len="sm" w="sm" type="none"/>
+            <a:headEnd type="none" w="sm" len="sm"/>
+            <a:tailEnd type="none" w="sm" len="sm"/>
           </a:ln>
         </p:spPr>
         <p:txBody>
-          <a:bodyPr anchorCtr="0" anchor="ctr" bIns="91425" lIns="91425" spcFirstLastPara="1" rIns="91425" wrap="square" tIns="91425">
+          <a:bodyPr spcFirstLastPara="1" wrap="square" lIns="91425" tIns="91425" rIns="91425" bIns="91425" anchor="ctr" anchorCtr="0">
             <a:noAutofit/>
           </a:bodyPr>
           <a:lstStyle/>
           <a:p>
-            <a:pPr indent="0" lvl="0" marL="0" rtl="0" algn="ctr">
+            <a:pPr marL="0" lvl="0" indent="0" algn="ctr" rtl="0">
               <a:spcBef>
                 <a:spcPts val="0"/>
               </a:spcBef>
@@ -10037,7 +10180,7 @@
               <a:buNone/>
             </a:pPr>
             <a:r>
-              <a:rPr b="1" lang="en-GB"/>
+              <a:rPr lang="en-GB" b="1"/>
               <a:t>Node</a:t>
             </a:r>
             <a:endParaRPr b="1"/>
@@ -10057,29 +10200,29 @@
           </a:xfrm>
           <a:prstGeom prst="roundRect">
             <a:avLst>
-              <a:gd fmla="val 16667" name="adj"/>
+              <a:gd name="adj" fmla="val 16667"/>
             </a:avLst>
           </a:prstGeom>
           <a:solidFill>
             <a:srgbClr val="C9DAF8"/>
           </a:solidFill>
-          <a:ln cap="flat" cmpd="sng" w="9525">
+          <a:ln w="9525" cap="flat" cmpd="sng">
             <a:solidFill>
               <a:schemeClr val="dk2"/>
             </a:solidFill>
             <a:prstDash val="solid"/>
             <a:round/>
-            <a:headEnd len="sm" w="sm" type="none"/>
-            <a:tailEnd len="sm" w="sm" type="none"/>
+            <a:headEnd type="none" w="sm" len="sm"/>
+            <a:tailEnd type="none" w="sm" len="sm"/>
           </a:ln>
         </p:spPr>
         <p:txBody>
-          <a:bodyPr anchorCtr="0" anchor="ctr" bIns="91425" lIns="91425" spcFirstLastPara="1" rIns="91425" wrap="square" tIns="91425">
+          <a:bodyPr spcFirstLastPara="1" wrap="square" lIns="91425" tIns="91425" rIns="91425" bIns="91425" anchor="ctr" anchorCtr="0">
             <a:noAutofit/>
           </a:bodyPr>
           <a:lstStyle/>
           <a:p>
-            <a:pPr indent="0" lvl="0" marL="0" rtl="0" algn="ctr">
+            <a:pPr marL="0" lvl="0" indent="0" algn="ctr" rtl="0">
               <a:spcBef>
                 <a:spcPts val="0"/>
               </a:spcBef>
@@ -10117,29 +10260,29 @@
           </a:xfrm>
           <a:prstGeom prst="roundRect">
             <a:avLst>
-              <a:gd fmla="val 16667" name="adj"/>
+              <a:gd name="adj" fmla="val 16667"/>
             </a:avLst>
           </a:prstGeom>
           <a:solidFill>
             <a:srgbClr val="C9DAF8"/>
           </a:solidFill>
-          <a:ln cap="flat" cmpd="sng" w="9525">
+          <a:ln w="9525" cap="flat" cmpd="sng">
             <a:solidFill>
               <a:schemeClr val="dk2"/>
             </a:solidFill>
             <a:prstDash val="solid"/>
             <a:round/>
-            <a:headEnd len="sm" w="sm" type="none"/>
-            <a:tailEnd len="sm" w="sm" type="none"/>
+            <a:headEnd type="none" w="sm" len="sm"/>
+            <a:tailEnd type="none" w="sm" len="sm"/>
           </a:ln>
         </p:spPr>
         <p:txBody>
-          <a:bodyPr anchorCtr="0" anchor="ctr" bIns="91425" lIns="91425" spcFirstLastPara="1" rIns="91425" wrap="square" tIns="91425">
+          <a:bodyPr spcFirstLastPara="1" wrap="square" lIns="91425" tIns="91425" rIns="91425" bIns="91425" anchor="ctr" anchorCtr="0">
             <a:noAutofit/>
           </a:bodyPr>
           <a:lstStyle/>
           <a:p>
-            <a:pPr indent="0" lvl="0" marL="0" rtl="0" algn="ctr">
+            <a:pPr marL="0" lvl="0" indent="0" algn="ctr" rtl="0">
               <a:spcBef>
                 <a:spcPts val="0"/>
               </a:spcBef>
@@ -10182,14 +10325,14 @@
             <a:avLst/>
           </a:prstGeom>
           <a:noFill/>
-          <a:ln cap="flat" cmpd="sng" w="9525">
+          <a:ln w="9525" cap="flat" cmpd="sng">
             <a:solidFill>
               <a:schemeClr val="dk2"/>
             </a:solidFill>
             <a:prstDash val="solid"/>
             <a:round/>
-            <a:headEnd len="med" w="med" type="none"/>
-            <a:tailEnd len="med" w="med" type="none"/>
+            <a:headEnd type="none" w="med" len="med"/>
+            <a:tailEnd type="none" w="med" len="med"/>
           </a:ln>
         </p:spPr>
       </p:cxnSp>
@@ -10211,14 +10354,14 @@
             <a:avLst/>
           </a:prstGeom>
           <a:noFill/>
-          <a:ln cap="flat" cmpd="sng" w="38100">
+          <a:ln w="38100" cap="flat" cmpd="sng">
             <a:solidFill>
               <a:srgbClr val="CC0000"/>
             </a:solidFill>
             <a:prstDash val="solid"/>
             <a:round/>
-            <a:headEnd len="med" w="med" type="none"/>
-            <a:tailEnd len="med" w="med" type="triangle"/>
+            <a:headEnd type="none" w="med" len="med"/>
+            <a:tailEnd type="triangle" w="med" len="med"/>
           </a:ln>
         </p:spPr>
       </p:cxnSp>
@@ -10242,12 +10385,12 @@
           </a:ln>
         </p:spPr>
         <p:txBody>
-          <a:bodyPr anchorCtr="0" anchor="t" bIns="91425" lIns="91425" spcFirstLastPara="1" rIns="91425" wrap="square" tIns="91425">
+          <a:bodyPr spcFirstLastPara="1" wrap="square" lIns="91425" tIns="91425" rIns="91425" bIns="91425" anchor="t" anchorCtr="0">
             <a:spAutoFit/>
           </a:bodyPr>
           <a:lstStyle/>
           <a:p>
-            <a:pPr indent="0" lvl="0" marL="0" rtl="0" algn="ctr">
+            <a:pPr marL="0" lvl="0" indent="0" algn="ctr" rtl="0">
               <a:spcBef>
                 <a:spcPts val="0"/>
               </a:spcBef>
@@ -10257,7 +10400,7 @@
               <a:buNone/>
             </a:pPr>
             <a:r>
-              <a:rPr b="1" lang="en-GB"/>
+              <a:rPr lang="en-GB" b="1"/>
               <a:t>Effectiveness Y/N</a:t>
             </a:r>
             <a:endParaRPr b="1"/>
@@ -10279,23 +10422,23 @@
             <a:avLst/>
           </a:prstGeom>
           <a:noFill/>
-          <a:ln cap="flat" cmpd="sng" w="9525">
+          <a:ln w="9525" cap="flat" cmpd="sng">
             <a:solidFill>
               <a:srgbClr val="E69138"/>
             </a:solidFill>
             <a:prstDash val="solid"/>
             <a:round/>
-            <a:headEnd len="sm" w="sm" type="none"/>
-            <a:tailEnd len="sm" w="sm" type="none"/>
+            <a:headEnd type="none" w="sm" len="sm"/>
+            <a:tailEnd type="none" w="sm" len="sm"/>
           </a:ln>
         </p:spPr>
         <p:txBody>
-          <a:bodyPr anchorCtr="0" anchor="ctr" bIns="91425" lIns="91425" spcFirstLastPara="1" rIns="91425" wrap="square" tIns="91425">
+          <a:bodyPr spcFirstLastPara="1" wrap="square" lIns="91425" tIns="91425" rIns="91425" bIns="91425" anchor="ctr" anchorCtr="0">
             <a:noAutofit/>
           </a:bodyPr>
           <a:lstStyle/>
           <a:p>
-            <a:pPr indent="0" lvl="0" marL="0" rtl="0" algn="ctr">
+            <a:pPr marL="0" lvl="0" indent="0" algn="ctr" rtl="0">
               <a:spcBef>
                 <a:spcPts val="0"/>
               </a:spcBef>
@@ -10305,13 +10448,13 @@
               <a:buNone/>
             </a:pPr>
             <a:r>
-              <a:rPr b="1" lang="en-GB" sz="1300"/>
+              <a:rPr lang="en-GB" sz="1300" b="1"/>
               <a:t>Side</a:t>
             </a:r>
-            <a:endParaRPr b="1" sz="1300"/>
-          </a:p>
-          <a:p>
-            <a:pPr indent="0" lvl="0" marL="0" rtl="0" algn="ctr">
+            <a:endParaRPr sz="1300" b="1"/>
+          </a:p>
+          <a:p>
+            <a:pPr marL="0" lvl="0" indent="0" algn="ctr" rtl="0">
               <a:spcBef>
                 <a:spcPts val="0"/>
               </a:spcBef>
@@ -10321,7 +10464,7 @@
               <a:buNone/>
             </a:pPr>
             <a:r>
-              <a:rPr b="1" lang="en-GB" sz="1300"/>
+              <a:rPr lang="en-GB" sz="1300" b="1"/>
               <a:t>Effect_1</a:t>
             </a:r>
             <a:endParaRPr sz="1300"/>
@@ -10343,23 +10486,23 @@
             <a:avLst/>
           </a:prstGeom>
           <a:noFill/>
-          <a:ln cap="flat" cmpd="sng" w="9525">
+          <a:ln w="9525" cap="flat" cmpd="sng">
             <a:solidFill>
               <a:srgbClr val="6AA84F"/>
             </a:solidFill>
             <a:prstDash val="solid"/>
             <a:round/>
-            <a:headEnd len="sm" w="sm" type="none"/>
-            <a:tailEnd len="sm" w="sm" type="none"/>
+            <a:headEnd type="none" w="sm" len="sm"/>
+            <a:tailEnd type="none" w="sm" len="sm"/>
           </a:ln>
         </p:spPr>
         <p:txBody>
-          <a:bodyPr anchorCtr="0" anchor="ctr" bIns="91425" lIns="91425" spcFirstLastPara="1" rIns="91425" wrap="square" tIns="91425">
+          <a:bodyPr spcFirstLastPara="1" wrap="square" lIns="91425" tIns="91425" rIns="91425" bIns="91425" anchor="ctr" anchorCtr="0">
             <a:noAutofit/>
           </a:bodyPr>
           <a:lstStyle/>
           <a:p>
-            <a:pPr indent="0" lvl="0" marL="0" rtl="0" algn="ctr">
+            <a:pPr marL="0" lvl="0" indent="0" algn="ctr" rtl="0">
               <a:spcBef>
                 <a:spcPts val="0"/>
               </a:spcBef>
@@ -10369,13 +10512,13 @@
               <a:buNone/>
             </a:pPr>
             <a:r>
-              <a:rPr b="1" lang="en-GB" sz="1300"/>
+              <a:rPr lang="en-GB" sz="1300" b="1"/>
               <a:t>Side</a:t>
             </a:r>
-            <a:endParaRPr b="1" sz="1300"/>
-          </a:p>
-          <a:p>
-            <a:pPr indent="0" lvl="0" marL="0" rtl="0" algn="ctr">
+            <a:endParaRPr sz="1300" b="1"/>
+          </a:p>
+          <a:p>
+            <a:pPr marL="0" lvl="0" indent="0" algn="ctr" rtl="0">
               <a:spcBef>
                 <a:spcPts val="0"/>
               </a:spcBef>
@@ -10385,7 +10528,7 @@
               <a:buNone/>
             </a:pPr>
             <a:r>
-              <a:rPr b="1" lang="en-GB" sz="1300"/>
+              <a:rPr lang="en-GB" sz="1300" b="1"/>
               <a:t>Effect_n</a:t>
             </a:r>
             <a:endParaRPr sz="1300"/>
@@ -10410,14 +10553,14 @@
             <a:avLst/>
           </a:prstGeom>
           <a:noFill/>
-          <a:ln cap="flat" cmpd="sng" w="9525">
+          <a:ln w="9525" cap="flat" cmpd="sng">
             <a:solidFill>
               <a:schemeClr val="dk2"/>
             </a:solidFill>
             <a:prstDash val="solid"/>
             <a:round/>
-            <a:headEnd len="med" w="med" type="none"/>
-            <a:tailEnd len="med" w="med" type="none"/>
+            <a:headEnd type="none" w="med" len="med"/>
+            <a:tailEnd type="none" w="med" len="med"/>
           </a:ln>
         </p:spPr>
       </p:cxnSp>
@@ -10439,14 +10582,14 @@
             <a:avLst/>
           </a:prstGeom>
           <a:noFill/>
-          <a:ln cap="flat" cmpd="sng" w="9525">
+          <a:ln w="9525" cap="flat" cmpd="sng">
             <a:solidFill>
               <a:schemeClr val="dk2"/>
             </a:solidFill>
             <a:prstDash val="solid"/>
             <a:round/>
-            <a:headEnd len="med" w="med" type="none"/>
-            <a:tailEnd len="med" w="med" type="none"/>
+            <a:headEnd type="none" w="med" len="med"/>
+            <a:tailEnd type="none" w="med" len="med"/>
           </a:ln>
         </p:spPr>
       </p:cxnSp>
@@ -10465,23 +10608,23 @@
             <a:avLst/>
           </a:prstGeom>
           <a:noFill/>
-          <a:ln cap="flat" cmpd="sng" w="9525">
+          <a:ln w="9525" cap="flat" cmpd="sng">
             <a:solidFill>
               <a:srgbClr val="E69138"/>
             </a:solidFill>
             <a:prstDash val="solid"/>
             <a:round/>
-            <a:headEnd len="sm" w="sm" type="none"/>
-            <a:tailEnd len="sm" w="sm" type="none"/>
+            <a:headEnd type="none" w="sm" len="sm"/>
+            <a:tailEnd type="none" w="sm" len="sm"/>
           </a:ln>
         </p:spPr>
         <p:txBody>
-          <a:bodyPr anchorCtr="0" anchor="ctr" bIns="91425" lIns="91425" spcFirstLastPara="1" rIns="91425" wrap="square" tIns="91425">
+          <a:bodyPr spcFirstLastPara="1" wrap="square" lIns="91425" tIns="91425" rIns="91425" bIns="91425" anchor="ctr" anchorCtr="0">
             <a:noAutofit/>
           </a:bodyPr>
           <a:lstStyle/>
           <a:p>
-            <a:pPr indent="0" lvl="0" marL="0" rtl="0" algn="ctr">
+            <a:pPr marL="0" lvl="0" indent="0" algn="ctr" rtl="0">
               <a:spcBef>
                 <a:spcPts val="0"/>
               </a:spcBef>
@@ -10491,7 +10634,7 @@
               <a:buNone/>
             </a:pPr>
             <a:r>
-              <a:rPr b="1" lang="en-GB" sz="1300"/>
+              <a:rPr lang="en-GB" sz="1300" b="1"/>
               <a:t>Symptom</a:t>
             </a:r>
             <a:endParaRPr sz="1300"/>
@@ -10507,11 +10650,11 @@
 </file>
 
 <file path=ppt/slides/slide7.xml><?xml version="1.0" encoding="utf-8"?>
-<p:sld xmlns:a="http://schemas.openxmlformats.org/drawingml/2006/main" xmlns:r="http://schemas.openxmlformats.org/officeDocument/2006/relationships" xmlns:mc="http://schemas.openxmlformats.org/markup-compatibility/2006" xmlns:mv="urn:schemas-microsoft-com:mac:vml" xmlns:p="http://schemas.openxmlformats.org/presentationml/2006/main" xmlns:c="http://schemas.openxmlformats.org/drawingml/2006/chart" xmlns:dgm="http://schemas.openxmlformats.org/drawingml/2006/diagram" xmlns:o="urn:schemas-microsoft-com:office:office" xmlns:v="urn:schemas-microsoft-com:vml" xmlns:pvml="urn:schemas-microsoft-com:office:powerpoint" xmlns:com="http://schemas.openxmlformats.org/drawingml/2006/compatibility" xmlns:p14="http://schemas.microsoft.com/office/powerpoint/2010/main" xmlns:p15="http://schemas.microsoft.com/office/powerpoint/2012/main" xmlns:ahyp="http://schemas.microsoft.com/office/drawing/2018/hyperlinkcolor">
+<p:sld xmlns:a="http://schemas.openxmlformats.org/drawingml/2006/main" xmlns:r="http://schemas.openxmlformats.org/officeDocument/2006/relationships" xmlns:p="http://schemas.openxmlformats.org/presentationml/2006/main">
   <p:cSld>
     <p:spTree>
       <p:nvGrpSpPr>
-        <p:cNvPr id="166" name="Shape 166"/>
+        <p:cNvPr id="1" name="Shape 166"/>
         <p:cNvGrpSpPr/>
         <p:nvPr/>
       </p:nvGrpSpPr>
@@ -10536,29 +10679,29 @@
           </a:xfrm>
           <a:prstGeom prst="roundRect">
             <a:avLst>
-              <a:gd fmla="val 16667" name="adj"/>
+              <a:gd name="adj" fmla="val 16667"/>
             </a:avLst>
           </a:prstGeom>
           <a:solidFill>
             <a:srgbClr val="C9DAF8"/>
           </a:solidFill>
-          <a:ln cap="flat" cmpd="sng" w="9525">
+          <a:ln w="9525" cap="flat" cmpd="sng">
             <a:solidFill>
               <a:schemeClr val="dk2"/>
             </a:solidFill>
             <a:prstDash val="solid"/>
             <a:round/>
-            <a:headEnd len="sm" w="sm" type="none"/>
-            <a:tailEnd len="sm" w="sm" type="none"/>
+            <a:headEnd type="none" w="sm" len="sm"/>
+            <a:tailEnd type="none" w="sm" len="sm"/>
           </a:ln>
         </p:spPr>
         <p:txBody>
-          <a:bodyPr anchorCtr="0" anchor="ctr" bIns="91425" lIns="91425" spcFirstLastPara="1" rIns="91425" wrap="square" tIns="91425">
+          <a:bodyPr spcFirstLastPara="1" wrap="square" lIns="91425" tIns="91425" rIns="91425" bIns="91425" anchor="ctr" anchorCtr="0">
             <a:noAutofit/>
           </a:bodyPr>
           <a:lstStyle/>
           <a:p>
-            <a:pPr indent="0" lvl="0" marL="0" rtl="0" algn="ctr">
+            <a:pPr marL="0" lvl="0" indent="0" algn="ctr" rtl="0">
               <a:spcBef>
                 <a:spcPts val="0"/>
               </a:spcBef>
@@ -10596,29 +10739,29 @@
           </a:xfrm>
           <a:prstGeom prst="roundRect">
             <a:avLst>
-              <a:gd fmla="val 16667" name="adj"/>
+              <a:gd name="adj" fmla="val 16667"/>
             </a:avLst>
           </a:prstGeom>
           <a:solidFill>
             <a:srgbClr val="C9DAF8"/>
           </a:solidFill>
-          <a:ln cap="flat" cmpd="sng" w="9525">
+          <a:ln w="9525" cap="flat" cmpd="sng">
             <a:solidFill>
               <a:schemeClr val="dk2"/>
             </a:solidFill>
             <a:prstDash val="solid"/>
             <a:round/>
-            <a:headEnd len="sm" w="sm" type="none"/>
-            <a:tailEnd len="sm" w="sm" type="none"/>
+            <a:headEnd type="none" w="sm" len="sm"/>
+            <a:tailEnd type="none" w="sm" len="sm"/>
           </a:ln>
         </p:spPr>
         <p:txBody>
-          <a:bodyPr anchorCtr="0" anchor="ctr" bIns="91425" lIns="91425" spcFirstLastPara="1" rIns="91425" wrap="square" tIns="91425">
+          <a:bodyPr spcFirstLastPara="1" wrap="square" lIns="91425" tIns="91425" rIns="91425" bIns="91425" anchor="ctr" anchorCtr="0">
             <a:noAutofit/>
           </a:bodyPr>
           <a:lstStyle/>
           <a:p>
-            <a:pPr indent="0" lvl="0" marL="0" rtl="0" algn="ctr">
+            <a:pPr marL="0" lvl="0" indent="0" algn="ctr" rtl="0">
               <a:spcBef>
                 <a:spcPts val="0"/>
               </a:spcBef>
@@ -10658,23 +10801,23 @@
             <a:avLst/>
           </a:prstGeom>
           <a:noFill/>
-          <a:ln cap="flat" cmpd="sng" w="9525">
+          <a:ln w="9525" cap="flat" cmpd="sng">
             <a:solidFill>
               <a:srgbClr val="E69138"/>
             </a:solidFill>
             <a:prstDash val="solid"/>
             <a:round/>
-            <a:headEnd len="sm" w="sm" type="none"/>
-            <a:tailEnd len="sm" w="sm" type="none"/>
+            <a:headEnd type="none" w="sm" len="sm"/>
+            <a:tailEnd type="none" w="sm" len="sm"/>
           </a:ln>
         </p:spPr>
         <p:txBody>
-          <a:bodyPr anchorCtr="0" anchor="ctr" bIns="91425" lIns="91425" spcFirstLastPara="1" rIns="91425" wrap="square" tIns="91425">
+          <a:bodyPr spcFirstLastPara="1" wrap="square" lIns="91425" tIns="91425" rIns="91425" bIns="91425" anchor="ctr" anchorCtr="0">
             <a:noAutofit/>
           </a:bodyPr>
           <a:lstStyle/>
           <a:p>
-            <a:pPr indent="0" lvl="0" marL="0" rtl="0" algn="ctr">
+            <a:pPr marL="0" lvl="0" indent="0" algn="ctr" rtl="0">
               <a:spcBef>
                 <a:spcPts val="0"/>
               </a:spcBef>
@@ -10684,13 +10827,13 @@
               <a:buNone/>
             </a:pPr>
             <a:r>
-              <a:rPr b="1" lang="en-GB"/>
+              <a:rPr lang="en-GB" b="1"/>
               <a:t>Age</a:t>
             </a:r>
             <a:endParaRPr b="1"/>
           </a:p>
           <a:p>
-            <a:pPr indent="0" lvl="0" marL="0" rtl="0" algn="ctr">
+            <a:pPr marL="0" lvl="0" indent="0" algn="ctr" rtl="0">
               <a:spcBef>
                 <a:spcPts val="0"/>
               </a:spcBef>
@@ -10722,23 +10865,23 @@
             <a:avLst/>
           </a:prstGeom>
           <a:noFill/>
-          <a:ln cap="flat" cmpd="sng" w="9525">
+          <a:ln w="9525" cap="flat" cmpd="sng">
             <a:solidFill>
               <a:srgbClr val="6AA84F"/>
             </a:solidFill>
             <a:prstDash val="solid"/>
             <a:round/>
-            <a:headEnd len="sm" w="sm" type="none"/>
-            <a:tailEnd len="sm" w="sm" type="none"/>
+            <a:headEnd type="none" w="sm" len="sm"/>
+            <a:tailEnd type="none" w="sm" len="sm"/>
           </a:ln>
         </p:spPr>
         <p:txBody>
-          <a:bodyPr anchorCtr="0" anchor="ctr" bIns="91425" lIns="91425" spcFirstLastPara="1" rIns="91425" wrap="square" tIns="91425">
+          <a:bodyPr spcFirstLastPara="1" wrap="square" lIns="91425" tIns="91425" rIns="91425" bIns="91425" anchor="ctr" anchorCtr="0">
             <a:noAutofit/>
           </a:bodyPr>
           <a:lstStyle/>
           <a:p>
-            <a:pPr indent="0" lvl="0" marL="0" rtl="0" algn="ctr">
+            <a:pPr marL="0" lvl="0" indent="0" algn="ctr" rtl="0">
               <a:spcBef>
                 <a:spcPts val="0"/>
               </a:spcBef>
@@ -10748,13 +10891,13 @@
               <a:buNone/>
             </a:pPr>
             <a:r>
-              <a:rPr b="1" lang="en-GB"/>
+              <a:rPr lang="en-GB" b="1"/>
               <a:t>Sex</a:t>
             </a:r>
             <a:endParaRPr b="1"/>
           </a:p>
           <a:p>
-            <a:pPr indent="0" lvl="0" marL="0" rtl="0" algn="ctr">
+            <a:pPr marL="0" lvl="0" indent="0" algn="ctr" rtl="0">
               <a:spcBef>
                 <a:spcPts val="0"/>
               </a:spcBef>
@@ -10789,14 +10932,14 @@
             <a:avLst/>
           </a:prstGeom>
           <a:noFill/>
-          <a:ln cap="flat" cmpd="sng" w="9525">
+          <a:ln w="9525" cap="flat" cmpd="sng">
             <a:solidFill>
               <a:schemeClr val="dk2"/>
             </a:solidFill>
             <a:prstDash val="solid"/>
             <a:round/>
-            <a:headEnd len="med" w="med" type="none"/>
-            <a:tailEnd len="med" w="med" type="none"/>
+            <a:headEnd type="none" w="med" len="med"/>
+            <a:tailEnd type="none" w="med" len="med"/>
           </a:ln>
         </p:spPr>
       </p:cxnSp>
@@ -10818,14 +10961,14 @@
             <a:avLst/>
           </a:prstGeom>
           <a:noFill/>
-          <a:ln cap="flat" cmpd="sng" w="9525">
+          <a:ln w="9525" cap="flat" cmpd="sng">
             <a:solidFill>
               <a:schemeClr val="dk2"/>
             </a:solidFill>
             <a:prstDash val="solid"/>
             <a:round/>
-            <a:headEnd len="med" w="med" type="none"/>
-            <a:tailEnd len="med" w="med" type="none"/>
+            <a:headEnd type="none" w="med" len="med"/>
+            <a:tailEnd type="none" w="med" len="med"/>
           </a:ln>
         </p:spPr>
       </p:cxnSp>
@@ -10847,14 +10990,14 @@
             <a:avLst/>
           </a:prstGeom>
           <a:noFill/>
-          <a:ln cap="flat" cmpd="sng" w="38100">
+          <a:ln w="38100" cap="flat" cmpd="sng">
             <a:solidFill>
               <a:srgbClr val="CC0000"/>
             </a:solidFill>
             <a:prstDash val="solid"/>
             <a:round/>
-            <a:headEnd len="med" w="med" type="none"/>
-            <a:tailEnd len="med" w="med" type="triangle"/>
+            <a:headEnd type="none" w="med" len="med"/>
+            <a:tailEnd type="triangle" w="med" len="med"/>
           </a:ln>
         </p:spPr>
       </p:cxnSp>
@@ -10878,12 +11021,12 @@
           </a:ln>
         </p:spPr>
         <p:txBody>
-          <a:bodyPr anchorCtr="0" anchor="t" bIns="91425" lIns="91425" spcFirstLastPara="1" rIns="91425" wrap="square" tIns="91425">
+          <a:bodyPr spcFirstLastPara="1" wrap="square" lIns="91425" tIns="91425" rIns="91425" bIns="91425" anchor="t" anchorCtr="0">
             <a:spAutoFit/>
           </a:bodyPr>
           <a:lstStyle/>
           <a:p>
-            <a:pPr indent="0" lvl="0" marL="0" rtl="0" algn="ctr">
+            <a:pPr marL="0" lvl="0" indent="0" algn="ctr" rtl="0">
               <a:spcBef>
                 <a:spcPts val="0"/>
               </a:spcBef>
@@ -10893,7 +11036,7 @@
               <a:buNone/>
             </a:pPr>
             <a:r>
-              <a:rPr b="1" lang="en-GB"/>
+              <a:rPr lang="en-GB" b="1"/>
               <a:t>Satisfaction Y/N</a:t>
             </a:r>
             <a:endParaRPr b="1"/>
@@ -10915,23 +11058,23 @@
             <a:avLst/>
           </a:prstGeom>
           <a:noFill/>
-          <a:ln cap="flat" cmpd="sng" w="9525">
+          <a:ln w="9525" cap="flat" cmpd="sng">
             <a:solidFill>
               <a:srgbClr val="E69138"/>
             </a:solidFill>
             <a:prstDash val="solid"/>
             <a:round/>
-            <a:headEnd len="sm" w="sm" type="none"/>
-            <a:tailEnd len="sm" w="sm" type="none"/>
+            <a:headEnd type="none" w="sm" len="sm"/>
+            <a:tailEnd type="none" w="sm" len="sm"/>
           </a:ln>
         </p:spPr>
         <p:txBody>
-          <a:bodyPr anchorCtr="0" anchor="ctr" bIns="91425" lIns="91425" spcFirstLastPara="1" rIns="91425" wrap="square" tIns="91425">
+          <a:bodyPr spcFirstLastPara="1" wrap="square" lIns="91425" tIns="91425" rIns="91425" bIns="91425" anchor="ctr" anchorCtr="0">
             <a:noAutofit/>
           </a:bodyPr>
           <a:lstStyle/>
           <a:p>
-            <a:pPr indent="0" lvl="0" marL="0" rtl="0" algn="ctr">
+            <a:pPr marL="0" lvl="0" indent="0" algn="ctr" rtl="0">
               <a:spcBef>
                 <a:spcPts val="0"/>
               </a:spcBef>
@@ -10941,13 +11084,13 @@
               <a:buNone/>
             </a:pPr>
             <a:r>
-              <a:rPr b="1" lang="en-GB" sz="1300"/>
+              <a:rPr lang="en-GB" sz="1300" b="1"/>
               <a:t>Side</a:t>
             </a:r>
-            <a:endParaRPr b="1" sz="1300"/>
-          </a:p>
-          <a:p>
-            <a:pPr indent="0" lvl="0" marL="0" rtl="0" algn="ctr">
+            <a:endParaRPr sz="1300" b="1"/>
+          </a:p>
+          <a:p>
+            <a:pPr marL="0" lvl="0" indent="0" algn="ctr" rtl="0">
               <a:spcBef>
                 <a:spcPts val="0"/>
               </a:spcBef>
@@ -10957,7 +11100,7 @@
               <a:buNone/>
             </a:pPr>
             <a:r>
-              <a:rPr b="1" lang="en-GB" sz="1300"/>
+              <a:rPr lang="en-GB" sz="1300" b="1"/>
               <a:t>Effect_1</a:t>
             </a:r>
             <a:endParaRPr sz="1300"/>
@@ -10979,23 +11122,23 @@
             <a:avLst/>
           </a:prstGeom>
           <a:noFill/>
-          <a:ln cap="flat" cmpd="sng" w="9525">
+          <a:ln w="9525" cap="flat" cmpd="sng">
             <a:solidFill>
               <a:srgbClr val="6AA84F"/>
             </a:solidFill>
             <a:prstDash val="solid"/>
             <a:round/>
-            <a:headEnd len="sm" w="sm" type="none"/>
-            <a:tailEnd len="sm" w="sm" type="none"/>
+            <a:headEnd type="none" w="sm" len="sm"/>
+            <a:tailEnd type="none" w="sm" len="sm"/>
           </a:ln>
         </p:spPr>
         <p:txBody>
-          <a:bodyPr anchorCtr="0" anchor="ctr" bIns="91425" lIns="91425" spcFirstLastPara="1" rIns="91425" wrap="square" tIns="91425">
+          <a:bodyPr spcFirstLastPara="1" wrap="square" lIns="91425" tIns="91425" rIns="91425" bIns="91425" anchor="ctr" anchorCtr="0">
             <a:noAutofit/>
           </a:bodyPr>
           <a:lstStyle/>
           <a:p>
-            <a:pPr indent="0" lvl="0" marL="0" rtl="0" algn="ctr">
+            <a:pPr marL="0" lvl="0" indent="0" algn="ctr" rtl="0">
               <a:spcBef>
                 <a:spcPts val="0"/>
               </a:spcBef>
@@ -11005,13 +11148,13 @@
               <a:buNone/>
             </a:pPr>
             <a:r>
-              <a:rPr b="1" lang="en-GB" sz="1300"/>
+              <a:rPr lang="en-GB" sz="1300" b="1"/>
               <a:t>Side</a:t>
             </a:r>
-            <a:endParaRPr b="1" sz="1300"/>
-          </a:p>
-          <a:p>
-            <a:pPr indent="0" lvl="0" marL="0" rtl="0" algn="ctr">
+            <a:endParaRPr sz="1300" b="1"/>
+          </a:p>
+          <a:p>
+            <a:pPr marL="0" lvl="0" indent="0" algn="ctr" rtl="0">
               <a:spcBef>
                 <a:spcPts val="0"/>
               </a:spcBef>
@@ -11021,7 +11164,7 @@
               <a:buNone/>
             </a:pPr>
             <a:r>
-              <a:rPr b="1" lang="en-GB" sz="1300"/>
+              <a:rPr lang="en-GB" sz="1300" b="1"/>
               <a:t>Effect_n</a:t>
             </a:r>
             <a:endParaRPr sz="1300"/>
@@ -11046,14 +11189,14 @@
             <a:avLst/>
           </a:prstGeom>
           <a:noFill/>
-          <a:ln cap="flat" cmpd="sng" w="9525">
+          <a:ln w="9525" cap="flat" cmpd="sng">
             <a:solidFill>
               <a:schemeClr val="dk2"/>
             </a:solidFill>
             <a:prstDash val="solid"/>
             <a:round/>
-            <a:headEnd len="med" w="med" type="none"/>
-            <a:tailEnd len="med" w="med" type="none"/>
+            <a:headEnd type="none" w="med" len="med"/>
+            <a:tailEnd type="none" w="med" len="med"/>
           </a:ln>
         </p:spPr>
       </p:cxnSp>
@@ -11075,14 +11218,14 @@
             <a:avLst/>
           </a:prstGeom>
           <a:noFill/>
-          <a:ln cap="flat" cmpd="sng" w="9525">
+          <a:ln w="9525" cap="flat" cmpd="sng">
             <a:solidFill>
               <a:schemeClr val="dk2"/>
             </a:solidFill>
             <a:prstDash val="solid"/>
             <a:round/>
-            <a:headEnd len="med" w="med" type="none"/>
-            <a:tailEnd len="med" w="med" type="none"/>
+            <a:headEnd type="none" w="med" len="med"/>
+            <a:tailEnd type="none" w="med" len="med"/>
           </a:ln>
         </p:spPr>
       </p:cxnSp>
@@ -11101,23 +11244,23 @@
             <a:avLst/>
           </a:prstGeom>
           <a:noFill/>
-          <a:ln cap="flat" cmpd="sng" w="38100">
+          <a:ln w="38100" cap="flat" cmpd="sng">
             <a:solidFill>
               <a:srgbClr val="000000"/>
             </a:solidFill>
             <a:prstDash val="solid"/>
             <a:round/>
-            <a:headEnd len="sm" w="sm" type="none"/>
-            <a:tailEnd len="sm" w="sm" type="none"/>
+            <a:headEnd type="none" w="sm" len="sm"/>
+            <a:tailEnd type="none" w="sm" len="sm"/>
           </a:ln>
         </p:spPr>
         <p:txBody>
-          <a:bodyPr anchorCtr="0" anchor="t" bIns="91425" lIns="91425" spcFirstLastPara="1" rIns="91425" wrap="square" tIns="91425">
+          <a:bodyPr spcFirstLastPara="1" wrap="square" lIns="91425" tIns="91425" rIns="91425" bIns="91425" anchor="t" anchorCtr="0">
             <a:spAutoFit/>
           </a:bodyPr>
           <a:lstStyle/>
           <a:p>
-            <a:pPr indent="0" lvl="0" marL="0" rtl="0" algn="ctr">
+            <a:pPr marL="0" lvl="0" indent="0" algn="ctr" rtl="0">
               <a:spcBef>
                 <a:spcPts val="0"/>
               </a:spcBef>
@@ -11127,10 +11270,10 @@
               <a:buNone/>
             </a:pPr>
             <a:r>
-              <a:rPr b="1" lang="en-GB" sz="2300"/>
+              <a:rPr lang="en-GB" sz="2300" b="1"/>
               <a:t>Label</a:t>
             </a:r>
-            <a:endParaRPr b="1" sz="2300"/>
+            <a:endParaRPr sz="2300" b="1"/>
           </a:p>
         </p:txBody>
       </p:sp>
@@ -11143,11 +11286,11 @@
 </file>
 
 <file path=ppt/slides/slide8.xml><?xml version="1.0" encoding="utf-8"?>
-<p:sld xmlns:a="http://schemas.openxmlformats.org/drawingml/2006/main" xmlns:r="http://schemas.openxmlformats.org/officeDocument/2006/relationships" xmlns:mc="http://schemas.openxmlformats.org/markup-compatibility/2006" xmlns:mv="urn:schemas-microsoft-com:mac:vml" xmlns:p="http://schemas.openxmlformats.org/presentationml/2006/main" xmlns:c="http://schemas.openxmlformats.org/drawingml/2006/chart" xmlns:dgm="http://schemas.openxmlformats.org/drawingml/2006/diagram" xmlns:o="urn:schemas-microsoft-com:office:office" xmlns:v="urn:schemas-microsoft-com:vml" xmlns:pvml="urn:schemas-microsoft-com:office:powerpoint" xmlns:com="http://schemas.openxmlformats.org/drawingml/2006/compatibility" xmlns:p14="http://schemas.microsoft.com/office/powerpoint/2010/main" xmlns:p15="http://schemas.microsoft.com/office/powerpoint/2012/main" xmlns:ahyp="http://schemas.microsoft.com/office/drawing/2018/hyperlinkcolor">
+<p:sld xmlns:a="http://schemas.openxmlformats.org/drawingml/2006/main" xmlns:r="http://schemas.openxmlformats.org/officeDocument/2006/relationships" xmlns:p="http://schemas.openxmlformats.org/presentationml/2006/main">
   <p:cSld>
     <p:spTree>
       <p:nvGrpSpPr>
-        <p:cNvPr id="183" name="Shape 183"/>
+        <p:cNvPr id="1" name="Shape 183"/>
         <p:cNvGrpSpPr/>
         <p:nvPr/>
       </p:nvGrpSpPr>
@@ -11172,29 +11315,29 @@
           </a:xfrm>
           <a:prstGeom prst="roundRect">
             <a:avLst>
-              <a:gd fmla="val 16667" name="adj"/>
+              <a:gd name="adj" fmla="val 16667"/>
             </a:avLst>
           </a:prstGeom>
           <a:solidFill>
             <a:srgbClr val="C9DAF8"/>
           </a:solidFill>
-          <a:ln cap="flat" cmpd="sng" w="9525">
+          <a:ln w="9525" cap="flat" cmpd="sng">
             <a:solidFill>
               <a:schemeClr val="dk2"/>
             </a:solidFill>
             <a:prstDash val="solid"/>
             <a:round/>
-            <a:headEnd len="sm" w="sm" type="none"/>
-            <a:tailEnd len="sm" w="sm" type="none"/>
+            <a:headEnd type="none" w="sm" len="sm"/>
+            <a:tailEnd type="none" w="sm" len="sm"/>
           </a:ln>
         </p:spPr>
         <p:txBody>
-          <a:bodyPr anchorCtr="0" anchor="ctr" bIns="91425" lIns="91425" spcFirstLastPara="1" rIns="91425" wrap="square" tIns="91425">
+          <a:bodyPr spcFirstLastPara="1" wrap="square" lIns="91425" tIns="91425" rIns="91425" bIns="91425" anchor="ctr" anchorCtr="0">
             <a:noAutofit/>
           </a:bodyPr>
           <a:lstStyle/>
           <a:p>
-            <a:pPr indent="0" lvl="0" marL="0" rtl="0" algn="ctr">
+            <a:pPr marL="0" lvl="0" indent="0" algn="ctr" rtl="0">
               <a:spcBef>
                 <a:spcPts val="0"/>
               </a:spcBef>
@@ -11232,29 +11375,29 @@
           </a:xfrm>
           <a:prstGeom prst="roundRect">
             <a:avLst>
-              <a:gd fmla="val 16667" name="adj"/>
+              <a:gd name="adj" fmla="val 16667"/>
             </a:avLst>
           </a:prstGeom>
           <a:solidFill>
             <a:srgbClr val="C9DAF8"/>
           </a:solidFill>
-          <a:ln cap="flat" cmpd="sng" w="9525">
+          <a:ln w="9525" cap="flat" cmpd="sng">
             <a:solidFill>
               <a:schemeClr val="dk2"/>
             </a:solidFill>
             <a:prstDash val="solid"/>
             <a:round/>
-            <a:headEnd len="sm" w="sm" type="none"/>
-            <a:tailEnd len="sm" w="sm" type="none"/>
+            <a:headEnd type="none" w="sm" len="sm"/>
+            <a:tailEnd type="none" w="sm" len="sm"/>
           </a:ln>
         </p:spPr>
         <p:txBody>
-          <a:bodyPr anchorCtr="0" anchor="ctr" bIns="91425" lIns="91425" spcFirstLastPara="1" rIns="91425" wrap="square" tIns="91425">
+          <a:bodyPr spcFirstLastPara="1" wrap="square" lIns="91425" tIns="91425" rIns="91425" bIns="91425" anchor="ctr" anchorCtr="0">
             <a:noAutofit/>
           </a:bodyPr>
           <a:lstStyle/>
           <a:p>
-            <a:pPr indent="0" lvl="0" marL="0" rtl="0" algn="ctr">
+            <a:pPr marL="0" lvl="0" indent="0" algn="ctr" rtl="0">
               <a:spcBef>
                 <a:spcPts val="0"/>
               </a:spcBef>
@@ -11292,29 +11435,29 @@
           </a:xfrm>
           <a:prstGeom prst="roundRect">
             <a:avLst>
-              <a:gd fmla="val 16667" name="adj"/>
+              <a:gd name="adj" fmla="val 16667"/>
             </a:avLst>
           </a:prstGeom>
           <a:solidFill>
             <a:srgbClr val="C9DAF8"/>
           </a:solidFill>
-          <a:ln cap="flat" cmpd="sng" w="9525">
+          <a:ln w="9525" cap="flat" cmpd="sng">
             <a:solidFill>
               <a:schemeClr val="dk2"/>
             </a:solidFill>
             <a:prstDash val="solid"/>
             <a:round/>
-            <a:headEnd len="sm" w="sm" type="none"/>
-            <a:tailEnd len="sm" w="sm" type="none"/>
+            <a:headEnd type="none" w="sm" len="sm"/>
+            <a:tailEnd type="none" w="sm" len="sm"/>
           </a:ln>
         </p:spPr>
         <p:txBody>
-          <a:bodyPr anchorCtr="0" anchor="ctr" bIns="91425" lIns="91425" spcFirstLastPara="1" rIns="91425" wrap="square" tIns="91425">
+          <a:bodyPr spcFirstLastPara="1" wrap="square" lIns="91425" tIns="91425" rIns="91425" bIns="91425" anchor="ctr" anchorCtr="0">
             <a:noAutofit/>
           </a:bodyPr>
           <a:lstStyle/>
           <a:p>
-            <a:pPr indent="0" lvl="0" marL="0" rtl="0" algn="ctr">
+            <a:pPr marL="0" lvl="0" indent="0" algn="ctr" rtl="0">
               <a:spcBef>
                 <a:spcPts val="0"/>
               </a:spcBef>
@@ -11354,23 +11497,23 @@
             <a:avLst/>
           </a:prstGeom>
           <a:noFill/>
-          <a:ln cap="flat" cmpd="sng" w="9525">
+          <a:ln w="9525" cap="flat" cmpd="sng">
             <a:solidFill>
               <a:srgbClr val="E69138"/>
             </a:solidFill>
             <a:prstDash val="solid"/>
             <a:round/>
-            <a:headEnd len="sm" w="sm" type="none"/>
-            <a:tailEnd len="sm" w="sm" type="none"/>
+            <a:headEnd type="none" w="sm" len="sm"/>
+            <a:tailEnd type="none" w="sm" len="sm"/>
           </a:ln>
         </p:spPr>
         <p:txBody>
-          <a:bodyPr anchorCtr="0" anchor="ctr" bIns="91425" lIns="91425" spcFirstLastPara="1" rIns="91425" wrap="square" tIns="91425">
+          <a:bodyPr spcFirstLastPara="1" wrap="square" lIns="91425" tIns="91425" rIns="91425" bIns="91425" anchor="ctr" anchorCtr="0">
             <a:noAutofit/>
           </a:bodyPr>
           <a:lstStyle/>
           <a:p>
-            <a:pPr indent="0" lvl="0" marL="0" rtl="0" algn="ctr">
+            <a:pPr marL="0" lvl="0" indent="0" algn="ctr" rtl="0">
               <a:spcBef>
                 <a:spcPts val="0"/>
               </a:spcBef>
@@ -11380,13 +11523,13 @@
               <a:buNone/>
             </a:pPr>
             <a:r>
-              <a:rPr b="1" lang="en-GB" sz="1200"/>
+              <a:rPr lang="en-GB" sz="1200" b="1"/>
               <a:t>Age</a:t>
             </a:r>
-            <a:endParaRPr b="1" sz="1200"/>
-          </a:p>
-          <a:p>
-            <a:pPr indent="0" lvl="0" marL="0" rtl="0" algn="ctr">
+            <a:endParaRPr sz="1200" b="1"/>
+          </a:p>
+          <a:p>
+            <a:pPr marL="0" lvl="0" indent="0" algn="ctr" rtl="0">
               <a:spcBef>
                 <a:spcPts val="0"/>
               </a:spcBef>
@@ -11418,23 +11561,23 @@
             <a:avLst/>
           </a:prstGeom>
           <a:noFill/>
-          <a:ln cap="flat" cmpd="sng" w="9525">
+          <a:ln w="9525" cap="flat" cmpd="sng">
             <a:solidFill>
               <a:srgbClr val="E69138"/>
             </a:solidFill>
             <a:prstDash val="solid"/>
             <a:round/>
-            <a:headEnd len="sm" w="sm" type="none"/>
-            <a:tailEnd len="sm" w="sm" type="none"/>
+            <a:headEnd type="none" w="sm" len="sm"/>
+            <a:tailEnd type="none" w="sm" len="sm"/>
           </a:ln>
         </p:spPr>
         <p:txBody>
-          <a:bodyPr anchorCtr="0" anchor="ctr" bIns="91425" lIns="91425" spcFirstLastPara="1" rIns="91425" wrap="square" tIns="91425">
+          <a:bodyPr spcFirstLastPara="1" wrap="square" lIns="91425" tIns="91425" rIns="91425" bIns="91425" anchor="ctr" anchorCtr="0">
             <a:noAutofit/>
           </a:bodyPr>
           <a:lstStyle/>
           <a:p>
-            <a:pPr indent="0" lvl="0" marL="0" rtl="0" algn="ctr">
+            <a:pPr marL="0" lvl="0" indent="0" algn="ctr" rtl="0">
               <a:spcBef>
                 <a:spcPts val="0"/>
               </a:spcBef>
@@ -11444,13 +11587,13 @@
               <a:buNone/>
             </a:pPr>
             <a:r>
-              <a:rPr b="1" lang="en-GB" sz="1200"/>
+              <a:rPr lang="en-GB" sz="1200" b="1"/>
               <a:t>Age</a:t>
             </a:r>
-            <a:endParaRPr b="1" sz="1200"/>
-          </a:p>
-          <a:p>
-            <a:pPr indent="0" lvl="0" marL="0" rtl="0" algn="ctr">
+            <a:endParaRPr sz="1200" b="1"/>
+          </a:p>
+          <a:p>
+            <a:pPr marL="0" lvl="0" indent="0" algn="ctr" rtl="0">
               <a:spcBef>
                 <a:spcPts val="0"/>
               </a:spcBef>
@@ -11475,30 +11618,30 @@
         </p:nvSpPr>
         <p:spPr>
           <a:xfrm>
-            <a:off x="4236850" y="1521374"/>
+            <a:off x="4645777" y="174013"/>
             <a:ext cx="1022400" cy="476700"/>
           </a:xfrm>
           <a:prstGeom prst="ellipse">
             <a:avLst/>
           </a:prstGeom>
           <a:noFill/>
-          <a:ln cap="flat" cmpd="sng" w="9525">
+          <a:ln w="9525" cap="flat" cmpd="sng">
             <a:solidFill>
               <a:srgbClr val="E69138"/>
             </a:solidFill>
             <a:prstDash val="solid"/>
             <a:round/>
-            <a:headEnd len="sm" w="sm" type="none"/>
-            <a:tailEnd len="sm" w="sm" type="none"/>
+            <a:headEnd type="none" w="sm" len="sm"/>
+            <a:tailEnd type="none" w="sm" len="sm"/>
           </a:ln>
         </p:spPr>
         <p:txBody>
-          <a:bodyPr anchorCtr="0" anchor="ctr" bIns="91425" lIns="91425" spcFirstLastPara="1" rIns="91425" wrap="square" tIns="91425">
+          <a:bodyPr spcFirstLastPara="1" wrap="square" lIns="91425" tIns="91425" rIns="91425" bIns="91425" anchor="ctr" anchorCtr="0">
             <a:noAutofit/>
           </a:bodyPr>
           <a:lstStyle/>
           <a:p>
-            <a:pPr indent="0" lvl="0" marL="0" rtl="0" algn="ctr">
+            <a:pPr marL="0" lvl="0" indent="0" algn="ctr" rtl="0">
               <a:spcBef>
                 <a:spcPts val="0"/>
               </a:spcBef>
@@ -11508,13 +11651,13 @@
               <a:buNone/>
             </a:pPr>
             <a:r>
-              <a:rPr b="1" lang="en-GB" sz="1200"/>
+              <a:rPr lang="en-GB" sz="1200" b="1"/>
               <a:t>Age</a:t>
             </a:r>
-            <a:endParaRPr b="1" sz="1200"/>
-          </a:p>
-          <a:p>
-            <a:pPr indent="0" lvl="0" marL="0" rtl="0" algn="ctr">
+            <a:endParaRPr sz="1200" b="1"/>
+          </a:p>
+          <a:p>
+            <a:pPr marL="0" lvl="0" indent="0" algn="ctr" rtl="0">
               <a:spcBef>
                 <a:spcPts val="0"/>
               </a:spcBef>
@@ -11546,23 +11689,23 @@
             <a:avLst/>
           </a:prstGeom>
           <a:noFill/>
-          <a:ln cap="flat" cmpd="sng" w="9525">
+          <a:ln w="9525" cap="flat" cmpd="sng">
             <a:solidFill>
               <a:srgbClr val="6AA84F"/>
             </a:solidFill>
             <a:prstDash val="solid"/>
             <a:round/>
-            <a:headEnd len="sm" w="sm" type="none"/>
-            <a:tailEnd len="sm" w="sm" type="none"/>
+            <a:headEnd type="none" w="sm" len="sm"/>
+            <a:tailEnd type="none" w="sm" len="sm"/>
           </a:ln>
         </p:spPr>
         <p:txBody>
-          <a:bodyPr anchorCtr="0" anchor="ctr" bIns="91425" lIns="91425" spcFirstLastPara="1" rIns="91425" wrap="square" tIns="91425">
+          <a:bodyPr spcFirstLastPara="1" wrap="square" lIns="91425" tIns="91425" rIns="91425" bIns="91425" anchor="ctr" anchorCtr="0">
             <a:noAutofit/>
           </a:bodyPr>
           <a:lstStyle/>
           <a:p>
-            <a:pPr indent="0" lvl="0" marL="0" rtl="0" algn="ctr">
+            <a:pPr marL="0" lvl="0" indent="0" algn="ctr" rtl="0">
               <a:spcBef>
                 <a:spcPts val="0"/>
               </a:spcBef>
@@ -11572,13 +11715,13 @@
               <a:buNone/>
             </a:pPr>
             <a:r>
-              <a:rPr b="1" lang="en-GB" sz="1200"/>
+              <a:rPr lang="en-GB" sz="1200" b="1"/>
               <a:t>Sex</a:t>
             </a:r>
-            <a:endParaRPr b="1" sz="1200"/>
-          </a:p>
-          <a:p>
-            <a:pPr indent="0" lvl="0" marL="0" rtl="0" algn="ctr">
+            <a:endParaRPr sz="1200" b="1"/>
+          </a:p>
+          <a:p>
+            <a:pPr marL="0" lvl="0" indent="0" algn="ctr" rtl="0">
               <a:spcBef>
                 <a:spcPts val="0"/>
               </a:spcBef>
@@ -11610,23 +11753,23 @@
             <a:avLst/>
           </a:prstGeom>
           <a:noFill/>
-          <a:ln cap="flat" cmpd="sng" w="9525">
+          <a:ln w="9525" cap="flat" cmpd="sng">
             <a:solidFill>
               <a:srgbClr val="6AA84F"/>
             </a:solidFill>
             <a:prstDash val="solid"/>
             <a:round/>
-            <a:headEnd len="sm" w="sm" type="none"/>
-            <a:tailEnd len="sm" w="sm" type="none"/>
+            <a:headEnd type="none" w="sm" len="sm"/>
+            <a:tailEnd type="none" w="sm" len="sm"/>
           </a:ln>
         </p:spPr>
         <p:txBody>
-          <a:bodyPr anchorCtr="0" anchor="ctr" bIns="91425" lIns="91425" spcFirstLastPara="1" rIns="91425" wrap="square" tIns="91425">
+          <a:bodyPr spcFirstLastPara="1" wrap="square" lIns="91425" tIns="91425" rIns="91425" bIns="91425" anchor="ctr" anchorCtr="0">
             <a:noAutofit/>
           </a:bodyPr>
           <a:lstStyle/>
           <a:p>
-            <a:pPr indent="0" lvl="0" marL="0" rtl="0" algn="ctr">
+            <a:pPr marL="0" lvl="0" indent="0" algn="ctr" rtl="0">
               <a:spcBef>
                 <a:spcPts val="0"/>
               </a:spcBef>
@@ -11636,13 +11779,13 @@
               <a:buNone/>
             </a:pPr>
             <a:r>
-              <a:rPr b="1" lang="en-GB" sz="1200"/>
+              <a:rPr lang="en-GB" sz="1200" b="1"/>
               <a:t>Sex</a:t>
             </a:r>
-            <a:endParaRPr b="1" sz="1200"/>
-          </a:p>
-          <a:p>
-            <a:pPr indent="0" lvl="0" marL="0" rtl="0" algn="ctr">
+            <a:endParaRPr sz="1200" b="1"/>
+          </a:p>
+          <a:p>
+            <a:pPr marL="0" lvl="0" indent="0" algn="ctr" rtl="0">
               <a:spcBef>
                 <a:spcPts val="0"/>
               </a:spcBef>
@@ -11674,23 +11817,23 @@
             <a:avLst/>
           </a:prstGeom>
           <a:noFill/>
-          <a:ln cap="flat" cmpd="sng" w="9525">
+          <a:ln w="9525" cap="flat" cmpd="sng">
             <a:solidFill>
               <a:srgbClr val="6AA84F"/>
             </a:solidFill>
             <a:prstDash val="solid"/>
             <a:round/>
-            <a:headEnd len="sm" w="sm" type="none"/>
-            <a:tailEnd len="sm" w="sm" type="none"/>
+            <a:headEnd type="none" w="sm" len="sm"/>
+            <a:tailEnd type="none" w="sm" len="sm"/>
           </a:ln>
         </p:spPr>
         <p:txBody>
-          <a:bodyPr anchorCtr="0" anchor="ctr" bIns="91425" lIns="91425" spcFirstLastPara="1" rIns="91425" wrap="square" tIns="91425">
+          <a:bodyPr spcFirstLastPara="1" wrap="square" lIns="91425" tIns="91425" rIns="91425" bIns="91425" anchor="ctr" anchorCtr="0">
             <a:noAutofit/>
           </a:bodyPr>
           <a:lstStyle/>
           <a:p>
-            <a:pPr indent="0" lvl="0" marL="0" rtl="0" algn="ctr">
+            <a:pPr marL="0" lvl="0" indent="0" algn="ctr" rtl="0">
               <a:spcBef>
                 <a:spcPts val="0"/>
               </a:spcBef>
@@ -11700,13 +11843,13 @@
               <a:buNone/>
             </a:pPr>
             <a:r>
-              <a:rPr b="1" lang="en-GB" sz="1200"/>
+              <a:rPr lang="en-GB" sz="1200" b="1"/>
               <a:t>Sex</a:t>
             </a:r>
-            <a:endParaRPr b="1" sz="1200"/>
-          </a:p>
-          <a:p>
-            <a:pPr indent="0" lvl="0" marL="0" rtl="0" algn="ctr">
+            <a:endParaRPr sz="1200" b="1"/>
+          </a:p>
+          <a:p>
+            <a:pPr marL="0" lvl="0" indent="0" algn="ctr" rtl="0">
               <a:spcBef>
                 <a:spcPts val="0"/>
               </a:spcBef>
@@ -11741,14 +11884,14 @@
             <a:avLst/>
           </a:prstGeom>
           <a:noFill/>
-          <a:ln cap="flat" cmpd="sng" w="9525">
+          <a:ln w="9525" cap="flat" cmpd="sng">
             <a:solidFill>
               <a:schemeClr val="dk2"/>
             </a:solidFill>
             <a:prstDash val="solid"/>
             <a:round/>
-            <a:headEnd len="med" w="med" type="none"/>
-            <a:tailEnd len="med" w="med" type="none"/>
+            <a:headEnd type="none" w="med" len="med"/>
+            <a:tailEnd type="none" w="med" len="med"/>
           </a:ln>
         </p:spPr>
       </p:cxnSp>
@@ -11770,14 +11913,14 @@
             <a:avLst/>
           </a:prstGeom>
           <a:noFill/>
-          <a:ln cap="flat" cmpd="sng" w="9525">
+          <a:ln w="9525" cap="flat" cmpd="sng">
             <a:solidFill>
               <a:schemeClr val="dk2"/>
             </a:solidFill>
             <a:prstDash val="solid"/>
             <a:round/>
-            <a:headEnd len="med" w="med" type="none"/>
-            <a:tailEnd len="med" w="med" type="none"/>
+            <a:headEnd type="none" w="med" len="med"/>
+            <a:tailEnd type="none" w="med" len="med"/>
           </a:ln>
         </p:spPr>
       </p:cxnSp>
@@ -11799,14 +11942,14 @@
             <a:avLst/>
           </a:prstGeom>
           <a:noFill/>
-          <a:ln cap="flat" cmpd="sng" w="9525">
+          <a:ln w="9525" cap="flat" cmpd="sng">
             <a:solidFill>
               <a:schemeClr val="dk2"/>
             </a:solidFill>
             <a:prstDash val="solid"/>
             <a:round/>
-            <a:headEnd len="med" w="med" type="none"/>
-            <a:tailEnd len="med" w="med" type="none"/>
+            <a:headEnd type="none" w="med" len="med"/>
+            <a:tailEnd type="none" w="med" len="med"/>
           </a:ln>
         </p:spPr>
       </p:cxnSp>
@@ -11828,14 +11971,14 @@
             <a:avLst/>
           </a:prstGeom>
           <a:noFill/>
-          <a:ln cap="flat" cmpd="sng" w="9525">
+          <a:ln w="9525" cap="flat" cmpd="sng">
             <a:solidFill>
               <a:schemeClr val="dk2"/>
             </a:solidFill>
             <a:prstDash val="solid"/>
             <a:round/>
-            <a:headEnd len="med" w="med" type="none"/>
-            <a:tailEnd len="med" w="med" type="none"/>
+            <a:headEnd type="none" w="med" len="med"/>
+            <a:tailEnd type="none" w="med" len="med"/>
           </a:ln>
         </p:spPr>
       </p:cxnSp>
@@ -11843,28 +11986,29 @@
         <p:nvCxnSpPr>
           <p:cNvPr id="197" name="Google Shape;197;p20"/>
           <p:cNvCxnSpPr>
-            <a:stCxn id="186" idx="2"/>
-            <a:endCxn id="189" idx="0"/>
+            <a:cxnSpLocks/>
+            <a:stCxn id="186" idx="0"/>
+            <a:endCxn id="189" idx="3"/>
           </p:cNvCxnSpPr>
           <p:nvPr/>
         </p:nvCxnSpPr>
         <p:spPr>
-          <a:xfrm>
-            <a:off x="4498225" y="1220300"/>
-            <a:ext cx="249900" cy="301200"/>
+          <a:xfrm flipV="1">
+            <a:off x="4498225" y="580902"/>
+            <a:ext cx="297279" cy="267398"/>
           </a:xfrm>
           <a:prstGeom prst="straightConnector1">
             <a:avLst/>
           </a:prstGeom>
           <a:noFill/>
-          <a:ln cap="flat" cmpd="sng" w="9525">
+          <a:ln w="9525" cap="flat" cmpd="sng">
             <a:solidFill>
               <a:schemeClr val="dk2"/>
             </a:solidFill>
             <a:prstDash val="solid"/>
             <a:round/>
-            <a:headEnd len="med" w="med" type="none"/>
-            <a:tailEnd len="med" w="med" type="none"/>
+            <a:headEnd type="none" w="med" len="med"/>
+            <a:tailEnd type="none" w="med" len="med"/>
           </a:ln>
         </p:spPr>
       </p:cxnSp>
@@ -11886,14 +12030,14 @@
             <a:avLst/>
           </a:prstGeom>
           <a:noFill/>
-          <a:ln cap="flat" cmpd="sng" w="9525">
+          <a:ln w="9525" cap="flat" cmpd="sng">
             <a:solidFill>
               <a:schemeClr val="dk2"/>
             </a:solidFill>
             <a:prstDash val="solid"/>
             <a:round/>
-            <a:headEnd len="med" w="med" type="none"/>
-            <a:tailEnd len="med" w="med" type="none"/>
+            <a:headEnd type="none" w="med" len="med"/>
+            <a:tailEnd type="none" w="med" len="med"/>
           </a:ln>
         </p:spPr>
       </p:cxnSp>
@@ -11910,29 +12054,29 @@
           </a:xfrm>
           <a:prstGeom prst="roundRect">
             <a:avLst>
-              <a:gd fmla="val 16667" name="adj"/>
+              <a:gd name="adj" fmla="val 16667"/>
             </a:avLst>
           </a:prstGeom>
           <a:solidFill>
             <a:srgbClr val="C9DAF8"/>
           </a:solidFill>
-          <a:ln cap="flat" cmpd="sng" w="9525">
+          <a:ln w="9525" cap="flat" cmpd="sng">
             <a:solidFill>
               <a:schemeClr val="dk2"/>
             </a:solidFill>
             <a:prstDash val="solid"/>
             <a:round/>
-            <a:headEnd len="sm" w="sm" type="none"/>
-            <a:tailEnd len="sm" w="sm" type="none"/>
+            <a:headEnd type="none" w="sm" len="sm"/>
+            <a:tailEnd type="none" w="sm" len="sm"/>
           </a:ln>
         </p:spPr>
         <p:txBody>
-          <a:bodyPr anchorCtr="0" anchor="ctr" bIns="91425" lIns="91425" spcFirstLastPara="1" rIns="91425" wrap="square" tIns="91425">
+          <a:bodyPr spcFirstLastPara="1" wrap="square" lIns="91425" tIns="91425" rIns="91425" bIns="91425" anchor="ctr" anchorCtr="0">
             <a:noAutofit/>
           </a:bodyPr>
           <a:lstStyle/>
           <a:p>
-            <a:pPr indent="0" lvl="0" marL="0" rtl="0" algn="ctr">
+            <a:pPr marL="0" lvl="0" indent="0" algn="ctr" rtl="0">
               <a:spcBef>
                 <a:spcPts val="0"/>
               </a:spcBef>
@@ -11942,14 +12086,14 @@
               <a:buNone/>
             </a:pPr>
             <a:r>
-              <a:rPr b="1" lang="en-GB" sz="1000">
+              <a:rPr lang="en-GB" sz="1000" b="1">
                 <a:solidFill>
                   <a:schemeClr val="dk1"/>
                 </a:solidFill>
               </a:rPr>
               <a:t>Condition_1</a:t>
             </a:r>
-            <a:endParaRPr b="1" sz="1000">
+            <a:endParaRPr sz="1000" b="1">
               <a:solidFill>
                 <a:schemeClr val="dk1"/>
               </a:solidFill>
@@ -11970,29 +12114,29 @@
           </a:xfrm>
           <a:prstGeom prst="roundRect">
             <a:avLst>
-              <a:gd fmla="val 16667" name="adj"/>
+              <a:gd name="adj" fmla="val 16667"/>
             </a:avLst>
           </a:prstGeom>
           <a:solidFill>
             <a:srgbClr val="C9DAF8"/>
           </a:solidFill>
-          <a:ln cap="flat" cmpd="sng" w="9525">
+          <a:ln w="9525" cap="flat" cmpd="sng">
             <a:solidFill>
               <a:schemeClr val="dk2"/>
             </a:solidFill>
             <a:prstDash val="solid"/>
             <a:round/>
-            <a:headEnd len="sm" w="sm" type="none"/>
-            <a:tailEnd len="sm" w="sm" type="none"/>
+            <a:headEnd type="none" w="sm" len="sm"/>
+            <a:tailEnd type="none" w="sm" len="sm"/>
           </a:ln>
         </p:spPr>
         <p:txBody>
-          <a:bodyPr anchorCtr="0" anchor="ctr" bIns="91425" lIns="91425" spcFirstLastPara="1" rIns="91425" wrap="square" tIns="91425">
+          <a:bodyPr spcFirstLastPara="1" wrap="square" lIns="91425" tIns="91425" rIns="91425" bIns="91425" anchor="ctr" anchorCtr="0">
             <a:noAutofit/>
           </a:bodyPr>
           <a:lstStyle/>
           <a:p>
-            <a:pPr indent="0" lvl="0" marL="0" rtl="0" algn="ctr">
+            <a:pPr marL="0" lvl="0" indent="0" algn="ctr" rtl="0">
               <a:spcBef>
                 <a:spcPts val="0"/>
               </a:spcBef>
@@ -12002,14 +12146,14 @@
               <a:buNone/>
             </a:pPr>
             <a:r>
-              <a:rPr b="1" lang="en-GB" sz="1100">
+              <a:rPr lang="en-GB" sz="1100" b="1">
                 <a:solidFill>
                   <a:schemeClr val="dk1"/>
                 </a:solidFill>
               </a:rPr>
               <a:t>Condition_2</a:t>
             </a:r>
-            <a:endParaRPr b="1" sz="1100">
+            <a:endParaRPr sz="1100" b="1">
               <a:solidFill>
                 <a:schemeClr val="dk1"/>
               </a:solidFill>
@@ -12032,23 +12176,23 @@
             <a:avLst/>
           </a:prstGeom>
           <a:noFill/>
-          <a:ln cap="flat" cmpd="sng" w="9525">
+          <a:ln w="9525" cap="flat" cmpd="sng">
             <a:solidFill>
               <a:srgbClr val="C27BA0"/>
             </a:solidFill>
             <a:prstDash val="solid"/>
             <a:round/>
-            <a:headEnd len="sm" w="sm" type="none"/>
-            <a:tailEnd len="sm" w="sm" type="none"/>
+            <a:headEnd type="none" w="sm" len="sm"/>
+            <a:tailEnd type="none" w="sm" len="sm"/>
           </a:ln>
         </p:spPr>
         <p:txBody>
-          <a:bodyPr anchorCtr="0" anchor="ctr" bIns="91425" lIns="91425" spcFirstLastPara="1" rIns="91425" wrap="square" tIns="91425">
+          <a:bodyPr spcFirstLastPara="1" wrap="square" lIns="91425" tIns="91425" rIns="91425" bIns="91425" anchor="ctr" anchorCtr="0">
             <a:noAutofit/>
           </a:bodyPr>
           <a:lstStyle/>
           <a:p>
-            <a:pPr indent="0" lvl="0" marL="0" rtl="0" algn="ctr">
+            <a:pPr marL="0" lvl="0" indent="0" algn="ctr" rtl="0">
               <a:spcBef>
                 <a:spcPts val="0"/>
               </a:spcBef>
@@ -12058,7 +12202,7 @@
               <a:buNone/>
             </a:pPr>
             <a:r>
-              <a:rPr b="1" lang="en-GB" sz="800"/>
+              <a:rPr lang="en-GB" sz="800" b="1"/>
               <a:t>Symptom</a:t>
             </a:r>
             <a:endParaRPr sz="800"/>
@@ -12080,23 +12224,23 @@
             <a:avLst/>
           </a:prstGeom>
           <a:noFill/>
-          <a:ln cap="flat" cmpd="sng" w="9525">
+          <a:ln w="9525" cap="flat" cmpd="sng">
             <a:solidFill>
               <a:srgbClr val="C27BA0"/>
             </a:solidFill>
             <a:prstDash val="solid"/>
             <a:round/>
-            <a:headEnd len="sm" w="sm" type="none"/>
-            <a:tailEnd len="sm" w="sm" type="none"/>
+            <a:headEnd type="none" w="sm" len="sm"/>
+            <a:tailEnd type="none" w="sm" len="sm"/>
           </a:ln>
         </p:spPr>
         <p:txBody>
-          <a:bodyPr anchorCtr="0" anchor="ctr" bIns="91425" lIns="91425" spcFirstLastPara="1" rIns="91425" wrap="square" tIns="91425">
+          <a:bodyPr spcFirstLastPara="1" wrap="square" lIns="91425" tIns="91425" rIns="91425" bIns="91425" anchor="ctr" anchorCtr="0">
             <a:noAutofit/>
           </a:bodyPr>
           <a:lstStyle/>
           <a:p>
-            <a:pPr indent="0" lvl="0" marL="0" rtl="0" algn="ctr">
+            <a:pPr marL="0" lvl="0" indent="0" algn="ctr" rtl="0">
               <a:spcBef>
                 <a:spcPts val="0"/>
               </a:spcBef>
@@ -12106,7 +12250,7 @@
               <a:buNone/>
             </a:pPr>
             <a:r>
-              <a:rPr b="1" lang="en-GB" sz="800"/>
+              <a:rPr lang="en-GB" sz="800" b="1"/>
               <a:t>Symptom</a:t>
             </a:r>
             <a:endParaRPr sz="800"/>
@@ -12131,14 +12275,14 @@
             <a:avLst/>
           </a:prstGeom>
           <a:noFill/>
-          <a:ln cap="flat" cmpd="sng" w="9525">
+          <a:ln w="9525" cap="flat" cmpd="sng">
             <a:solidFill>
               <a:schemeClr val="dk2"/>
             </a:solidFill>
             <a:prstDash val="solid"/>
             <a:round/>
-            <a:headEnd len="med" w="med" type="none"/>
-            <a:tailEnd len="med" w="med" type="none"/>
+            <a:headEnd type="none" w="med" len="med"/>
+            <a:tailEnd type="none" w="med" len="med"/>
           </a:ln>
         </p:spPr>
       </p:cxnSp>
@@ -12160,14 +12304,14 @@
             <a:avLst/>
           </a:prstGeom>
           <a:noFill/>
-          <a:ln cap="flat" cmpd="sng" w="9525">
+          <a:ln w="9525" cap="flat" cmpd="sng">
             <a:solidFill>
               <a:schemeClr val="dk2"/>
             </a:solidFill>
             <a:prstDash val="solid"/>
             <a:round/>
-            <a:headEnd len="med" w="med" type="none"/>
-            <a:tailEnd len="med" w="med" type="none"/>
+            <a:headEnd type="none" w="med" len="med"/>
+            <a:tailEnd type="none" w="med" len="med"/>
           </a:ln>
         </p:spPr>
       </p:cxnSp>
@@ -12184,29 +12328,29 @@
           </a:xfrm>
           <a:prstGeom prst="roundRect">
             <a:avLst>
-              <a:gd fmla="val 16667" name="adj"/>
+              <a:gd name="adj" fmla="val 16667"/>
             </a:avLst>
           </a:prstGeom>
           <a:solidFill>
             <a:srgbClr val="C9DAF8"/>
           </a:solidFill>
-          <a:ln cap="flat" cmpd="sng" w="9525">
+          <a:ln w="9525" cap="flat" cmpd="sng">
             <a:solidFill>
               <a:schemeClr val="dk2"/>
             </a:solidFill>
             <a:prstDash val="solid"/>
             <a:round/>
-            <a:headEnd len="sm" w="sm" type="none"/>
-            <a:tailEnd len="sm" w="sm" type="none"/>
+            <a:headEnd type="none" w="sm" len="sm"/>
+            <a:tailEnd type="none" w="sm" len="sm"/>
           </a:ln>
         </p:spPr>
         <p:txBody>
-          <a:bodyPr anchorCtr="0" anchor="ctr" bIns="91425" lIns="91425" spcFirstLastPara="1" rIns="91425" wrap="square" tIns="91425">
+          <a:bodyPr spcFirstLastPara="1" wrap="square" lIns="91425" tIns="91425" rIns="91425" bIns="91425" anchor="ctr" anchorCtr="0">
             <a:noAutofit/>
           </a:bodyPr>
           <a:lstStyle/>
           <a:p>
-            <a:pPr indent="0" lvl="0" marL="0" rtl="0" algn="ctr">
+            <a:pPr marL="0" lvl="0" indent="0" algn="ctr" rtl="0">
               <a:spcBef>
                 <a:spcPts val="0"/>
               </a:spcBef>
@@ -12244,29 +12388,29 @@
           </a:xfrm>
           <a:prstGeom prst="roundRect">
             <a:avLst>
-              <a:gd fmla="val 16667" name="adj"/>
+              <a:gd name="adj" fmla="val 16667"/>
             </a:avLst>
           </a:prstGeom>
           <a:solidFill>
             <a:srgbClr val="C9DAF8"/>
           </a:solidFill>
-          <a:ln cap="flat" cmpd="sng" w="9525">
+          <a:ln w="9525" cap="flat" cmpd="sng">
             <a:solidFill>
               <a:schemeClr val="dk2"/>
             </a:solidFill>
             <a:prstDash val="solid"/>
             <a:round/>
-            <a:headEnd len="sm" w="sm" type="none"/>
-            <a:tailEnd len="sm" w="sm" type="none"/>
+            <a:headEnd type="none" w="sm" len="sm"/>
+            <a:tailEnd type="none" w="sm" len="sm"/>
           </a:ln>
         </p:spPr>
         <p:txBody>
-          <a:bodyPr anchorCtr="0" anchor="ctr" bIns="91425" lIns="91425" spcFirstLastPara="1" rIns="91425" wrap="square" tIns="91425">
+          <a:bodyPr spcFirstLastPara="1" wrap="square" lIns="91425" tIns="91425" rIns="91425" bIns="91425" anchor="ctr" anchorCtr="0">
             <a:noAutofit/>
           </a:bodyPr>
           <a:lstStyle/>
           <a:p>
-            <a:pPr indent="0" lvl="0" marL="0" rtl="0" algn="ctr">
+            <a:pPr marL="0" lvl="0" indent="0" algn="ctr" rtl="0">
               <a:spcBef>
                 <a:spcPts val="0"/>
               </a:spcBef>
@@ -12306,23 +12450,23 @@
             <a:avLst/>
           </a:prstGeom>
           <a:noFill/>
-          <a:ln cap="flat" cmpd="sng" w="9525">
+          <a:ln w="9525" cap="flat" cmpd="sng">
             <a:solidFill>
               <a:srgbClr val="E69138"/>
             </a:solidFill>
             <a:prstDash val="solid"/>
             <a:round/>
-            <a:headEnd len="sm" w="sm" type="none"/>
-            <a:tailEnd len="sm" w="sm" type="none"/>
+            <a:headEnd type="none" w="sm" len="sm"/>
+            <a:tailEnd type="none" w="sm" len="sm"/>
           </a:ln>
         </p:spPr>
         <p:txBody>
-          <a:bodyPr anchorCtr="0" anchor="ctr" bIns="91425" lIns="91425" spcFirstLastPara="1" rIns="91425" wrap="square" tIns="91425">
+          <a:bodyPr spcFirstLastPara="1" wrap="square" lIns="91425" tIns="91425" rIns="91425" bIns="91425" anchor="ctr" anchorCtr="0">
             <a:noAutofit/>
           </a:bodyPr>
           <a:lstStyle/>
           <a:p>
-            <a:pPr indent="0" lvl="0" marL="0" rtl="0" algn="ctr">
+            <a:pPr marL="0" lvl="0" indent="0" algn="ctr" rtl="0">
               <a:spcBef>
                 <a:spcPts val="0"/>
               </a:spcBef>
@@ -12332,13 +12476,13 @@
               <a:buNone/>
             </a:pPr>
             <a:r>
-              <a:rPr b="1" lang="en-GB" sz="700"/>
+              <a:rPr lang="en-GB" sz="700" b="1"/>
               <a:t>Side</a:t>
             </a:r>
-            <a:endParaRPr b="1" sz="700"/>
-          </a:p>
-          <a:p>
-            <a:pPr indent="0" lvl="0" marL="0" rtl="0" algn="ctr">
+            <a:endParaRPr sz="700" b="1"/>
+          </a:p>
+          <a:p>
+            <a:pPr marL="0" lvl="0" indent="0" algn="ctr" rtl="0">
               <a:spcBef>
                 <a:spcPts val="0"/>
               </a:spcBef>
@@ -12348,7 +12492,7 @@
               <a:buNone/>
             </a:pPr>
             <a:r>
-              <a:rPr b="1" lang="en-GB" sz="700"/>
+              <a:rPr lang="en-GB" sz="700" b="1"/>
               <a:t>Effect_1</a:t>
             </a:r>
             <a:endParaRPr sz="700"/>
@@ -12370,23 +12514,23 @@
             <a:avLst/>
           </a:prstGeom>
           <a:noFill/>
-          <a:ln cap="flat" cmpd="sng" w="9525">
+          <a:ln w="9525" cap="flat" cmpd="sng">
             <a:solidFill>
               <a:srgbClr val="E69138"/>
             </a:solidFill>
             <a:prstDash val="solid"/>
             <a:round/>
-            <a:headEnd len="sm" w="sm" type="none"/>
-            <a:tailEnd len="sm" w="sm" type="none"/>
+            <a:headEnd type="none" w="sm" len="sm"/>
+            <a:tailEnd type="none" w="sm" len="sm"/>
           </a:ln>
         </p:spPr>
         <p:txBody>
-          <a:bodyPr anchorCtr="0" anchor="ctr" bIns="91425" lIns="91425" spcFirstLastPara="1" rIns="91425" wrap="square" tIns="91425">
+          <a:bodyPr spcFirstLastPara="1" wrap="square" lIns="91425" tIns="91425" rIns="91425" bIns="91425" anchor="ctr" anchorCtr="0">
             <a:noAutofit/>
           </a:bodyPr>
           <a:lstStyle/>
           <a:p>
-            <a:pPr indent="0" lvl="0" marL="0" rtl="0" algn="ctr">
+            <a:pPr marL="0" lvl="0" indent="0" algn="ctr" rtl="0">
               <a:spcBef>
                 <a:spcPts val="0"/>
               </a:spcBef>
@@ -12396,13 +12540,13 @@
               <a:buNone/>
             </a:pPr>
             <a:r>
-              <a:rPr b="1" lang="en-GB" sz="700"/>
+              <a:rPr lang="en-GB" sz="700" b="1"/>
               <a:t>Side</a:t>
             </a:r>
-            <a:endParaRPr b="1" sz="700"/>
-          </a:p>
-          <a:p>
-            <a:pPr indent="0" lvl="0" marL="0" rtl="0" algn="ctr">
+            <a:endParaRPr sz="700" b="1"/>
+          </a:p>
+          <a:p>
+            <a:pPr marL="0" lvl="0" indent="0" algn="ctr" rtl="0">
               <a:spcBef>
                 <a:spcPts val="0"/>
               </a:spcBef>
@@ -12412,7 +12556,7 @@
               <a:buNone/>
             </a:pPr>
             <a:r>
-              <a:rPr b="1" lang="en-GB" sz="700"/>
+              <a:rPr lang="en-GB" sz="700" b="1"/>
               <a:t>Effect_1</a:t>
             </a:r>
             <a:endParaRPr sz="700"/>
@@ -12434,23 +12578,23 @@
             <a:avLst/>
           </a:prstGeom>
           <a:noFill/>
-          <a:ln cap="flat" cmpd="sng" w="9525">
+          <a:ln w="9525" cap="flat" cmpd="sng">
             <a:solidFill>
               <a:srgbClr val="6AA84F"/>
             </a:solidFill>
             <a:prstDash val="solid"/>
             <a:round/>
-            <a:headEnd len="sm" w="sm" type="none"/>
-            <a:tailEnd len="sm" w="sm" type="none"/>
+            <a:headEnd type="none" w="sm" len="sm"/>
+            <a:tailEnd type="none" w="sm" len="sm"/>
           </a:ln>
         </p:spPr>
         <p:txBody>
-          <a:bodyPr anchorCtr="0" anchor="ctr" bIns="91425" lIns="91425" spcFirstLastPara="1" rIns="91425" wrap="square" tIns="91425">
+          <a:bodyPr spcFirstLastPara="1" wrap="square" lIns="91425" tIns="91425" rIns="91425" bIns="91425" anchor="ctr" anchorCtr="0">
             <a:noAutofit/>
           </a:bodyPr>
           <a:lstStyle/>
           <a:p>
-            <a:pPr indent="0" lvl="0" marL="0" rtl="0" algn="ctr">
+            <a:pPr marL="0" lvl="0" indent="0" algn="ctr" rtl="0">
               <a:spcBef>
                 <a:spcPts val="0"/>
               </a:spcBef>
@@ -12460,13 +12604,13 @@
               <a:buNone/>
             </a:pPr>
             <a:r>
-              <a:rPr b="1" lang="en-GB" sz="700"/>
+              <a:rPr lang="en-GB" sz="700" b="1"/>
               <a:t>Side</a:t>
             </a:r>
-            <a:endParaRPr b="1" sz="700"/>
-          </a:p>
-          <a:p>
-            <a:pPr indent="0" lvl="0" marL="0" rtl="0" algn="ctr">
+            <a:endParaRPr sz="700" b="1"/>
+          </a:p>
+          <a:p>
+            <a:pPr marL="0" lvl="0" indent="0" algn="ctr" rtl="0">
               <a:spcBef>
                 <a:spcPts val="0"/>
               </a:spcBef>
@@ -12476,7 +12620,7 @@
               <a:buNone/>
             </a:pPr>
             <a:r>
-              <a:rPr b="1" lang="en-GB" sz="700"/>
+              <a:rPr lang="en-GB" sz="700" b="1"/>
               <a:t>Effect_n</a:t>
             </a:r>
             <a:endParaRPr sz="700"/>
@@ -12498,23 +12642,23 @@
             <a:avLst/>
           </a:prstGeom>
           <a:noFill/>
-          <a:ln cap="flat" cmpd="sng" w="9525">
+          <a:ln w="9525" cap="flat" cmpd="sng">
             <a:solidFill>
               <a:srgbClr val="6AA84F"/>
             </a:solidFill>
             <a:prstDash val="solid"/>
             <a:round/>
-            <a:headEnd len="sm" w="sm" type="none"/>
-            <a:tailEnd len="sm" w="sm" type="none"/>
+            <a:headEnd type="none" w="sm" len="sm"/>
+            <a:tailEnd type="none" w="sm" len="sm"/>
           </a:ln>
         </p:spPr>
         <p:txBody>
-          <a:bodyPr anchorCtr="0" anchor="ctr" bIns="91425" lIns="91425" spcFirstLastPara="1" rIns="91425" wrap="square" tIns="91425">
+          <a:bodyPr spcFirstLastPara="1" wrap="square" lIns="91425" tIns="91425" rIns="91425" bIns="91425" anchor="ctr" anchorCtr="0">
             <a:noAutofit/>
           </a:bodyPr>
           <a:lstStyle/>
           <a:p>
-            <a:pPr indent="0" lvl="0" marL="0" rtl="0" algn="ctr">
+            <a:pPr marL="0" lvl="0" indent="0" algn="ctr" rtl="0">
               <a:spcBef>
                 <a:spcPts val="0"/>
               </a:spcBef>
@@ -12524,13 +12668,13 @@
               <a:buNone/>
             </a:pPr>
             <a:r>
-              <a:rPr b="1" lang="en-GB" sz="700"/>
+              <a:rPr lang="en-GB" sz="700" b="1"/>
               <a:t>Side</a:t>
             </a:r>
-            <a:endParaRPr b="1" sz="700"/>
-          </a:p>
-          <a:p>
-            <a:pPr indent="0" lvl="0" marL="0" rtl="0" algn="ctr">
+            <a:endParaRPr sz="700" b="1"/>
+          </a:p>
+          <a:p>
+            <a:pPr marL="0" lvl="0" indent="0" algn="ctr" rtl="0">
               <a:spcBef>
                 <a:spcPts val="0"/>
               </a:spcBef>
@@ -12540,7 +12684,7 @@
               <a:buNone/>
             </a:pPr>
             <a:r>
-              <a:rPr b="1" lang="en-GB" sz="700"/>
+              <a:rPr lang="en-GB" sz="700" b="1"/>
               <a:t>Effect_n</a:t>
             </a:r>
             <a:endParaRPr sz="700"/>
@@ -12565,14 +12709,14 @@
             <a:avLst/>
           </a:prstGeom>
           <a:noFill/>
-          <a:ln cap="flat" cmpd="sng" w="9525">
+          <a:ln w="9525" cap="flat" cmpd="sng">
             <a:solidFill>
               <a:schemeClr val="dk2"/>
             </a:solidFill>
             <a:prstDash val="solid"/>
             <a:round/>
-            <a:headEnd len="med" w="med" type="none"/>
-            <a:tailEnd len="med" w="med" type="none"/>
+            <a:headEnd type="none" w="med" len="med"/>
+            <a:tailEnd type="none" w="med" len="med"/>
           </a:ln>
         </p:spPr>
       </p:cxnSp>
@@ -12586,7 +12730,7 @@
           <p:nvPr/>
         </p:nvCxnSpPr>
         <p:spPr>
-          <a:xfrm flipH="1" rot="10800000">
+          <a:xfrm rot="10800000" flipH="1">
             <a:off x="6619600" y="1273574"/>
             <a:ext cx="1204200" cy="800700"/>
           </a:xfrm>
@@ -12594,14 +12738,14 @@
             <a:avLst/>
           </a:prstGeom>
           <a:noFill/>
-          <a:ln cap="flat" cmpd="sng" w="9525">
+          <a:ln w="9525" cap="flat" cmpd="sng">
             <a:solidFill>
               <a:schemeClr val="dk2"/>
             </a:solidFill>
             <a:prstDash val="solid"/>
             <a:round/>
-            <a:headEnd len="med" w="med" type="none"/>
-            <a:tailEnd len="med" w="med" type="none"/>
+            <a:headEnd type="none" w="med" len="med"/>
+            <a:tailEnd type="none" w="med" len="med"/>
           </a:ln>
         </p:spPr>
       </p:cxnSp>
@@ -12623,14 +12767,14 @@
             <a:avLst/>
           </a:prstGeom>
           <a:noFill/>
-          <a:ln cap="flat" cmpd="sng" w="9525">
+          <a:ln w="9525" cap="flat" cmpd="sng">
             <a:solidFill>
               <a:schemeClr val="dk2"/>
             </a:solidFill>
             <a:prstDash val="solid"/>
             <a:round/>
-            <a:headEnd len="med" w="med" type="none"/>
-            <a:tailEnd len="med" w="med" type="none"/>
+            <a:headEnd type="none" w="med" len="med"/>
+            <a:tailEnd type="none" w="med" len="med"/>
           </a:ln>
         </p:spPr>
       </p:cxnSp>
@@ -12652,14 +12796,14 @@
             <a:avLst/>
           </a:prstGeom>
           <a:noFill/>
-          <a:ln cap="flat" cmpd="sng" w="9525">
+          <a:ln w="9525" cap="flat" cmpd="sng">
             <a:solidFill>
               <a:schemeClr val="dk2"/>
             </a:solidFill>
             <a:prstDash val="solid"/>
             <a:round/>
-            <a:headEnd len="med" w="med" type="none"/>
-            <a:tailEnd len="med" w="med" type="none"/>
+            <a:headEnd type="none" w="med" len="med"/>
+            <a:tailEnd type="none" w="med" len="med"/>
           </a:ln>
         </p:spPr>
       </p:cxnSp>
@@ -12671,7 +12815,7 @@
         </p:nvGraphicFramePr>
         <p:xfrm>
           <a:off x="76200" y="67148"/>
-          <a:ext cx="3000000" cy="3000000"/>
+          <a:ext cx="1980600" cy="1401960"/>
         </p:xfrm>
         <a:graphic>
           <a:graphicData uri="http://schemas.openxmlformats.org/drawingml/2006/table">
@@ -12681,8 +12825,20 @@
                 <a:tableStyleId>{D07807E2-FB01-48F1-89DE-7320E338D7A7}</a:tableStyleId>
               </a:tblPr>
               <a:tblGrid>
-                <a:gridCol w="542150"/>
-                <a:gridCol w="1438450"/>
+                <a:gridCol w="542150">
+                  <a:extLst>
+                    <a:ext uri="{9D8B030D-6E8A-4147-A177-3AD203B41FA5}">
+                      <a16:colId xmlns:a16="http://schemas.microsoft.com/office/drawing/2014/main" val="20000"/>
+                    </a:ext>
+                  </a:extLst>
+                </a:gridCol>
+                <a:gridCol w="1438450">
+                  <a:extLst>
+                    <a:ext uri="{9D8B030D-6E8A-4147-A177-3AD203B41FA5}">
+                      <a16:colId xmlns:a16="http://schemas.microsoft.com/office/drawing/2014/main" val="20001"/>
+                    </a:ext>
+                  </a:extLst>
+                </a:gridCol>
               </a:tblGrid>
               <a:tr h="238275">
                 <a:tc>
@@ -12690,7 +12846,63 @@
                     <a:bodyPr/>
                     <a:lstStyle/>
                     <a:p>
-                      <a:pPr indent="0" lvl="0" marL="0" rtl="0" algn="l">
+                      <a:pPr marL="0" lvl="0" indent="0" algn="l" rtl="0">
+                        <a:spcBef>
+                          <a:spcPts val="0"/>
+                        </a:spcBef>
+                        <a:spcAft>
+                          <a:spcPts val="0"/>
+                        </a:spcAft>
+                        <a:buNone/>
+                      </a:pPr>
+                      <a:endParaRPr sz="1100" b="1"/>
+                    </a:p>
+                  </a:txBody>
+                  <a:tcPr marL="91425" marR="91425" marT="91425" marB="91425">
+                    <a:lnL w="19050" cap="flat" cmpd="sng">
+                      <a:solidFill>
+                        <a:schemeClr val="dk1"/>
+                      </a:solidFill>
+                      <a:prstDash val="solid"/>
+                      <a:round/>
+                      <a:headEnd type="none" w="sm" len="sm"/>
+                      <a:tailEnd type="none" w="sm" len="sm"/>
+                    </a:lnL>
+                    <a:lnR w="19050" cap="flat" cmpd="sng">
+                      <a:solidFill>
+                        <a:schemeClr val="dk1"/>
+                      </a:solidFill>
+                      <a:prstDash val="solid"/>
+                      <a:round/>
+                      <a:headEnd type="none" w="sm" len="sm"/>
+                      <a:tailEnd type="none" w="sm" len="sm"/>
+                    </a:lnR>
+                    <a:lnT w="19050" cap="flat" cmpd="sng">
+                      <a:solidFill>
+                        <a:schemeClr val="dk1"/>
+                      </a:solidFill>
+                      <a:prstDash val="solid"/>
+                      <a:round/>
+                      <a:headEnd type="none" w="sm" len="sm"/>
+                      <a:tailEnd type="none" w="sm" len="sm"/>
+                    </a:lnT>
+                    <a:lnB w="19050" cap="flat" cmpd="sng">
+                      <a:solidFill>
+                        <a:schemeClr val="dk1"/>
+                      </a:solidFill>
+                      <a:prstDash val="solid"/>
+                      <a:round/>
+                      <a:headEnd type="none" w="sm" len="sm"/>
+                      <a:tailEnd type="none" w="sm" len="sm"/>
+                    </a:lnB>
+                  </a:tcPr>
+                </a:tc>
+                <a:tc>
+                  <a:txBody>
+                    <a:bodyPr/>
+                    <a:lstStyle/>
+                    <a:p>
+                      <a:pPr marL="0" lvl="0" indent="0" algn="l" rtl="0">
                         <a:spcBef>
                           <a:spcPts val="0"/>
                         </a:spcBef>
@@ -12700,47 +12912,111 @@
                         <a:buNone/>
                       </a:pPr>
                       <a:r>
-                        <a:t/>
+                        <a:rPr lang="en-GB" sz="1100" b="1"/>
+                        <a:t>Symptom</a:t>
                       </a:r>
-                      <a:endParaRPr b="1" sz="1100"/>
+                      <a:endParaRPr sz="1100" b="1"/>
                     </a:p>
                   </a:txBody>
-                  <a:tcPr marT="91425" marB="91425" marR="91425" marL="91425">
-                    <a:lnL cap="flat" cmpd="sng" w="19050">
+                  <a:tcPr marL="91425" marR="91425" marT="91425" marB="91425">
+                    <a:lnL w="19050" cap="flat" cmpd="sng">
                       <a:solidFill>
                         <a:schemeClr val="dk1"/>
                       </a:solidFill>
                       <a:prstDash val="solid"/>
                       <a:round/>
-                      <a:headEnd len="sm" w="sm" type="none"/>
-                      <a:tailEnd len="sm" w="sm" type="none"/>
+                      <a:headEnd type="none" w="sm" len="sm"/>
+                      <a:tailEnd type="none" w="sm" len="sm"/>
                     </a:lnL>
-                    <a:lnR cap="flat" cmpd="sng" w="19050">
+                    <a:lnR w="19050" cap="flat" cmpd="sng">
                       <a:solidFill>
                         <a:schemeClr val="dk1"/>
                       </a:solidFill>
                       <a:prstDash val="solid"/>
                       <a:round/>
-                      <a:headEnd len="sm" w="sm" type="none"/>
-                      <a:tailEnd len="sm" w="sm" type="none"/>
+                      <a:headEnd type="none" w="sm" len="sm"/>
+                      <a:tailEnd type="none" w="sm" len="sm"/>
                     </a:lnR>
-                    <a:lnT cap="flat" cmpd="sng" w="19050">
+                    <a:lnT w="19050" cap="flat" cmpd="sng">
                       <a:solidFill>
                         <a:schemeClr val="dk1"/>
                       </a:solidFill>
                       <a:prstDash val="solid"/>
                       <a:round/>
-                      <a:headEnd len="sm" w="sm" type="none"/>
-                      <a:tailEnd len="sm" w="sm" type="none"/>
+                      <a:headEnd type="none" w="sm" len="sm"/>
+                      <a:tailEnd type="none" w="sm" len="sm"/>
                     </a:lnT>
-                    <a:lnB cap="flat" cmpd="sng" w="19050">
+                    <a:lnB w="19050" cap="flat" cmpd="sng">
                       <a:solidFill>
                         <a:schemeClr val="dk1"/>
                       </a:solidFill>
                       <a:prstDash val="solid"/>
                       <a:round/>
-                      <a:headEnd len="sm" w="sm" type="none"/>
-                      <a:tailEnd len="sm" w="sm" type="none"/>
+                      <a:headEnd type="none" w="sm" len="sm"/>
+                      <a:tailEnd type="none" w="sm" len="sm"/>
+                    </a:lnB>
+                  </a:tcPr>
+                </a:tc>
+                <a:extLst>
+                  <a:ext uri="{0D108BD9-81ED-4DB2-BD59-A6C34878D82A}">
+                    <a16:rowId xmlns:a16="http://schemas.microsoft.com/office/drawing/2014/main" val="10000"/>
+                  </a:ext>
+                </a:extLst>
+              </a:tr>
+              <a:tr h="238275">
+                <a:tc>
+                  <a:txBody>
+                    <a:bodyPr/>
+                    <a:lstStyle/>
+                    <a:p>
+                      <a:pPr marL="0" lvl="0" indent="0" algn="l" rtl="0">
+                        <a:spcBef>
+                          <a:spcPts val="0"/>
+                        </a:spcBef>
+                        <a:spcAft>
+                          <a:spcPts val="0"/>
+                        </a:spcAft>
+                        <a:buNone/>
+                      </a:pPr>
+                      <a:endParaRPr sz="1100" b="1"/>
+                    </a:p>
+                  </a:txBody>
+                  <a:tcPr marL="91425" marR="91425" marT="91425" marB="91425">
+                    <a:lnL w="19050" cap="flat" cmpd="sng">
+                      <a:solidFill>
+                        <a:schemeClr val="dk1"/>
+                      </a:solidFill>
+                      <a:prstDash val="solid"/>
+                      <a:round/>
+                      <a:headEnd type="none" w="sm" len="sm"/>
+                      <a:tailEnd type="none" w="sm" len="sm"/>
+                    </a:lnL>
+                    <a:lnR w="19050" cap="flat" cmpd="sng">
+                      <a:solidFill>
+                        <a:schemeClr val="dk1"/>
+                      </a:solidFill>
+                      <a:prstDash val="solid"/>
+                      <a:round/>
+                      <a:headEnd type="none" w="sm" len="sm"/>
+                      <a:tailEnd type="none" w="sm" len="sm"/>
+                    </a:lnR>
+                    <a:lnT w="19050" cap="flat" cmpd="sng">
+                      <a:solidFill>
+                        <a:schemeClr val="dk1"/>
+                      </a:solidFill>
+                      <a:prstDash val="solid"/>
+                      <a:round/>
+                      <a:headEnd type="none" w="sm" len="sm"/>
+                      <a:tailEnd type="none" w="sm" len="sm"/>
+                    </a:lnT>
+                    <a:lnB w="19050" cap="flat" cmpd="sng">
+                      <a:solidFill>
+                        <a:schemeClr val="dk1"/>
+                      </a:solidFill>
+                      <a:prstDash val="solid"/>
+                      <a:round/>
+                      <a:headEnd type="none" w="sm" len="sm"/>
+                      <a:tailEnd type="none" w="sm" len="sm"/>
                     </a:lnB>
                   </a:tcPr>
                 </a:tc>
@@ -12749,7 +13025,7 @@
                     <a:bodyPr/>
                     <a:lstStyle/>
                     <a:p>
-                      <a:pPr indent="0" lvl="0" marL="0" rtl="0" algn="l">
+                      <a:pPr marL="0" lvl="0" indent="0" algn="l" rtl="0">
                         <a:spcBef>
                           <a:spcPts val="0"/>
                         </a:spcBef>
@@ -12759,51 +13035,56 @@
                         <a:buNone/>
                       </a:pPr>
                       <a:r>
-                        <a:rPr b="1" lang="en-GB" sz="1100"/>
-                        <a:t>Symptom</a:t>
+                        <a:rPr lang="en-GB" sz="1100" b="1"/>
+                        <a:t>Easy of Use</a:t>
                       </a:r>
-                      <a:endParaRPr b="1" sz="1100"/>
+                      <a:endParaRPr sz="1100" b="1"/>
                     </a:p>
                   </a:txBody>
-                  <a:tcPr marT="91425" marB="91425" marR="91425" marL="91425">
-                    <a:lnL cap="flat" cmpd="sng" w="19050">
+                  <a:tcPr marL="91425" marR="91425" marT="91425" marB="91425">
+                    <a:lnL w="19050" cap="flat" cmpd="sng">
                       <a:solidFill>
                         <a:schemeClr val="dk1"/>
                       </a:solidFill>
                       <a:prstDash val="solid"/>
                       <a:round/>
-                      <a:headEnd len="sm" w="sm" type="none"/>
-                      <a:tailEnd len="sm" w="sm" type="none"/>
+                      <a:headEnd type="none" w="sm" len="sm"/>
+                      <a:tailEnd type="none" w="sm" len="sm"/>
                     </a:lnL>
-                    <a:lnR cap="flat" cmpd="sng" w="19050">
+                    <a:lnR w="19050" cap="flat" cmpd="sng">
                       <a:solidFill>
                         <a:schemeClr val="dk1"/>
                       </a:solidFill>
                       <a:prstDash val="solid"/>
                       <a:round/>
-                      <a:headEnd len="sm" w="sm" type="none"/>
-                      <a:tailEnd len="sm" w="sm" type="none"/>
+                      <a:headEnd type="none" w="sm" len="sm"/>
+                      <a:tailEnd type="none" w="sm" len="sm"/>
                     </a:lnR>
-                    <a:lnT cap="flat" cmpd="sng" w="19050">
+                    <a:lnT w="19050" cap="flat" cmpd="sng">
                       <a:solidFill>
                         <a:schemeClr val="dk1"/>
                       </a:solidFill>
                       <a:prstDash val="solid"/>
                       <a:round/>
-                      <a:headEnd len="sm" w="sm" type="none"/>
-                      <a:tailEnd len="sm" w="sm" type="none"/>
+                      <a:headEnd type="none" w="sm" len="sm"/>
+                      <a:tailEnd type="none" w="sm" len="sm"/>
                     </a:lnT>
-                    <a:lnB cap="flat" cmpd="sng" w="19050">
+                    <a:lnB w="19050" cap="flat" cmpd="sng">
                       <a:solidFill>
                         <a:schemeClr val="dk1"/>
                       </a:solidFill>
                       <a:prstDash val="solid"/>
                       <a:round/>
-                      <a:headEnd len="sm" w="sm" type="none"/>
-                      <a:tailEnd len="sm" w="sm" type="none"/>
+                      <a:headEnd type="none" w="sm" len="sm"/>
+                      <a:tailEnd type="none" w="sm" len="sm"/>
                     </a:lnB>
                   </a:tcPr>
                 </a:tc>
+                <a:extLst>
+                  <a:ext uri="{0D108BD9-81ED-4DB2-BD59-A6C34878D82A}">
+                    <a16:rowId xmlns:a16="http://schemas.microsoft.com/office/drawing/2014/main" val="10001"/>
+                  </a:ext>
+                </a:extLst>
               </a:tr>
               <a:tr h="238275">
                 <a:tc>
@@ -12811,7 +13092,63 @@
                     <a:bodyPr/>
                     <a:lstStyle/>
                     <a:p>
-                      <a:pPr indent="0" lvl="0" marL="0" rtl="0" algn="l">
+                      <a:pPr marL="0" lvl="0" indent="0" algn="l" rtl="0">
+                        <a:spcBef>
+                          <a:spcPts val="0"/>
+                        </a:spcBef>
+                        <a:spcAft>
+                          <a:spcPts val="0"/>
+                        </a:spcAft>
+                        <a:buNone/>
+                      </a:pPr>
+                      <a:endParaRPr sz="1100" b="1"/>
+                    </a:p>
+                  </a:txBody>
+                  <a:tcPr marL="91425" marR="91425" marT="91425" marB="91425">
+                    <a:lnL w="19050" cap="flat" cmpd="sng">
+                      <a:solidFill>
+                        <a:schemeClr val="dk1"/>
+                      </a:solidFill>
+                      <a:prstDash val="solid"/>
+                      <a:round/>
+                      <a:headEnd type="none" w="sm" len="sm"/>
+                      <a:tailEnd type="none" w="sm" len="sm"/>
+                    </a:lnL>
+                    <a:lnR w="19050" cap="flat" cmpd="sng">
+                      <a:solidFill>
+                        <a:schemeClr val="dk1"/>
+                      </a:solidFill>
+                      <a:prstDash val="solid"/>
+                      <a:round/>
+                      <a:headEnd type="none" w="sm" len="sm"/>
+                      <a:tailEnd type="none" w="sm" len="sm"/>
+                    </a:lnR>
+                    <a:lnT w="19050" cap="flat" cmpd="sng">
+                      <a:solidFill>
+                        <a:schemeClr val="dk1"/>
+                      </a:solidFill>
+                      <a:prstDash val="solid"/>
+                      <a:round/>
+                      <a:headEnd type="none" w="sm" len="sm"/>
+                      <a:tailEnd type="none" w="sm" len="sm"/>
+                    </a:lnT>
+                    <a:lnB w="19050" cap="flat" cmpd="sng">
+                      <a:solidFill>
+                        <a:schemeClr val="dk1"/>
+                      </a:solidFill>
+                      <a:prstDash val="solid"/>
+                      <a:round/>
+                      <a:headEnd type="none" w="sm" len="sm"/>
+                      <a:tailEnd type="none" w="sm" len="sm"/>
+                    </a:lnB>
+                  </a:tcPr>
+                </a:tc>
+                <a:tc>
+                  <a:txBody>
+                    <a:bodyPr/>
+                    <a:lstStyle/>
+                    <a:p>
+                      <a:pPr marL="0" lvl="0" indent="0" algn="l" rtl="0">
                         <a:spcBef>
                           <a:spcPts val="0"/>
                         </a:spcBef>
@@ -12821,47 +13158,111 @@
                         <a:buNone/>
                       </a:pPr>
                       <a:r>
-                        <a:t/>
+                        <a:rPr lang="en-GB" sz="1100" b="1"/>
+                        <a:t>Effectiveness</a:t>
                       </a:r>
-                      <a:endParaRPr b="1" sz="1100"/>
+                      <a:endParaRPr sz="1100" b="1"/>
                     </a:p>
                   </a:txBody>
-                  <a:tcPr marT="91425" marB="91425" marR="91425" marL="91425">
-                    <a:lnL cap="flat" cmpd="sng" w="19050">
+                  <a:tcPr marL="91425" marR="91425" marT="91425" marB="91425">
+                    <a:lnL w="19050" cap="flat" cmpd="sng">
                       <a:solidFill>
                         <a:schemeClr val="dk1"/>
                       </a:solidFill>
                       <a:prstDash val="solid"/>
                       <a:round/>
-                      <a:headEnd len="sm" w="sm" type="none"/>
-                      <a:tailEnd len="sm" w="sm" type="none"/>
+                      <a:headEnd type="none" w="sm" len="sm"/>
+                      <a:tailEnd type="none" w="sm" len="sm"/>
                     </a:lnL>
-                    <a:lnR cap="flat" cmpd="sng" w="19050">
+                    <a:lnR w="19050" cap="flat" cmpd="sng">
                       <a:solidFill>
                         <a:schemeClr val="dk1"/>
                       </a:solidFill>
                       <a:prstDash val="solid"/>
                       <a:round/>
-                      <a:headEnd len="sm" w="sm" type="none"/>
-                      <a:tailEnd len="sm" w="sm" type="none"/>
+                      <a:headEnd type="none" w="sm" len="sm"/>
+                      <a:tailEnd type="none" w="sm" len="sm"/>
                     </a:lnR>
-                    <a:lnT cap="flat" cmpd="sng" w="19050">
+                    <a:lnT w="19050" cap="flat" cmpd="sng">
                       <a:solidFill>
                         <a:schemeClr val="dk1"/>
                       </a:solidFill>
                       <a:prstDash val="solid"/>
                       <a:round/>
-                      <a:headEnd len="sm" w="sm" type="none"/>
-                      <a:tailEnd len="sm" w="sm" type="none"/>
+                      <a:headEnd type="none" w="sm" len="sm"/>
+                      <a:tailEnd type="none" w="sm" len="sm"/>
                     </a:lnT>
-                    <a:lnB cap="flat" cmpd="sng" w="19050">
+                    <a:lnB w="19050" cap="flat" cmpd="sng">
                       <a:solidFill>
                         <a:schemeClr val="dk1"/>
                       </a:solidFill>
                       <a:prstDash val="solid"/>
                       <a:round/>
-                      <a:headEnd len="sm" w="sm" type="none"/>
-                      <a:tailEnd len="sm" w="sm" type="none"/>
+                      <a:headEnd type="none" w="sm" len="sm"/>
+                      <a:tailEnd type="none" w="sm" len="sm"/>
+                    </a:lnB>
+                  </a:tcPr>
+                </a:tc>
+                <a:extLst>
+                  <a:ext uri="{0D108BD9-81ED-4DB2-BD59-A6C34878D82A}">
+                    <a16:rowId xmlns:a16="http://schemas.microsoft.com/office/drawing/2014/main" val="10002"/>
+                  </a:ext>
+                </a:extLst>
+              </a:tr>
+              <a:tr h="238275">
+                <a:tc>
+                  <a:txBody>
+                    <a:bodyPr/>
+                    <a:lstStyle/>
+                    <a:p>
+                      <a:pPr marL="0" lvl="0" indent="0" algn="l" rtl="0">
+                        <a:spcBef>
+                          <a:spcPts val="0"/>
+                        </a:spcBef>
+                        <a:spcAft>
+                          <a:spcPts val="0"/>
+                        </a:spcAft>
+                        <a:buNone/>
+                      </a:pPr>
+                      <a:endParaRPr sz="1100" b="1"/>
+                    </a:p>
+                  </a:txBody>
+                  <a:tcPr marL="91425" marR="91425" marT="91425" marB="91425">
+                    <a:lnL w="19050" cap="flat" cmpd="sng">
+                      <a:solidFill>
+                        <a:schemeClr val="dk1"/>
+                      </a:solidFill>
+                      <a:prstDash val="solid"/>
+                      <a:round/>
+                      <a:headEnd type="none" w="sm" len="sm"/>
+                      <a:tailEnd type="none" w="sm" len="sm"/>
+                    </a:lnL>
+                    <a:lnR w="19050" cap="flat" cmpd="sng">
+                      <a:solidFill>
+                        <a:schemeClr val="dk1"/>
+                      </a:solidFill>
+                      <a:prstDash val="solid"/>
+                      <a:round/>
+                      <a:headEnd type="none" w="sm" len="sm"/>
+                      <a:tailEnd type="none" w="sm" len="sm"/>
+                    </a:lnR>
+                    <a:lnT w="19050" cap="flat" cmpd="sng">
+                      <a:solidFill>
+                        <a:schemeClr val="dk1"/>
+                      </a:solidFill>
+                      <a:prstDash val="solid"/>
+                      <a:round/>
+                      <a:headEnd type="none" w="sm" len="sm"/>
+                      <a:tailEnd type="none" w="sm" len="sm"/>
+                    </a:lnT>
+                    <a:lnB w="19050" cap="flat" cmpd="sng">
+                      <a:solidFill>
+                        <a:schemeClr val="dk1"/>
+                      </a:solidFill>
+                      <a:prstDash val="solid"/>
+                      <a:round/>
+                      <a:headEnd type="none" w="sm" len="sm"/>
+                      <a:tailEnd type="none" w="sm" len="sm"/>
                     </a:lnB>
                   </a:tcPr>
                 </a:tc>
@@ -12870,7 +13271,7 @@
                     <a:bodyPr/>
                     <a:lstStyle/>
                     <a:p>
-                      <a:pPr indent="0" lvl="0" marL="0" rtl="0" algn="l">
+                      <a:pPr marL="0" lvl="0" indent="0" algn="l" rtl="0">
                         <a:spcBef>
                           <a:spcPts val="0"/>
                         </a:spcBef>
@@ -12880,293 +13281,56 @@
                         <a:buNone/>
                       </a:pPr>
                       <a:r>
-                        <a:rPr b="1" lang="en-GB" sz="1100"/>
-                        <a:t>Easy of Use</a:t>
+                        <a:rPr lang="en-GB" sz="1100" b="1"/>
+                        <a:t>Satisfaction (label)</a:t>
                       </a:r>
-                      <a:endParaRPr b="1" sz="1100"/>
+                      <a:endParaRPr sz="1100" b="1"/>
                     </a:p>
                   </a:txBody>
-                  <a:tcPr marT="91425" marB="91425" marR="91425" marL="91425">
-                    <a:lnL cap="flat" cmpd="sng" w="19050">
+                  <a:tcPr marL="91425" marR="91425" marT="91425" marB="91425">
+                    <a:lnL w="19050" cap="flat" cmpd="sng">
                       <a:solidFill>
                         <a:schemeClr val="dk1"/>
                       </a:solidFill>
                       <a:prstDash val="solid"/>
                       <a:round/>
-                      <a:headEnd len="sm" w="sm" type="none"/>
-                      <a:tailEnd len="sm" w="sm" type="none"/>
+                      <a:headEnd type="none" w="sm" len="sm"/>
+                      <a:tailEnd type="none" w="sm" len="sm"/>
                     </a:lnL>
-                    <a:lnR cap="flat" cmpd="sng" w="19050">
+                    <a:lnR w="19050" cap="flat" cmpd="sng">
                       <a:solidFill>
                         <a:schemeClr val="dk1"/>
                       </a:solidFill>
                       <a:prstDash val="solid"/>
                       <a:round/>
-                      <a:headEnd len="sm" w="sm" type="none"/>
-                      <a:tailEnd len="sm" w="sm" type="none"/>
+                      <a:headEnd type="none" w="sm" len="sm"/>
+                      <a:tailEnd type="none" w="sm" len="sm"/>
                     </a:lnR>
-                    <a:lnT cap="flat" cmpd="sng" w="19050">
+                    <a:lnT w="19050" cap="flat" cmpd="sng">
                       <a:solidFill>
                         <a:schemeClr val="dk1"/>
                       </a:solidFill>
                       <a:prstDash val="solid"/>
                       <a:round/>
-                      <a:headEnd len="sm" w="sm" type="none"/>
-                      <a:tailEnd len="sm" w="sm" type="none"/>
+                      <a:headEnd type="none" w="sm" len="sm"/>
+                      <a:tailEnd type="none" w="sm" len="sm"/>
                     </a:lnT>
-                    <a:lnB cap="flat" cmpd="sng" w="19050">
+                    <a:lnB w="19050" cap="flat" cmpd="sng">
                       <a:solidFill>
                         <a:schemeClr val="dk1"/>
                       </a:solidFill>
                       <a:prstDash val="solid"/>
                       <a:round/>
-                      <a:headEnd len="sm" w="sm" type="none"/>
-                      <a:tailEnd len="sm" w="sm" type="none"/>
+                      <a:headEnd type="none" w="sm" len="sm"/>
+                      <a:tailEnd type="none" w="sm" len="sm"/>
                     </a:lnB>
                   </a:tcPr>
                 </a:tc>
-              </a:tr>
-              <a:tr h="238275">
-                <a:tc>
-                  <a:txBody>
-                    <a:bodyPr/>
-                    <a:lstStyle/>
-                    <a:p>
-                      <a:pPr indent="0" lvl="0" marL="0" rtl="0" algn="l">
-                        <a:spcBef>
-                          <a:spcPts val="0"/>
-                        </a:spcBef>
-                        <a:spcAft>
-                          <a:spcPts val="0"/>
-                        </a:spcAft>
-                        <a:buNone/>
-                      </a:pPr>
-                      <a:r>
-                        <a:t/>
-                      </a:r>
-                      <a:endParaRPr b="1" sz="1100"/>
-                    </a:p>
-                  </a:txBody>
-                  <a:tcPr marT="91425" marB="91425" marR="91425" marL="91425">
-                    <a:lnL cap="flat" cmpd="sng" w="19050">
-                      <a:solidFill>
-                        <a:schemeClr val="dk1"/>
-                      </a:solidFill>
-                      <a:prstDash val="solid"/>
-                      <a:round/>
-                      <a:headEnd len="sm" w="sm" type="none"/>
-                      <a:tailEnd len="sm" w="sm" type="none"/>
-                    </a:lnL>
-                    <a:lnR cap="flat" cmpd="sng" w="19050">
-                      <a:solidFill>
-                        <a:schemeClr val="dk1"/>
-                      </a:solidFill>
-                      <a:prstDash val="solid"/>
-                      <a:round/>
-                      <a:headEnd len="sm" w="sm" type="none"/>
-                      <a:tailEnd len="sm" w="sm" type="none"/>
-                    </a:lnR>
-                    <a:lnT cap="flat" cmpd="sng" w="19050">
-                      <a:solidFill>
-                        <a:schemeClr val="dk1"/>
-                      </a:solidFill>
-                      <a:prstDash val="solid"/>
-                      <a:round/>
-                      <a:headEnd len="sm" w="sm" type="none"/>
-                      <a:tailEnd len="sm" w="sm" type="none"/>
-                    </a:lnT>
-                    <a:lnB cap="flat" cmpd="sng" w="19050">
-                      <a:solidFill>
-                        <a:schemeClr val="dk1"/>
-                      </a:solidFill>
-                      <a:prstDash val="solid"/>
-                      <a:round/>
-                      <a:headEnd len="sm" w="sm" type="none"/>
-                      <a:tailEnd len="sm" w="sm" type="none"/>
-                    </a:lnB>
-                  </a:tcPr>
-                </a:tc>
-                <a:tc>
-                  <a:txBody>
-                    <a:bodyPr/>
-                    <a:lstStyle/>
-                    <a:p>
-                      <a:pPr indent="0" lvl="0" marL="0" rtl="0" algn="l">
-                        <a:spcBef>
-                          <a:spcPts val="0"/>
-                        </a:spcBef>
-                        <a:spcAft>
-                          <a:spcPts val="0"/>
-                        </a:spcAft>
-                        <a:buNone/>
-                      </a:pPr>
-                      <a:r>
-                        <a:rPr b="1" lang="en-GB" sz="1100"/>
-                        <a:t>Effectiveness</a:t>
-                      </a:r>
-                      <a:endParaRPr b="1" sz="1100"/>
-                    </a:p>
-                  </a:txBody>
-                  <a:tcPr marT="91425" marB="91425" marR="91425" marL="91425">
-                    <a:lnL cap="flat" cmpd="sng" w="19050">
-                      <a:solidFill>
-                        <a:schemeClr val="dk1"/>
-                      </a:solidFill>
-                      <a:prstDash val="solid"/>
-                      <a:round/>
-                      <a:headEnd len="sm" w="sm" type="none"/>
-                      <a:tailEnd len="sm" w="sm" type="none"/>
-                    </a:lnL>
-                    <a:lnR cap="flat" cmpd="sng" w="19050">
-                      <a:solidFill>
-                        <a:schemeClr val="dk1"/>
-                      </a:solidFill>
-                      <a:prstDash val="solid"/>
-                      <a:round/>
-                      <a:headEnd len="sm" w="sm" type="none"/>
-                      <a:tailEnd len="sm" w="sm" type="none"/>
-                    </a:lnR>
-                    <a:lnT cap="flat" cmpd="sng" w="19050">
-                      <a:solidFill>
-                        <a:schemeClr val="dk1"/>
-                      </a:solidFill>
-                      <a:prstDash val="solid"/>
-                      <a:round/>
-                      <a:headEnd len="sm" w="sm" type="none"/>
-                      <a:tailEnd len="sm" w="sm" type="none"/>
-                    </a:lnT>
-                    <a:lnB cap="flat" cmpd="sng" w="19050">
-                      <a:solidFill>
-                        <a:schemeClr val="dk1"/>
-                      </a:solidFill>
-                      <a:prstDash val="solid"/>
-                      <a:round/>
-                      <a:headEnd len="sm" w="sm" type="none"/>
-                      <a:tailEnd len="sm" w="sm" type="none"/>
-                    </a:lnB>
-                  </a:tcPr>
-                </a:tc>
-              </a:tr>
-              <a:tr h="238275">
-                <a:tc>
-                  <a:txBody>
-                    <a:bodyPr/>
-                    <a:lstStyle/>
-                    <a:p>
-                      <a:pPr indent="0" lvl="0" marL="0" rtl="0" algn="l">
-                        <a:spcBef>
-                          <a:spcPts val="0"/>
-                        </a:spcBef>
-                        <a:spcAft>
-                          <a:spcPts val="0"/>
-                        </a:spcAft>
-                        <a:buNone/>
-                      </a:pPr>
-                      <a:r>
-                        <a:t/>
-                      </a:r>
-                      <a:endParaRPr b="1" sz="1100"/>
-                    </a:p>
-                  </a:txBody>
-                  <a:tcPr marT="91425" marB="91425" marR="91425" marL="91425">
-                    <a:lnL cap="flat" cmpd="sng" w="19050">
-                      <a:solidFill>
-                        <a:schemeClr val="dk1"/>
-                      </a:solidFill>
-                      <a:prstDash val="solid"/>
-                      <a:round/>
-                      <a:headEnd len="sm" w="sm" type="none"/>
-                      <a:tailEnd len="sm" w="sm" type="none"/>
-                    </a:lnL>
-                    <a:lnR cap="flat" cmpd="sng" w="19050">
-                      <a:solidFill>
-                        <a:schemeClr val="dk1"/>
-                      </a:solidFill>
-                      <a:prstDash val="solid"/>
-                      <a:round/>
-                      <a:headEnd len="sm" w="sm" type="none"/>
-                      <a:tailEnd len="sm" w="sm" type="none"/>
-                    </a:lnR>
-                    <a:lnT cap="flat" cmpd="sng" w="19050">
-                      <a:solidFill>
-                        <a:schemeClr val="dk1"/>
-                      </a:solidFill>
-                      <a:prstDash val="solid"/>
-                      <a:round/>
-                      <a:headEnd len="sm" w="sm" type="none"/>
-                      <a:tailEnd len="sm" w="sm" type="none"/>
-                    </a:lnT>
-                    <a:lnB cap="flat" cmpd="sng" w="19050">
-                      <a:solidFill>
-                        <a:schemeClr val="dk1"/>
-                      </a:solidFill>
-                      <a:prstDash val="solid"/>
-                      <a:round/>
-                      <a:headEnd len="sm" w="sm" type="none"/>
-                      <a:tailEnd len="sm" w="sm" type="none"/>
-                    </a:lnB>
-                  </a:tcPr>
-                </a:tc>
-                <a:tc>
-                  <a:txBody>
-                    <a:bodyPr/>
-                    <a:lstStyle/>
-                    <a:p>
-                      <a:pPr indent="0" lvl="0" marL="0" rtl="0" algn="l">
-                        <a:spcBef>
-                          <a:spcPts val="0"/>
-                        </a:spcBef>
-                        <a:spcAft>
-                          <a:spcPts val="0"/>
-                        </a:spcAft>
-                        <a:buNone/>
-                      </a:pPr>
-                      <a:r>
-                        <a:rPr b="1" lang="en-GB" sz="1100"/>
-                        <a:t>Satisfaction (label)</a:t>
-                      </a:r>
-                      <a:endParaRPr b="1" sz="1100"/>
-                    </a:p>
-                  </a:txBody>
-                  <a:tcPr marT="91425" marB="91425" marR="91425" marL="91425">
-                    <a:lnL cap="flat" cmpd="sng" w="19050">
-                      <a:solidFill>
-                        <a:schemeClr val="dk1"/>
-                      </a:solidFill>
-                      <a:prstDash val="solid"/>
-                      <a:round/>
-                      <a:headEnd len="sm" w="sm" type="none"/>
-                      <a:tailEnd len="sm" w="sm" type="none"/>
-                    </a:lnL>
-                    <a:lnR cap="flat" cmpd="sng" w="19050">
-                      <a:solidFill>
-                        <a:schemeClr val="dk1"/>
-                      </a:solidFill>
-                      <a:prstDash val="solid"/>
-                      <a:round/>
-                      <a:headEnd len="sm" w="sm" type="none"/>
-                      <a:tailEnd len="sm" w="sm" type="none"/>
-                    </a:lnR>
-                    <a:lnT cap="flat" cmpd="sng" w="19050">
-                      <a:solidFill>
-                        <a:schemeClr val="dk1"/>
-                      </a:solidFill>
-                      <a:prstDash val="solid"/>
-                      <a:round/>
-                      <a:headEnd len="sm" w="sm" type="none"/>
-                      <a:tailEnd len="sm" w="sm" type="none"/>
-                    </a:lnT>
-                    <a:lnB cap="flat" cmpd="sng" w="19050">
-                      <a:solidFill>
-                        <a:schemeClr val="dk1"/>
-                      </a:solidFill>
-                      <a:prstDash val="solid"/>
-                      <a:round/>
-                      <a:headEnd len="sm" w="sm" type="none"/>
-                      <a:tailEnd len="sm" w="sm" type="none"/>
-                    </a:lnB>
-                  </a:tcPr>
-                </a:tc>
+                <a:extLst>
+                  <a:ext uri="{0D108BD9-81ED-4DB2-BD59-A6C34878D82A}">
+                    <a16:rowId xmlns:a16="http://schemas.microsoft.com/office/drawing/2014/main" val="10003"/>
+                  </a:ext>
+                </a:extLst>
               </a:tr>
             </a:tbl>
           </a:graphicData>
@@ -13187,14 +13351,14 @@
             <a:avLst/>
           </a:prstGeom>
           <a:noFill/>
-          <a:ln cap="flat" cmpd="sng" w="19050">
+          <a:ln w="19050" cap="flat" cmpd="sng">
             <a:solidFill>
               <a:srgbClr val="F1C232"/>
             </a:solidFill>
             <a:prstDash val="solid"/>
             <a:round/>
-            <a:headEnd len="med" w="med" type="none"/>
-            <a:tailEnd len="med" w="med" type="triangle"/>
+            <a:headEnd type="none" w="med" len="med"/>
+            <a:tailEnd type="triangle" w="med" len="med"/>
           </a:ln>
         </p:spPr>
       </p:cxnSp>
@@ -13213,14 +13377,14 @@
             <a:avLst/>
           </a:prstGeom>
           <a:noFill/>
-          <a:ln cap="flat" cmpd="sng" w="19050">
+          <a:ln w="19050" cap="flat" cmpd="sng">
             <a:solidFill>
               <a:srgbClr val="6AA84F"/>
             </a:solidFill>
             <a:prstDash val="solid"/>
             <a:round/>
-            <a:headEnd len="med" w="med" type="none"/>
-            <a:tailEnd len="med" w="med" type="triangle"/>
+            <a:headEnd type="none" w="med" len="med"/>
+            <a:tailEnd type="triangle" w="med" len="med"/>
           </a:ln>
         </p:spPr>
       </p:cxnSp>
@@ -13239,14 +13403,14 @@
             <a:avLst/>
           </a:prstGeom>
           <a:noFill/>
-          <a:ln cap="flat" cmpd="sng" w="19050">
+          <a:ln w="19050" cap="flat" cmpd="sng">
             <a:solidFill>
               <a:srgbClr val="3D85C6"/>
             </a:solidFill>
             <a:prstDash val="solid"/>
             <a:round/>
-            <a:headEnd len="med" w="med" type="none"/>
-            <a:tailEnd len="med" w="med" type="triangle"/>
+            <a:headEnd type="none" w="med" len="med"/>
+            <a:tailEnd type="triangle" w="med" len="med"/>
           </a:ln>
         </p:spPr>
       </p:cxnSp>
@@ -13265,14 +13429,14 @@
             <a:avLst/>
           </a:prstGeom>
           <a:noFill/>
-          <a:ln cap="flat" cmpd="sng" w="19050">
+          <a:ln w="19050" cap="flat" cmpd="sng">
             <a:solidFill>
               <a:srgbClr val="FF0000"/>
             </a:solidFill>
             <a:prstDash val="solid"/>
             <a:round/>
-            <a:headEnd len="med" w="med" type="none"/>
-            <a:tailEnd len="med" w="med" type="triangle"/>
+            <a:headEnd type="none" w="med" len="med"/>
+            <a:tailEnd type="triangle" w="med" len="med"/>
           </a:ln>
         </p:spPr>
       </p:cxnSp>
@@ -13286,7 +13450,7 @@
           <p:nvPr/>
         </p:nvCxnSpPr>
         <p:spPr>
-          <a:xfrm flipH="1" rot="10800000">
+          <a:xfrm rot="10800000" flipH="1">
             <a:off x="3332588" y="1034400"/>
             <a:ext cx="621000" cy="638400"/>
           </a:xfrm>
@@ -13294,14 +13458,14 @@
             <a:avLst/>
           </a:prstGeom>
           <a:noFill/>
-          <a:ln cap="flat" cmpd="sng" w="28575">
+          <a:ln w="28575" cap="flat" cmpd="sng">
             <a:solidFill>
               <a:srgbClr val="F1C232"/>
             </a:solidFill>
             <a:prstDash val="solid"/>
             <a:round/>
-            <a:headEnd len="med" w="med" type="none"/>
-            <a:tailEnd len="med" w="med" type="triangle"/>
+            <a:headEnd type="none" w="med" len="med"/>
+            <a:tailEnd type="triangle" w="med" len="med"/>
           </a:ln>
         </p:spPr>
       </p:cxnSp>
@@ -13323,14 +13487,14 @@
             <a:avLst/>
           </a:prstGeom>
           <a:noFill/>
-          <a:ln cap="flat" cmpd="sng" w="28575">
+          <a:ln w="28575" cap="flat" cmpd="sng">
             <a:solidFill>
               <a:srgbClr val="F1C232"/>
             </a:solidFill>
             <a:prstDash val="solid"/>
             <a:round/>
-            <a:headEnd len="med" w="med" type="none"/>
-            <a:tailEnd len="med" w="med" type="triangle"/>
+            <a:headEnd type="none" w="med" len="med"/>
+            <a:tailEnd type="triangle" w="med" len="med"/>
           </a:ln>
         </p:spPr>
       </p:cxnSp>
@@ -13352,14 +13516,14 @@
             <a:avLst/>
           </a:prstGeom>
           <a:noFill/>
-          <a:ln cap="flat" cmpd="sng" w="28575">
+          <a:ln w="28575" cap="flat" cmpd="sng">
             <a:solidFill>
               <a:srgbClr val="F1C232"/>
             </a:solidFill>
             <a:prstDash val="solid"/>
             <a:round/>
-            <a:headEnd len="med" w="med" type="none"/>
-            <a:tailEnd len="med" w="med" type="triangle"/>
+            <a:headEnd type="none" w="med" len="med"/>
+            <a:tailEnd type="triangle" w="med" len="med"/>
           </a:ln>
         </p:spPr>
       </p:cxnSp>
@@ -13381,14 +13545,14 @@
             <a:avLst/>
           </a:prstGeom>
           <a:noFill/>
-          <a:ln cap="flat" cmpd="sng" w="28575">
+          <a:ln w="28575" cap="flat" cmpd="sng">
             <a:solidFill>
               <a:srgbClr val="6AA84F"/>
             </a:solidFill>
             <a:prstDash val="solid"/>
             <a:round/>
-            <a:headEnd len="med" w="med" type="none"/>
-            <a:tailEnd len="med" w="med" type="triangle"/>
+            <a:headEnd type="none" w="med" len="med"/>
+            <a:tailEnd type="triangle" w="med" len="med"/>
           </a:ln>
         </p:spPr>
       </p:cxnSp>
@@ -13410,14 +13574,14 @@
             <a:avLst/>
           </a:prstGeom>
           <a:noFill/>
-          <a:ln cap="flat" cmpd="sng" w="28575">
+          <a:ln w="28575" cap="flat" cmpd="sng">
             <a:solidFill>
               <a:srgbClr val="6AA84F"/>
             </a:solidFill>
             <a:prstDash val="solid"/>
             <a:round/>
-            <a:headEnd len="med" w="med" type="none"/>
-            <a:tailEnd len="med" w="med" type="triangle"/>
+            <a:headEnd type="none" w="med" len="med"/>
+            <a:tailEnd type="triangle" w="med" len="med"/>
           </a:ln>
         </p:spPr>
       </p:cxnSp>
@@ -13439,14 +13603,14 @@
             <a:avLst/>
           </a:prstGeom>
           <a:noFill/>
-          <a:ln cap="flat" cmpd="sng" w="28575">
+          <a:ln w="28575" cap="flat" cmpd="sng">
             <a:solidFill>
               <a:srgbClr val="3D85C6"/>
             </a:solidFill>
             <a:prstDash val="solid"/>
             <a:round/>
-            <a:headEnd len="med" w="med" type="none"/>
-            <a:tailEnd len="med" w="med" type="triangle"/>
+            <a:headEnd type="none" w="med" len="med"/>
+            <a:tailEnd type="triangle" w="med" len="med"/>
           </a:ln>
         </p:spPr>
       </p:cxnSp>
@@ -13468,14 +13632,14 @@
             <a:avLst/>
           </a:prstGeom>
           <a:noFill/>
-          <a:ln cap="flat" cmpd="sng" w="28575">
+          <a:ln w="28575" cap="flat" cmpd="sng">
             <a:solidFill>
               <a:srgbClr val="3D85C6"/>
             </a:solidFill>
             <a:prstDash val="solid"/>
             <a:round/>
-            <a:headEnd len="med" w="med" type="none"/>
-            <a:tailEnd len="med" w="med" type="triangle"/>
+            <a:headEnd type="none" w="med" len="med"/>
+            <a:tailEnd type="triangle" w="med" len="med"/>
           </a:ln>
         </p:spPr>
       </p:cxnSp>
@@ -13497,14 +13661,14 @@
             <a:avLst/>
           </a:prstGeom>
           <a:noFill/>
-          <a:ln cap="flat" cmpd="sng" w="28575">
+          <a:ln w="28575" cap="flat" cmpd="sng">
             <a:solidFill>
               <a:srgbClr val="3D85C6"/>
             </a:solidFill>
             <a:prstDash val="solid"/>
             <a:round/>
-            <a:headEnd len="med" w="med" type="none"/>
-            <a:tailEnd len="med" w="med" type="triangle"/>
+            <a:headEnd type="none" w="med" len="med"/>
+            <a:tailEnd type="triangle" w="med" len="med"/>
           </a:ln>
         </p:spPr>
       </p:cxnSp>
@@ -13518,7 +13682,7 @@
           <p:nvPr/>
         </p:nvCxnSpPr>
         <p:spPr>
-          <a:xfrm flipH="1" rot="10800000">
+          <a:xfrm rot="10800000" flipH="1">
             <a:off x="3118750" y="2260300"/>
             <a:ext cx="2956200" cy="328500"/>
           </a:xfrm>
@@ -13526,14 +13690,14 @@
             <a:avLst/>
           </a:prstGeom>
           <a:noFill/>
-          <a:ln cap="flat" cmpd="sng" w="28575">
+          <a:ln w="28575" cap="flat" cmpd="sng">
             <a:solidFill>
               <a:srgbClr val="FF0000"/>
             </a:solidFill>
             <a:prstDash val="solid"/>
             <a:round/>
-            <a:headEnd len="med" w="med" type="none"/>
-            <a:tailEnd len="med" w="med" type="triangle"/>
+            <a:headEnd type="none" w="med" len="med"/>
+            <a:tailEnd type="triangle" w="med" len="med"/>
           </a:ln>
         </p:spPr>
       </p:cxnSp>
@@ -13555,14 +13719,14 @@
             <a:avLst/>
           </a:prstGeom>
           <a:noFill/>
-          <a:ln cap="flat" cmpd="sng" w="28575">
+          <a:ln w="28575" cap="flat" cmpd="sng">
             <a:solidFill>
               <a:srgbClr val="FF0000"/>
             </a:solidFill>
             <a:prstDash val="solid"/>
             <a:round/>
-            <a:headEnd len="med" w="med" type="none"/>
-            <a:tailEnd len="med" w="med" type="triangle"/>
+            <a:headEnd type="none" w="med" len="med"/>
+            <a:tailEnd type="triangle" w="med" len="med"/>
           </a:ln>
         </p:spPr>
       </p:cxnSp>
@@ -13576,7 +13740,7 @@
           <p:nvPr/>
         </p:nvCxnSpPr>
         <p:spPr>
-          <a:xfrm flipH="1" rot="10800000">
+          <a:xfrm rot="10800000" flipH="1">
             <a:off x="6239672" y="3633075"/>
             <a:ext cx="866100" cy="412800"/>
           </a:xfrm>
@@ -13584,14 +13748,14 @@
             <a:avLst/>
           </a:prstGeom>
           <a:noFill/>
-          <a:ln cap="flat" cmpd="sng" w="28575">
+          <a:ln w="28575" cap="flat" cmpd="sng">
             <a:solidFill>
               <a:srgbClr val="FF0000"/>
             </a:solidFill>
             <a:prstDash val="solid"/>
             <a:round/>
-            <a:headEnd len="med" w="med" type="none"/>
-            <a:tailEnd len="med" w="med" type="triangle"/>
+            <a:headEnd type="none" w="med" len="med"/>
+            <a:tailEnd type="triangle" w="med" len="med"/>
           </a:ln>
         </p:spPr>
       </p:cxnSp>
@@ -13612,23 +13776,23 @@
           <a:solidFill>
             <a:srgbClr val="EA9999"/>
           </a:solidFill>
-          <a:ln cap="flat" cmpd="sng" w="28575">
+          <a:ln w="28575" cap="flat" cmpd="sng">
             <a:solidFill>
               <a:schemeClr val="dk1"/>
             </a:solidFill>
             <a:prstDash val="solid"/>
             <a:round/>
-            <a:headEnd len="sm" w="sm" type="none"/>
-            <a:tailEnd len="sm" w="sm" type="none"/>
+            <a:headEnd type="none" w="sm" len="sm"/>
+            <a:tailEnd type="none" w="sm" len="sm"/>
           </a:ln>
         </p:spPr>
         <p:txBody>
-          <a:bodyPr anchorCtr="0" anchor="ctr" bIns="91425" lIns="91425" spcFirstLastPara="1" rIns="91425" wrap="square" tIns="91425">
+          <a:bodyPr spcFirstLastPara="1" wrap="square" lIns="91425" tIns="91425" rIns="91425" bIns="91425" anchor="ctr" anchorCtr="0">
             <a:noAutofit/>
           </a:bodyPr>
           <a:lstStyle/>
           <a:p>
-            <a:pPr indent="0" lvl="0" marL="0" rtl="0" algn="ctr">
+            <a:pPr marL="0" lvl="0" indent="0" algn="ctr" rtl="0">
               <a:spcBef>
                 <a:spcPts val="0"/>
               </a:spcBef>
@@ -13638,10 +13802,10 @@
               <a:buNone/>
             </a:pPr>
             <a:r>
-              <a:rPr b="1" lang="en-GB" sz="1600"/>
+              <a:rPr lang="en-GB" sz="1600" b="1"/>
               <a:t>predict</a:t>
             </a:r>
-            <a:endParaRPr b="1" sz="1600"/>
+            <a:endParaRPr sz="1600" b="1"/>
           </a:p>
         </p:txBody>
       </p:sp>
@@ -13655,7 +13819,7 @@
           <p:nvPr/>
         </p:nvCxnSpPr>
         <p:spPr>
-          <a:xfrm flipH="1" rot="10800000">
+          <a:xfrm rot="10800000" flipH="1">
             <a:off x="4416200" y="4045800"/>
             <a:ext cx="854100" cy="212400"/>
           </a:xfrm>
@@ -13663,14 +13827,14 @@
             <a:avLst/>
           </a:prstGeom>
           <a:noFill/>
-          <a:ln cap="flat" cmpd="sng" w="28575">
+          <a:ln w="28575" cap="flat" cmpd="sng">
             <a:solidFill>
               <a:srgbClr val="FF0000"/>
             </a:solidFill>
             <a:prstDash val="solid"/>
             <a:round/>
-            <a:headEnd len="med" w="med" type="none"/>
-            <a:tailEnd len="med" w="med" type="none"/>
+            <a:headEnd type="none" w="med" len="med"/>
+            <a:tailEnd type="none" w="med" len="med"/>
           </a:ln>
         </p:spPr>
       </p:cxnSp>
@@ -13683,7 +13847,7 @@
 </file>
 
 <file path=ppt/theme/theme1.xml><?xml version="1.0" encoding="utf-8"?>
-<a:theme xmlns:a="http://schemas.openxmlformats.org/drawingml/2006/main" xmlns:r="http://schemas.openxmlformats.org/officeDocument/2006/relationships" name="Simple Light">
+<a:theme xmlns:a="http://schemas.openxmlformats.org/drawingml/2006/main" name="Simple Light">
   <a:themeElements>
     <a:clrScheme name="Simple Light">
       <a:dk1>
@@ -13958,11 +14122,13 @@
       </a:bgFillStyleLst>
     </a:fmtScheme>
   </a:themeElements>
+  <a:objectDefaults/>
+  <a:extraClrSchemeLst/>
 </a:theme>
 </file>
 
 <file path=ppt/theme/theme2.xml><?xml version="1.0" encoding="utf-8"?>
-<a:theme xmlns:a="http://schemas.openxmlformats.org/drawingml/2006/main" xmlns:r="http://schemas.openxmlformats.org/officeDocument/2006/relationships">
+<a:theme xmlns:a="http://schemas.openxmlformats.org/drawingml/2006/main">
   <a:themeElements>
     <a:clrScheme name="Default">
       <a:dk1>
@@ -14237,5 +14403,7 @@
       </a:bgFillStyleLst>
     </a:fmtScheme>
   </a:themeElements>
+  <a:objectDefaults/>
+  <a:extraClrSchemeLst/>
 </a:theme>
 </file>